--- a/Презентация.pptx
+++ b/Презентация.pptx
@@ -7,6 +7,10 @@
   <p:sldIdLst>
     <p:sldId id="256" r:id="rId3"/>
     <p:sldId id="257" r:id="rId4"/>
+    <p:sldId id="258" r:id="rId5"/>
+    <p:sldId id="259" r:id="rId6"/>
+    <p:sldId id="260" r:id="rId7"/>
+    <p:sldId id="261" r:id="rId8"/>
   </p:sldIdLst>
   <p:sldSz cx="10080625" cy="5670550"/>
   <p:notesSz cx="7559675" cy="10691812"/>
@@ -1668,7 +1672,7 @@
           <a:bodyPr lIns="0" rIns="0" tIns="0" bIns="0"/>
           <a:p>
             <a:pPr algn="r"/>
-            <a:fld id="{198EAA92-CC76-472E-9E95-3C458B9B0E74}" type="slidenum">
+            <a:fld id="{097C51D3-27CC-4200-B304-4901367E6467}" type="slidenum">
               <a:rPr b="0" lang="ru-RU" sz="1400" spc="-1" strike="noStrike">
                 <a:latin typeface="Times New Roman"/>
               </a:rPr>
@@ -1900,6 +1904,354 @@
       </p:par>
     </p:tnLst>
   </p:timing>
+</p:sld>
+</file>
+
+<file path=ppt/slides/slide3.xml><?xml version="1.0" encoding="utf-8"?>
+<p:sld xmlns:a="http://schemas.openxmlformats.org/drawingml/2006/main" xmlns:p="http://schemas.openxmlformats.org/presentationml/2006/main" xmlns:r="http://schemas.openxmlformats.org/officeDocument/2006/relationships" xmlns:p14="http://schemas.microsoft.com/office/powerpoint/2010/main" xmlns:p15="http://schemas.microsoft.com/office/powerpoint/2012/main" xmlns:mc="http://schemas.openxmlformats.org/markup-compatibility/2006">
+  <p:cSld>
+    <p:spTree>
+      <p:nvGrpSpPr>
+        <p:cNvPr id="1" name=""/>
+        <p:cNvGrpSpPr/>
+        <p:nvPr/>
+      </p:nvGrpSpPr>
+      <p:grpSpPr>
+        <a:xfrm>
+          <a:off x="0" y="0"/>
+          <a:ext cx="0" cy="0"/>
+          <a:chOff x="0" y="0"/>
+          <a:chExt cx="0" cy="0"/>
+        </a:xfrm>
+      </p:grpSpPr>
+      <p:sp>
+        <p:nvSpPr>
+          <p:cNvPr id="44" name="TextShape 1"/>
+          <p:cNvSpPr txBox="1"/>
+          <p:nvPr/>
+        </p:nvSpPr>
+        <p:spPr>
+          <a:xfrm>
+            <a:off x="504000" y="187200"/>
+            <a:ext cx="9071640" cy="1024200"/>
+          </a:xfrm>
+          <a:prstGeom prst="rect">
+            <a:avLst/>
+          </a:prstGeom>
+          <a:noFill/>
+          <a:ln>
+            <a:noFill/>
+          </a:ln>
+        </p:spPr>
+        <p:txBody>
+          <a:bodyPr lIns="0" rIns="0" tIns="0" bIns="0" anchor="ctr"/>
+          <a:p>
+            <a:pPr algn="ctr"/>
+            <a:r>
+              <a:rPr b="0" lang="ru-RU" sz="3600" spc="-1" strike="noStrike">
+                <a:latin typeface="Arial"/>
+              </a:rPr>
+              <a:t>В каких задачах это может использоваться</a:t>
+            </a:r>
+            <a:endParaRPr b="0" lang="ru-RU" sz="3600" spc="-1" strike="noStrike">
+              <a:latin typeface="Arial"/>
+            </a:endParaRPr>
+          </a:p>
+        </p:txBody>
+      </p:sp>
+      <p:sp>
+        <p:nvSpPr>
+          <p:cNvPr id="45" name="TextShape 2"/>
+          <p:cNvSpPr txBox="1"/>
+          <p:nvPr/>
+        </p:nvSpPr>
+        <p:spPr>
+          <a:xfrm>
+            <a:off x="504000" y="1326600"/>
+            <a:ext cx="9071640" cy="3288240"/>
+          </a:xfrm>
+          <a:prstGeom prst="rect">
+            <a:avLst/>
+          </a:prstGeom>
+          <a:noFill/>
+          <a:ln>
+            <a:noFill/>
+          </a:ln>
+        </p:spPr>
+        <p:txBody>
+          <a:bodyPr lIns="0" rIns="0" tIns="0" bIns="0">
+            <a:normAutofit/>
+          </a:bodyPr>
+          <a:p>
+            <a:endParaRPr b="0" lang="ru-RU" sz="3200" spc="-1" strike="noStrike">
+              <a:latin typeface="Arial"/>
+            </a:endParaRPr>
+          </a:p>
+        </p:txBody>
+      </p:sp>
+    </p:spTree>
+  </p:cSld>
+</p:sld>
+</file>
+
+<file path=ppt/slides/slide4.xml><?xml version="1.0" encoding="utf-8"?>
+<p:sld xmlns:a="http://schemas.openxmlformats.org/drawingml/2006/main" xmlns:p="http://schemas.openxmlformats.org/presentationml/2006/main" xmlns:r="http://schemas.openxmlformats.org/officeDocument/2006/relationships" xmlns:p14="http://schemas.microsoft.com/office/powerpoint/2010/main" xmlns:p15="http://schemas.microsoft.com/office/powerpoint/2012/main" xmlns:mc="http://schemas.openxmlformats.org/markup-compatibility/2006">
+  <p:cSld>
+    <p:spTree>
+      <p:nvGrpSpPr>
+        <p:cNvPr id="1" name=""/>
+        <p:cNvGrpSpPr/>
+        <p:nvPr/>
+      </p:nvGrpSpPr>
+      <p:grpSpPr>
+        <a:xfrm>
+          <a:off x="0" y="0"/>
+          <a:ext cx="0" cy="0"/>
+          <a:chOff x="0" y="0"/>
+          <a:chExt cx="0" cy="0"/>
+        </a:xfrm>
+      </p:grpSpPr>
+      <p:sp>
+        <p:nvSpPr>
+          <p:cNvPr id="46" name="TextShape 1"/>
+          <p:cNvSpPr txBox="1"/>
+          <p:nvPr/>
+        </p:nvSpPr>
+        <p:spPr>
+          <a:xfrm>
+            <a:off x="504000" y="226080"/>
+            <a:ext cx="9071640" cy="946440"/>
+          </a:xfrm>
+          <a:prstGeom prst="rect">
+            <a:avLst/>
+          </a:prstGeom>
+          <a:noFill/>
+          <a:ln>
+            <a:noFill/>
+          </a:ln>
+        </p:spPr>
+        <p:txBody>
+          <a:bodyPr lIns="0" rIns="0" tIns="0" bIns="0" anchor="ctr"/>
+          <a:p>
+            <a:pPr algn="ctr"/>
+            <a:r>
+              <a:rPr b="0" lang="ru-RU" sz="4400" spc="-1" strike="noStrike">
+                <a:latin typeface="Arial"/>
+              </a:rPr>
+              <a:t>Некоторые свойства</a:t>
+            </a:r>
+            <a:endParaRPr b="0" lang="ru-RU" sz="4400" spc="-1" strike="noStrike">
+              <a:latin typeface="Arial"/>
+            </a:endParaRPr>
+          </a:p>
+        </p:txBody>
+      </p:sp>
+      <p:sp>
+        <p:nvSpPr>
+          <p:cNvPr id="47" name="TextShape 2"/>
+          <p:cNvSpPr txBox="1"/>
+          <p:nvPr/>
+        </p:nvSpPr>
+        <p:spPr>
+          <a:xfrm>
+            <a:off x="504000" y="1326600"/>
+            <a:ext cx="9071640" cy="3288240"/>
+          </a:xfrm>
+          <a:prstGeom prst="rect">
+            <a:avLst/>
+          </a:prstGeom>
+          <a:noFill/>
+          <a:ln>
+            <a:noFill/>
+          </a:ln>
+        </p:spPr>
+        <p:txBody>
+          <a:bodyPr lIns="0" rIns="0" tIns="0" bIns="0">
+            <a:normAutofit/>
+          </a:bodyPr>
+          <a:p>
+            <a:endParaRPr b="0" lang="ru-RU" sz="3200" spc="-1" strike="noStrike">
+              <a:latin typeface="Arial"/>
+            </a:endParaRPr>
+          </a:p>
+        </p:txBody>
+      </p:sp>
+    </p:spTree>
+  </p:cSld>
+</p:sld>
+</file>
+
+<file path=ppt/slides/slide5.xml><?xml version="1.0" encoding="utf-8"?>
+<p:sld xmlns:a="http://schemas.openxmlformats.org/drawingml/2006/main" xmlns:p="http://schemas.openxmlformats.org/presentationml/2006/main" xmlns:r="http://schemas.openxmlformats.org/officeDocument/2006/relationships" xmlns:p14="http://schemas.microsoft.com/office/powerpoint/2010/main" xmlns:p15="http://schemas.microsoft.com/office/powerpoint/2012/main" xmlns:mc="http://schemas.openxmlformats.org/markup-compatibility/2006">
+  <p:cSld>
+    <p:spTree>
+      <p:nvGrpSpPr>
+        <p:cNvPr id="1" name=""/>
+        <p:cNvGrpSpPr/>
+        <p:nvPr/>
+      </p:nvGrpSpPr>
+      <p:grpSpPr>
+        <a:xfrm>
+          <a:off x="0" y="0"/>
+          <a:ext cx="0" cy="0"/>
+          <a:chOff x="0" y="0"/>
+          <a:chExt cx="0" cy="0"/>
+        </a:xfrm>
+      </p:grpSpPr>
+      <p:sp>
+        <p:nvSpPr>
+          <p:cNvPr id="48" name="TextShape 1"/>
+          <p:cNvSpPr txBox="1"/>
+          <p:nvPr/>
+        </p:nvSpPr>
+        <p:spPr>
+          <a:xfrm>
+            <a:off x="504000" y="226080"/>
+            <a:ext cx="9071640" cy="946440"/>
+          </a:xfrm>
+          <a:prstGeom prst="rect">
+            <a:avLst/>
+          </a:prstGeom>
+          <a:noFill/>
+          <a:ln>
+            <a:noFill/>
+          </a:ln>
+        </p:spPr>
+        <p:txBody>
+          <a:bodyPr lIns="0" rIns="0" tIns="0" bIns="0" anchor="ctr"/>
+          <a:p>
+            <a:pPr algn="ctr"/>
+            <a:r>
+              <a:rPr b="0" lang="ru-RU" sz="4400" spc="-1" strike="noStrike">
+                <a:latin typeface="Arial"/>
+              </a:rPr>
+              <a:t>Проделанная работа</a:t>
+            </a:r>
+            <a:endParaRPr b="0" lang="ru-RU" sz="4400" spc="-1" strike="noStrike">
+              <a:latin typeface="Arial"/>
+            </a:endParaRPr>
+          </a:p>
+        </p:txBody>
+      </p:sp>
+      <p:sp>
+        <p:nvSpPr>
+          <p:cNvPr id="49" name="TextShape 2"/>
+          <p:cNvSpPr txBox="1"/>
+          <p:nvPr/>
+        </p:nvSpPr>
+        <p:spPr>
+          <a:xfrm>
+            <a:off x="504000" y="1326600"/>
+            <a:ext cx="9071640" cy="3288240"/>
+          </a:xfrm>
+          <a:prstGeom prst="rect">
+            <a:avLst/>
+          </a:prstGeom>
+          <a:noFill/>
+          <a:ln>
+            <a:noFill/>
+          </a:ln>
+        </p:spPr>
+        <p:txBody>
+          <a:bodyPr lIns="0" rIns="0" tIns="0" bIns="0">
+            <a:normAutofit/>
+          </a:bodyPr>
+          <a:p>
+            <a:endParaRPr b="0" lang="ru-RU" sz="3200" spc="-1" strike="noStrike">
+              <a:latin typeface="Arial"/>
+            </a:endParaRPr>
+          </a:p>
+        </p:txBody>
+      </p:sp>
+    </p:spTree>
+  </p:cSld>
+</p:sld>
+</file>
+
+<file path=ppt/slides/slide6.xml><?xml version="1.0" encoding="utf-8"?>
+<p:sld xmlns:a="http://schemas.openxmlformats.org/drawingml/2006/main" xmlns:p="http://schemas.openxmlformats.org/presentationml/2006/main" xmlns:r="http://schemas.openxmlformats.org/officeDocument/2006/relationships" xmlns:p14="http://schemas.microsoft.com/office/powerpoint/2010/main" xmlns:p15="http://schemas.microsoft.com/office/powerpoint/2012/main" xmlns:mc="http://schemas.openxmlformats.org/markup-compatibility/2006">
+  <p:cSld>
+    <p:spTree>
+      <p:nvGrpSpPr>
+        <p:cNvPr id="1" name=""/>
+        <p:cNvGrpSpPr/>
+        <p:nvPr/>
+      </p:nvGrpSpPr>
+      <p:grpSpPr>
+        <a:xfrm>
+          <a:off x="0" y="0"/>
+          <a:ext cx="0" cy="0"/>
+          <a:chOff x="0" y="0"/>
+          <a:chExt cx="0" cy="0"/>
+        </a:xfrm>
+      </p:grpSpPr>
+      <p:sp>
+        <p:nvSpPr>
+          <p:cNvPr id="50" name="TextShape 1"/>
+          <p:cNvSpPr txBox="1"/>
+          <p:nvPr/>
+        </p:nvSpPr>
+        <p:spPr>
+          <a:xfrm>
+            <a:off x="504000" y="226080"/>
+            <a:ext cx="9071640" cy="946440"/>
+          </a:xfrm>
+          <a:prstGeom prst="rect">
+            <a:avLst/>
+          </a:prstGeom>
+          <a:noFill/>
+          <a:ln>
+            <a:noFill/>
+          </a:ln>
+        </p:spPr>
+        <p:txBody>
+          <a:bodyPr lIns="0" rIns="0" tIns="0" bIns="0" anchor="ctr"/>
+          <a:p>
+            <a:pPr algn="ctr"/>
+            <a:r>
+              <a:rPr b="0" lang="ru-RU" sz="4400" spc="-1" strike="noStrike">
+                <a:latin typeface="Arial"/>
+              </a:rPr>
+              <a:t>Результат</a:t>
+            </a:r>
+            <a:endParaRPr b="0" lang="ru-RU" sz="4400" spc="-1" strike="noStrike">
+              <a:latin typeface="Arial"/>
+            </a:endParaRPr>
+          </a:p>
+        </p:txBody>
+      </p:sp>
+      <p:sp>
+        <p:nvSpPr>
+          <p:cNvPr id="51" name="TextShape 2"/>
+          <p:cNvSpPr txBox="1"/>
+          <p:nvPr/>
+        </p:nvSpPr>
+        <p:spPr>
+          <a:xfrm>
+            <a:off x="504000" y="1326600"/>
+            <a:ext cx="9071640" cy="3288240"/>
+          </a:xfrm>
+          <a:prstGeom prst="rect">
+            <a:avLst/>
+          </a:prstGeom>
+          <a:noFill/>
+          <a:ln>
+            <a:noFill/>
+          </a:ln>
+        </p:spPr>
+        <p:txBody>
+          <a:bodyPr lIns="0" rIns="0" tIns="0" bIns="0">
+            <a:normAutofit/>
+          </a:bodyPr>
+          <a:p>
+            <a:endParaRPr b="0" lang="ru-RU" sz="3200" spc="-1" strike="noStrike">
+              <a:latin typeface="Arial"/>
+            </a:endParaRPr>
+          </a:p>
+        </p:txBody>
+      </p:sp>
+    </p:spTree>
+  </p:cSld>
 </p:sld>
 </file>
 

--- a/Презентация.pptx
+++ b/Презентация.pptx
@@ -1,24 +1,122 @@
 
 <file path=ppt/presentation.xml><?xml version="1.0" encoding="utf-8"?>
-<p:presentation xmlns:a="http://schemas.openxmlformats.org/drawingml/2006/main" xmlns:p="http://schemas.openxmlformats.org/presentationml/2006/main" xmlns:r="http://schemas.openxmlformats.org/officeDocument/2006/relationships" xmlns:p14="http://schemas.microsoft.com/office/powerpoint/2010/main" xmlns:p15="http://schemas.microsoft.com/office/powerpoint/2012/main" xmlns:mc="http://schemas.openxmlformats.org/markup-compatibility/2006">
+<p:presentation xmlns:a="http://schemas.openxmlformats.org/drawingml/2006/main" xmlns:r="http://schemas.openxmlformats.org/officeDocument/2006/relationships" xmlns:p="http://schemas.openxmlformats.org/presentationml/2006/main">
   <p:sldMasterIdLst>
-    <p:sldMasterId id="2147483648" r:id="rId2"/>
+    <p:sldMasterId id="2147483648" r:id="rId1"/>
   </p:sldMasterIdLst>
   <p:sldIdLst>
-    <p:sldId id="256" r:id="rId3"/>
+    <p:sldId id="256" r:id="rId2"/>
+    <p:sldId id="262" r:id="rId3"/>
     <p:sldId id="257" r:id="rId4"/>
     <p:sldId id="258" r:id="rId5"/>
-    <p:sldId id="259" r:id="rId6"/>
-    <p:sldId id="260" r:id="rId7"/>
-    <p:sldId id="261" r:id="rId8"/>
+    <p:sldId id="263" r:id="rId6"/>
+    <p:sldId id="264" r:id="rId7"/>
+    <p:sldId id="259" r:id="rId8"/>
+    <p:sldId id="260" r:id="rId9"/>
+    <p:sldId id="261" r:id="rId10"/>
   </p:sldIdLst>
   <p:sldSz cx="10080625" cy="5670550"/>
-  <p:notesSz cx="7559675" cy="10691812"/>
+  <p:notesSz cx="7559675" cy="10691813"/>
+  <p:defaultTextStyle>
+    <a:defPPr>
+      <a:defRPr lang="ru-RU"/>
+    </a:defPPr>
+    <a:lvl1pPr marL="0" algn="l" defTabSz="914400" rtl="0" eaLnBrk="1" latinLnBrk="0" hangingPunct="1">
+      <a:defRPr sz="1800" kern="1200">
+        <a:solidFill>
+          <a:schemeClr val="tx1"/>
+        </a:solidFill>
+        <a:latin typeface="+mn-lt"/>
+        <a:ea typeface="+mn-ea"/>
+        <a:cs typeface="+mn-cs"/>
+      </a:defRPr>
+    </a:lvl1pPr>
+    <a:lvl2pPr marL="457200" algn="l" defTabSz="914400" rtl="0" eaLnBrk="1" latinLnBrk="0" hangingPunct="1">
+      <a:defRPr sz="1800" kern="1200">
+        <a:solidFill>
+          <a:schemeClr val="tx1"/>
+        </a:solidFill>
+        <a:latin typeface="+mn-lt"/>
+        <a:ea typeface="+mn-ea"/>
+        <a:cs typeface="+mn-cs"/>
+      </a:defRPr>
+    </a:lvl2pPr>
+    <a:lvl3pPr marL="914400" algn="l" defTabSz="914400" rtl="0" eaLnBrk="1" latinLnBrk="0" hangingPunct="1">
+      <a:defRPr sz="1800" kern="1200">
+        <a:solidFill>
+          <a:schemeClr val="tx1"/>
+        </a:solidFill>
+        <a:latin typeface="+mn-lt"/>
+        <a:ea typeface="+mn-ea"/>
+        <a:cs typeface="+mn-cs"/>
+      </a:defRPr>
+    </a:lvl3pPr>
+    <a:lvl4pPr marL="1371600" algn="l" defTabSz="914400" rtl="0" eaLnBrk="1" latinLnBrk="0" hangingPunct="1">
+      <a:defRPr sz="1800" kern="1200">
+        <a:solidFill>
+          <a:schemeClr val="tx1"/>
+        </a:solidFill>
+        <a:latin typeface="+mn-lt"/>
+        <a:ea typeface="+mn-ea"/>
+        <a:cs typeface="+mn-cs"/>
+      </a:defRPr>
+    </a:lvl4pPr>
+    <a:lvl5pPr marL="1828800" algn="l" defTabSz="914400" rtl="0" eaLnBrk="1" latinLnBrk="0" hangingPunct="1">
+      <a:defRPr sz="1800" kern="1200">
+        <a:solidFill>
+          <a:schemeClr val="tx1"/>
+        </a:solidFill>
+        <a:latin typeface="+mn-lt"/>
+        <a:ea typeface="+mn-ea"/>
+        <a:cs typeface="+mn-cs"/>
+      </a:defRPr>
+    </a:lvl5pPr>
+    <a:lvl6pPr marL="2286000" algn="l" defTabSz="914400" rtl="0" eaLnBrk="1" latinLnBrk="0" hangingPunct="1">
+      <a:defRPr sz="1800" kern="1200">
+        <a:solidFill>
+          <a:schemeClr val="tx1"/>
+        </a:solidFill>
+        <a:latin typeface="+mn-lt"/>
+        <a:ea typeface="+mn-ea"/>
+        <a:cs typeface="+mn-cs"/>
+      </a:defRPr>
+    </a:lvl6pPr>
+    <a:lvl7pPr marL="2743200" algn="l" defTabSz="914400" rtl="0" eaLnBrk="1" latinLnBrk="0" hangingPunct="1">
+      <a:defRPr sz="1800" kern="1200">
+        <a:solidFill>
+          <a:schemeClr val="tx1"/>
+        </a:solidFill>
+        <a:latin typeface="+mn-lt"/>
+        <a:ea typeface="+mn-ea"/>
+        <a:cs typeface="+mn-cs"/>
+      </a:defRPr>
+    </a:lvl7pPr>
+    <a:lvl8pPr marL="3200400" algn="l" defTabSz="914400" rtl="0" eaLnBrk="1" latinLnBrk="0" hangingPunct="1">
+      <a:defRPr sz="1800" kern="1200">
+        <a:solidFill>
+          <a:schemeClr val="tx1"/>
+        </a:solidFill>
+        <a:latin typeface="+mn-lt"/>
+        <a:ea typeface="+mn-ea"/>
+        <a:cs typeface="+mn-cs"/>
+      </a:defRPr>
+    </a:lvl8pPr>
+    <a:lvl9pPr marL="3657600" algn="l" defTabSz="914400" rtl="0" eaLnBrk="1" latinLnBrk="0" hangingPunct="1">
+      <a:defRPr sz="1800" kern="1200">
+        <a:solidFill>
+          <a:schemeClr val="tx1"/>
+        </a:solidFill>
+        <a:latin typeface="+mn-lt"/>
+        <a:ea typeface="+mn-ea"/>
+        <a:cs typeface="+mn-cs"/>
+      </a:defRPr>
+    </a:lvl9pPr>
+  </p:defaultTextStyle>
 </p:presentation>
 </file>
 
 <file path=ppt/slideLayouts/slideLayout1.xml><?xml version="1.0" encoding="utf-8"?>
-<p:sldLayout xmlns:a="http://schemas.openxmlformats.org/drawingml/2006/main" xmlns:p="http://schemas.openxmlformats.org/presentationml/2006/main" xmlns:r="http://schemas.openxmlformats.org/officeDocument/2006/relationships" xmlns:p14="http://schemas.microsoft.com/office/powerpoint/2010/main" xmlns:p15="http://schemas.microsoft.com/office/powerpoint/2012/main" xmlns:mc="http://schemas.openxmlformats.org/markup-compatibility/2006" type="blank" preserve="1">
+<p:sldLayout xmlns:a="http://schemas.openxmlformats.org/drawingml/2006/main" xmlns:r="http://schemas.openxmlformats.org/officeDocument/2006/relationships" xmlns:p="http://schemas.openxmlformats.org/presentationml/2006/main" type="blank" preserve="1">
   <p:cSld name="Blank Slide">
     <p:spTree>
       <p:nvGrpSpPr>
@@ -36,11 +134,14 @@
       </p:grpSpPr>
     </p:spTree>
   </p:cSld>
+  <p:clrMapOvr>
+    <a:masterClrMapping/>
+  </p:clrMapOvr>
 </p:sldLayout>
 </file>
 
 <file path=ppt/slideLayouts/slideLayout10.xml><?xml version="1.0" encoding="utf-8"?>
-<p:sldLayout xmlns:a="http://schemas.openxmlformats.org/drawingml/2006/main" xmlns:p="http://schemas.openxmlformats.org/presentationml/2006/main" xmlns:r="http://schemas.openxmlformats.org/officeDocument/2006/relationships" xmlns:p14="http://schemas.microsoft.com/office/powerpoint/2010/main" xmlns:p15="http://schemas.microsoft.com/office/powerpoint/2012/main" xmlns:mc="http://schemas.openxmlformats.org/markup-compatibility/2006" type="objOverTx" preserve="1">
+<p:sldLayout xmlns:a="http://schemas.openxmlformats.org/drawingml/2006/main" xmlns:r="http://schemas.openxmlformats.org/officeDocument/2006/relationships" xmlns:p="http://schemas.openxmlformats.org/presentationml/2006/main" type="objOverTx" preserve="1">
   <p:cSld name="Title, Content over Content">
     <p:spTree>
       <p:nvGrpSpPr>
@@ -76,10 +177,11 @@
           </a:prstGeom>
         </p:spPr>
         <p:txBody>
-          <a:bodyPr lIns="0" rIns="0" tIns="0" bIns="0" anchor="ctr"/>
+          <a:bodyPr lIns="0" tIns="0" rIns="0" bIns="0" anchor="ctr"/>
+          <a:lstStyle/>
           <a:p>
             <a:pPr algn="ctr"/>
-            <a:endParaRPr b="0" lang="ru-RU" sz="4400" spc="-1" strike="noStrike">
+            <a:endParaRPr lang="ru-RU" sz="4400" b="0" strike="noStrike" spc="-1">
               <a:latin typeface="Arial"/>
             </a:endParaRPr>
           </a:p>
@@ -105,11 +207,12 @@
           </a:prstGeom>
         </p:spPr>
         <p:txBody>
-          <a:bodyPr lIns="0" rIns="0" tIns="0" bIns="0">
+          <a:bodyPr lIns="0" tIns="0" rIns="0" bIns="0">
             <a:normAutofit/>
           </a:bodyPr>
-          <a:p>
-            <a:endParaRPr b="0" lang="ru-RU" sz="3200" spc="-1" strike="noStrike">
+          <a:lstStyle/>
+          <a:p>
+            <a:endParaRPr lang="ru-RU" sz="3200" b="0" strike="noStrike" spc="-1">
               <a:latin typeface="Arial"/>
             </a:endParaRPr>
           </a:p>
@@ -135,11 +238,12 @@
           </a:prstGeom>
         </p:spPr>
         <p:txBody>
-          <a:bodyPr lIns="0" rIns="0" tIns="0" bIns="0">
+          <a:bodyPr lIns="0" tIns="0" rIns="0" bIns="0">
             <a:normAutofit/>
           </a:bodyPr>
-          <a:p>
-            <a:endParaRPr b="0" lang="ru-RU" sz="3200" spc="-1" strike="noStrike">
+          <a:lstStyle/>
+          <a:p>
+            <a:endParaRPr lang="ru-RU" sz="3200" b="0" strike="noStrike" spc="-1">
               <a:latin typeface="Arial"/>
             </a:endParaRPr>
           </a:p>
@@ -147,11 +251,14 @@
       </p:sp>
     </p:spTree>
   </p:cSld>
+  <p:clrMapOvr>
+    <a:masterClrMapping/>
+  </p:clrMapOvr>
 </p:sldLayout>
 </file>
 
 <file path=ppt/slideLayouts/slideLayout11.xml><?xml version="1.0" encoding="utf-8"?>
-<p:sldLayout xmlns:a="http://schemas.openxmlformats.org/drawingml/2006/main" xmlns:p="http://schemas.openxmlformats.org/presentationml/2006/main" xmlns:r="http://schemas.openxmlformats.org/officeDocument/2006/relationships" xmlns:p14="http://schemas.microsoft.com/office/powerpoint/2010/main" xmlns:p15="http://schemas.microsoft.com/office/powerpoint/2012/main" xmlns:mc="http://schemas.openxmlformats.org/markup-compatibility/2006" type="fourObj" preserve="1">
+<p:sldLayout xmlns:a="http://schemas.openxmlformats.org/drawingml/2006/main" xmlns:r="http://schemas.openxmlformats.org/officeDocument/2006/relationships" xmlns:p="http://schemas.openxmlformats.org/presentationml/2006/main" type="fourObj" preserve="1">
   <p:cSld name="Title, 4 Content">
     <p:spTree>
       <p:nvGrpSpPr>
@@ -187,10 +294,11 @@
           </a:prstGeom>
         </p:spPr>
         <p:txBody>
-          <a:bodyPr lIns="0" rIns="0" tIns="0" bIns="0" anchor="ctr"/>
+          <a:bodyPr lIns="0" tIns="0" rIns="0" bIns="0" anchor="ctr"/>
+          <a:lstStyle/>
           <a:p>
             <a:pPr algn="ctr"/>
-            <a:endParaRPr b="0" lang="ru-RU" sz="4400" spc="-1" strike="noStrike">
+            <a:endParaRPr lang="ru-RU" sz="4400" b="0" strike="noStrike" spc="-1">
               <a:latin typeface="Arial"/>
             </a:endParaRPr>
           </a:p>
@@ -216,11 +324,12 @@
           </a:prstGeom>
         </p:spPr>
         <p:txBody>
-          <a:bodyPr lIns="0" rIns="0" tIns="0" bIns="0">
+          <a:bodyPr lIns="0" tIns="0" rIns="0" bIns="0">
             <a:normAutofit/>
           </a:bodyPr>
-          <a:p>
-            <a:endParaRPr b="0" lang="ru-RU" sz="3200" spc="-1" strike="noStrike">
+          <a:lstStyle/>
+          <a:p>
+            <a:endParaRPr lang="ru-RU" sz="3200" b="0" strike="noStrike" spc="-1">
               <a:latin typeface="Arial"/>
             </a:endParaRPr>
           </a:p>
@@ -246,11 +355,12 @@
           </a:prstGeom>
         </p:spPr>
         <p:txBody>
-          <a:bodyPr lIns="0" rIns="0" tIns="0" bIns="0">
+          <a:bodyPr lIns="0" tIns="0" rIns="0" bIns="0">
             <a:normAutofit/>
           </a:bodyPr>
-          <a:p>
-            <a:endParaRPr b="0" lang="ru-RU" sz="3200" spc="-1" strike="noStrike">
+          <a:lstStyle/>
+          <a:p>
+            <a:endParaRPr lang="ru-RU" sz="3200" b="0" strike="noStrike" spc="-1">
               <a:latin typeface="Arial"/>
             </a:endParaRPr>
           </a:p>
@@ -276,11 +386,12 @@
           </a:prstGeom>
         </p:spPr>
         <p:txBody>
-          <a:bodyPr lIns="0" rIns="0" tIns="0" bIns="0">
+          <a:bodyPr lIns="0" tIns="0" rIns="0" bIns="0">
             <a:normAutofit/>
           </a:bodyPr>
-          <a:p>
-            <a:endParaRPr b="0" lang="ru-RU" sz="3200" spc="-1" strike="noStrike">
+          <a:lstStyle/>
+          <a:p>
+            <a:endParaRPr lang="ru-RU" sz="3200" b="0" strike="noStrike" spc="-1">
               <a:latin typeface="Arial"/>
             </a:endParaRPr>
           </a:p>
@@ -306,11 +417,12 @@
           </a:prstGeom>
         </p:spPr>
         <p:txBody>
-          <a:bodyPr lIns="0" rIns="0" tIns="0" bIns="0">
+          <a:bodyPr lIns="0" tIns="0" rIns="0" bIns="0">
             <a:normAutofit/>
           </a:bodyPr>
-          <a:p>
-            <a:endParaRPr b="0" lang="ru-RU" sz="3200" spc="-1" strike="noStrike">
+          <a:lstStyle/>
+          <a:p>
+            <a:endParaRPr lang="ru-RU" sz="3200" b="0" strike="noStrike" spc="-1">
               <a:latin typeface="Arial"/>
             </a:endParaRPr>
           </a:p>
@@ -318,11 +430,14 @@
       </p:sp>
     </p:spTree>
   </p:cSld>
+  <p:clrMapOvr>
+    <a:masterClrMapping/>
+  </p:clrMapOvr>
 </p:sldLayout>
 </file>
 
 <file path=ppt/slideLayouts/slideLayout12.xml><?xml version="1.0" encoding="utf-8"?>
-<p:sldLayout xmlns:a="http://schemas.openxmlformats.org/drawingml/2006/main" xmlns:p="http://schemas.openxmlformats.org/presentationml/2006/main" xmlns:r="http://schemas.openxmlformats.org/officeDocument/2006/relationships" xmlns:p14="http://schemas.microsoft.com/office/powerpoint/2010/main" xmlns:p15="http://schemas.microsoft.com/office/powerpoint/2012/main" xmlns:mc="http://schemas.openxmlformats.org/markup-compatibility/2006" type="blank" preserve="1">
+<p:sldLayout xmlns:a="http://schemas.openxmlformats.org/drawingml/2006/main" xmlns:r="http://schemas.openxmlformats.org/officeDocument/2006/relationships" xmlns:p="http://schemas.openxmlformats.org/presentationml/2006/main" type="blank" preserve="1">
   <p:cSld name="Title, 6 Content">
     <p:spTree>
       <p:nvGrpSpPr>
@@ -358,10 +473,11 @@
           </a:prstGeom>
         </p:spPr>
         <p:txBody>
-          <a:bodyPr lIns="0" rIns="0" tIns="0" bIns="0" anchor="ctr"/>
+          <a:bodyPr lIns="0" tIns="0" rIns="0" bIns="0" anchor="ctr"/>
+          <a:lstStyle/>
           <a:p>
             <a:pPr algn="ctr"/>
-            <a:endParaRPr b="0" lang="ru-RU" sz="4400" spc="-1" strike="noStrike">
+            <a:endParaRPr lang="ru-RU" sz="4400" b="0" strike="noStrike" spc="-1">
               <a:latin typeface="Arial"/>
             </a:endParaRPr>
           </a:p>
@@ -387,11 +503,12 @@
           </a:prstGeom>
         </p:spPr>
         <p:txBody>
-          <a:bodyPr lIns="0" rIns="0" tIns="0" bIns="0">
+          <a:bodyPr lIns="0" tIns="0" rIns="0" bIns="0">
             <a:normAutofit/>
           </a:bodyPr>
-          <a:p>
-            <a:endParaRPr b="0" lang="ru-RU" sz="3200" spc="-1" strike="noStrike">
+          <a:lstStyle/>
+          <a:p>
+            <a:endParaRPr lang="ru-RU" sz="3200" b="0" strike="noStrike" spc="-1">
               <a:latin typeface="Arial"/>
             </a:endParaRPr>
           </a:p>
@@ -417,11 +534,12 @@
           </a:prstGeom>
         </p:spPr>
         <p:txBody>
-          <a:bodyPr lIns="0" rIns="0" tIns="0" bIns="0">
+          <a:bodyPr lIns="0" tIns="0" rIns="0" bIns="0">
             <a:normAutofit/>
           </a:bodyPr>
-          <a:p>
-            <a:endParaRPr b="0" lang="ru-RU" sz="3200" spc="-1" strike="noStrike">
+          <a:lstStyle/>
+          <a:p>
+            <a:endParaRPr lang="ru-RU" sz="3200" b="0" strike="noStrike" spc="-1">
               <a:latin typeface="Arial"/>
             </a:endParaRPr>
           </a:p>
@@ -447,11 +565,12 @@
           </a:prstGeom>
         </p:spPr>
         <p:txBody>
-          <a:bodyPr lIns="0" rIns="0" tIns="0" bIns="0">
+          <a:bodyPr lIns="0" tIns="0" rIns="0" bIns="0">
             <a:normAutofit/>
           </a:bodyPr>
-          <a:p>
-            <a:endParaRPr b="0" lang="ru-RU" sz="3200" spc="-1" strike="noStrike">
+          <a:lstStyle/>
+          <a:p>
+            <a:endParaRPr lang="ru-RU" sz="3200" b="0" strike="noStrike" spc="-1">
               <a:latin typeface="Arial"/>
             </a:endParaRPr>
           </a:p>
@@ -477,11 +596,12 @@
           </a:prstGeom>
         </p:spPr>
         <p:txBody>
-          <a:bodyPr lIns="0" rIns="0" tIns="0" bIns="0">
+          <a:bodyPr lIns="0" tIns="0" rIns="0" bIns="0">
             <a:normAutofit/>
           </a:bodyPr>
-          <a:p>
-            <a:endParaRPr b="0" lang="ru-RU" sz="3200" spc="-1" strike="noStrike">
+          <a:lstStyle/>
+          <a:p>
+            <a:endParaRPr lang="ru-RU" sz="3200" b="0" strike="noStrike" spc="-1">
               <a:latin typeface="Arial"/>
             </a:endParaRPr>
           </a:p>
@@ -507,11 +627,12 @@
           </a:prstGeom>
         </p:spPr>
         <p:txBody>
-          <a:bodyPr lIns="0" rIns="0" tIns="0" bIns="0">
+          <a:bodyPr lIns="0" tIns="0" rIns="0" bIns="0">
             <a:normAutofit/>
           </a:bodyPr>
-          <a:p>
-            <a:endParaRPr b="0" lang="ru-RU" sz="3200" spc="-1" strike="noStrike">
+          <a:lstStyle/>
+          <a:p>
+            <a:endParaRPr lang="ru-RU" sz="3200" b="0" strike="noStrike" spc="-1">
               <a:latin typeface="Arial"/>
             </a:endParaRPr>
           </a:p>
@@ -537,11 +658,12 @@
           </a:prstGeom>
         </p:spPr>
         <p:txBody>
-          <a:bodyPr lIns="0" rIns="0" tIns="0" bIns="0">
+          <a:bodyPr lIns="0" tIns="0" rIns="0" bIns="0">
             <a:normAutofit/>
           </a:bodyPr>
-          <a:p>
-            <a:endParaRPr b="0" lang="ru-RU" sz="3200" spc="-1" strike="noStrike">
+          <a:lstStyle/>
+          <a:p>
+            <a:endParaRPr lang="ru-RU" sz="3200" b="0" strike="noStrike" spc="-1">
               <a:latin typeface="Arial"/>
             </a:endParaRPr>
           </a:p>
@@ -549,11 +671,14 @@
       </p:sp>
     </p:spTree>
   </p:cSld>
+  <p:clrMapOvr>
+    <a:masterClrMapping/>
+  </p:clrMapOvr>
 </p:sldLayout>
 </file>
 
 <file path=ppt/slideLayouts/slideLayout2.xml><?xml version="1.0" encoding="utf-8"?>
-<p:sldLayout xmlns:a="http://schemas.openxmlformats.org/drawingml/2006/main" xmlns:p="http://schemas.openxmlformats.org/presentationml/2006/main" xmlns:r="http://schemas.openxmlformats.org/officeDocument/2006/relationships" xmlns:p14="http://schemas.microsoft.com/office/powerpoint/2010/main" xmlns:p15="http://schemas.microsoft.com/office/powerpoint/2012/main" xmlns:mc="http://schemas.openxmlformats.org/markup-compatibility/2006" type="tx" preserve="1">
+<p:sldLayout xmlns:a="http://schemas.openxmlformats.org/drawingml/2006/main" xmlns:r="http://schemas.openxmlformats.org/officeDocument/2006/relationships" xmlns:p="http://schemas.openxmlformats.org/presentationml/2006/main" type="tx" preserve="1">
   <p:cSld name="Title Slide">
     <p:spTree>
       <p:nvGrpSpPr>
@@ -589,10 +714,11 @@
           </a:prstGeom>
         </p:spPr>
         <p:txBody>
-          <a:bodyPr lIns="0" rIns="0" tIns="0" bIns="0" anchor="ctr"/>
+          <a:bodyPr lIns="0" tIns="0" rIns="0" bIns="0" anchor="ctr"/>
+          <a:lstStyle/>
           <a:p>
             <a:pPr algn="ctr"/>
-            <a:endParaRPr b="0" lang="ru-RU" sz="4400" spc="-1" strike="noStrike">
+            <a:endParaRPr lang="ru-RU" sz="4400" b="0" strike="noStrike" spc="-1">
               <a:latin typeface="Arial"/>
             </a:endParaRPr>
           </a:p>
@@ -618,10 +744,11 @@
           </a:prstGeom>
         </p:spPr>
         <p:txBody>
-          <a:bodyPr lIns="0" rIns="0" tIns="0" bIns="0" anchor="ctr"/>
+          <a:bodyPr lIns="0" tIns="0" rIns="0" bIns="0" anchor="ctr"/>
+          <a:lstStyle/>
           <a:p>
             <a:pPr algn="ctr"/>
-            <a:endParaRPr b="0" lang="ru-RU" sz="3200" spc="-1" strike="noStrike">
+            <a:endParaRPr lang="ru-RU" sz="3200" b="0" strike="noStrike" spc="-1">
               <a:latin typeface="Arial"/>
             </a:endParaRPr>
           </a:p>
@@ -629,11 +756,14 @@
       </p:sp>
     </p:spTree>
   </p:cSld>
+  <p:clrMapOvr>
+    <a:masterClrMapping/>
+  </p:clrMapOvr>
 </p:sldLayout>
 </file>
 
 <file path=ppt/slideLayouts/slideLayout3.xml><?xml version="1.0" encoding="utf-8"?>
-<p:sldLayout xmlns:a="http://schemas.openxmlformats.org/drawingml/2006/main" xmlns:p="http://schemas.openxmlformats.org/presentationml/2006/main" xmlns:r="http://schemas.openxmlformats.org/officeDocument/2006/relationships" xmlns:p14="http://schemas.microsoft.com/office/powerpoint/2010/main" xmlns:p15="http://schemas.microsoft.com/office/powerpoint/2012/main" xmlns:mc="http://schemas.openxmlformats.org/markup-compatibility/2006" type="obj" preserve="1">
+<p:sldLayout xmlns:a="http://schemas.openxmlformats.org/drawingml/2006/main" xmlns:r="http://schemas.openxmlformats.org/officeDocument/2006/relationships" xmlns:p="http://schemas.openxmlformats.org/presentationml/2006/main" type="obj" preserve="1">
   <p:cSld name="Title, Content">
     <p:spTree>
       <p:nvGrpSpPr>
@@ -669,10 +799,11 @@
           </a:prstGeom>
         </p:spPr>
         <p:txBody>
-          <a:bodyPr lIns="0" rIns="0" tIns="0" bIns="0" anchor="ctr"/>
+          <a:bodyPr lIns="0" tIns="0" rIns="0" bIns="0" anchor="ctr"/>
+          <a:lstStyle/>
           <a:p>
             <a:pPr algn="ctr"/>
-            <a:endParaRPr b="0" lang="ru-RU" sz="4400" spc="-1" strike="noStrike">
+            <a:endParaRPr lang="ru-RU" sz="4400" b="0" strike="noStrike" spc="-1">
               <a:latin typeface="Arial"/>
             </a:endParaRPr>
           </a:p>
@@ -698,11 +829,12 @@
           </a:prstGeom>
         </p:spPr>
         <p:txBody>
-          <a:bodyPr lIns="0" rIns="0" tIns="0" bIns="0">
+          <a:bodyPr lIns="0" tIns="0" rIns="0" bIns="0">
             <a:normAutofit/>
           </a:bodyPr>
-          <a:p>
-            <a:endParaRPr b="0" lang="ru-RU" sz="3200" spc="-1" strike="noStrike">
+          <a:lstStyle/>
+          <a:p>
+            <a:endParaRPr lang="ru-RU" sz="3200" b="0" strike="noStrike" spc="-1">
               <a:latin typeface="Arial"/>
             </a:endParaRPr>
           </a:p>
@@ -710,11 +842,14 @@
       </p:sp>
     </p:spTree>
   </p:cSld>
+  <p:clrMapOvr>
+    <a:masterClrMapping/>
+  </p:clrMapOvr>
 </p:sldLayout>
 </file>
 
 <file path=ppt/slideLayouts/slideLayout4.xml><?xml version="1.0" encoding="utf-8"?>
-<p:sldLayout xmlns:a="http://schemas.openxmlformats.org/drawingml/2006/main" xmlns:p="http://schemas.openxmlformats.org/presentationml/2006/main" xmlns:r="http://schemas.openxmlformats.org/officeDocument/2006/relationships" xmlns:p14="http://schemas.microsoft.com/office/powerpoint/2010/main" xmlns:p15="http://schemas.microsoft.com/office/powerpoint/2012/main" xmlns:mc="http://schemas.openxmlformats.org/markup-compatibility/2006" type="twoObj" preserve="1">
+<p:sldLayout xmlns:a="http://schemas.openxmlformats.org/drawingml/2006/main" xmlns:r="http://schemas.openxmlformats.org/officeDocument/2006/relationships" xmlns:p="http://schemas.openxmlformats.org/presentationml/2006/main" type="twoObj" preserve="1">
   <p:cSld name="Title, 2 Content">
     <p:spTree>
       <p:nvGrpSpPr>
@@ -750,10 +885,11 @@
           </a:prstGeom>
         </p:spPr>
         <p:txBody>
-          <a:bodyPr lIns="0" rIns="0" tIns="0" bIns="0" anchor="ctr"/>
+          <a:bodyPr lIns="0" tIns="0" rIns="0" bIns="0" anchor="ctr"/>
+          <a:lstStyle/>
           <a:p>
             <a:pPr algn="ctr"/>
-            <a:endParaRPr b="0" lang="ru-RU" sz="4400" spc="-1" strike="noStrike">
+            <a:endParaRPr lang="ru-RU" sz="4400" b="0" strike="noStrike" spc="-1">
               <a:latin typeface="Arial"/>
             </a:endParaRPr>
           </a:p>
@@ -779,11 +915,12 @@
           </a:prstGeom>
         </p:spPr>
         <p:txBody>
-          <a:bodyPr lIns="0" rIns="0" tIns="0" bIns="0">
+          <a:bodyPr lIns="0" tIns="0" rIns="0" bIns="0">
             <a:normAutofit/>
           </a:bodyPr>
-          <a:p>
-            <a:endParaRPr b="0" lang="ru-RU" sz="3200" spc="-1" strike="noStrike">
+          <a:lstStyle/>
+          <a:p>
+            <a:endParaRPr lang="ru-RU" sz="3200" b="0" strike="noStrike" spc="-1">
               <a:latin typeface="Arial"/>
             </a:endParaRPr>
           </a:p>
@@ -809,11 +946,12 @@
           </a:prstGeom>
         </p:spPr>
         <p:txBody>
-          <a:bodyPr lIns="0" rIns="0" tIns="0" bIns="0">
+          <a:bodyPr lIns="0" tIns="0" rIns="0" bIns="0">
             <a:normAutofit/>
           </a:bodyPr>
-          <a:p>
-            <a:endParaRPr b="0" lang="ru-RU" sz="3200" spc="-1" strike="noStrike">
+          <a:lstStyle/>
+          <a:p>
+            <a:endParaRPr lang="ru-RU" sz="3200" b="0" strike="noStrike" spc="-1">
               <a:latin typeface="Arial"/>
             </a:endParaRPr>
           </a:p>
@@ -821,11 +959,14 @@
       </p:sp>
     </p:spTree>
   </p:cSld>
+  <p:clrMapOvr>
+    <a:masterClrMapping/>
+  </p:clrMapOvr>
 </p:sldLayout>
 </file>
 
 <file path=ppt/slideLayouts/slideLayout5.xml><?xml version="1.0" encoding="utf-8"?>
-<p:sldLayout xmlns:a="http://schemas.openxmlformats.org/drawingml/2006/main" xmlns:p="http://schemas.openxmlformats.org/presentationml/2006/main" xmlns:r="http://schemas.openxmlformats.org/officeDocument/2006/relationships" xmlns:p14="http://schemas.microsoft.com/office/powerpoint/2010/main" xmlns:p15="http://schemas.microsoft.com/office/powerpoint/2012/main" xmlns:mc="http://schemas.openxmlformats.org/markup-compatibility/2006" type="titleOnly" preserve="1">
+<p:sldLayout xmlns:a="http://schemas.openxmlformats.org/drawingml/2006/main" xmlns:r="http://schemas.openxmlformats.org/officeDocument/2006/relationships" xmlns:p="http://schemas.openxmlformats.org/presentationml/2006/main" type="titleOnly" preserve="1">
   <p:cSld name="Title Only">
     <p:spTree>
       <p:nvGrpSpPr>
@@ -861,10 +1002,11 @@
           </a:prstGeom>
         </p:spPr>
         <p:txBody>
-          <a:bodyPr lIns="0" rIns="0" tIns="0" bIns="0" anchor="ctr"/>
+          <a:bodyPr lIns="0" tIns="0" rIns="0" bIns="0" anchor="ctr"/>
+          <a:lstStyle/>
           <a:p>
             <a:pPr algn="ctr"/>
-            <a:endParaRPr b="0" lang="ru-RU" sz="4400" spc="-1" strike="noStrike">
+            <a:endParaRPr lang="ru-RU" sz="4400" b="0" strike="noStrike" spc="-1">
               <a:latin typeface="Arial"/>
             </a:endParaRPr>
           </a:p>
@@ -872,11 +1014,14 @@
       </p:sp>
     </p:spTree>
   </p:cSld>
+  <p:clrMapOvr>
+    <a:masterClrMapping/>
+  </p:clrMapOvr>
 </p:sldLayout>
 </file>
 
 <file path=ppt/slideLayouts/slideLayout6.xml><?xml version="1.0" encoding="utf-8"?>
-<p:sldLayout xmlns:a="http://schemas.openxmlformats.org/drawingml/2006/main" xmlns:p="http://schemas.openxmlformats.org/presentationml/2006/main" xmlns:r="http://schemas.openxmlformats.org/officeDocument/2006/relationships" xmlns:p14="http://schemas.microsoft.com/office/powerpoint/2010/main" xmlns:p15="http://schemas.microsoft.com/office/powerpoint/2012/main" xmlns:mc="http://schemas.openxmlformats.org/markup-compatibility/2006" type="objOnly" preserve="1">
+<p:sldLayout xmlns:a="http://schemas.openxmlformats.org/drawingml/2006/main" xmlns:r="http://schemas.openxmlformats.org/officeDocument/2006/relationships" xmlns:p="http://schemas.openxmlformats.org/presentationml/2006/main" type="objOnly" preserve="1">
   <p:cSld name="Centered Text">
     <p:spTree>
       <p:nvGrpSpPr>
@@ -912,10 +1057,11 @@
           </a:prstGeom>
         </p:spPr>
         <p:txBody>
-          <a:bodyPr lIns="0" rIns="0" tIns="0" bIns="0" anchor="ctr"/>
+          <a:bodyPr lIns="0" tIns="0" rIns="0" bIns="0" anchor="ctr"/>
+          <a:lstStyle/>
           <a:p>
             <a:pPr algn="ctr"/>
-            <a:endParaRPr b="0" lang="ru-RU" sz="3200" spc="-1" strike="noStrike">
+            <a:endParaRPr lang="ru-RU" sz="3200" b="0" strike="noStrike" spc="-1">
               <a:latin typeface="Arial"/>
             </a:endParaRPr>
           </a:p>
@@ -923,11 +1069,14 @@
       </p:sp>
     </p:spTree>
   </p:cSld>
+  <p:clrMapOvr>
+    <a:masterClrMapping/>
+  </p:clrMapOvr>
 </p:sldLayout>
 </file>
 
 <file path=ppt/slideLayouts/slideLayout7.xml><?xml version="1.0" encoding="utf-8"?>
-<p:sldLayout xmlns:a="http://schemas.openxmlformats.org/drawingml/2006/main" xmlns:p="http://schemas.openxmlformats.org/presentationml/2006/main" xmlns:r="http://schemas.openxmlformats.org/officeDocument/2006/relationships" xmlns:p14="http://schemas.microsoft.com/office/powerpoint/2010/main" xmlns:p15="http://schemas.microsoft.com/office/powerpoint/2012/main" xmlns:mc="http://schemas.openxmlformats.org/markup-compatibility/2006" type="twoObjAndObj" preserve="1">
+<p:sldLayout xmlns:a="http://schemas.openxmlformats.org/drawingml/2006/main" xmlns:r="http://schemas.openxmlformats.org/officeDocument/2006/relationships" xmlns:p="http://schemas.openxmlformats.org/presentationml/2006/main" type="twoObjAndObj" preserve="1">
   <p:cSld name="Title, 2 Content and Content">
     <p:spTree>
       <p:nvGrpSpPr>
@@ -963,10 +1112,11 @@
           </a:prstGeom>
         </p:spPr>
         <p:txBody>
-          <a:bodyPr lIns="0" rIns="0" tIns="0" bIns="0" anchor="ctr"/>
+          <a:bodyPr lIns="0" tIns="0" rIns="0" bIns="0" anchor="ctr"/>
+          <a:lstStyle/>
           <a:p>
             <a:pPr algn="ctr"/>
-            <a:endParaRPr b="0" lang="ru-RU" sz="4400" spc="-1" strike="noStrike">
+            <a:endParaRPr lang="ru-RU" sz="4400" b="0" strike="noStrike" spc="-1">
               <a:latin typeface="Arial"/>
             </a:endParaRPr>
           </a:p>
@@ -992,11 +1142,12 @@
           </a:prstGeom>
         </p:spPr>
         <p:txBody>
-          <a:bodyPr lIns="0" rIns="0" tIns="0" bIns="0">
+          <a:bodyPr lIns="0" tIns="0" rIns="0" bIns="0">
             <a:normAutofit/>
           </a:bodyPr>
-          <a:p>
-            <a:endParaRPr b="0" lang="ru-RU" sz="3200" spc="-1" strike="noStrike">
+          <a:lstStyle/>
+          <a:p>
+            <a:endParaRPr lang="ru-RU" sz="3200" b="0" strike="noStrike" spc="-1">
               <a:latin typeface="Arial"/>
             </a:endParaRPr>
           </a:p>
@@ -1022,11 +1173,12 @@
           </a:prstGeom>
         </p:spPr>
         <p:txBody>
-          <a:bodyPr lIns="0" rIns="0" tIns="0" bIns="0">
+          <a:bodyPr lIns="0" tIns="0" rIns="0" bIns="0">
             <a:normAutofit/>
           </a:bodyPr>
-          <a:p>
-            <a:endParaRPr b="0" lang="ru-RU" sz="3200" spc="-1" strike="noStrike">
+          <a:lstStyle/>
+          <a:p>
+            <a:endParaRPr lang="ru-RU" sz="3200" b="0" strike="noStrike" spc="-1">
               <a:latin typeface="Arial"/>
             </a:endParaRPr>
           </a:p>
@@ -1052,11 +1204,12 @@
           </a:prstGeom>
         </p:spPr>
         <p:txBody>
-          <a:bodyPr lIns="0" rIns="0" tIns="0" bIns="0">
+          <a:bodyPr lIns="0" tIns="0" rIns="0" bIns="0">
             <a:normAutofit/>
           </a:bodyPr>
-          <a:p>
-            <a:endParaRPr b="0" lang="ru-RU" sz="3200" spc="-1" strike="noStrike">
+          <a:lstStyle/>
+          <a:p>
+            <a:endParaRPr lang="ru-RU" sz="3200" b="0" strike="noStrike" spc="-1">
               <a:latin typeface="Arial"/>
             </a:endParaRPr>
           </a:p>
@@ -1064,11 +1217,14 @@
       </p:sp>
     </p:spTree>
   </p:cSld>
+  <p:clrMapOvr>
+    <a:masterClrMapping/>
+  </p:clrMapOvr>
 </p:sldLayout>
 </file>
 
 <file path=ppt/slideLayouts/slideLayout8.xml><?xml version="1.0" encoding="utf-8"?>
-<p:sldLayout xmlns:a="http://schemas.openxmlformats.org/drawingml/2006/main" xmlns:p="http://schemas.openxmlformats.org/presentationml/2006/main" xmlns:r="http://schemas.openxmlformats.org/officeDocument/2006/relationships" xmlns:p14="http://schemas.microsoft.com/office/powerpoint/2010/main" xmlns:p15="http://schemas.microsoft.com/office/powerpoint/2012/main" xmlns:mc="http://schemas.openxmlformats.org/markup-compatibility/2006" type="objAndTwoObj" preserve="1">
+<p:sldLayout xmlns:a="http://schemas.openxmlformats.org/drawingml/2006/main" xmlns:r="http://schemas.openxmlformats.org/officeDocument/2006/relationships" xmlns:p="http://schemas.openxmlformats.org/presentationml/2006/main" type="objAndTwoObj" preserve="1">
   <p:cSld name="Title Content and 2 Content">
     <p:spTree>
       <p:nvGrpSpPr>
@@ -1104,10 +1260,11 @@
           </a:prstGeom>
         </p:spPr>
         <p:txBody>
-          <a:bodyPr lIns="0" rIns="0" tIns="0" bIns="0" anchor="ctr"/>
+          <a:bodyPr lIns="0" tIns="0" rIns="0" bIns="0" anchor="ctr"/>
+          <a:lstStyle/>
           <a:p>
             <a:pPr algn="ctr"/>
-            <a:endParaRPr b="0" lang="ru-RU" sz="4400" spc="-1" strike="noStrike">
+            <a:endParaRPr lang="ru-RU" sz="4400" b="0" strike="noStrike" spc="-1">
               <a:latin typeface="Arial"/>
             </a:endParaRPr>
           </a:p>
@@ -1133,11 +1290,12 @@
           </a:prstGeom>
         </p:spPr>
         <p:txBody>
-          <a:bodyPr lIns="0" rIns="0" tIns="0" bIns="0">
+          <a:bodyPr lIns="0" tIns="0" rIns="0" bIns="0">
             <a:normAutofit/>
           </a:bodyPr>
-          <a:p>
-            <a:endParaRPr b="0" lang="ru-RU" sz="3200" spc="-1" strike="noStrike">
+          <a:lstStyle/>
+          <a:p>
+            <a:endParaRPr lang="ru-RU" sz="3200" b="0" strike="noStrike" spc="-1">
               <a:latin typeface="Arial"/>
             </a:endParaRPr>
           </a:p>
@@ -1163,11 +1321,12 @@
           </a:prstGeom>
         </p:spPr>
         <p:txBody>
-          <a:bodyPr lIns="0" rIns="0" tIns="0" bIns="0">
+          <a:bodyPr lIns="0" tIns="0" rIns="0" bIns="0">
             <a:normAutofit/>
           </a:bodyPr>
-          <a:p>
-            <a:endParaRPr b="0" lang="ru-RU" sz="3200" spc="-1" strike="noStrike">
+          <a:lstStyle/>
+          <a:p>
+            <a:endParaRPr lang="ru-RU" sz="3200" b="0" strike="noStrike" spc="-1">
               <a:latin typeface="Arial"/>
             </a:endParaRPr>
           </a:p>
@@ -1193,11 +1352,12 @@
           </a:prstGeom>
         </p:spPr>
         <p:txBody>
-          <a:bodyPr lIns="0" rIns="0" tIns="0" bIns="0">
+          <a:bodyPr lIns="0" tIns="0" rIns="0" bIns="0">
             <a:normAutofit/>
           </a:bodyPr>
-          <a:p>
-            <a:endParaRPr b="0" lang="ru-RU" sz="3200" spc="-1" strike="noStrike">
+          <a:lstStyle/>
+          <a:p>
+            <a:endParaRPr lang="ru-RU" sz="3200" b="0" strike="noStrike" spc="-1">
               <a:latin typeface="Arial"/>
             </a:endParaRPr>
           </a:p>
@@ -1205,11 +1365,14 @@
       </p:sp>
     </p:spTree>
   </p:cSld>
+  <p:clrMapOvr>
+    <a:masterClrMapping/>
+  </p:clrMapOvr>
 </p:sldLayout>
 </file>
 
 <file path=ppt/slideLayouts/slideLayout9.xml><?xml version="1.0" encoding="utf-8"?>
-<p:sldLayout xmlns:a="http://schemas.openxmlformats.org/drawingml/2006/main" xmlns:p="http://schemas.openxmlformats.org/presentationml/2006/main" xmlns:r="http://schemas.openxmlformats.org/officeDocument/2006/relationships" xmlns:p14="http://schemas.microsoft.com/office/powerpoint/2010/main" xmlns:p15="http://schemas.microsoft.com/office/powerpoint/2012/main" xmlns:mc="http://schemas.openxmlformats.org/markup-compatibility/2006" type="twoObjOverTx" preserve="1">
+<p:sldLayout xmlns:a="http://schemas.openxmlformats.org/drawingml/2006/main" xmlns:r="http://schemas.openxmlformats.org/officeDocument/2006/relationships" xmlns:p="http://schemas.openxmlformats.org/presentationml/2006/main" type="twoObjOverTx" preserve="1">
   <p:cSld name="Title, 2 Content over Content">
     <p:spTree>
       <p:nvGrpSpPr>
@@ -1245,10 +1408,11 @@
           </a:prstGeom>
         </p:spPr>
         <p:txBody>
-          <a:bodyPr lIns="0" rIns="0" tIns="0" bIns="0" anchor="ctr"/>
+          <a:bodyPr lIns="0" tIns="0" rIns="0" bIns="0" anchor="ctr"/>
+          <a:lstStyle/>
           <a:p>
             <a:pPr algn="ctr"/>
-            <a:endParaRPr b="0" lang="ru-RU" sz="4400" spc="-1" strike="noStrike">
+            <a:endParaRPr lang="ru-RU" sz="4400" b="0" strike="noStrike" spc="-1">
               <a:latin typeface="Arial"/>
             </a:endParaRPr>
           </a:p>
@@ -1274,11 +1438,12 @@
           </a:prstGeom>
         </p:spPr>
         <p:txBody>
-          <a:bodyPr lIns="0" rIns="0" tIns="0" bIns="0">
+          <a:bodyPr lIns="0" tIns="0" rIns="0" bIns="0">
             <a:normAutofit/>
           </a:bodyPr>
-          <a:p>
-            <a:endParaRPr b="0" lang="ru-RU" sz="3200" spc="-1" strike="noStrike">
+          <a:lstStyle/>
+          <a:p>
+            <a:endParaRPr lang="ru-RU" sz="3200" b="0" strike="noStrike" spc="-1">
               <a:latin typeface="Arial"/>
             </a:endParaRPr>
           </a:p>
@@ -1304,11 +1469,12 @@
           </a:prstGeom>
         </p:spPr>
         <p:txBody>
-          <a:bodyPr lIns="0" rIns="0" tIns="0" bIns="0">
+          <a:bodyPr lIns="0" tIns="0" rIns="0" bIns="0">
             <a:normAutofit/>
           </a:bodyPr>
-          <a:p>
-            <a:endParaRPr b="0" lang="ru-RU" sz="3200" spc="-1" strike="noStrike">
+          <a:lstStyle/>
+          <a:p>
+            <a:endParaRPr lang="ru-RU" sz="3200" b="0" strike="noStrike" spc="-1">
               <a:latin typeface="Arial"/>
             </a:endParaRPr>
           </a:p>
@@ -1334,11 +1500,12 @@
           </a:prstGeom>
         </p:spPr>
         <p:txBody>
-          <a:bodyPr lIns="0" rIns="0" tIns="0" bIns="0">
+          <a:bodyPr lIns="0" tIns="0" rIns="0" bIns="0">
             <a:normAutofit/>
           </a:bodyPr>
-          <a:p>
-            <a:endParaRPr b="0" lang="ru-RU" sz="3200" spc="-1" strike="noStrike">
+          <a:lstStyle/>
+          <a:p>
+            <a:endParaRPr lang="ru-RU" sz="3200" b="0" strike="noStrike" spc="-1">
               <a:latin typeface="Arial"/>
             </a:endParaRPr>
           </a:p>
@@ -1346,11 +1513,629 @@
       </p:sp>
     </p:spTree>
   </p:cSld>
+  <p:clrMapOvr>
+    <a:masterClrMapping/>
+  </p:clrMapOvr>
 </p:sldLayout>
 </file>
 
 <file path=ppt/slideMasters/slideMaster1.xml><?xml version="1.0" encoding="utf-8"?>
-<p:sldMaster xmlns:a="http://schemas.openxmlformats.org/drawingml/2006/main" xmlns:p="http://schemas.openxmlformats.org/presentationml/2006/main" xmlns:r="http://schemas.openxmlformats.org/officeDocument/2006/relationships" xmlns:p14="http://schemas.microsoft.com/office/powerpoint/2010/main" xmlns:p15="http://schemas.microsoft.com/office/powerpoint/2012/main" xmlns:mc="http://schemas.openxmlformats.org/markup-compatibility/2006">
+<p:sldMaster xmlns:a="http://schemas.openxmlformats.org/drawingml/2006/main" xmlns:r="http://schemas.openxmlformats.org/officeDocument/2006/relationships" xmlns:p="http://schemas.openxmlformats.org/presentationml/2006/main">
+  <p:cSld>
+    <p:bg>
+      <p:bgRef idx="1001">
+        <a:schemeClr val="bg1"/>
+      </p:bgRef>
+    </p:bg>
+    <p:spTree>
+      <p:nvGrpSpPr>
+        <p:cNvPr id="1" name=""/>
+        <p:cNvGrpSpPr/>
+        <p:nvPr/>
+      </p:nvGrpSpPr>
+      <p:grpSpPr>
+        <a:xfrm>
+          <a:off x="0" y="0"/>
+          <a:ext cx="0" cy="0"/>
+          <a:chOff x="0" y="0"/>
+          <a:chExt cx="0" cy="0"/>
+        </a:xfrm>
+      </p:grpSpPr>
+      <p:sp>
+        <p:nvSpPr>
+          <p:cNvPr id="5" name="PlaceHolder 1"/>
+          <p:cNvSpPr>
+            <a:spLocks noGrp="1"/>
+          </p:cNvSpPr>
+          <p:nvPr>
+            <p:ph type="title"/>
+          </p:nvPr>
+        </p:nvSpPr>
+        <p:spPr>
+          <a:xfrm>
+            <a:off x="504000" y="226080"/>
+            <a:ext cx="9071640" cy="946440"/>
+          </a:xfrm>
+          <a:prstGeom prst="rect">
+            <a:avLst/>
+          </a:prstGeom>
+        </p:spPr>
+        <p:txBody>
+          <a:bodyPr lIns="0" tIns="0" rIns="0" bIns="0" anchor="ctr"/>
+          <a:lstStyle/>
+          <a:p>
+            <a:pPr algn="ctr"/>
+            <a:r>
+              <a:rPr lang="ru-RU" sz="4400" b="0" strike="noStrike" spc="-1">
+                <a:latin typeface="Arial"/>
+              </a:rPr>
+              <a:t>Для правки текста заглавия щёлкните мышью</a:t>
+            </a:r>
+          </a:p>
+        </p:txBody>
+      </p:sp>
+      <p:sp>
+        <p:nvSpPr>
+          <p:cNvPr id="6" name="PlaceHolder 2"/>
+          <p:cNvSpPr>
+            <a:spLocks noGrp="1"/>
+          </p:cNvSpPr>
+          <p:nvPr>
+            <p:ph type="body"/>
+          </p:nvPr>
+        </p:nvSpPr>
+        <p:spPr>
+          <a:xfrm>
+            <a:off x="504000" y="1326600"/>
+            <a:ext cx="9071640" cy="3288240"/>
+          </a:xfrm>
+          <a:prstGeom prst="rect">
+            <a:avLst/>
+          </a:prstGeom>
+        </p:spPr>
+        <p:txBody>
+          <a:bodyPr lIns="0" tIns="0" rIns="0" bIns="0">
+            <a:normAutofit/>
+          </a:bodyPr>
+          <a:lstStyle/>
+          <a:p>
+            <a:pPr marL="432000" indent="-324000">
+              <a:spcBef>
+                <a:spcPts val="1417"/>
+              </a:spcBef>
+              <a:buClr>
+                <a:srgbClr val="000000"/>
+              </a:buClr>
+              <a:buSzPct val="45000"/>
+              <a:buFont typeface="Wingdings" charset="2"/>
+              <a:buChar char=""/>
+            </a:pPr>
+            <a:r>
+              <a:rPr lang="ru-RU" sz="3200" b="0" strike="noStrike" spc="-1">
+                <a:latin typeface="Arial"/>
+              </a:rPr>
+              <a:t>Для правки структуры щёлкните мышью</a:t>
+            </a:r>
+          </a:p>
+          <a:p>
+            <a:pPr marL="864000" lvl="1" indent="-324000">
+              <a:spcBef>
+                <a:spcPts val="1134"/>
+              </a:spcBef>
+              <a:buClr>
+                <a:srgbClr val="000000"/>
+              </a:buClr>
+              <a:buSzPct val="75000"/>
+              <a:buFont typeface="Symbol" charset="2"/>
+              <a:buChar char=""/>
+            </a:pPr>
+            <a:r>
+              <a:rPr lang="ru-RU" sz="2800" b="0" strike="noStrike" spc="-1">
+                <a:latin typeface="Arial"/>
+              </a:rPr>
+              <a:t>Второй уровень структуры</a:t>
+            </a:r>
+          </a:p>
+          <a:p>
+            <a:pPr marL="1296000" lvl="2" indent="-288000">
+              <a:spcBef>
+                <a:spcPts val="850"/>
+              </a:spcBef>
+              <a:buClr>
+                <a:srgbClr val="000000"/>
+              </a:buClr>
+              <a:buSzPct val="45000"/>
+              <a:buFont typeface="Wingdings" charset="2"/>
+              <a:buChar char=""/>
+            </a:pPr>
+            <a:r>
+              <a:rPr lang="ru-RU" sz="2400" b="0" strike="noStrike" spc="-1">
+                <a:latin typeface="Arial"/>
+              </a:rPr>
+              <a:t>Третий уровень структуры</a:t>
+            </a:r>
+          </a:p>
+          <a:p>
+            <a:pPr marL="1728000" lvl="3" indent="-216000">
+              <a:spcBef>
+                <a:spcPts val="567"/>
+              </a:spcBef>
+              <a:buClr>
+                <a:srgbClr val="000000"/>
+              </a:buClr>
+              <a:buSzPct val="75000"/>
+              <a:buFont typeface="Symbol" charset="2"/>
+              <a:buChar char=""/>
+            </a:pPr>
+            <a:r>
+              <a:rPr lang="ru-RU" sz="2000" b="0" strike="noStrike" spc="-1">
+                <a:latin typeface="Arial"/>
+              </a:rPr>
+              <a:t>Четвёртый уровень структуры</a:t>
+            </a:r>
+          </a:p>
+          <a:p>
+            <a:pPr marL="2160000" lvl="4" indent="-216000">
+              <a:spcBef>
+                <a:spcPts val="283"/>
+              </a:spcBef>
+              <a:buClr>
+                <a:srgbClr val="000000"/>
+              </a:buClr>
+              <a:buSzPct val="45000"/>
+              <a:buFont typeface="Wingdings" charset="2"/>
+              <a:buChar char=""/>
+            </a:pPr>
+            <a:r>
+              <a:rPr lang="ru-RU" sz="2000" b="0" strike="noStrike" spc="-1">
+                <a:latin typeface="Arial"/>
+              </a:rPr>
+              <a:t>Пятый уровень структуры</a:t>
+            </a:r>
+          </a:p>
+          <a:p>
+            <a:pPr marL="2592000" lvl="5" indent="-216000">
+              <a:spcBef>
+                <a:spcPts val="283"/>
+              </a:spcBef>
+              <a:buClr>
+                <a:srgbClr val="000000"/>
+              </a:buClr>
+              <a:buSzPct val="45000"/>
+              <a:buFont typeface="Wingdings" charset="2"/>
+              <a:buChar char=""/>
+            </a:pPr>
+            <a:r>
+              <a:rPr lang="ru-RU" sz="2000" b="0" strike="noStrike" spc="-1">
+                <a:latin typeface="Arial"/>
+              </a:rPr>
+              <a:t>Шестой уровень структуры</a:t>
+            </a:r>
+          </a:p>
+          <a:p>
+            <a:pPr marL="3024000" lvl="6" indent="-216000">
+              <a:spcBef>
+                <a:spcPts val="283"/>
+              </a:spcBef>
+              <a:buClr>
+                <a:srgbClr val="000000"/>
+              </a:buClr>
+              <a:buSzPct val="45000"/>
+              <a:buFont typeface="Wingdings" charset="2"/>
+              <a:buChar char=""/>
+            </a:pPr>
+            <a:r>
+              <a:rPr lang="ru-RU" sz="2000" b="0" strike="noStrike" spc="-1">
+                <a:latin typeface="Arial"/>
+              </a:rPr>
+              <a:t>Седьмой уровень структуры</a:t>
+            </a:r>
+          </a:p>
+        </p:txBody>
+      </p:sp>
+      <p:sp>
+        <p:nvSpPr>
+          <p:cNvPr id="2" name="PlaceHolder 3"/>
+          <p:cNvSpPr>
+            <a:spLocks noGrp="1"/>
+          </p:cNvSpPr>
+          <p:nvPr>
+            <p:ph type="dt"/>
+          </p:nvPr>
+        </p:nvSpPr>
+        <p:spPr>
+          <a:xfrm>
+            <a:off x="504000" y="5165280"/>
+            <a:ext cx="2348280" cy="390600"/>
+          </a:xfrm>
+          <a:prstGeom prst="rect">
+            <a:avLst/>
+          </a:prstGeom>
+        </p:spPr>
+        <p:txBody>
+          <a:bodyPr lIns="0" tIns="0" rIns="0" bIns="0"/>
+          <a:lstStyle/>
+          <a:p>
+            <a:r>
+              <a:rPr lang="ru-RU" sz="1400" b="0" strike="noStrike" spc="-1">
+                <a:latin typeface="Times New Roman"/>
+              </a:rPr>
+              <a:t>&lt;дата/время&gt;</a:t>
+            </a:r>
+          </a:p>
+        </p:txBody>
+      </p:sp>
+      <p:sp>
+        <p:nvSpPr>
+          <p:cNvPr id="3" name="PlaceHolder 4"/>
+          <p:cNvSpPr>
+            <a:spLocks noGrp="1"/>
+          </p:cNvSpPr>
+          <p:nvPr>
+            <p:ph type="ftr"/>
+          </p:nvPr>
+        </p:nvSpPr>
+        <p:spPr>
+          <a:xfrm>
+            <a:off x="3447360" y="5165280"/>
+            <a:ext cx="3195000" cy="390600"/>
+          </a:xfrm>
+          <a:prstGeom prst="rect">
+            <a:avLst/>
+          </a:prstGeom>
+        </p:spPr>
+        <p:txBody>
+          <a:bodyPr lIns="0" tIns="0" rIns="0" bIns="0"/>
+          <a:lstStyle/>
+          <a:p>
+            <a:pPr algn="ctr"/>
+            <a:r>
+              <a:rPr lang="ru-RU" sz="1400" b="0" strike="noStrike" spc="-1">
+                <a:latin typeface="Times New Roman"/>
+              </a:rPr>
+              <a:t>&lt;нижний колонтитул&gt;</a:t>
+            </a:r>
+          </a:p>
+        </p:txBody>
+      </p:sp>
+      <p:sp>
+        <p:nvSpPr>
+          <p:cNvPr id="4" name="PlaceHolder 5"/>
+          <p:cNvSpPr>
+            <a:spLocks noGrp="1"/>
+          </p:cNvSpPr>
+          <p:nvPr>
+            <p:ph type="sldNum"/>
+          </p:nvPr>
+        </p:nvSpPr>
+        <p:spPr>
+          <a:xfrm>
+            <a:off x="7227360" y="5165280"/>
+            <a:ext cx="2348280" cy="390600"/>
+          </a:xfrm>
+          <a:prstGeom prst="rect">
+            <a:avLst/>
+          </a:prstGeom>
+        </p:spPr>
+        <p:txBody>
+          <a:bodyPr lIns="0" tIns="0" rIns="0" bIns="0"/>
+          <a:lstStyle/>
+          <a:p>
+            <a:pPr algn="r"/>
+            <a:fld id="{097C51D3-27CC-4200-B304-4901367E6467}" type="slidenum">
+              <a:rPr lang="ru-RU" sz="1400" b="0" strike="noStrike" spc="-1">
+                <a:latin typeface="Times New Roman"/>
+              </a:rPr>
+              <a:t>‹#›</a:t>
+            </a:fld>
+            <a:endParaRPr lang="ru-RU" sz="1400" b="0" strike="noStrike" spc="-1">
+              <a:latin typeface="Times New Roman"/>
+            </a:endParaRPr>
+          </a:p>
+        </p:txBody>
+      </p:sp>
+    </p:spTree>
+  </p:cSld>
+  <p:clrMap bg1="lt1" tx1="dk1" bg2="lt2" tx2="dk2" accent1="accent1" accent2="accent2" accent3="accent3" accent4="accent4" accent5="accent5" accent6="accent6" hlink="hlink" folHlink="folHlink"/>
+  <p:sldLayoutIdLst>
+    <p:sldLayoutId id="2147483649" r:id="rId1"/>
+    <p:sldLayoutId id="2147483650" r:id="rId2"/>
+    <p:sldLayoutId id="2147483651" r:id="rId3"/>
+    <p:sldLayoutId id="2147483652" r:id="rId4"/>
+    <p:sldLayoutId id="2147483653" r:id="rId5"/>
+    <p:sldLayoutId id="2147483654" r:id="rId6"/>
+    <p:sldLayoutId id="2147483655" r:id="rId7"/>
+    <p:sldLayoutId id="2147483656" r:id="rId8"/>
+    <p:sldLayoutId id="2147483657" r:id="rId9"/>
+    <p:sldLayoutId id="2147483658" r:id="rId10"/>
+    <p:sldLayoutId id="2147483659" r:id="rId11"/>
+    <p:sldLayoutId id="2147483660" r:id="rId12"/>
+  </p:sldLayoutIdLst>
+  <p:txStyles>
+    <p:titleStyle>
+      <a:lvl1pPr algn="l" defTabSz="914400" rtl="0" eaLnBrk="1" latinLnBrk="0" hangingPunct="1">
+        <a:lnSpc>
+          <a:spcPct val="90000"/>
+        </a:lnSpc>
+        <a:spcBef>
+          <a:spcPct val="0"/>
+        </a:spcBef>
+        <a:buNone/>
+        <a:defRPr sz="4400" kern="1200">
+          <a:solidFill>
+            <a:schemeClr val="tx1"/>
+          </a:solidFill>
+          <a:latin typeface="+mj-lt"/>
+          <a:ea typeface="+mj-ea"/>
+          <a:cs typeface="+mj-cs"/>
+        </a:defRPr>
+      </a:lvl1pPr>
+    </p:titleStyle>
+    <p:bodyStyle>
+      <a:lvl1pPr marL="228600" indent="-228600" algn="l" defTabSz="914400" rtl="0" eaLnBrk="1" latinLnBrk="0" hangingPunct="1">
+        <a:lnSpc>
+          <a:spcPct val="90000"/>
+        </a:lnSpc>
+        <a:spcBef>
+          <a:spcPts val="1000"/>
+        </a:spcBef>
+        <a:buFont typeface="Arial" panose="020B0604020202020204" pitchFamily="34" charset="0"/>
+        <a:buChar char="•"/>
+        <a:defRPr sz="2800" kern="1200">
+          <a:solidFill>
+            <a:schemeClr val="tx1"/>
+          </a:solidFill>
+          <a:latin typeface="+mn-lt"/>
+          <a:ea typeface="+mn-ea"/>
+          <a:cs typeface="+mn-cs"/>
+        </a:defRPr>
+      </a:lvl1pPr>
+      <a:lvl2pPr marL="685800" indent="-228600" algn="l" defTabSz="914400" rtl="0" eaLnBrk="1" latinLnBrk="0" hangingPunct="1">
+        <a:lnSpc>
+          <a:spcPct val="90000"/>
+        </a:lnSpc>
+        <a:spcBef>
+          <a:spcPts val="500"/>
+        </a:spcBef>
+        <a:buFont typeface="Arial" panose="020B0604020202020204" pitchFamily="34" charset="0"/>
+        <a:buChar char="•"/>
+        <a:defRPr sz="2400" kern="1200">
+          <a:solidFill>
+            <a:schemeClr val="tx1"/>
+          </a:solidFill>
+          <a:latin typeface="+mn-lt"/>
+          <a:ea typeface="+mn-ea"/>
+          <a:cs typeface="+mn-cs"/>
+        </a:defRPr>
+      </a:lvl2pPr>
+      <a:lvl3pPr marL="1143000" indent="-228600" algn="l" defTabSz="914400" rtl="0" eaLnBrk="1" latinLnBrk="0" hangingPunct="1">
+        <a:lnSpc>
+          <a:spcPct val="90000"/>
+        </a:lnSpc>
+        <a:spcBef>
+          <a:spcPts val="500"/>
+        </a:spcBef>
+        <a:buFont typeface="Arial" panose="020B0604020202020204" pitchFamily="34" charset="0"/>
+        <a:buChar char="•"/>
+        <a:defRPr sz="2000" kern="1200">
+          <a:solidFill>
+            <a:schemeClr val="tx1"/>
+          </a:solidFill>
+          <a:latin typeface="+mn-lt"/>
+          <a:ea typeface="+mn-ea"/>
+          <a:cs typeface="+mn-cs"/>
+        </a:defRPr>
+      </a:lvl3pPr>
+      <a:lvl4pPr marL="1600200" indent="-228600" algn="l" defTabSz="914400" rtl="0" eaLnBrk="1" latinLnBrk="0" hangingPunct="1">
+        <a:lnSpc>
+          <a:spcPct val="90000"/>
+        </a:lnSpc>
+        <a:spcBef>
+          <a:spcPts val="500"/>
+        </a:spcBef>
+        <a:buFont typeface="Arial" panose="020B0604020202020204" pitchFamily="34" charset="0"/>
+        <a:buChar char="•"/>
+        <a:defRPr sz="1800" kern="1200">
+          <a:solidFill>
+            <a:schemeClr val="tx1"/>
+          </a:solidFill>
+          <a:latin typeface="+mn-lt"/>
+          <a:ea typeface="+mn-ea"/>
+          <a:cs typeface="+mn-cs"/>
+        </a:defRPr>
+      </a:lvl4pPr>
+      <a:lvl5pPr marL="2057400" indent="-228600" algn="l" defTabSz="914400" rtl="0" eaLnBrk="1" latinLnBrk="0" hangingPunct="1">
+        <a:lnSpc>
+          <a:spcPct val="90000"/>
+        </a:lnSpc>
+        <a:spcBef>
+          <a:spcPts val="500"/>
+        </a:spcBef>
+        <a:buFont typeface="Arial" panose="020B0604020202020204" pitchFamily="34" charset="0"/>
+        <a:buChar char="•"/>
+        <a:defRPr sz="1800" kern="1200">
+          <a:solidFill>
+            <a:schemeClr val="tx1"/>
+          </a:solidFill>
+          <a:latin typeface="+mn-lt"/>
+          <a:ea typeface="+mn-ea"/>
+          <a:cs typeface="+mn-cs"/>
+        </a:defRPr>
+      </a:lvl5pPr>
+      <a:lvl6pPr marL="2514600" indent="-228600" algn="l" defTabSz="914400" rtl="0" eaLnBrk="1" latinLnBrk="0" hangingPunct="1">
+        <a:lnSpc>
+          <a:spcPct val="90000"/>
+        </a:lnSpc>
+        <a:spcBef>
+          <a:spcPts val="500"/>
+        </a:spcBef>
+        <a:buFont typeface="Arial" panose="020B0604020202020204" pitchFamily="34" charset="0"/>
+        <a:buChar char="•"/>
+        <a:defRPr sz="1800" kern="1200">
+          <a:solidFill>
+            <a:schemeClr val="tx1"/>
+          </a:solidFill>
+          <a:latin typeface="+mn-lt"/>
+          <a:ea typeface="+mn-ea"/>
+          <a:cs typeface="+mn-cs"/>
+        </a:defRPr>
+      </a:lvl6pPr>
+      <a:lvl7pPr marL="2971800" indent="-228600" algn="l" defTabSz="914400" rtl="0" eaLnBrk="1" latinLnBrk="0" hangingPunct="1">
+        <a:lnSpc>
+          <a:spcPct val="90000"/>
+        </a:lnSpc>
+        <a:spcBef>
+          <a:spcPts val="500"/>
+        </a:spcBef>
+        <a:buFont typeface="Arial" panose="020B0604020202020204" pitchFamily="34" charset="0"/>
+        <a:buChar char="•"/>
+        <a:defRPr sz="1800" kern="1200">
+          <a:solidFill>
+            <a:schemeClr val="tx1"/>
+          </a:solidFill>
+          <a:latin typeface="+mn-lt"/>
+          <a:ea typeface="+mn-ea"/>
+          <a:cs typeface="+mn-cs"/>
+        </a:defRPr>
+      </a:lvl7pPr>
+      <a:lvl8pPr marL="3429000" indent="-228600" algn="l" defTabSz="914400" rtl="0" eaLnBrk="1" latinLnBrk="0" hangingPunct="1">
+        <a:lnSpc>
+          <a:spcPct val="90000"/>
+        </a:lnSpc>
+        <a:spcBef>
+          <a:spcPts val="500"/>
+        </a:spcBef>
+        <a:buFont typeface="Arial" panose="020B0604020202020204" pitchFamily="34" charset="0"/>
+        <a:buChar char="•"/>
+        <a:defRPr sz="1800" kern="1200">
+          <a:solidFill>
+            <a:schemeClr val="tx1"/>
+          </a:solidFill>
+          <a:latin typeface="+mn-lt"/>
+          <a:ea typeface="+mn-ea"/>
+          <a:cs typeface="+mn-cs"/>
+        </a:defRPr>
+      </a:lvl8pPr>
+      <a:lvl9pPr marL="3886200" indent="-228600" algn="l" defTabSz="914400" rtl="0" eaLnBrk="1" latinLnBrk="0" hangingPunct="1">
+        <a:lnSpc>
+          <a:spcPct val="90000"/>
+        </a:lnSpc>
+        <a:spcBef>
+          <a:spcPts val="500"/>
+        </a:spcBef>
+        <a:buFont typeface="Arial" panose="020B0604020202020204" pitchFamily="34" charset="0"/>
+        <a:buChar char="•"/>
+        <a:defRPr sz="1800" kern="1200">
+          <a:solidFill>
+            <a:schemeClr val="tx1"/>
+          </a:solidFill>
+          <a:latin typeface="+mn-lt"/>
+          <a:ea typeface="+mn-ea"/>
+          <a:cs typeface="+mn-cs"/>
+        </a:defRPr>
+      </a:lvl9pPr>
+    </p:bodyStyle>
+    <p:otherStyle>
+      <a:defPPr>
+        <a:defRPr lang="ru-RU"/>
+      </a:defPPr>
+      <a:lvl1pPr marL="0" algn="l" defTabSz="914400" rtl="0" eaLnBrk="1" latinLnBrk="0" hangingPunct="1">
+        <a:defRPr sz="1800" kern="1200">
+          <a:solidFill>
+            <a:schemeClr val="tx1"/>
+          </a:solidFill>
+          <a:latin typeface="+mn-lt"/>
+          <a:ea typeface="+mn-ea"/>
+          <a:cs typeface="+mn-cs"/>
+        </a:defRPr>
+      </a:lvl1pPr>
+      <a:lvl2pPr marL="457200" algn="l" defTabSz="914400" rtl="0" eaLnBrk="1" latinLnBrk="0" hangingPunct="1">
+        <a:defRPr sz="1800" kern="1200">
+          <a:solidFill>
+            <a:schemeClr val="tx1"/>
+          </a:solidFill>
+          <a:latin typeface="+mn-lt"/>
+          <a:ea typeface="+mn-ea"/>
+          <a:cs typeface="+mn-cs"/>
+        </a:defRPr>
+      </a:lvl2pPr>
+      <a:lvl3pPr marL="914400" algn="l" defTabSz="914400" rtl="0" eaLnBrk="1" latinLnBrk="0" hangingPunct="1">
+        <a:defRPr sz="1800" kern="1200">
+          <a:solidFill>
+            <a:schemeClr val="tx1"/>
+          </a:solidFill>
+          <a:latin typeface="+mn-lt"/>
+          <a:ea typeface="+mn-ea"/>
+          <a:cs typeface="+mn-cs"/>
+        </a:defRPr>
+      </a:lvl3pPr>
+      <a:lvl4pPr marL="1371600" algn="l" defTabSz="914400" rtl="0" eaLnBrk="1" latinLnBrk="0" hangingPunct="1">
+        <a:defRPr sz="1800" kern="1200">
+          <a:solidFill>
+            <a:schemeClr val="tx1"/>
+          </a:solidFill>
+          <a:latin typeface="+mn-lt"/>
+          <a:ea typeface="+mn-ea"/>
+          <a:cs typeface="+mn-cs"/>
+        </a:defRPr>
+      </a:lvl4pPr>
+      <a:lvl5pPr marL="1828800" algn="l" defTabSz="914400" rtl="0" eaLnBrk="1" latinLnBrk="0" hangingPunct="1">
+        <a:defRPr sz="1800" kern="1200">
+          <a:solidFill>
+            <a:schemeClr val="tx1"/>
+          </a:solidFill>
+          <a:latin typeface="+mn-lt"/>
+          <a:ea typeface="+mn-ea"/>
+          <a:cs typeface="+mn-cs"/>
+        </a:defRPr>
+      </a:lvl5pPr>
+      <a:lvl6pPr marL="2286000" algn="l" defTabSz="914400" rtl="0" eaLnBrk="1" latinLnBrk="0" hangingPunct="1">
+        <a:defRPr sz="1800" kern="1200">
+          <a:solidFill>
+            <a:schemeClr val="tx1"/>
+          </a:solidFill>
+          <a:latin typeface="+mn-lt"/>
+          <a:ea typeface="+mn-ea"/>
+          <a:cs typeface="+mn-cs"/>
+        </a:defRPr>
+      </a:lvl6pPr>
+      <a:lvl7pPr marL="2743200" algn="l" defTabSz="914400" rtl="0" eaLnBrk="1" latinLnBrk="0" hangingPunct="1">
+        <a:defRPr sz="1800" kern="1200">
+          <a:solidFill>
+            <a:schemeClr val="tx1"/>
+          </a:solidFill>
+          <a:latin typeface="+mn-lt"/>
+          <a:ea typeface="+mn-ea"/>
+          <a:cs typeface="+mn-cs"/>
+        </a:defRPr>
+      </a:lvl7pPr>
+      <a:lvl8pPr marL="3200400" algn="l" defTabSz="914400" rtl="0" eaLnBrk="1" latinLnBrk="0" hangingPunct="1">
+        <a:defRPr sz="1800" kern="1200">
+          <a:solidFill>
+            <a:schemeClr val="tx1"/>
+          </a:solidFill>
+          <a:latin typeface="+mn-lt"/>
+          <a:ea typeface="+mn-ea"/>
+          <a:cs typeface="+mn-cs"/>
+        </a:defRPr>
+      </a:lvl8pPr>
+      <a:lvl9pPr marL="3657600" algn="l" defTabSz="914400" rtl="0" eaLnBrk="1" latinLnBrk="0" hangingPunct="1">
+        <a:defRPr sz="1800" kern="1200">
+          <a:solidFill>
+            <a:schemeClr val="tx1"/>
+          </a:solidFill>
+          <a:latin typeface="+mn-lt"/>
+          <a:ea typeface="+mn-ea"/>
+          <a:cs typeface="+mn-cs"/>
+        </a:defRPr>
+      </a:lvl9pPr>
+    </p:otherStyle>
+  </p:txStyles>
+</p:sldMaster>
+</file>
+
+<file path=ppt/slides/slide1.xml><?xml version="1.0" encoding="utf-8"?>
+<p:sld xmlns:a="http://schemas.openxmlformats.org/drawingml/2006/main" xmlns:r="http://schemas.openxmlformats.org/officeDocument/2006/relationships" xmlns:p="http://schemas.openxmlformats.org/presentationml/2006/main">
   <p:cSld>
     <p:spTree>
       <p:nvGrpSpPr>
@@ -1368,344 +2153,74 @@
       </p:grpSpPr>
       <p:sp>
         <p:nvSpPr>
-          <p:cNvPr id="0" name="PlaceHolder 1"/>
-          <p:cNvSpPr>
-            <a:spLocks noGrp="1"/>
-          </p:cNvSpPr>
-          <p:nvPr>
-            <p:ph type="title"/>
-          </p:nvPr>
+          <p:cNvPr id="41" name="TextShape 1"/>
+          <p:cNvSpPr txBox="1"/>
+          <p:nvPr/>
         </p:nvSpPr>
         <p:spPr>
           <a:xfrm>
             <a:off x="504000" y="226080"/>
-            <a:ext cx="9071640" cy="946440"/>
-          </a:xfrm>
-          <a:prstGeom prst="rect">
-            <a:avLst/>
-          </a:prstGeom>
-        </p:spPr>
-        <p:txBody>
-          <a:bodyPr lIns="0" rIns="0" tIns="0" bIns="0" anchor="ctr"/>
+            <a:ext cx="9071640" cy="4388400"/>
+          </a:xfrm>
+          <a:prstGeom prst="rect">
+            <a:avLst/>
+          </a:prstGeom>
+          <a:noFill/>
+          <a:ln>
+            <a:noFill/>
+          </a:ln>
+        </p:spPr>
+        <p:txBody>
+          <a:bodyPr lIns="0" tIns="0" rIns="0" bIns="0" anchor="ctr"/>
+          <a:lstStyle/>
           <a:p>
             <a:pPr algn="ctr"/>
             <a:r>
-              <a:rPr b="0" lang="ru-RU" sz="4400" spc="-1" strike="noStrike">
+              <a:rPr lang="ru-RU" sz="3200" b="0" strike="noStrike" spc="-1">
                 <a:latin typeface="Arial"/>
               </a:rPr>
-              <a:t>Для правки текста заглавия щёлкните мышью</a:t>
-            </a:r>
-            <a:endParaRPr b="0" lang="ru-RU" sz="4400" spc="-1" strike="noStrike">
-              <a:latin typeface="Arial"/>
-            </a:endParaRPr>
-          </a:p>
-        </p:txBody>
-      </p:sp>
-      <p:sp>
-        <p:nvSpPr>
-          <p:cNvPr id="1" name="PlaceHolder 2"/>
-          <p:cNvSpPr>
-            <a:spLocks noGrp="1"/>
-          </p:cNvSpPr>
-          <p:nvPr>
-            <p:ph type="body"/>
-          </p:nvPr>
-        </p:nvSpPr>
-        <p:spPr>
-          <a:xfrm>
-            <a:off x="504000" y="1326600"/>
-            <a:ext cx="9071640" cy="3288240"/>
-          </a:xfrm>
-          <a:prstGeom prst="rect">
-            <a:avLst/>
-          </a:prstGeom>
-        </p:spPr>
-        <p:txBody>
-          <a:bodyPr lIns="0" rIns="0" tIns="0" bIns="0">
-            <a:normAutofit/>
-          </a:bodyPr>
-          <a:p>
-            <a:pPr marL="432000" indent="-324000">
-              <a:spcBef>
-                <a:spcPts val="1417"/>
-              </a:spcBef>
-              <a:buClr>
-                <a:srgbClr val="000000"/>
-              </a:buClr>
-              <a:buSzPct val="45000"/>
-              <a:buFont typeface="Wingdings" charset="2"/>
-              <a:buChar char=""/>
-            </a:pPr>
-            <a:r>
-              <a:rPr b="0" lang="ru-RU" sz="3200" spc="-1" strike="noStrike">
-                <a:latin typeface="Arial"/>
-              </a:rPr>
-              <a:t>Для правки структуры щёлкните мышью</a:t>
-            </a:r>
-            <a:endParaRPr b="0" lang="ru-RU" sz="3200" spc="-1" strike="noStrike">
-              <a:latin typeface="Arial"/>
-            </a:endParaRPr>
-          </a:p>
-          <a:p>
-            <a:pPr lvl="1" marL="864000" indent="-324000">
-              <a:spcBef>
-                <a:spcPts val="1134"/>
-              </a:spcBef>
-              <a:buClr>
-                <a:srgbClr val="000000"/>
-              </a:buClr>
-              <a:buSzPct val="75000"/>
-              <a:buFont typeface="Symbol" charset="2"/>
-              <a:buChar char=""/>
-            </a:pPr>
-            <a:r>
-              <a:rPr b="0" lang="ru-RU" sz="2800" spc="-1" strike="noStrike">
-                <a:latin typeface="Arial"/>
-              </a:rPr>
-              <a:t>Второй уровень структуры</a:t>
-            </a:r>
-            <a:endParaRPr b="0" lang="ru-RU" sz="2800" spc="-1" strike="noStrike">
-              <a:latin typeface="Arial"/>
-            </a:endParaRPr>
-          </a:p>
-          <a:p>
-            <a:pPr lvl="2" marL="1296000" indent="-288000">
-              <a:spcBef>
-                <a:spcPts val="850"/>
-              </a:spcBef>
-              <a:buClr>
-                <a:srgbClr val="000000"/>
-              </a:buClr>
-              <a:buSzPct val="45000"/>
-              <a:buFont typeface="Wingdings" charset="2"/>
-              <a:buChar char=""/>
-            </a:pPr>
-            <a:r>
-              <a:rPr b="0" lang="ru-RU" sz="2400" spc="-1" strike="noStrike">
-                <a:latin typeface="Arial"/>
-              </a:rPr>
-              <a:t>Третий уровень структуры</a:t>
-            </a:r>
-            <a:endParaRPr b="0" lang="ru-RU" sz="2400" spc="-1" strike="noStrike">
-              <a:latin typeface="Arial"/>
-            </a:endParaRPr>
-          </a:p>
-          <a:p>
-            <a:pPr lvl="3" marL="1728000" indent="-216000">
-              <a:spcBef>
-                <a:spcPts val="567"/>
-              </a:spcBef>
-              <a:buClr>
-                <a:srgbClr val="000000"/>
-              </a:buClr>
-              <a:buSzPct val="75000"/>
-              <a:buFont typeface="Symbol" charset="2"/>
-              <a:buChar char=""/>
-            </a:pPr>
-            <a:r>
-              <a:rPr b="0" lang="ru-RU" sz="2000" spc="-1" strike="noStrike">
-                <a:latin typeface="Arial"/>
-              </a:rPr>
-              <a:t>Четвёртый уровень структуры</a:t>
-            </a:r>
-            <a:endParaRPr b="0" lang="ru-RU" sz="2000" spc="-1" strike="noStrike">
-              <a:latin typeface="Arial"/>
-            </a:endParaRPr>
-          </a:p>
-          <a:p>
-            <a:pPr lvl="4" marL="2160000" indent="-216000">
-              <a:spcBef>
-                <a:spcPts val="283"/>
-              </a:spcBef>
-              <a:buClr>
-                <a:srgbClr val="000000"/>
-              </a:buClr>
-              <a:buSzPct val="45000"/>
-              <a:buFont typeface="Wingdings" charset="2"/>
-              <a:buChar char=""/>
-            </a:pPr>
-            <a:r>
-              <a:rPr b="0" lang="ru-RU" sz="2000" spc="-1" strike="noStrike">
-                <a:latin typeface="Arial"/>
-              </a:rPr>
-              <a:t>Пятый уровень структуры</a:t>
-            </a:r>
-            <a:endParaRPr b="0" lang="ru-RU" sz="2000" spc="-1" strike="noStrike">
-              <a:latin typeface="Arial"/>
-            </a:endParaRPr>
-          </a:p>
-          <a:p>
-            <a:pPr lvl="5" marL="2592000" indent="-216000">
-              <a:spcBef>
-                <a:spcPts val="283"/>
-              </a:spcBef>
-              <a:buClr>
-                <a:srgbClr val="000000"/>
-              </a:buClr>
-              <a:buSzPct val="45000"/>
-              <a:buFont typeface="Wingdings" charset="2"/>
-              <a:buChar char=""/>
-            </a:pPr>
-            <a:r>
-              <a:rPr b="0" lang="ru-RU" sz="2000" spc="-1" strike="noStrike">
-                <a:latin typeface="Arial"/>
-              </a:rPr>
-              <a:t>Шестой уровень структуры</a:t>
-            </a:r>
-            <a:endParaRPr b="0" lang="ru-RU" sz="2000" spc="-1" strike="noStrike">
-              <a:latin typeface="Arial"/>
-            </a:endParaRPr>
-          </a:p>
-          <a:p>
-            <a:pPr lvl="6" marL="3024000" indent="-216000">
-              <a:spcBef>
-                <a:spcPts val="283"/>
-              </a:spcBef>
-              <a:buClr>
-                <a:srgbClr val="000000"/>
-              </a:buClr>
-              <a:buSzPct val="45000"/>
-              <a:buFont typeface="Wingdings" charset="2"/>
-              <a:buChar char=""/>
-            </a:pPr>
-            <a:r>
-              <a:rPr b="0" lang="ru-RU" sz="2000" spc="-1" strike="noStrike">
-                <a:latin typeface="Arial"/>
-              </a:rPr>
-              <a:t>Седьмой уровень структуры</a:t>
-            </a:r>
-            <a:endParaRPr b="0" lang="ru-RU" sz="2000" spc="-1" strike="noStrike">
-              <a:latin typeface="Arial"/>
-            </a:endParaRPr>
-          </a:p>
-        </p:txBody>
-      </p:sp>
-      <p:sp>
-        <p:nvSpPr>
-          <p:cNvPr id="2" name="PlaceHolder 3"/>
-          <p:cNvSpPr>
-            <a:spLocks noGrp="1"/>
-          </p:cNvSpPr>
-          <p:nvPr>
-            <p:ph type="dt"/>
-          </p:nvPr>
-        </p:nvSpPr>
-        <p:spPr>
-          <a:xfrm>
-            <a:off x="504000" y="5165280"/>
-            <a:ext cx="2348280" cy="390600"/>
-          </a:xfrm>
-          <a:prstGeom prst="rect">
-            <a:avLst/>
-          </a:prstGeom>
-        </p:spPr>
-        <p:txBody>
-          <a:bodyPr lIns="0" rIns="0" tIns="0" bIns="0"/>
-          <a:p>
-            <a:r>
-              <a:rPr b="0" lang="ru-RU" sz="1400" spc="-1" strike="noStrike">
-                <a:latin typeface="Times New Roman"/>
-              </a:rPr>
-              <a:t>&lt;дата/время&gt;</a:t>
-            </a:r>
-            <a:endParaRPr b="0" lang="ru-RU" sz="1400" spc="-1" strike="noStrike">
-              <a:latin typeface="Times New Roman"/>
-            </a:endParaRPr>
-          </a:p>
-        </p:txBody>
-      </p:sp>
-      <p:sp>
-        <p:nvSpPr>
-          <p:cNvPr id="3" name="PlaceHolder 4"/>
-          <p:cNvSpPr>
-            <a:spLocks noGrp="1"/>
-          </p:cNvSpPr>
-          <p:nvPr>
-            <p:ph type="ftr"/>
-          </p:nvPr>
-        </p:nvSpPr>
-        <p:spPr>
-          <a:xfrm>
-            <a:off x="3447360" y="5165280"/>
-            <a:ext cx="3195000" cy="390600"/>
-          </a:xfrm>
-          <a:prstGeom prst="rect">
-            <a:avLst/>
-          </a:prstGeom>
-        </p:spPr>
-        <p:txBody>
-          <a:bodyPr lIns="0" rIns="0" tIns="0" bIns="0"/>
-          <a:p>
-            <a:pPr algn="ctr"/>
-            <a:r>
-              <a:rPr b="0" lang="ru-RU" sz="1400" spc="-1" strike="noStrike">
-                <a:latin typeface="Times New Roman"/>
-              </a:rPr>
-              <a:t>&lt;нижний колонтитул&gt;</a:t>
-            </a:r>
-            <a:endParaRPr b="0" lang="ru-RU" sz="1400" spc="-1" strike="noStrike">
-              <a:latin typeface="Times New Roman"/>
-            </a:endParaRPr>
-          </a:p>
-        </p:txBody>
-      </p:sp>
-      <p:sp>
-        <p:nvSpPr>
-          <p:cNvPr id="4" name="PlaceHolder 5"/>
-          <p:cNvSpPr>
-            <a:spLocks noGrp="1"/>
-          </p:cNvSpPr>
-          <p:nvPr>
-            <p:ph type="sldNum"/>
-          </p:nvPr>
-        </p:nvSpPr>
-        <p:spPr>
-          <a:xfrm>
-            <a:off x="7227360" y="5165280"/>
-            <a:ext cx="2348280" cy="390600"/>
-          </a:xfrm>
-          <a:prstGeom prst="rect">
-            <a:avLst/>
-          </a:prstGeom>
-        </p:spPr>
-        <p:txBody>
-          <a:bodyPr lIns="0" rIns="0" tIns="0" bIns="0"/>
-          <a:p>
-            <a:pPr algn="r"/>
-            <a:fld id="{097C51D3-27CC-4200-B304-4901367E6467}" type="slidenum">
-              <a:rPr b="0" lang="ru-RU" sz="1400" spc="-1" strike="noStrike">
-                <a:latin typeface="Times New Roman"/>
-              </a:rPr>
-              <a:t>&lt;номер&gt;</a:t>
-            </a:fld>
-            <a:endParaRPr b="0" lang="ru-RU" sz="1400" spc="-1" strike="noStrike">
-              <a:latin typeface="Times New Roman"/>
-            </a:endParaRPr>
+              <a:t>Алгоритм выбора ковариаций Демпстера</a:t>
+            </a:r>
           </a:p>
         </p:txBody>
       </p:sp>
     </p:spTree>
   </p:cSld>
-  <p:clrMap bg1="lt1" bg2="lt2" tx1="dk1" tx2="dk2" accent1="accent1" accent2="accent2" accent3="accent3" accent4="accent4" accent5="accent5" accent6="accent6" hlink="hlink" folHlink="folHlink"/>
-  <p:sldLayoutIdLst>
-    <p:sldLayoutId id="2147483649" r:id="rId2"/>
-    <p:sldLayoutId id="2147483650" r:id="rId3"/>
-    <p:sldLayoutId id="2147483651" r:id="rId4"/>
-    <p:sldLayoutId id="2147483652" r:id="rId5"/>
-    <p:sldLayoutId id="2147483653" r:id="rId6"/>
-    <p:sldLayoutId id="2147483654" r:id="rId7"/>
-    <p:sldLayoutId id="2147483655" r:id="rId8"/>
-    <p:sldLayoutId id="2147483656" r:id="rId9"/>
-    <p:sldLayoutId id="2147483657" r:id="rId10"/>
-    <p:sldLayoutId id="2147483658" r:id="rId11"/>
-    <p:sldLayoutId id="2147483659" r:id="rId12"/>
-    <p:sldLayoutId id="2147483660" r:id="rId13"/>
-  </p:sldLayoutIdLst>
-</p:sldMaster>
+  <p:clrMapOvr>
+    <a:masterClrMapping/>
+  </p:clrMapOvr>
+  <p:timing>
+    <p:tnLst>
+      <p:par>
+        <p:cTn id="1" dur="indefinite" restart="never" nodeType="tmRoot">
+          <p:childTnLst>
+            <p:seq>
+              <p:cTn id="2" dur="indefinite" nodeType="mainSeq"/>
+              <p:prevCondLst>
+                <p:cond evt="onPrev" delay="0">
+                  <p:tgtEl>
+                    <p:sldTgt/>
+                  </p:tgtEl>
+                </p:cond>
+              </p:prevCondLst>
+              <p:nextCondLst>
+                <p:cond evt="onNext" delay="0">
+                  <p:tgtEl>
+                    <p:sldTgt/>
+                  </p:tgtEl>
+                </p:cond>
+              </p:nextCondLst>
+            </p:seq>
+          </p:childTnLst>
+        </p:cTn>
+      </p:par>
+    </p:tnLst>
+  </p:timing>
+</p:sld>
 </file>
 
-<file path=ppt/slides/slide1.xml><?xml version="1.0" encoding="utf-8"?>
-<p:sld xmlns:a="http://schemas.openxmlformats.org/drawingml/2006/main" xmlns:p="http://schemas.openxmlformats.org/presentationml/2006/main" xmlns:r="http://schemas.openxmlformats.org/officeDocument/2006/relationships" xmlns:p14="http://schemas.microsoft.com/office/powerpoint/2010/main" xmlns:p15="http://schemas.microsoft.com/office/powerpoint/2012/main" xmlns:mc="http://schemas.openxmlformats.org/markup-compatibility/2006">
+<file path=ppt/slides/slide2.xml><?xml version="1.0" encoding="utf-8"?>
+<p:sld xmlns:a="http://schemas.openxmlformats.org/drawingml/2006/main" xmlns:r="http://schemas.openxmlformats.org/officeDocument/2006/relationships" xmlns:p="http://schemas.openxmlformats.org/presentationml/2006/main">
   <p:cSld>
     <p:spTree>
       <p:nvGrpSpPr>
@@ -1723,73 +2238,103 @@
       </p:grpSpPr>
       <p:sp>
         <p:nvSpPr>
-          <p:cNvPr id="41" name="TextShape 1"/>
-          <p:cNvSpPr txBox="1"/>
-          <p:nvPr/>
-        </p:nvSpPr>
-        <p:spPr>
-          <a:xfrm>
-            <a:off x="504000" y="226080"/>
-            <a:ext cx="9071640" cy="4388400"/>
-          </a:xfrm>
-          <a:prstGeom prst="rect">
-            <a:avLst/>
-          </a:prstGeom>
-          <a:noFill/>
-          <a:ln>
-            <a:noFill/>
-          </a:ln>
-        </p:spPr>
-        <p:txBody>
-          <a:bodyPr lIns="0" rIns="0" tIns="0" bIns="0" anchor="ctr"/>
+          <p:cNvPr id="4" name="Подзаголовок 3">
+            <a:extLst>
+              <a:ext uri="{FF2B5EF4-FFF2-40B4-BE49-F238E27FC236}">
+                <a16:creationId xmlns:a16="http://schemas.microsoft.com/office/drawing/2014/main" id="{88C852BF-EE84-4F13-84FA-26387240D2D5}"/>
+              </a:ext>
+            </a:extLst>
+          </p:cNvPr>
+          <p:cNvSpPr>
+            <a:spLocks noGrp="1"/>
+          </p:cNvSpPr>
+          <p:nvPr>
+            <p:ph type="subTitle"/>
+          </p:nvPr>
+        </p:nvSpPr>
+        <p:spPr/>
+        <p:txBody>
+          <a:bodyPr/>
+          <a:lstStyle/>
+          <a:p>
+            <a:pPr marL="0" indent="0" algn="ctr">
+              <a:buNone/>
+            </a:pPr>
+            <a:r>
+              <a:rPr lang="ru-RU" dirty="0"/>
+              <a:t>Написать библиотеку на языке </a:t>
+            </a:r>
+            <a:r>
+              <a:rPr lang="en-US" dirty="0"/>
+              <a:t>Python</a:t>
+            </a:r>
+            <a:r>
+              <a:rPr lang="ru-RU" dirty="0"/>
+              <a:t>, реализующую алгоритм выбора ковариаций </a:t>
+            </a:r>
+            <a:r>
+              <a:rPr lang="ru-RU" dirty="0" err="1"/>
+              <a:t>Демпстера</a:t>
+            </a:r>
+            <a:r>
+              <a:rPr lang="ru-RU" dirty="0"/>
+              <a:t> с модификацией, предложенной </a:t>
+            </a:r>
+            <a:r>
+              <a:rPr lang="ru-RU" dirty="0" err="1"/>
+              <a:t>Вайнберг</a:t>
+            </a:r>
+            <a:r>
+              <a:rPr lang="ru-RU" dirty="0"/>
+              <a:t> (2008)</a:t>
+            </a:r>
+          </a:p>
+        </p:txBody>
+      </p:sp>
+      <p:sp>
+        <p:nvSpPr>
+          <p:cNvPr id="3" name="Заголовок 2">
+            <a:extLst>
+              <a:ext uri="{FF2B5EF4-FFF2-40B4-BE49-F238E27FC236}">
+                <a16:creationId xmlns:a16="http://schemas.microsoft.com/office/drawing/2014/main" id="{0FCB6023-4B5A-4F76-B366-90776D70FF18}"/>
+              </a:ext>
+            </a:extLst>
+          </p:cNvPr>
+          <p:cNvSpPr>
+            <a:spLocks noGrp="1"/>
+          </p:cNvSpPr>
+          <p:nvPr>
+            <p:ph type="title"/>
+          </p:nvPr>
+        </p:nvSpPr>
+        <p:spPr/>
+        <p:txBody>
+          <a:bodyPr/>
+          <a:lstStyle/>
           <a:p>
             <a:pPr algn="ctr"/>
             <a:r>
-              <a:rPr b="0" lang="ru-RU" sz="3200" spc="-1" strike="noStrike">
-                <a:latin typeface="Arial"/>
-              </a:rPr>
-              <a:t>Алгоритм выбора ковариаций Демпстера</a:t>
-            </a:r>
-            <a:endParaRPr b="0" lang="ru-RU" sz="3200" spc="-1" strike="noStrike">
-              <a:latin typeface="Arial"/>
-            </a:endParaRPr>
+              <a:rPr lang="ru-RU" dirty="0"/>
+              <a:t>Цель</a:t>
+            </a:r>
           </a:p>
         </p:txBody>
       </p:sp>
     </p:spTree>
+    <p:extLst>
+      <p:ext uri="{BB962C8B-B14F-4D97-AF65-F5344CB8AC3E}">
+        <p14:creationId xmlns:p14="http://schemas.microsoft.com/office/powerpoint/2010/main" val="2234871677"/>
+      </p:ext>
+    </p:extLst>
   </p:cSld>
-  <p:timing>
-    <p:tnLst>
-      <p:par>
-        <p:cTn id="1" dur="indefinite" restart="never" nodeType="tmRoot">
-          <p:childTnLst>
-            <p:seq>
-              <p:cTn id="2" dur="indefinite" nodeType="mainSeq"/>
-              <p:prevCondLst>
-                <p:cond delay="0" evt="onPrev">
-                  <p:tgtEl>
-                    <p:sldTgt/>
-                  </p:tgtEl>
-                </p:cond>
-              </p:prevCondLst>
-              <p:nextCondLst>
-                <p:cond delay="0" evt="onNext">
-                  <p:tgtEl>
-                    <p:sldTgt/>
-                  </p:tgtEl>
-                </p:cond>
-              </p:nextCondLst>
-            </p:seq>
-          </p:childTnLst>
-        </p:cTn>
-      </p:par>
-    </p:tnLst>
-  </p:timing>
+  <p:clrMapOvr>
+    <a:masterClrMapping/>
+  </p:clrMapOvr>
 </p:sld>
 </file>
 
-<file path=ppt/slides/slide2.xml><?xml version="1.0" encoding="utf-8"?>
-<p:sld xmlns:a="http://schemas.openxmlformats.org/drawingml/2006/main" xmlns:p="http://schemas.openxmlformats.org/presentationml/2006/main" xmlns:r="http://schemas.openxmlformats.org/officeDocument/2006/relationships" xmlns:p14="http://schemas.microsoft.com/office/powerpoint/2010/main" xmlns:p15="http://schemas.microsoft.com/office/powerpoint/2012/main" xmlns:mc="http://schemas.openxmlformats.org/markup-compatibility/2006">
+<file path=ppt/slides/slide3.xml><?xml version="1.0" encoding="utf-8"?>
+<p:sld xmlns:a="http://schemas.openxmlformats.org/drawingml/2006/main" xmlns:r="http://schemas.openxmlformats.org/officeDocument/2006/relationships" xmlns:p="http://schemas.openxmlformats.org/presentationml/2006/main">
   <p:cSld>
     <p:spTree>
       <p:nvGrpSpPr>
@@ -1825,18 +2370,16 @@
           </a:ln>
         </p:spPr>
         <p:txBody>
-          <a:bodyPr lIns="0" rIns="0" tIns="0" bIns="0" anchor="ctr"/>
+          <a:bodyPr lIns="0" tIns="0" rIns="0" bIns="0" anchor="ctr"/>
+          <a:lstStyle/>
           <a:p>
             <a:pPr algn="ctr"/>
             <a:r>
-              <a:rPr b="0" lang="ru-RU" sz="4400" spc="-1" strike="noStrike">
+              <a:rPr lang="ru-RU" sz="4400" b="0" strike="noStrike" spc="-1" dirty="0">
                 <a:latin typeface="Arial"/>
               </a:rPr>
               <a:t>Задача</a:t>
             </a:r>
-            <a:endParaRPr b="0" lang="ru-RU" sz="4400" spc="-1" strike="noStrike">
-              <a:latin typeface="Arial"/>
-            </a:endParaRPr>
           </a:p>
         </p:txBody>
       </p:sp>
@@ -1860,39 +2403,55 @@
           </a:ln>
         </p:spPr>
         <p:txBody>
-          <a:bodyPr lIns="0" rIns="0" tIns="0" bIns="0" anchor="ctr"/>
+          <a:bodyPr lIns="0" tIns="0" rIns="0" bIns="0" anchor="ctr"/>
+          <a:lstStyle/>
           <a:p>
             <a:pPr algn="ctr"/>
             <a:r>
-              <a:rPr b="0" lang="ru-RU" sz="3200" spc="-1" strike="noStrike">
+              <a:rPr lang="ru-RU" sz="3200" b="0" strike="noStrike" spc="-1" dirty="0">
                 <a:latin typeface="Arial"/>
               </a:rPr>
-              <a:t>На основе статистических данных посчитана выборочная корреляционная матрица. Необходимо по ней построить достоверное приближение истинной корреляционной матрицы.</a:t>
-            </a:r>
-            <a:endParaRPr b="0" lang="ru-RU" sz="3200" spc="-1" strike="noStrike">
-              <a:latin typeface="Arial"/>
-            </a:endParaRPr>
+              <a:t>По выборочной матрице ковариаций построить приближение истинной матрицы ковариаций с помощью модели выбора ковариаций.</a:t>
+            </a:r>
+          </a:p>
+          <a:p>
+            <a:pPr algn="ctr"/>
+            <a:endParaRPr lang="ru-RU" sz="3200" spc="-1" dirty="0">
+              <a:latin typeface="Arial"/>
+            </a:endParaRPr>
+          </a:p>
+          <a:p>
+            <a:pPr algn="ctr"/>
+            <a:r>
+              <a:rPr lang="ru-RU" sz="3200" spc="-1" dirty="0">
+                <a:latin typeface="Arial"/>
+              </a:rPr>
+              <a:t>В данной модели делается предположение о разреженности обратной ковариационной матрицы, и приближение ищется выбором пар переменных с нулевой частной корреляцией.</a:t>
+            </a:r>
           </a:p>
         </p:txBody>
       </p:sp>
     </p:spTree>
   </p:cSld>
+  <p:clrMapOvr>
+    <a:masterClrMapping/>
+  </p:clrMapOvr>
   <p:timing>
     <p:tnLst>
       <p:par>
-        <p:cTn id="3" dur="indefinite" restart="never" nodeType="tmRoot">
+        <p:cTn id="1" dur="indefinite" restart="never" nodeType="tmRoot">
           <p:childTnLst>
             <p:seq>
-              <p:cTn id="4" dur="indefinite" nodeType="mainSeq"/>
+              <p:cTn id="2" dur="indefinite" nodeType="mainSeq"/>
               <p:prevCondLst>
-                <p:cond delay="0" evt="onPrev">
+                <p:cond evt="onPrev" delay="0">
                   <p:tgtEl>
                     <p:sldTgt/>
                   </p:tgtEl>
                 </p:cond>
               </p:prevCondLst>
               <p:nextCondLst>
-                <p:cond delay="0" evt="onNext">
+                <p:cond evt="onNext" delay="0">
                   <p:tgtEl>
                     <p:sldTgt/>
                   </p:tgtEl>
@@ -1907,8 +2466,8 @@
 </p:sld>
 </file>
 
-<file path=ppt/slides/slide3.xml><?xml version="1.0" encoding="utf-8"?>
-<p:sld xmlns:a="http://schemas.openxmlformats.org/drawingml/2006/main" xmlns:p="http://schemas.openxmlformats.org/presentationml/2006/main" xmlns:r="http://schemas.openxmlformats.org/officeDocument/2006/relationships" xmlns:p14="http://schemas.microsoft.com/office/powerpoint/2010/main" xmlns:p15="http://schemas.microsoft.com/office/powerpoint/2012/main" xmlns:mc="http://schemas.openxmlformats.org/markup-compatibility/2006">
+<file path=ppt/slides/slide4.xml><?xml version="1.0" encoding="utf-8"?>
+<p:sld xmlns:a="http://schemas.openxmlformats.org/drawingml/2006/main" xmlns:r="http://schemas.openxmlformats.org/officeDocument/2006/relationships" xmlns:p="http://schemas.openxmlformats.org/presentationml/2006/main">
   <p:cSld>
     <p:spTree>
       <p:nvGrpSpPr>
@@ -1944,18 +2503,16 @@
           </a:ln>
         </p:spPr>
         <p:txBody>
-          <a:bodyPr lIns="0" rIns="0" tIns="0" bIns="0" anchor="ctr"/>
+          <a:bodyPr lIns="0" tIns="0" rIns="0" bIns="0" anchor="ctr"/>
+          <a:lstStyle/>
           <a:p>
             <a:pPr algn="ctr"/>
             <a:r>
-              <a:rPr b="0" lang="ru-RU" sz="3600" spc="-1" strike="noStrike">
+              <a:rPr lang="ru-RU" sz="3600" spc="-1" dirty="0">
                 <a:latin typeface="Arial"/>
               </a:rPr>
-              <a:t>В каких задачах это может использоваться</a:t>
-            </a:r>
-            <a:endParaRPr b="0" lang="ru-RU" sz="3600" spc="-1" strike="noStrike">
-              <a:latin typeface="Arial"/>
-            </a:endParaRPr>
+              <a:t>Алгоритм</a:t>
+            </a:r>
           </a:p>
         </p:txBody>
       </p:sp>
@@ -1979,23 +2536,46 @@
           </a:ln>
         </p:spPr>
         <p:txBody>
-          <a:bodyPr lIns="0" rIns="0" tIns="0" bIns="0">
+          <a:bodyPr lIns="0" tIns="0" rIns="0" bIns="0">
             <a:normAutofit/>
           </a:bodyPr>
-          <a:p>
-            <a:endParaRPr b="0" lang="ru-RU" sz="3200" spc="-1" strike="noStrike">
-              <a:latin typeface="Arial"/>
-            </a:endParaRPr>
+          <a:lstStyle/>
+          <a:p>
+            <a:pPr algn="ctr"/>
+            <a:r>
+              <a:rPr lang="ru-RU" sz="3200" b="0" strike="noStrike" spc="-1" dirty="0">
+                <a:latin typeface="Arial"/>
+              </a:rPr>
+              <a:t>В результате работы алгоритма уменьшается число параметров системы.</a:t>
+            </a:r>
+          </a:p>
+          <a:p>
+            <a:pPr algn="ctr"/>
+            <a:endParaRPr lang="ru-RU" sz="3200" b="0" strike="noStrike" spc="-1" dirty="0">
+              <a:latin typeface="Arial"/>
+            </a:endParaRPr>
+          </a:p>
+          <a:p>
+            <a:pPr algn="ctr"/>
+            <a:r>
+              <a:rPr lang="ru-RU" sz="3200" b="0" strike="noStrike" spc="-1" dirty="0">
+                <a:latin typeface="Arial"/>
+              </a:rPr>
+              <a:t>Полученную обратную матрицу можно представить в виде графа, для визуального анализа взаимосвязи переменных.</a:t>
+            </a:r>
           </a:p>
         </p:txBody>
       </p:sp>
     </p:spTree>
   </p:cSld>
+  <p:clrMapOvr>
+    <a:masterClrMapping/>
+  </p:clrMapOvr>
 </p:sld>
 </file>
 
-<file path=ppt/slides/slide4.xml><?xml version="1.0" encoding="utf-8"?>
-<p:sld xmlns:a="http://schemas.openxmlformats.org/drawingml/2006/main" xmlns:p="http://schemas.openxmlformats.org/presentationml/2006/main" xmlns:r="http://schemas.openxmlformats.org/officeDocument/2006/relationships" xmlns:p14="http://schemas.microsoft.com/office/powerpoint/2010/main" xmlns:p15="http://schemas.microsoft.com/office/powerpoint/2012/main" xmlns:mc="http://schemas.openxmlformats.org/markup-compatibility/2006">
+<file path=ppt/slides/slide5.xml><?xml version="1.0" encoding="utf-8"?>
+<p:sld xmlns:a="http://schemas.openxmlformats.org/drawingml/2006/main" xmlns:r="http://schemas.openxmlformats.org/officeDocument/2006/relationships" xmlns:p="http://schemas.openxmlformats.org/presentationml/2006/main">
   <p:cSld>
     <p:spTree>
       <p:nvGrpSpPr>
@@ -2013,76 +2593,93 @@
       </p:grpSpPr>
       <p:sp>
         <p:nvSpPr>
-          <p:cNvPr id="46" name="TextShape 1"/>
-          <p:cNvSpPr txBox="1"/>
-          <p:nvPr/>
-        </p:nvSpPr>
-        <p:spPr>
-          <a:xfrm>
-            <a:off x="504000" y="226080"/>
-            <a:ext cx="9071640" cy="946440"/>
-          </a:xfrm>
-          <a:prstGeom prst="rect">
-            <a:avLst/>
-          </a:prstGeom>
-          <a:noFill/>
-          <a:ln>
-            <a:noFill/>
-          </a:ln>
-        </p:spPr>
-        <p:txBody>
-          <a:bodyPr lIns="0" rIns="0" tIns="0" bIns="0" anchor="ctr"/>
+          <p:cNvPr id="2" name="Заголовок 1">
+            <a:extLst>
+              <a:ext uri="{FF2B5EF4-FFF2-40B4-BE49-F238E27FC236}">
+                <a16:creationId xmlns:a16="http://schemas.microsoft.com/office/drawing/2014/main" id="{861EEC62-95D6-426C-8577-1DFF9BB39913}"/>
+              </a:ext>
+            </a:extLst>
+          </p:cNvPr>
+          <p:cNvSpPr>
+            <a:spLocks noGrp="1"/>
+          </p:cNvSpPr>
+          <p:nvPr>
+            <p:ph type="title"/>
+          </p:nvPr>
+        </p:nvSpPr>
+        <p:spPr/>
+        <p:txBody>
+          <a:bodyPr/>
+          <a:lstStyle/>
           <a:p>
             <a:pPr algn="ctr"/>
             <a:r>
-              <a:rPr b="0" lang="ru-RU" sz="4400" spc="-1" strike="noStrike">
-                <a:latin typeface="Arial"/>
-              </a:rPr>
-              <a:t>Некоторые свойства</a:t>
-            </a:r>
-            <a:endParaRPr b="0" lang="ru-RU" sz="4400" spc="-1" strike="noStrike">
-              <a:latin typeface="Arial"/>
-            </a:endParaRPr>
-          </a:p>
-        </p:txBody>
-      </p:sp>
-      <p:sp>
-        <p:nvSpPr>
-          <p:cNvPr id="47" name="TextShape 2"/>
-          <p:cNvSpPr txBox="1"/>
-          <p:nvPr/>
-        </p:nvSpPr>
-        <p:spPr>
-          <a:xfrm>
-            <a:off x="504000" y="1326600"/>
-            <a:ext cx="9071640" cy="3288240"/>
-          </a:xfrm>
-          <a:prstGeom prst="rect">
-            <a:avLst/>
-          </a:prstGeom>
-          <a:noFill/>
-          <a:ln>
-            <a:noFill/>
-          </a:ln>
-        </p:spPr>
-        <p:txBody>
-          <a:bodyPr lIns="0" rIns="0" tIns="0" bIns="0">
-            <a:normAutofit/>
+              <a:rPr lang="ru-RU" dirty="0"/>
+              <a:t>Условия применения алгоритма</a:t>
+            </a:r>
+          </a:p>
+        </p:txBody>
+      </p:sp>
+      <p:sp>
+        <p:nvSpPr>
+          <p:cNvPr id="3" name="Текст 2">
+            <a:extLst>
+              <a:ext uri="{FF2B5EF4-FFF2-40B4-BE49-F238E27FC236}">
+                <a16:creationId xmlns:a16="http://schemas.microsoft.com/office/drawing/2014/main" id="{BAA8FD28-8CD5-440A-A8ED-8E5E576951AA}"/>
+              </a:ext>
+            </a:extLst>
+          </p:cNvPr>
+          <p:cNvSpPr>
+            <a:spLocks noGrp="1"/>
+          </p:cNvSpPr>
+          <p:nvPr>
+            <p:ph type="body"/>
+          </p:nvPr>
+        </p:nvSpPr>
+        <p:spPr/>
+        <p:txBody>
+          <a:bodyPr>
+            <a:normAutofit fontScale="92500" lnSpcReduction="20000"/>
           </a:bodyPr>
-          <a:p>
-            <a:endParaRPr b="0" lang="ru-RU" sz="3200" spc="-1" strike="noStrike">
-              <a:latin typeface="Arial"/>
-            </a:endParaRPr>
+          <a:lstStyle/>
+          <a:p>
+            <a:pPr algn="ctr"/>
+            <a:r>
+              <a:rPr lang="ru-RU" dirty="0"/>
+              <a:t>Большое число переменных, малое относительно них число наблюдений. Выборочная ковариационная матрица плохо обусловлена, и по ней нельзя построить достоверную обратную матрицу</a:t>
+            </a:r>
+          </a:p>
+          <a:p>
+            <a:pPr algn="ctr"/>
+            <a:r>
+              <a:rPr lang="ru-RU" dirty="0"/>
+              <a:t>Интересна взаимосвязь переменных с точки зрения условной независимости переменных друг от друга</a:t>
+            </a:r>
+          </a:p>
+          <a:p>
+            <a:pPr algn="ctr"/>
+            <a:r>
+              <a:rPr lang="ru-RU" dirty="0"/>
+              <a:t>Лучше получить лишние взаимосвязи, чем потерять истинные. (Если в истинной обратной матрице на какой-то позиции стоит ненулевой коэффициент, то алгоритм также найдет там ненулевой коэффициент)</a:t>
+            </a:r>
           </a:p>
         </p:txBody>
       </p:sp>
     </p:spTree>
+    <p:extLst>
+      <p:ext uri="{BB962C8B-B14F-4D97-AF65-F5344CB8AC3E}">
+        <p14:creationId xmlns:p14="http://schemas.microsoft.com/office/powerpoint/2010/main" val="1321435281"/>
+      </p:ext>
+    </p:extLst>
   </p:cSld>
+  <p:clrMapOvr>
+    <a:masterClrMapping/>
+  </p:clrMapOvr>
 </p:sld>
 </file>
 
-<file path=ppt/slides/slide5.xml><?xml version="1.0" encoding="utf-8"?>
-<p:sld xmlns:a="http://schemas.openxmlformats.org/drawingml/2006/main" xmlns:p="http://schemas.openxmlformats.org/presentationml/2006/main" xmlns:r="http://schemas.openxmlformats.org/officeDocument/2006/relationships" xmlns:p14="http://schemas.microsoft.com/office/powerpoint/2010/main" xmlns:p15="http://schemas.microsoft.com/office/powerpoint/2012/main" xmlns:mc="http://schemas.openxmlformats.org/markup-compatibility/2006">
+<file path=ppt/slides/slide6.xml><?xml version="1.0" encoding="utf-8"?>
+<p:sld xmlns:a="http://schemas.openxmlformats.org/drawingml/2006/main" xmlns:r="http://schemas.openxmlformats.org/officeDocument/2006/relationships" xmlns:p="http://schemas.openxmlformats.org/presentationml/2006/main">
   <p:cSld>
     <p:spTree>
       <p:nvGrpSpPr>
@@ -2100,76 +2697,122 @@
       </p:grpSpPr>
       <p:sp>
         <p:nvSpPr>
-          <p:cNvPr id="48" name="TextShape 1"/>
-          <p:cNvSpPr txBox="1"/>
-          <p:nvPr/>
-        </p:nvSpPr>
-        <p:spPr>
-          <a:xfrm>
-            <a:off x="504000" y="226080"/>
-            <a:ext cx="9071640" cy="946440"/>
-          </a:xfrm>
-          <a:prstGeom prst="rect">
-            <a:avLst/>
-          </a:prstGeom>
-          <a:noFill/>
-          <a:ln>
-            <a:noFill/>
-          </a:ln>
-        </p:spPr>
-        <p:txBody>
-          <a:bodyPr lIns="0" rIns="0" tIns="0" bIns="0" anchor="ctr"/>
+          <p:cNvPr id="2" name="Заголовок 1">
+            <a:extLst>
+              <a:ext uri="{FF2B5EF4-FFF2-40B4-BE49-F238E27FC236}">
+                <a16:creationId xmlns:a16="http://schemas.microsoft.com/office/drawing/2014/main" id="{918A1242-A6F6-4AD9-9B76-7AAEE84C61D5}"/>
+              </a:ext>
+            </a:extLst>
+          </p:cNvPr>
+          <p:cNvSpPr>
+            <a:spLocks noGrp="1"/>
+          </p:cNvSpPr>
+          <p:nvPr>
+            <p:ph type="title"/>
+          </p:nvPr>
+        </p:nvSpPr>
+        <p:spPr/>
+        <p:txBody>
+          <a:bodyPr/>
+          <a:lstStyle/>
           <a:p>
             <a:pPr algn="ctr"/>
             <a:r>
-              <a:rPr b="0" lang="ru-RU" sz="4400" spc="-1" strike="noStrike">
-                <a:latin typeface="Arial"/>
-              </a:rPr>
-              <a:t>Проделанная работа</a:t>
-            </a:r>
-            <a:endParaRPr b="0" lang="ru-RU" sz="4400" spc="-1" strike="noStrike">
-              <a:latin typeface="Arial"/>
-            </a:endParaRPr>
-          </a:p>
-        </p:txBody>
-      </p:sp>
-      <p:sp>
-        <p:nvSpPr>
-          <p:cNvPr id="49" name="TextShape 2"/>
-          <p:cNvSpPr txBox="1"/>
-          <p:nvPr/>
-        </p:nvSpPr>
-        <p:spPr>
-          <a:xfrm>
-            <a:off x="504000" y="1326600"/>
-            <a:ext cx="9071640" cy="3288240"/>
-          </a:xfrm>
-          <a:prstGeom prst="rect">
-            <a:avLst/>
-          </a:prstGeom>
-          <a:noFill/>
-          <a:ln>
-            <a:noFill/>
-          </a:ln>
-        </p:spPr>
-        <p:txBody>
-          <a:bodyPr lIns="0" rIns="0" tIns="0" bIns="0">
-            <a:normAutofit/>
-          </a:bodyPr>
-          <a:p>
-            <a:endParaRPr b="0" lang="ru-RU" sz="3200" spc="-1" strike="noStrike">
-              <a:latin typeface="Arial"/>
-            </a:endParaRPr>
+              <a:rPr lang="ru-RU" dirty="0"/>
+              <a:t>Области применения</a:t>
+            </a:r>
+          </a:p>
+        </p:txBody>
+      </p:sp>
+      <p:sp>
+        <p:nvSpPr>
+          <p:cNvPr id="3" name="Текст 2">
+            <a:extLst>
+              <a:ext uri="{FF2B5EF4-FFF2-40B4-BE49-F238E27FC236}">
+                <a16:creationId xmlns:a16="http://schemas.microsoft.com/office/drawing/2014/main" id="{AAB57EFD-75DE-4F73-9E5B-13A32108561A}"/>
+              </a:ext>
+            </a:extLst>
+          </p:cNvPr>
+          <p:cNvSpPr>
+            <a:spLocks noGrp="1"/>
+          </p:cNvSpPr>
+          <p:nvPr>
+            <p:ph type="body"/>
+          </p:nvPr>
+        </p:nvSpPr>
+        <p:spPr/>
+        <p:txBody>
+          <a:bodyPr/>
+          <a:lstStyle/>
+          <a:p>
+            <a:r>
+              <a:rPr lang="ru-RU" dirty="0"/>
+              <a:t>Анализ данных экспрессии генов</a:t>
+            </a:r>
+            <a:r>
+              <a:rPr lang="en-US" dirty="0"/>
+              <a:t>.</a:t>
+            </a:r>
+            <a:r>
+              <a:rPr lang="ru-RU" dirty="0"/>
+              <a:t> </a:t>
+            </a:r>
+            <a:r>
+              <a:rPr lang="en-US" dirty="0"/>
+              <a:t>Bhadra, </a:t>
+            </a:r>
+            <a:r>
+              <a:rPr lang="en-US" dirty="0" err="1"/>
+              <a:t>Malick</a:t>
+            </a:r>
+            <a:r>
+              <a:rPr lang="en-US" dirty="0"/>
+              <a:t> (2013), Dobra &amp; West (2004)</a:t>
+            </a:r>
+            <a:endParaRPr lang="ru-RU" dirty="0"/>
+          </a:p>
+          <a:p>
+            <a:r>
+              <a:rPr lang="ru-RU" dirty="0"/>
+              <a:t>Распознавание речи</a:t>
+            </a:r>
+            <a:r>
+              <a:rPr lang="en-US" dirty="0"/>
+              <a:t>. Chen &amp; Gopinath (1999)</a:t>
+            </a:r>
+            <a:endParaRPr lang="ru-RU" dirty="0"/>
+          </a:p>
+          <a:p>
+            <a:r>
+              <a:rPr lang="ru-RU" dirty="0"/>
+              <a:t>Экономика. </a:t>
+            </a:r>
+            <a:r>
+              <a:rPr lang="ru-RU" dirty="0" err="1"/>
+              <a:t>Вайнберг</a:t>
+            </a:r>
+            <a:r>
+              <a:rPr lang="ru-RU" dirty="0"/>
+              <a:t> (2008)</a:t>
+            </a:r>
           </a:p>
         </p:txBody>
       </p:sp>
     </p:spTree>
+    <p:extLst>
+      <p:ext uri="{BB962C8B-B14F-4D97-AF65-F5344CB8AC3E}">
+        <p14:creationId xmlns:p14="http://schemas.microsoft.com/office/powerpoint/2010/main" val="2889781496"/>
+      </p:ext>
+    </p:extLst>
   </p:cSld>
+  <p:clrMapOvr>
+    <a:masterClrMapping/>
+  </p:clrMapOvr>
 </p:sld>
 </file>
 
-<file path=ppt/slides/slide6.xml><?xml version="1.0" encoding="utf-8"?>
-<p:sld xmlns:a="http://schemas.openxmlformats.org/drawingml/2006/main" xmlns:p="http://schemas.openxmlformats.org/presentationml/2006/main" xmlns:r="http://schemas.openxmlformats.org/officeDocument/2006/relationships" xmlns:p14="http://schemas.microsoft.com/office/powerpoint/2010/main" xmlns:p15="http://schemas.microsoft.com/office/powerpoint/2012/main" xmlns:mc="http://schemas.openxmlformats.org/markup-compatibility/2006">
+<file path=ppt/slides/slide7.xml><?xml version="1.0" encoding="utf-8"?>
+<p:sld xmlns:a="http://schemas.openxmlformats.org/drawingml/2006/main" xmlns:r="http://schemas.openxmlformats.org/officeDocument/2006/relationships" xmlns:p="http://schemas.openxmlformats.org/presentationml/2006/main">
   <p:cSld>
     <p:spTree>
       <p:nvGrpSpPr>
@@ -2187,7 +2830,7 @@
       </p:grpSpPr>
       <p:sp>
         <p:nvSpPr>
-          <p:cNvPr id="50" name="TextShape 1"/>
+          <p:cNvPr id="46" name="TextShape 1"/>
           <p:cNvSpPr txBox="1"/>
           <p:nvPr/>
         </p:nvSpPr>
@@ -2205,24 +2848,22 @@
           </a:ln>
         </p:spPr>
         <p:txBody>
-          <a:bodyPr lIns="0" rIns="0" tIns="0" bIns="0" anchor="ctr"/>
+          <a:bodyPr lIns="0" tIns="0" rIns="0" bIns="0" anchor="ctr"/>
+          <a:lstStyle/>
           <a:p>
             <a:pPr algn="ctr"/>
             <a:r>
-              <a:rPr b="0" lang="ru-RU" sz="4400" spc="-1" strike="noStrike">
+              <a:rPr lang="ru-RU" sz="4400" b="0" strike="noStrike" spc="-1">
                 <a:latin typeface="Arial"/>
               </a:rPr>
-              <a:t>Результат</a:t>
-            </a:r>
-            <a:endParaRPr b="0" lang="ru-RU" sz="4400" spc="-1" strike="noStrike">
-              <a:latin typeface="Arial"/>
-            </a:endParaRPr>
-          </a:p>
-        </p:txBody>
-      </p:sp>
-      <p:sp>
-        <p:nvSpPr>
-          <p:cNvPr id="51" name="TextShape 2"/>
+              <a:t>Некоторые свойства</a:t>
+            </a:r>
+          </a:p>
+        </p:txBody>
+      </p:sp>
+      <p:sp>
+        <p:nvSpPr>
+          <p:cNvPr id="47" name="TextShape 2"/>
           <p:cNvSpPr txBox="1"/>
           <p:nvPr/>
         </p:nvSpPr>
@@ -2240,11 +2881,12 @@
           </a:ln>
         </p:spPr>
         <p:txBody>
-          <a:bodyPr lIns="0" rIns="0" tIns="0" bIns="0">
+          <a:bodyPr lIns="0" tIns="0" rIns="0" bIns="0">
             <a:normAutofit/>
           </a:bodyPr>
-          <a:p>
-            <a:endParaRPr b="0" lang="ru-RU" sz="3200" spc="-1" strike="noStrike">
+          <a:lstStyle/>
+          <a:p>
+            <a:endParaRPr lang="ru-RU" sz="3200" b="0" strike="noStrike" spc="-1">
               <a:latin typeface="Arial"/>
             </a:endParaRPr>
           </a:p>
@@ -2252,6 +2894,187 @@
       </p:sp>
     </p:spTree>
   </p:cSld>
+  <p:clrMapOvr>
+    <a:masterClrMapping/>
+  </p:clrMapOvr>
+</p:sld>
+</file>
+
+<file path=ppt/slides/slide8.xml><?xml version="1.0" encoding="utf-8"?>
+<p:sld xmlns:a="http://schemas.openxmlformats.org/drawingml/2006/main" xmlns:r="http://schemas.openxmlformats.org/officeDocument/2006/relationships" xmlns:p="http://schemas.openxmlformats.org/presentationml/2006/main">
+  <p:cSld>
+    <p:spTree>
+      <p:nvGrpSpPr>
+        <p:cNvPr id="1" name=""/>
+        <p:cNvGrpSpPr/>
+        <p:nvPr/>
+      </p:nvGrpSpPr>
+      <p:grpSpPr>
+        <a:xfrm>
+          <a:off x="0" y="0"/>
+          <a:ext cx="0" cy="0"/>
+          <a:chOff x="0" y="0"/>
+          <a:chExt cx="0" cy="0"/>
+        </a:xfrm>
+      </p:grpSpPr>
+      <p:sp>
+        <p:nvSpPr>
+          <p:cNvPr id="48" name="TextShape 1"/>
+          <p:cNvSpPr txBox="1"/>
+          <p:nvPr/>
+        </p:nvSpPr>
+        <p:spPr>
+          <a:xfrm>
+            <a:off x="504000" y="226080"/>
+            <a:ext cx="9071640" cy="946440"/>
+          </a:xfrm>
+          <a:prstGeom prst="rect">
+            <a:avLst/>
+          </a:prstGeom>
+          <a:noFill/>
+          <a:ln>
+            <a:noFill/>
+          </a:ln>
+        </p:spPr>
+        <p:txBody>
+          <a:bodyPr lIns="0" tIns="0" rIns="0" bIns="0" anchor="ctr"/>
+          <a:lstStyle/>
+          <a:p>
+            <a:pPr algn="ctr"/>
+            <a:r>
+              <a:rPr lang="ru-RU" sz="4400" b="0" strike="noStrike" spc="-1">
+                <a:latin typeface="Arial"/>
+              </a:rPr>
+              <a:t>Проделанная работа</a:t>
+            </a:r>
+          </a:p>
+        </p:txBody>
+      </p:sp>
+      <p:sp>
+        <p:nvSpPr>
+          <p:cNvPr id="49" name="TextShape 2"/>
+          <p:cNvSpPr txBox="1"/>
+          <p:nvPr/>
+        </p:nvSpPr>
+        <p:spPr>
+          <a:xfrm>
+            <a:off x="504000" y="1326600"/>
+            <a:ext cx="9071640" cy="3288240"/>
+          </a:xfrm>
+          <a:prstGeom prst="rect">
+            <a:avLst/>
+          </a:prstGeom>
+          <a:noFill/>
+          <a:ln>
+            <a:noFill/>
+          </a:ln>
+        </p:spPr>
+        <p:txBody>
+          <a:bodyPr lIns="0" tIns="0" rIns="0" bIns="0">
+            <a:normAutofit/>
+          </a:bodyPr>
+          <a:lstStyle/>
+          <a:p>
+            <a:endParaRPr lang="ru-RU" sz="3200" b="0" strike="noStrike" spc="-1">
+              <a:latin typeface="Arial"/>
+            </a:endParaRPr>
+          </a:p>
+        </p:txBody>
+      </p:sp>
+    </p:spTree>
+  </p:cSld>
+  <p:clrMapOvr>
+    <a:masterClrMapping/>
+  </p:clrMapOvr>
+</p:sld>
+</file>
+
+<file path=ppt/slides/slide9.xml><?xml version="1.0" encoding="utf-8"?>
+<p:sld xmlns:a="http://schemas.openxmlformats.org/drawingml/2006/main" xmlns:r="http://schemas.openxmlformats.org/officeDocument/2006/relationships" xmlns:p="http://schemas.openxmlformats.org/presentationml/2006/main">
+  <p:cSld>
+    <p:spTree>
+      <p:nvGrpSpPr>
+        <p:cNvPr id="1" name=""/>
+        <p:cNvGrpSpPr/>
+        <p:nvPr/>
+      </p:nvGrpSpPr>
+      <p:grpSpPr>
+        <a:xfrm>
+          <a:off x="0" y="0"/>
+          <a:ext cx="0" cy="0"/>
+          <a:chOff x="0" y="0"/>
+          <a:chExt cx="0" cy="0"/>
+        </a:xfrm>
+      </p:grpSpPr>
+      <p:sp>
+        <p:nvSpPr>
+          <p:cNvPr id="50" name="TextShape 1"/>
+          <p:cNvSpPr txBox="1"/>
+          <p:nvPr/>
+        </p:nvSpPr>
+        <p:spPr>
+          <a:xfrm>
+            <a:off x="504000" y="226080"/>
+            <a:ext cx="9071640" cy="946440"/>
+          </a:xfrm>
+          <a:prstGeom prst="rect">
+            <a:avLst/>
+          </a:prstGeom>
+          <a:noFill/>
+          <a:ln>
+            <a:noFill/>
+          </a:ln>
+        </p:spPr>
+        <p:txBody>
+          <a:bodyPr lIns="0" tIns="0" rIns="0" bIns="0" anchor="ctr"/>
+          <a:lstStyle/>
+          <a:p>
+            <a:pPr algn="ctr"/>
+            <a:r>
+              <a:rPr lang="ru-RU" sz="4400" b="0" strike="noStrike" spc="-1">
+                <a:latin typeface="Arial"/>
+              </a:rPr>
+              <a:t>Результат</a:t>
+            </a:r>
+          </a:p>
+        </p:txBody>
+      </p:sp>
+      <p:sp>
+        <p:nvSpPr>
+          <p:cNvPr id="51" name="TextShape 2"/>
+          <p:cNvSpPr txBox="1"/>
+          <p:nvPr/>
+        </p:nvSpPr>
+        <p:spPr>
+          <a:xfrm>
+            <a:off x="504000" y="1326600"/>
+            <a:ext cx="9071640" cy="3288240"/>
+          </a:xfrm>
+          <a:prstGeom prst="rect">
+            <a:avLst/>
+          </a:prstGeom>
+          <a:noFill/>
+          <a:ln>
+            <a:noFill/>
+          </a:ln>
+        </p:spPr>
+        <p:txBody>
+          <a:bodyPr lIns="0" tIns="0" rIns="0" bIns="0">
+            <a:normAutofit/>
+          </a:bodyPr>
+          <a:lstStyle/>
+          <a:p>
+            <a:endParaRPr lang="ru-RU" sz="3200" b="0" strike="noStrike" spc="-1">
+              <a:latin typeface="Arial"/>
+            </a:endParaRPr>
+          </a:p>
+        </p:txBody>
+      </p:sp>
+    </p:spTree>
+  </p:cSld>
+  <p:clrMapOvr>
+    <a:masterClrMapping/>
+  </p:clrMapOvr>
 </p:sld>
 </file>
 
@@ -2266,31 +3089,31 @@
         <a:sysClr val="window" lastClr="FFFFFF"/>
       </a:lt1>
       <a:dk2>
-        <a:srgbClr val="1f497d"/>
+        <a:srgbClr val="1F497D"/>
       </a:dk2>
       <a:lt2>
-        <a:srgbClr val="eeece1"/>
+        <a:srgbClr val="EEECE1"/>
       </a:lt2>
       <a:accent1>
-        <a:srgbClr val="4f81bd"/>
+        <a:srgbClr val="4F81BD"/>
       </a:accent1>
       <a:accent2>
-        <a:srgbClr val="c0504d"/>
+        <a:srgbClr val="C0504D"/>
       </a:accent2>
       <a:accent3>
-        <a:srgbClr val="9bbb59"/>
+        <a:srgbClr val="9BBB59"/>
       </a:accent3>
       <a:accent4>
-        <a:srgbClr val="8064a2"/>
+        <a:srgbClr val="8064A2"/>
       </a:accent4>
       <a:accent5>
-        <a:srgbClr val="4bacc6"/>
+        <a:srgbClr val="4BACC6"/>
       </a:accent5>
       <a:accent6>
-        <a:srgbClr val="f79646"/>
+        <a:srgbClr val="F79646"/>
       </a:accent6>
       <a:hlink>
-        <a:srgbClr val="0000ff"/>
+        <a:srgbClr val="0000FF"/>
       </a:hlink>
       <a:folHlink>
         <a:srgbClr val="800080"/>
@@ -2475,5 +3298,7 @@
       </a:bgFillStyleLst>
     </a:fmtScheme>
   </a:themeElements>
+  <a:objectDefaults/>
+  <a:extraClrSchemeLst/>
 </a:theme>
 </file>
--- a/Презентация.pptx
+++ b/Презентация.pptx
@@ -13,7 +13,8 @@
     <p:sldId id="264" r:id="rId7"/>
     <p:sldId id="259" r:id="rId8"/>
     <p:sldId id="260" r:id="rId9"/>
-    <p:sldId id="261" r:id="rId10"/>
+    <p:sldId id="265" r:id="rId10"/>
+    <p:sldId id="261" r:id="rId11"/>
   </p:sldIdLst>
   <p:sldSz cx="10080625" cy="5670550"/>
   <p:notesSz cx="7559675" cy="10691813"/>
@@ -2219,6 +2220,95 @@
 </p:sld>
 </file>
 
+<file path=ppt/slides/slide10.xml><?xml version="1.0" encoding="utf-8"?>
+<p:sld xmlns:a="http://schemas.openxmlformats.org/drawingml/2006/main" xmlns:r="http://schemas.openxmlformats.org/officeDocument/2006/relationships" xmlns:p="http://schemas.openxmlformats.org/presentationml/2006/main">
+  <p:cSld>
+    <p:spTree>
+      <p:nvGrpSpPr>
+        <p:cNvPr id="1" name=""/>
+        <p:cNvGrpSpPr/>
+        <p:nvPr/>
+      </p:nvGrpSpPr>
+      <p:grpSpPr>
+        <a:xfrm>
+          <a:off x="0" y="0"/>
+          <a:ext cx="0" cy="0"/>
+          <a:chOff x="0" y="0"/>
+          <a:chExt cx="0" cy="0"/>
+        </a:xfrm>
+      </p:grpSpPr>
+      <p:sp>
+        <p:nvSpPr>
+          <p:cNvPr id="50" name="TextShape 1"/>
+          <p:cNvSpPr txBox="1"/>
+          <p:nvPr/>
+        </p:nvSpPr>
+        <p:spPr>
+          <a:xfrm>
+            <a:off x="504000" y="226080"/>
+            <a:ext cx="9071640" cy="946440"/>
+          </a:xfrm>
+          <a:prstGeom prst="rect">
+            <a:avLst/>
+          </a:prstGeom>
+          <a:noFill/>
+          <a:ln>
+            <a:noFill/>
+          </a:ln>
+        </p:spPr>
+        <p:txBody>
+          <a:bodyPr lIns="0" tIns="0" rIns="0" bIns="0" anchor="ctr"/>
+          <a:lstStyle/>
+          <a:p>
+            <a:pPr algn="ctr"/>
+            <a:r>
+              <a:rPr lang="ru-RU" sz="4400" b="0" strike="noStrike" spc="-1">
+                <a:latin typeface="Arial"/>
+              </a:rPr>
+              <a:t>Результат</a:t>
+            </a:r>
+          </a:p>
+        </p:txBody>
+      </p:sp>
+      <p:sp>
+        <p:nvSpPr>
+          <p:cNvPr id="51" name="TextShape 2"/>
+          <p:cNvSpPr txBox="1"/>
+          <p:nvPr/>
+        </p:nvSpPr>
+        <p:spPr>
+          <a:xfrm>
+            <a:off x="504000" y="1326600"/>
+            <a:ext cx="9071640" cy="3288240"/>
+          </a:xfrm>
+          <a:prstGeom prst="rect">
+            <a:avLst/>
+          </a:prstGeom>
+          <a:noFill/>
+          <a:ln>
+            <a:noFill/>
+          </a:ln>
+        </p:spPr>
+        <p:txBody>
+          <a:bodyPr lIns="0" tIns="0" rIns="0" bIns="0">
+            <a:normAutofit/>
+          </a:bodyPr>
+          <a:lstStyle/>
+          <a:p>
+            <a:endParaRPr lang="ru-RU" sz="3200" b="0" strike="noStrike" spc="-1">
+              <a:latin typeface="Arial"/>
+            </a:endParaRPr>
+          </a:p>
+        </p:txBody>
+      </p:sp>
+    </p:spTree>
+  </p:cSld>
+  <p:clrMapOvr>
+    <a:masterClrMapping/>
+  </p:clrMapOvr>
+</p:sld>
+</file>
+
 <file path=ppt/slides/slide2.xml><?xml version="1.0" encoding="utf-8"?>
 <p:sld xmlns:a="http://schemas.openxmlformats.org/drawingml/2006/main" xmlns:r="http://schemas.openxmlformats.org/officeDocument/2006/relationships" xmlns:p="http://schemas.openxmlformats.org/presentationml/2006/main">
   <p:cSld>
@@ -3008,69 +3098,89 @@
       </p:grpSpPr>
       <p:sp>
         <p:nvSpPr>
-          <p:cNvPr id="50" name="TextShape 1"/>
-          <p:cNvSpPr txBox="1"/>
-          <p:nvPr/>
-        </p:nvSpPr>
-        <p:spPr>
-          <a:xfrm>
-            <a:off x="504000" y="226080"/>
-            <a:ext cx="9071640" cy="946440"/>
-          </a:xfrm>
-          <a:prstGeom prst="rect">
-            <a:avLst/>
-          </a:prstGeom>
-          <a:noFill/>
-          <a:ln>
-            <a:noFill/>
-          </a:ln>
-        </p:spPr>
-        <p:txBody>
-          <a:bodyPr lIns="0" tIns="0" rIns="0" bIns="0" anchor="ctr"/>
+          <p:cNvPr id="2" name="Заголовок 1">
+            <a:extLst>
+              <a:ext uri="{FF2B5EF4-FFF2-40B4-BE49-F238E27FC236}">
+                <a16:creationId xmlns:a16="http://schemas.microsoft.com/office/drawing/2014/main" id="{7CDDF642-9041-42C4-A917-E6A813A2665A}"/>
+              </a:ext>
+            </a:extLst>
+          </p:cNvPr>
+          <p:cNvSpPr>
+            <a:spLocks noGrp="1"/>
+          </p:cNvSpPr>
+          <p:nvPr>
+            <p:ph type="title"/>
+          </p:nvPr>
+        </p:nvSpPr>
+        <p:spPr/>
+        <p:txBody>
+          <a:bodyPr/>
           <a:lstStyle/>
           <a:p>
             <a:pPr algn="ctr"/>
             <a:r>
-              <a:rPr lang="ru-RU" sz="4400" b="0" strike="noStrike" spc="-1">
-                <a:latin typeface="Arial"/>
-              </a:rPr>
-              <a:t>Результат</a:t>
-            </a:r>
-          </a:p>
-        </p:txBody>
-      </p:sp>
-      <p:sp>
-        <p:nvSpPr>
-          <p:cNvPr id="51" name="TextShape 2"/>
-          <p:cNvSpPr txBox="1"/>
-          <p:nvPr/>
-        </p:nvSpPr>
-        <p:spPr>
-          <a:xfrm>
-            <a:off x="504000" y="1326600"/>
-            <a:ext cx="9071640" cy="3288240"/>
-          </a:xfrm>
-          <a:prstGeom prst="rect">
-            <a:avLst/>
-          </a:prstGeom>
-          <a:noFill/>
-          <a:ln>
-            <a:noFill/>
-          </a:ln>
-        </p:spPr>
-        <p:txBody>
-          <a:bodyPr lIns="0" tIns="0" rIns="0" bIns="0">
-            <a:normAutofit/>
+              <a:rPr lang="ru-RU" dirty="0"/>
+              <a:t>Виды тестов</a:t>
+            </a:r>
+          </a:p>
+        </p:txBody>
+      </p:sp>
+      <p:sp>
+        <p:nvSpPr>
+          <p:cNvPr id="3" name="Текст 2">
+            <a:extLst>
+              <a:ext uri="{FF2B5EF4-FFF2-40B4-BE49-F238E27FC236}">
+                <a16:creationId xmlns:a16="http://schemas.microsoft.com/office/drawing/2014/main" id="{DF9257E2-5BB4-49F4-8F2B-1775BFDC92D7}"/>
+              </a:ext>
+            </a:extLst>
+          </p:cNvPr>
+          <p:cNvSpPr>
+            <a:spLocks noGrp="1"/>
+          </p:cNvSpPr>
+          <p:nvPr>
+            <p:ph type="body"/>
+          </p:nvPr>
+        </p:nvSpPr>
+        <p:spPr/>
+        <p:txBody>
+          <a:bodyPr>
+            <a:normAutofit lnSpcReduction="10000"/>
           </a:bodyPr>
           <a:lstStyle/>
           <a:p>
-            <a:endParaRPr lang="ru-RU" sz="3200" b="0" strike="noStrike" spc="-1">
-              <a:latin typeface="Arial"/>
-            </a:endParaRPr>
+            <a:r>
+              <a:rPr lang="ru-RU" dirty="0"/>
+              <a:t>Повторение результатов из оригинальных статей по методу выбора ковариаций</a:t>
+            </a:r>
+          </a:p>
+          <a:p>
+            <a:r>
+              <a:rPr lang="ru-RU" dirty="0"/>
+              <a:t>Тесты на случайных данных</a:t>
+            </a:r>
+          </a:p>
+          <a:p>
+            <a:pPr lvl="1"/>
+            <a:r>
+              <a:rPr lang="ru-RU" dirty="0"/>
+              <a:t>Построение ковариационной матрицы по выборочной ковариации из случайного распределения и сравнение на соответствие параметрам распределения</a:t>
+            </a:r>
+          </a:p>
+          <a:p>
+            <a:pPr lvl="1"/>
+            <a:r>
+              <a:rPr lang="ru-RU" dirty="0"/>
+              <a:t>Построение ковариационной матрицы по зашумленной истинной ковариационной матрице и сравнение на соответствие</a:t>
+            </a:r>
           </a:p>
         </p:txBody>
       </p:sp>
     </p:spTree>
+    <p:extLst>
+      <p:ext uri="{BB962C8B-B14F-4D97-AF65-F5344CB8AC3E}">
+        <p14:creationId xmlns:p14="http://schemas.microsoft.com/office/powerpoint/2010/main" val="4124235158"/>
+      </p:ext>
+    </p:extLst>
   </p:cSld>
   <p:clrMapOvr>
     <a:masterClrMapping/>

--- a/Презентация.pptx
+++ b/Презентация.pptx
@@ -1,28 +1,127 @@
 
 <file path=ppt/presentation.xml><?xml version="1.0" encoding="utf-8"?>
-<p:presentation xmlns:a="http://schemas.openxmlformats.org/drawingml/2006/main" xmlns:p="http://schemas.openxmlformats.org/presentationml/2006/main" xmlns:r="http://schemas.openxmlformats.org/officeDocument/2006/relationships" xmlns:p14="http://schemas.microsoft.com/office/powerpoint/2010/main" xmlns:p15="http://schemas.microsoft.com/office/powerpoint/2012/main" xmlns:mc="http://schemas.openxmlformats.org/markup-compatibility/2006">
+<p:presentation xmlns:a="http://schemas.openxmlformats.org/drawingml/2006/main" xmlns:r="http://schemas.openxmlformats.org/officeDocument/2006/relationships" xmlns:p="http://schemas.openxmlformats.org/presentationml/2006/main">
   <p:sldMasterIdLst>
-    <p:sldMasterId id="2147483648" r:id="rId2"/>
-    <p:sldMasterId id="2147483661" r:id="rId3"/>
-    <p:sldMasterId id="2147483674" r:id="rId4"/>
+    <p:sldMasterId id="2147483648" r:id="rId1"/>
+    <p:sldMasterId id="2147483661" r:id="rId2"/>
+    <p:sldMasterId id="2147483674" r:id="rId3"/>
   </p:sldMasterIdLst>
   <p:sldIdLst>
-    <p:sldId id="256" r:id="rId5"/>
-    <p:sldId id="257" r:id="rId6"/>
-    <p:sldId id="258" r:id="rId7"/>
-    <p:sldId id="259" r:id="rId8"/>
-    <p:sldId id="260" r:id="rId9"/>
-    <p:sldId id="261" r:id="rId10"/>
-    <p:sldId id="262" r:id="rId11"/>
-    <p:sldId id="263" r:id="rId12"/>
+    <p:sldId id="256" r:id="rId4"/>
+    <p:sldId id="257" r:id="rId5"/>
+    <p:sldId id="258" r:id="rId6"/>
+    <p:sldId id="259" r:id="rId7"/>
+    <p:sldId id="260" r:id="rId8"/>
+    <p:sldId id="261" r:id="rId9"/>
+    <p:sldId id="262" r:id="rId10"/>
+    <p:sldId id="263" r:id="rId11"/>
+    <p:sldId id="264" r:id="rId12"/>
+    <p:sldId id="267" r:id="rId13"/>
+    <p:sldId id="266" r:id="rId14"/>
+    <p:sldId id="265" r:id="rId15"/>
   </p:sldIdLst>
   <p:sldSz cx="10080625" cy="5670550"/>
-  <p:notesSz cx="7559675" cy="10691812"/>
+  <p:notesSz cx="7559675" cy="10691813"/>
+  <p:defaultTextStyle>
+    <a:defPPr>
+      <a:defRPr lang="ru-RU"/>
+    </a:defPPr>
+    <a:lvl1pPr marL="0" algn="l" defTabSz="914400" rtl="0" eaLnBrk="1" latinLnBrk="0" hangingPunct="1">
+      <a:defRPr sz="1800" kern="1200">
+        <a:solidFill>
+          <a:schemeClr val="tx1"/>
+        </a:solidFill>
+        <a:latin typeface="+mn-lt"/>
+        <a:ea typeface="+mn-ea"/>
+        <a:cs typeface="+mn-cs"/>
+      </a:defRPr>
+    </a:lvl1pPr>
+    <a:lvl2pPr marL="457200" algn="l" defTabSz="914400" rtl="0" eaLnBrk="1" latinLnBrk="0" hangingPunct="1">
+      <a:defRPr sz="1800" kern="1200">
+        <a:solidFill>
+          <a:schemeClr val="tx1"/>
+        </a:solidFill>
+        <a:latin typeface="+mn-lt"/>
+        <a:ea typeface="+mn-ea"/>
+        <a:cs typeface="+mn-cs"/>
+      </a:defRPr>
+    </a:lvl2pPr>
+    <a:lvl3pPr marL="914400" algn="l" defTabSz="914400" rtl="0" eaLnBrk="1" latinLnBrk="0" hangingPunct="1">
+      <a:defRPr sz="1800" kern="1200">
+        <a:solidFill>
+          <a:schemeClr val="tx1"/>
+        </a:solidFill>
+        <a:latin typeface="+mn-lt"/>
+        <a:ea typeface="+mn-ea"/>
+        <a:cs typeface="+mn-cs"/>
+      </a:defRPr>
+    </a:lvl3pPr>
+    <a:lvl4pPr marL="1371600" algn="l" defTabSz="914400" rtl="0" eaLnBrk="1" latinLnBrk="0" hangingPunct="1">
+      <a:defRPr sz="1800" kern="1200">
+        <a:solidFill>
+          <a:schemeClr val="tx1"/>
+        </a:solidFill>
+        <a:latin typeface="+mn-lt"/>
+        <a:ea typeface="+mn-ea"/>
+        <a:cs typeface="+mn-cs"/>
+      </a:defRPr>
+    </a:lvl4pPr>
+    <a:lvl5pPr marL="1828800" algn="l" defTabSz="914400" rtl="0" eaLnBrk="1" latinLnBrk="0" hangingPunct="1">
+      <a:defRPr sz="1800" kern="1200">
+        <a:solidFill>
+          <a:schemeClr val="tx1"/>
+        </a:solidFill>
+        <a:latin typeface="+mn-lt"/>
+        <a:ea typeface="+mn-ea"/>
+        <a:cs typeface="+mn-cs"/>
+      </a:defRPr>
+    </a:lvl5pPr>
+    <a:lvl6pPr marL="2286000" algn="l" defTabSz="914400" rtl="0" eaLnBrk="1" latinLnBrk="0" hangingPunct="1">
+      <a:defRPr sz="1800" kern="1200">
+        <a:solidFill>
+          <a:schemeClr val="tx1"/>
+        </a:solidFill>
+        <a:latin typeface="+mn-lt"/>
+        <a:ea typeface="+mn-ea"/>
+        <a:cs typeface="+mn-cs"/>
+      </a:defRPr>
+    </a:lvl6pPr>
+    <a:lvl7pPr marL="2743200" algn="l" defTabSz="914400" rtl="0" eaLnBrk="1" latinLnBrk="0" hangingPunct="1">
+      <a:defRPr sz="1800" kern="1200">
+        <a:solidFill>
+          <a:schemeClr val="tx1"/>
+        </a:solidFill>
+        <a:latin typeface="+mn-lt"/>
+        <a:ea typeface="+mn-ea"/>
+        <a:cs typeface="+mn-cs"/>
+      </a:defRPr>
+    </a:lvl7pPr>
+    <a:lvl8pPr marL="3200400" algn="l" defTabSz="914400" rtl="0" eaLnBrk="1" latinLnBrk="0" hangingPunct="1">
+      <a:defRPr sz="1800" kern="1200">
+        <a:solidFill>
+          <a:schemeClr val="tx1"/>
+        </a:solidFill>
+        <a:latin typeface="+mn-lt"/>
+        <a:ea typeface="+mn-ea"/>
+        <a:cs typeface="+mn-cs"/>
+      </a:defRPr>
+    </a:lvl8pPr>
+    <a:lvl9pPr marL="3657600" algn="l" defTabSz="914400" rtl="0" eaLnBrk="1" latinLnBrk="0" hangingPunct="1">
+      <a:defRPr sz="1800" kern="1200">
+        <a:solidFill>
+          <a:schemeClr val="tx1"/>
+        </a:solidFill>
+        <a:latin typeface="+mn-lt"/>
+        <a:ea typeface="+mn-ea"/>
+        <a:cs typeface="+mn-cs"/>
+      </a:defRPr>
+    </a:lvl9pPr>
+  </p:defaultTextStyle>
 </p:presentation>
 </file>
 
 <file path=ppt/slideLayouts/slideLayout1.xml><?xml version="1.0" encoding="utf-8"?>
-<p:sldLayout xmlns:a="http://schemas.openxmlformats.org/drawingml/2006/main" xmlns:p="http://schemas.openxmlformats.org/presentationml/2006/main" xmlns:r="http://schemas.openxmlformats.org/officeDocument/2006/relationships" xmlns:p14="http://schemas.microsoft.com/office/powerpoint/2010/main" xmlns:p15="http://schemas.microsoft.com/office/powerpoint/2012/main" xmlns:mc="http://schemas.openxmlformats.org/markup-compatibility/2006" type="blank" preserve="1">
+<p:sldLayout xmlns:a="http://schemas.openxmlformats.org/drawingml/2006/main" xmlns:r="http://schemas.openxmlformats.org/officeDocument/2006/relationships" xmlns:p="http://schemas.openxmlformats.org/presentationml/2006/main" type="blank" preserve="1">
   <p:cSld name="Blank Slide">
     <p:spTree>
       <p:nvGrpSpPr>
@@ -40,11 +139,14 @@
       </p:grpSpPr>
     </p:spTree>
   </p:cSld>
+  <p:clrMapOvr>
+    <a:masterClrMapping/>
+  </p:clrMapOvr>
 </p:sldLayout>
 </file>
 
 <file path=ppt/slideLayouts/slideLayout10.xml><?xml version="1.0" encoding="utf-8"?>
-<p:sldLayout xmlns:a="http://schemas.openxmlformats.org/drawingml/2006/main" xmlns:p="http://schemas.openxmlformats.org/presentationml/2006/main" xmlns:r="http://schemas.openxmlformats.org/officeDocument/2006/relationships" xmlns:p14="http://schemas.microsoft.com/office/powerpoint/2010/main" xmlns:p15="http://schemas.microsoft.com/office/powerpoint/2012/main" xmlns:mc="http://schemas.openxmlformats.org/markup-compatibility/2006" type="objOverTx" preserve="1">
+<p:sldLayout xmlns:a="http://schemas.openxmlformats.org/drawingml/2006/main" xmlns:r="http://schemas.openxmlformats.org/officeDocument/2006/relationships" xmlns:p="http://schemas.openxmlformats.org/presentationml/2006/main" type="objOverTx" preserve="1">
   <p:cSld name="Title, Content over Content">
     <p:spTree>
       <p:nvGrpSpPr>
@@ -80,15 +182,16 @@
           </a:prstGeom>
         </p:spPr>
         <p:txBody>
-          <a:bodyPr lIns="0" rIns="0" tIns="0" bIns="0" anchor="ctr"/>
-          <a:p>
-            <a:endParaRPr b="0" lang="ru-RU" sz="1800" spc="-1" strike="noStrike">
-              <a:solidFill>
-                <a:srgbClr val="000000"/>
-              </a:solidFill>
-              <a:uFill>
-                <a:solidFill>
-                  <a:srgbClr val="ffffff"/>
+          <a:bodyPr lIns="0" tIns="0" rIns="0" bIns="0" anchor="ctr"/>
+          <a:lstStyle/>
+          <a:p>
+            <a:endParaRPr lang="ru-RU" sz="1800" b="0" strike="noStrike" spc="-1">
+              <a:solidFill>
+                <a:srgbClr val="000000"/>
+              </a:solidFill>
+              <a:uFill>
+                <a:solidFill>
+                  <a:srgbClr val="FFFFFF"/>
                 </a:solidFill>
               </a:uFill>
               <a:latin typeface="Arial"/>
@@ -116,15 +219,16 @@
           </a:prstGeom>
         </p:spPr>
         <p:txBody>
-          <a:bodyPr lIns="0" rIns="0" tIns="0" bIns="0"/>
-          <a:p>
-            <a:endParaRPr b="0" lang="ru-RU" sz="2800" spc="-1" strike="noStrike">
-              <a:solidFill>
-                <a:srgbClr val="000000"/>
-              </a:solidFill>
-              <a:uFill>
-                <a:solidFill>
-                  <a:srgbClr val="ffffff"/>
+          <a:bodyPr lIns="0" tIns="0" rIns="0" bIns="0"/>
+          <a:lstStyle/>
+          <a:p>
+            <a:endParaRPr lang="ru-RU" sz="2800" b="0" strike="noStrike" spc="-1">
+              <a:solidFill>
+                <a:srgbClr val="000000"/>
+              </a:solidFill>
+              <a:uFill>
+                <a:solidFill>
+                  <a:srgbClr val="FFFFFF"/>
                 </a:solidFill>
               </a:uFill>
               <a:latin typeface="Arial"/>
@@ -152,15 +256,16 @@
           </a:prstGeom>
         </p:spPr>
         <p:txBody>
-          <a:bodyPr lIns="0" rIns="0" tIns="0" bIns="0"/>
-          <a:p>
-            <a:endParaRPr b="0" lang="ru-RU" sz="2800" spc="-1" strike="noStrike">
-              <a:solidFill>
-                <a:srgbClr val="000000"/>
-              </a:solidFill>
-              <a:uFill>
-                <a:solidFill>
-                  <a:srgbClr val="ffffff"/>
+          <a:bodyPr lIns="0" tIns="0" rIns="0" bIns="0"/>
+          <a:lstStyle/>
+          <a:p>
+            <a:endParaRPr lang="ru-RU" sz="2800" b="0" strike="noStrike" spc="-1">
+              <a:solidFill>
+                <a:srgbClr val="000000"/>
+              </a:solidFill>
+              <a:uFill>
+                <a:solidFill>
+                  <a:srgbClr val="FFFFFF"/>
                 </a:solidFill>
               </a:uFill>
               <a:latin typeface="Arial"/>
@@ -170,11 +275,14 @@
       </p:sp>
     </p:spTree>
   </p:cSld>
+  <p:clrMapOvr>
+    <a:masterClrMapping/>
+  </p:clrMapOvr>
 </p:sldLayout>
 </file>
 
 <file path=ppt/slideLayouts/slideLayout11.xml><?xml version="1.0" encoding="utf-8"?>
-<p:sldLayout xmlns:a="http://schemas.openxmlformats.org/drawingml/2006/main" xmlns:p="http://schemas.openxmlformats.org/presentationml/2006/main" xmlns:r="http://schemas.openxmlformats.org/officeDocument/2006/relationships" xmlns:p14="http://schemas.microsoft.com/office/powerpoint/2010/main" xmlns:p15="http://schemas.microsoft.com/office/powerpoint/2012/main" xmlns:mc="http://schemas.openxmlformats.org/markup-compatibility/2006" type="fourObj" preserve="1">
+<p:sldLayout xmlns:a="http://schemas.openxmlformats.org/drawingml/2006/main" xmlns:r="http://schemas.openxmlformats.org/officeDocument/2006/relationships" xmlns:p="http://schemas.openxmlformats.org/presentationml/2006/main" type="fourObj" preserve="1">
   <p:cSld name="Title, 4 Content">
     <p:spTree>
       <p:nvGrpSpPr>
@@ -210,15 +318,16 @@
           </a:prstGeom>
         </p:spPr>
         <p:txBody>
-          <a:bodyPr lIns="0" rIns="0" tIns="0" bIns="0" anchor="ctr"/>
-          <a:p>
-            <a:endParaRPr b="0" lang="ru-RU" sz="1800" spc="-1" strike="noStrike">
-              <a:solidFill>
-                <a:srgbClr val="000000"/>
-              </a:solidFill>
-              <a:uFill>
-                <a:solidFill>
-                  <a:srgbClr val="ffffff"/>
+          <a:bodyPr lIns="0" tIns="0" rIns="0" bIns="0" anchor="ctr"/>
+          <a:lstStyle/>
+          <a:p>
+            <a:endParaRPr lang="ru-RU" sz="1800" b="0" strike="noStrike" spc="-1">
+              <a:solidFill>
+                <a:srgbClr val="000000"/>
+              </a:solidFill>
+              <a:uFill>
+                <a:solidFill>
+                  <a:srgbClr val="FFFFFF"/>
                 </a:solidFill>
               </a:uFill>
               <a:latin typeface="Arial"/>
@@ -246,15 +355,16 @@
           </a:prstGeom>
         </p:spPr>
         <p:txBody>
-          <a:bodyPr lIns="0" rIns="0" tIns="0" bIns="0"/>
-          <a:p>
-            <a:endParaRPr b="0" lang="ru-RU" sz="2800" spc="-1" strike="noStrike">
-              <a:solidFill>
-                <a:srgbClr val="000000"/>
-              </a:solidFill>
-              <a:uFill>
-                <a:solidFill>
-                  <a:srgbClr val="ffffff"/>
+          <a:bodyPr lIns="0" tIns="0" rIns="0" bIns="0"/>
+          <a:lstStyle/>
+          <a:p>
+            <a:endParaRPr lang="ru-RU" sz="2800" b="0" strike="noStrike" spc="-1">
+              <a:solidFill>
+                <a:srgbClr val="000000"/>
+              </a:solidFill>
+              <a:uFill>
+                <a:solidFill>
+                  <a:srgbClr val="FFFFFF"/>
                 </a:solidFill>
               </a:uFill>
               <a:latin typeface="Arial"/>
@@ -282,15 +392,16 @@
           </a:prstGeom>
         </p:spPr>
         <p:txBody>
-          <a:bodyPr lIns="0" rIns="0" tIns="0" bIns="0"/>
-          <a:p>
-            <a:endParaRPr b="0" lang="ru-RU" sz="2800" spc="-1" strike="noStrike">
-              <a:solidFill>
-                <a:srgbClr val="000000"/>
-              </a:solidFill>
-              <a:uFill>
-                <a:solidFill>
-                  <a:srgbClr val="ffffff"/>
+          <a:bodyPr lIns="0" tIns="0" rIns="0" bIns="0"/>
+          <a:lstStyle/>
+          <a:p>
+            <a:endParaRPr lang="ru-RU" sz="2800" b="0" strike="noStrike" spc="-1">
+              <a:solidFill>
+                <a:srgbClr val="000000"/>
+              </a:solidFill>
+              <a:uFill>
+                <a:solidFill>
+                  <a:srgbClr val="FFFFFF"/>
                 </a:solidFill>
               </a:uFill>
               <a:latin typeface="Arial"/>
@@ -318,15 +429,16 @@
           </a:prstGeom>
         </p:spPr>
         <p:txBody>
-          <a:bodyPr lIns="0" rIns="0" tIns="0" bIns="0"/>
-          <a:p>
-            <a:endParaRPr b="0" lang="ru-RU" sz="2800" spc="-1" strike="noStrike">
-              <a:solidFill>
-                <a:srgbClr val="000000"/>
-              </a:solidFill>
-              <a:uFill>
-                <a:solidFill>
-                  <a:srgbClr val="ffffff"/>
+          <a:bodyPr lIns="0" tIns="0" rIns="0" bIns="0"/>
+          <a:lstStyle/>
+          <a:p>
+            <a:endParaRPr lang="ru-RU" sz="2800" b="0" strike="noStrike" spc="-1">
+              <a:solidFill>
+                <a:srgbClr val="000000"/>
+              </a:solidFill>
+              <a:uFill>
+                <a:solidFill>
+                  <a:srgbClr val="FFFFFF"/>
                 </a:solidFill>
               </a:uFill>
               <a:latin typeface="Arial"/>
@@ -354,15 +466,16 @@
           </a:prstGeom>
         </p:spPr>
         <p:txBody>
-          <a:bodyPr lIns="0" rIns="0" tIns="0" bIns="0"/>
-          <a:p>
-            <a:endParaRPr b="0" lang="ru-RU" sz="2800" spc="-1" strike="noStrike">
-              <a:solidFill>
-                <a:srgbClr val="000000"/>
-              </a:solidFill>
-              <a:uFill>
-                <a:solidFill>
-                  <a:srgbClr val="ffffff"/>
+          <a:bodyPr lIns="0" tIns="0" rIns="0" bIns="0"/>
+          <a:lstStyle/>
+          <a:p>
+            <a:endParaRPr lang="ru-RU" sz="2800" b="0" strike="noStrike" spc="-1">
+              <a:solidFill>
+                <a:srgbClr val="000000"/>
+              </a:solidFill>
+              <a:uFill>
+                <a:solidFill>
+                  <a:srgbClr val="FFFFFF"/>
                 </a:solidFill>
               </a:uFill>
               <a:latin typeface="Arial"/>
@@ -372,11 +485,14 @@
       </p:sp>
     </p:spTree>
   </p:cSld>
+  <p:clrMapOvr>
+    <a:masterClrMapping/>
+  </p:clrMapOvr>
 </p:sldLayout>
 </file>
 
 <file path=ppt/slideLayouts/slideLayout12.xml><?xml version="1.0" encoding="utf-8"?>
-<p:sldLayout xmlns:a="http://schemas.openxmlformats.org/drawingml/2006/main" xmlns:p="http://schemas.openxmlformats.org/presentationml/2006/main" xmlns:r="http://schemas.openxmlformats.org/officeDocument/2006/relationships" xmlns:p14="http://schemas.microsoft.com/office/powerpoint/2010/main" xmlns:p15="http://schemas.microsoft.com/office/powerpoint/2012/main" xmlns:mc="http://schemas.openxmlformats.org/markup-compatibility/2006" type="blank" preserve="1">
+<p:sldLayout xmlns:a="http://schemas.openxmlformats.org/drawingml/2006/main" xmlns:r="http://schemas.openxmlformats.org/officeDocument/2006/relationships" xmlns:p="http://schemas.openxmlformats.org/presentationml/2006/main" type="blank" preserve="1">
   <p:cSld name="Title, 6 Content">
     <p:spTree>
       <p:nvGrpSpPr>
@@ -412,15 +528,16 @@
           </a:prstGeom>
         </p:spPr>
         <p:txBody>
-          <a:bodyPr lIns="0" rIns="0" tIns="0" bIns="0" anchor="ctr"/>
-          <a:p>
-            <a:endParaRPr b="0" lang="ru-RU" sz="1800" spc="-1" strike="noStrike">
-              <a:solidFill>
-                <a:srgbClr val="000000"/>
-              </a:solidFill>
-              <a:uFill>
-                <a:solidFill>
-                  <a:srgbClr val="ffffff"/>
+          <a:bodyPr lIns="0" tIns="0" rIns="0" bIns="0" anchor="ctr"/>
+          <a:lstStyle/>
+          <a:p>
+            <a:endParaRPr lang="ru-RU" sz="1800" b="0" strike="noStrike" spc="-1">
+              <a:solidFill>
+                <a:srgbClr val="000000"/>
+              </a:solidFill>
+              <a:uFill>
+                <a:solidFill>
+                  <a:srgbClr val="FFFFFF"/>
                 </a:solidFill>
               </a:uFill>
               <a:latin typeface="Arial"/>
@@ -448,15 +565,16 @@
           </a:prstGeom>
         </p:spPr>
         <p:txBody>
-          <a:bodyPr lIns="0" rIns="0" tIns="0" bIns="0"/>
-          <a:p>
-            <a:endParaRPr b="0" lang="ru-RU" sz="2800" spc="-1" strike="noStrike">
-              <a:solidFill>
-                <a:srgbClr val="000000"/>
-              </a:solidFill>
-              <a:uFill>
-                <a:solidFill>
-                  <a:srgbClr val="ffffff"/>
+          <a:bodyPr lIns="0" tIns="0" rIns="0" bIns="0"/>
+          <a:lstStyle/>
+          <a:p>
+            <a:endParaRPr lang="ru-RU" sz="2800" b="0" strike="noStrike" spc="-1">
+              <a:solidFill>
+                <a:srgbClr val="000000"/>
+              </a:solidFill>
+              <a:uFill>
+                <a:solidFill>
+                  <a:srgbClr val="FFFFFF"/>
                 </a:solidFill>
               </a:uFill>
               <a:latin typeface="Arial"/>
@@ -484,15 +602,16 @@
           </a:prstGeom>
         </p:spPr>
         <p:txBody>
-          <a:bodyPr lIns="0" rIns="0" tIns="0" bIns="0"/>
-          <a:p>
-            <a:endParaRPr b="0" lang="ru-RU" sz="2800" spc="-1" strike="noStrike">
-              <a:solidFill>
-                <a:srgbClr val="000000"/>
-              </a:solidFill>
-              <a:uFill>
-                <a:solidFill>
-                  <a:srgbClr val="ffffff"/>
+          <a:bodyPr lIns="0" tIns="0" rIns="0" bIns="0"/>
+          <a:lstStyle/>
+          <a:p>
+            <a:endParaRPr lang="ru-RU" sz="2800" b="0" strike="noStrike" spc="-1">
+              <a:solidFill>
+                <a:srgbClr val="000000"/>
+              </a:solidFill>
+              <a:uFill>
+                <a:solidFill>
+                  <a:srgbClr val="FFFFFF"/>
                 </a:solidFill>
               </a:uFill>
               <a:latin typeface="Arial"/>
@@ -502,7 +621,7 @@
       </p:sp>
       <p:pic>
         <p:nvPicPr>
-          <p:cNvPr id="34" name="" descr=""/>
+          <p:cNvPr id="34" name="Рисунок 33"/>
           <p:cNvPicPr/>
           <p:nvPr/>
         </p:nvPicPr>
@@ -525,12 +644,12 @@
       </p:pic>
       <p:pic>
         <p:nvPicPr>
-          <p:cNvPr id="35" name="" descr=""/>
+          <p:cNvPr id="35" name="Рисунок 34"/>
           <p:cNvPicPr/>
           <p:nvPr/>
         </p:nvPicPr>
         <p:blipFill>
-          <a:blip r:embed="rId3"/>
+          <a:blip r:embed="rId2"/>
           <a:stretch/>
         </p:blipFill>
         <p:spPr>
@@ -548,11 +667,14 @@
       </p:pic>
     </p:spTree>
   </p:cSld>
+  <p:clrMapOvr>
+    <a:masterClrMapping/>
+  </p:clrMapOvr>
 </p:sldLayout>
 </file>
 
 <file path=ppt/slideLayouts/slideLayout13.xml><?xml version="1.0" encoding="utf-8"?>
-<p:sldLayout xmlns:a="http://schemas.openxmlformats.org/drawingml/2006/main" xmlns:p="http://schemas.openxmlformats.org/presentationml/2006/main" xmlns:r="http://schemas.openxmlformats.org/officeDocument/2006/relationships" xmlns:p14="http://schemas.microsoft.com/office/powerpoint/2010/main" xmlns:p15="http://schemas.microsoft.com/office/powerpoint/2012/main" xmlns:mc="http://schemas.openxmlformats.org/markup-compatibility/2006" type="blank" preserve="1">
+<p:sldLayout xmlns:a="http://schemas.openxmlformats.org/drawingml/2006/main" xmlns:r="http://schemas.openxmlformats.org/officeDocument/2006/relationships" xmlns:p="http://schemas.openxmlformats.org/presentationml/2006/main" type="blank" preserve="1">
   <p:cSld name="Blank Slide">
     <p:spTree>
       <p:nvGrpSpPr>
@@ -570,11 +692,14 @@
       </p:grpSpPr>
     </p:spTree>
   </p:cSld>
+  <p:clrMapOvr>
+    <a:masterClrMapping/>
+  </p:clrMapOvr>
 </p:sldLayout>
 </file>
 
 <file path=ppt/slideLayouts/slideLayout14.xml><?xml version="1.0" encoding="utf-8"?>
-<p:sldLayout xmlns:a="http://schemas.openxmlformats.org/drawingml/2006/main" xmlns:p="http://schemas.openxmlformats.org/presentationml/2006/main" xmlns:r="http://schemas.openxmlformats.org/officeDocument/2006/relationships" xmlns:p14="http://schemas.microsoft.com/office/powerpoint/2010/main" xmlns:p15="http://schemas.microsoft.com/office/powerpoint/2012/main" xmlns:mc="http://schemas.openxmlformats.org/markup-compatibility/2006" type="tx" preserve="1">
+<p:sldLayout xmlns:a="http://schemas.openxmlformats.org/drawingml/2006/main" xmlns:r="http://schemas.openxmlformats.org/officeDocument/2006/relationships" xmlns:p="http://schemas.openxmlformats.org/presentationml/2006/main" type="tx" preserve="1">
   <p:cSld name="Title Slide">
     <p:spTree>
       <p:nvGrpSpPr>
@@ -610,15 +735,16 @@
           </a:prstGeom>
         </p:spPr>
         <p:txBody>
-          <a:bodyPr lIns="0" rIns="0" tIns="0" bIns="0" anchor="ctr"/>
-          <a:p>
-            <a:endParaRPr b="0" lang="ru-RU" sz="1800" spc="-1" strike="noStrike">
-              <a:solidFill>
-                <a:srgbClr val="000000"/>
-              </a:solidFill>
-              <a:uFill>
-                <a:solidFill>
-                  <a:srgbClr val="ffffff"/>
+          <a:bodyPr lIns="0" tIns="0" rIns="0" bIns="0" anchor="ctr"/>
+          <a:lstStyle/>
+          <a:p>
+            <a:endParaRPr lang="ru-RU" sz="1800" b="0" strike="noStrike" spc="-1">
+              <a:solidFill>
+                <a:srgbClr val="000000"/>
+              </a:solidFill>
+              <a:uFill>
+                <a:solidFill>
+                  <a:srgbClr val="FFFFFF"/>
                 </a:solidFill>
               </a:uFill>
               <a:latin typeface="Arial"/>
@@ -646,16 +772,17 @@
           </a:prstGeom>
         </p:spPr>
         <p:txBody>
-          <a:bodyPr lIns="0" rIns="0" tIns="0" bIns="0" anchor="ctr"/>
+          <a:bodyPr lIns="0" tIns="0" rIns="0" bIns="0" anchor="ctr"/>
+          <a:lstStyle/>
           <a:p>
             <a:pPr algn="ctr"/>
-            <a:endParaRPr b="0" lang="ru-RU" sz="3200" spc="-1" strike="noStrike">
-              <a:solidFill>
-                <a:srgbClr val="000000"/>
-              </a:solidFill>
-              <a:uFill>
-                <a:solidFill>
-                  <a:srgbClr val="ffffff"/>
+            <a:endParaRPr lang="ru-RU" sz="3200" b="0" strike="noStrike" spc="-1">
+              <a:solidFill>
+                <a:srgbClr val="000000"/>
+              </a:solidFill>
+              <a:uFill>
+                <a:solidFill>
+                  <a:srgbClr val="FFFFFF"/>
                 </a:solidFill>
               </a:uFill>
               <a:latin typeface="Arial"/>
@@ -665,11 +792,14 @@
       </p:sp>
     </p:spTree>
   </p:cSld>
+  <p:clrMapOvr>
+    <a:masterClrMapping/>
+  </p:clrMapOvr>
 </p:sldLayout>
 </file>
 
 <file path=ppt/slideLayouts/slideLayout15.xml><?xml version="1.0" encoding="utf-8"?>
-<p:sldLayout xmlns:a="http://schemas.openxmlformats.org/drawingml/2006/main" xmlns:p="http://schemas.openxmlformats.org/presentationml/2006/main" xmlns:r="http://schemas.openxmlformats.org/officeDocument/2006/relationships" xmlns:p14="http://schemas.microsoft.com/office/powerpoint/2010/main" xmlns:p15="http://schemas.microsoft.com/office/powerpoint/2012/main" xmlns:mc="http://schemas.openxmlformats.org/markup-compatibility/2006" type="obj" preserve="1">
+<p:sldLayout xmlns:a="http://schemas.openxmlformats.org/drawingml/2006/main" xmlns:r="http://schemas.openxmlformats.org/officeDocument/2006/relationships" xmlns:p="http://schemas.openxmlformats.org/presentationml/2006/main" type="obj" preserve="1">
   <p:cSld name="Title, Content">
     <p:spTree>
       <p:nvGrpSpPr>
@@ -705,15 +835,16 @@
           </a:prstGeom>
         </p:spPr>
         <p:txBody>
-          <a:bodyPr lIns="0" rIns="0" tIns="0" bIns="0" anchor="ctr"/>
-          <a:p>
-            <a:endParaRPr b="0" lang="ru-RU" sz="1800" spc="-1" strike="noStrike">
-              <a:solidFill>
-                <a:srgbClr val="000000"/>
-              </a:solidFill>
-              <a:uFill>
-                <a:solidFill>
-                  <a:srgbClr val="ffffff"/>
+          <a:bodyPr lIns="0" tIns="0" rIns="0" bIns="0" anchor="ctr"/>
+          <a:lstStyle/>
+          <a:p>
+            <a:endParaRPr lang="ru-RU" sz="1800" b="0" strike="noStrike" spc="-1">
+              <a:solidFill>
+                <a:srgbClr val="000000"/>
+              </a:solidFill>
+              <a:uFill>
+                <a:solidFill>
+                  <a:srgbClr val="FFFFFF"/>
                 </a:solidFill>
               </a:uFill>
               <a:latin typeface="Arial"/>
@@ -741,15 +872,16 @@
           </a:prstGeom>
         </p:spPr>
         <p:txBody>
-          <a:bodyPr lIns="0" rIns="0" tIns="0" bIns="0"/>
-          <a:p>
-            <a:endParaRPr b="0" lang="ru-RU" sz="2800" spc="-1" strike="noStrike">
-              <a:solidFill>
-                <a:srgbClr val="000000"/>
-              </a:solidFill>
-              <a:uFill>
-                <a:solidFill>
-                  <a:srgbClr val="ffffff"/>
+          <a:bodyPr lIns="0" tIns="0" rIns="0" bIns="0"/>
+          <a:lstStyle/>
+          <a:p>
+            <a:endParaRPr lang="ru-RU" sz="2800" b="0" strike="noStrike" spc="-1">
+              <a:solidFill>
+                <a:srgbClr val="000000"/>
+              </a:solidFill>
+              <a:uFill>
+                <a:solidFill>
+                  <a:srgbClr val="FFFFFF"/>
                 </a:solidFill>
               </a:uFill>
               <a:latin typeface="Arial"/>
@@ -759,11 +891,14 @@
       </p:sp>
     </p:spTree>
   </p:cSld>
+  <p:clrMapOvr>
+    <a:masterClrMapping/>
+  </p:clrMapOvr>
 </p:sldLayout>
 </file>
 
 <file path=ppt/slideLayouts/slideLayout16.xml><?xml version="1.0" encoding="utf-8"?>
-<p:sldLayout xmlns:a="http://schemas.openxmlformats.org/drawingml/2006/main" xmlns:p="http://schemas.openxmlformats.org/presentationml/2006/main" xmlns:r="http://schemas.openxmlformats.org/officeDocument/2006/relationships" xmlns:p14="http://schemas.microsoft.com/office/powerpoint/2010/main" xmlns:p15="http://schemas.microsoft.com/office/powerpoint/2012/main" xmlns:mc="http://schemas.openxmlformats.org/markup-compatibility/2006" type="twoObj" preserve="1">
+<p:sldLayout xmlns:a="http://schemas.openxmlformats.org/drawingml/2006/main" xmlns:r="http://schemas.openxmlformats.org/officeDocument/2006/relationships" xmlns:p="http://schemas.openxmlformats.org/presentationml/2006/main" type="twoObj" preserve="1">
   <p:cSld name="Title, 2 Content">
     <p:spTree>
       <p:nvGrpSpPr>
@@ -799,15 +934,16 @@
           </a:prstGeom>
         </p:spPr>
         <p:txBody>
-          <a:bodyPr lIns="0" rIns="0" tIns="0" bIns="0" anchor="ctr"/>
-          <a:p>
-            <a:endParaRPr b="0" lang="ru-RU" sz="1800" spc="-1" strike="noStrike">
-              <a:solidFill>
-                <a:srgbClr val="000000"/>
-              </a:solidFill>
-              <a:uFill>
-                <a:solidFill>
-                  <a:srgbClr val="ffffff"/>
+          <a:bodyPr lIns="0" tIns="0" rIns="0" bIns="0" anchor="ctr"/>
+          <a:lstStyle/>
+          <a:p>
+            <a:endParaRPr lang="ru-RU" sz="1800" b="0" strike="noStrike" spc="-1">
+              <a:solidFill>
+                <a:srgbClr val="000000"/>
+              </a:solidFill>
+              <a:uFill>
+                <a:solidFill>
+                  <a:srgbClr val="FFFFFF"/>
                 </a:solidFill>
               </a:uFill>
               <a:latin typeface="Arial"/>
@@ -835,15 +971,16 @@
           </a:prstGeom>
         </p:spPr>
         <p:txBody>
-          <a:bodyPr lIns="0" rIns="0" tIns="0" bIns="0"/>
-          <a:p>
-            <a:endParaRPr b="0" lang="ru-RU" sz="2800" spc="-1" strike="noStrike">
-              <a:solidFill>
-                <a:srgbClr val="000000"/>
-              </a:solidFill>
-              <a:uFill>
-                <a:solidFill>
-                  <a:srgbClr val="ffffff"/>
+          <a:bodyPr lIns="0" tIns="0" rIns="0" bIns="0"/>
+          <a:lstStyle/>
+          <a:p>
+            <a:endParaRPr lang="ru-RU" sz="2800" b="0" strike="noStrike" spc="-1">
+              <a:solidFill>
+                <a:srgbClr val="000000"/>
+              </a:solidFill>
+              <a:uFill>
+                <a:solidFill>
+                  <a:srgbClr val="FFFFFF"/>
                 </a:solidFill>
               </a:uFill>
               <a:latin typeface="Arial"/>
@@ -871,15 +1008,16 @@
           </a:prstGeom>
         </p:spPr>
         <p:txBody>
-          <a:bodyPr lIns="0" rIns="0" tIns="0" bIns="0"/>
-          <a:p>
-            <a:endParaRPr b="0" lang="ru-RU" sz="2800" spc="-1" strike="noStrike">
-              <a:solidFill>
-                <a:srgbClr val="000000"/>
-              </a:solidFill>
-              <a:uFill>
-                <a:solidFill>
-                  <a:srgbClr val="ffffff"/>
+          <a:bodyPr lIns="0" tIns="0" rIns="0" bIns="0"/>
+          <a:lstStyle/>
+          <a:p>
+            <a:endParaRPr lang="ru-RU" sz="2800" b="0" strike="noStrike" spc="-1">
+              <a:solidFill>
+                <a:srgbClr val="000000"/>
+              </a:solidFill>
+              <a:uFill>
+                <a:solidFill>
+                  <a:srgbClr val="FFFFFF"/>
                 </a:solidFill>
               </a:uFill>
               <a:latin typeface="Arial"/>
@@ -889,11 +1027,14 @@
       </p:sp>
     </p:spTree>
   </p:cSld>
+  <p:clrMapOvr>
+    <a:masterClrMapping/>
+  </p:clrMapOvr>
 </p:sldLayout>
 </file>
 
 <file path=ppt/slideLayouts/slideLayout17.xml><?xml version="1.0" encoding="utf-8"?>
-<p:sldLayout xmlns:a="http://schemas.openxmlformats.org/drawingml/2006/main" xmlns:p="http://schemas.openxmlformats.org/presentationml/2006/main" xmlns:r="http://schemas.openxmlformats.org/officeDocument/2006/relationships" xmlns:p14="http://schemas.microsoft.com/office/powerpoint/2010/main" xmlns:p15="http://schemas.microsoft.com/office/powerpoint/2012/main" xmlns:mc="http://schemas.openxmlformats.org/markup-compatibility/2006" type="titleOnly" preserve="1">
+<p:sldLayout xmlns:a="http://schemas.openxmlformats.org/drawingml/2006/main" xmlns:r="http://schemas.openxmlformats.org/officeDocument/2006/relationships" xmlns:p="http://schemas.openxmlformats.org/presentationml/2006/main" type="titleOnly" preserve="1">
   <p:cSld name="Title Only">
     <p:spTree>
       <p:nvGrpSpPr>
@@ -929,15 +1070,16 @@
           </a:prstGeom>
         </p:spPr>
         <p:txBody>
-          <a:bodyPr lIns="0" rIns="0" tIns="0" bIns="0" anchor="ctr"/>
-          <a:p>
-            <a:endParaRPr b="0" lang="ru-RU" sz="1800" spc="-1" strike="noStrike">
-              <a:solidFill>
-                <a:srgbClr val="000000"/>
-              </a:solidFill>
-              <a:uFill>
-                <a:solidFill>
-                  <a:srgbClr val="ffffff"/>
+          <a:bodyPr lIns="0" tIns="0" rIns="0" bIns="0" anchor="ctr"/>
+          <a:lstStyle/>
+          <a:p>
+            <a:endParaRPr lang="ru-RU" sz="1800" b="0" strike="noStrike" spc="-1">
+              <a:solidFill>
+                <a:srgbClr val="000000"/>
+              </a:solidFill>
+              <a:uFill>
+                <a:solidFill>
+                  <a:srgbClr val="FFFFFF"/>
                 </a:solidFill>
               </a:uFill>
               <a:latin typeface="Arial"/>
@@ -947,11 +1089,14 @@
       </p:sp>
     </p:spTree>
   </p:cSld>
+  <p:clrMapOvr>
+    <a:masterClrMapping/>
+  </p:clrMapOvr>
 </p:sldLayout>
 </file>
 
 <file path=ppt/slideLayouts/slideLayout18.xml><?xml version="1.0" encoding="utf-8"?>
-<p:sldLayout xmlns:a="http://schemas.openxmlformats.org/drawingml/2006/main" xmlns:p="http://schemas.openxmlformats.org/presentationml/2006/main" xmlns:r="http://schemas.openxmlformats.org/officeDocument/2006/relationships" xmlns:p14="http://schemas.microsoft.com/office/powerpoint/2010/main" xmlns:p15="http://schemas.microsoft.com/office/powerpoint/2012/main" xmlns:mc="http://schemas.openxmlformats.org/markup-compatibility/2006" type="objOnly" preserve="1">
+<p:sldLayout xmlns:a="http://schemas.openxmlformats.org/drawingml/2006/main" xmlns:r="http://schemas.openxmlformats.org/officeDocument/2006/relationships" xmlns:p="http://schemas.openxmlformats.org/presentationml/2006/main" type="objOnly" preserve="1">
   <p:cSld name="Centered Text">
     <p:spTree>
       <p:nvGrpSpPr>
@@ -987,16 +1132,17 @@
           </a:prstGeom>
         </p:spPr>
         <p:txBody>
-          <a:bodyPr lIns="0" rIns="0" tIns="0" bIns="0" anchor="ctr"/>
+          <a:bodyPr lIns="0" tIns="0" rIns="0" bIns="0" anchor="ctr"/>
+          <a:lstStyle/>
           <a:p>
             <a:pPr algn="ctr"/>
-            <a:endParaRPr b="0" lang="ru-RU" sz="3200" spc="-1" strike="noStrike">
-              <a:solidFill>
-                <a:srgbClr val="000000"/>
-              </a:solidFill>
-              <a:uFill>
-                <a:solidFill>
-                  <a:srgbClr val="ffffff"/>
+            <a:endParaRPr lang="ru-RU" sz="3200" b="0" strike="noStrike" spc="-1">
+              <a:solidFill>
+                <a:srgbClr val="000000"/>
+              </a:solidFill>
+              <a:uFill>
+                <a:solidFill>
+                  <a:srgbClr val="FFFFFF"/>
                 </a:solidFill>
               </a:uFill>
               <a:latin typeface="Arial"/>
@@ -1006,11 +1152,14 @@
       </p:sp>
     </p:spTree>
   </p:cSld>
+  <p:clrMapOvr>
+    <a:masterClrMapping/>
+  </p:clrMapOvr>
 </p:sldLayout>
 </file>
 
 <file path=ppt/slideLayouts/slideLayout19.xml><?xml version="1.0" encoding="utf-8"?>
-<p:sldLayout xmlns:a="http://schemas.openxmlformats.org/drawingml/2006/main" xmlns:p="http://schemas.openxmlformats.org/presentationml/2006/main" xmlns:r="http://schemas.openxmlformats.org/officeDocument/2006/relationships" xmlns:p14="http://schemas.microsoft.com/office/powerpoint/2010/main" xmlns:p15="http://schemas.microsoft.com/office/powerpoint/2012/main" xmlns:mc="http://schemas.openxmlformats.org/markup-compatibility/2006" type="twoObjAndObj" preserve="1">
+<p:sldLayout xmlns:a="http://schemas.openxmlformats.org/drawingml/2006/main" xmlns:r="http://schemas.openxmlformats.org/officeDocument/2006/relationships" xmlns:p="http://schemas.openxmlformats.org/presentationml/2006/main" type="twoObjAndObj" preserve="1">
   <p:cSld name="Title, 2 Content and Content">
     <p:spTree>
       <p:nvGrpSpPr>
@@ -1046,15 +1195,16 @@
           </a:prstGeom>
         </p:spPr>
         <p:txBody>
-          <a:bodyPr lIns="0" rIns="0" tIns="0" bIns="0" anchor="ctr"/>
-          <a:p>
-            <a:endParaRPr b="0" lang="ru-RU" sz="1800" spc="-1" strike="noStrike">
-              <a:solidFill>
-                <a:srgbClr val="000000"/>
-              </a:solidFill>
-              <a:uFill>
-                <a:solidFill>
-                  <a:srgbClr val="ffffff"/>
+          <a:bodyPr lIns="0" tIns="0" rIns="0" bIns="0" anchor="ctr"/>
+          <a:lstStyle/>
+          <a:p>
+            <a:endParaRPr lang="ru-RU" sz="1800" b="0" strike="noStrike" spc="-1">
+              <a:solidFill>
+                <a:srgbClr val="000000"/>
+              </a:solidFill>
+              <a:uFill>
+                <a:solidFill>
+                  <a:srgbClr val="FFFFFF"/>
                 </a:solidFill>
               </a:uFill>
               <a:latin typeface="Arial"/>
@@ -1082,15 +1232,16 @@
           </a:prstGeom>
         </p:spPr>
         <p:txBody>
-          <a:bodyPr lIns="0" rIns="0" tIns="0" bIns="0"/>
-          <a:p>
-            <a:endParaRPr b="0" lang="ru-RU" sz="2800" spc="-1" strike="noStrike">
-              <a:solidFill>
-                <a:srgbClr val="000000"/>
-              </a:solidFill>
-              <a:uFill>
-                <a:solidFill>
-                  <a:srgbClr val="ffffff"/>
+          <a:bodyPr lIns="0" tIns="0" rIns="0" bIns="0"/>
+          <a:lstStyle/>
+          <a:p>
+            <a:endParaRPr lang="ru-RU" sz="2800" b="0" strike="noStrike" spc="-1">
+              <a:solidFill>
+                <a:srgbClr val="000000"/>
+              </a:solidFill>
+              <a:uFill>
+                <a:solidFill>
+                  <a:srgbClr val="FFFFFF"/>
                 </a:solidFill>
               </a:uFill>
               <a:latin typeface="Arial"/>
@@ -1118,15 +1269,16 @@
           </a:prstGeom>
         </p:spPr>
         <p:txBody>
-          <a:bodyPr lIns="0" rIns="0" tIns="0" bIns="0"/>
-          <a:p>
-            <a:endParaRPr b="0" lang="ru-RU" sz="2800" spc="-1" strike="noStrike">
-              <a:solidFill>
-                <a:srgbClr val="000000"/>
-              </a:solidFill>
-              <a:uFill>
-                <a:solidFill>
-                  <a:srgbClr val="ffffff"/>
+          <a:bodyPr lIns="0" tIns="0" rIns="0" bIns="0"/>
+          <a:lstStyle/>
+          <a:p>
+            <a:endParaRPr lang="ru-RU" sz="2800" b="0" strike="noStrike" spc="-1">
+              <a:solidFill>
+                <a:srgbClr val="000000"/>
+              </a:solidFill>
+              <a:uFill>
+                <a:solidFill>
+                  <a:srgbClr val="FFFFFF"/>
                 </a:solidFill>
               </a:uFill>
               <a:latin typeface="Arial"/>
@@ -1154,15 +1306,16 @@
           </a:prstGeom>
         </p:spPr>
         <p:txBody>
-          <a:bodyPr lIns="0" rIns="0" tIns="0" bIns="0"/>
-          <a:p>
-            <a:endParaRPr b="0" lang="ru-RU" sz="2800" spc="-1" strike="noStrike">
-              <a:solidFill>
-                <a:srgbClr val="000000"/>
-              </a:solidFill>
-              <a:uFill>
-                <a:solidFill>
-                  <a:srgbClr val="ffffff"/>
+          <a:bodyPr lIns="0" tIns="0" rIns="0" bIns="0"/>
+          <a:lstStyle/>
+          <a:p>
+            <a:endParaRPr lang="ru-RU" sz="2800" b="0" strike="noStrike" spc="-1">
+              <a:solidFill>
+                <a:srgbClr val="000000"/>
+              </a:solidFill>
+              <a:uFill>
+                <a:solidFill>
+                  <a:srgbClr val="FFFFFF"/>
                 </a:solidFill>
               </a:uFill>
               <a:latin typeface="Arial"/>
@@ -1172,11 +1325,14 @@
       </p:sp>
     </p:spTree>
   </p:cSld>
+  <p:clrMapOvr>
+    <a:masterClrMapping/>
+  </p:clrMapOvr>
 </p:sldLayout>
 </file>
 
 <file path=ppt/slideLayouts/slideLayout2.xml><?xml version="1.0" encoding="utf-8"?>
-<p:sldLayout xmlns:a="http://schemas.openxmlformats.org/drawingml/2006/main" xmlns:p="http://schemas.openxmlformats.org/presentationml/2006/main" xmlns:r="http://schemas.openxmlformats.org/officeDocument/2006/relationships" xmlns:p14="http://schemas.microsoft.com/office/powerpoint/2010/main" xmlns:p15="http://schemas.microsoft.com/office/powerpoint/2012/main" xmlns:mc="http://schemas.openxmlformats.org/markup-compatibility/2006" type="tx" preserve="1">
+<p:sldLayout xmlns:a="http://schemas.openxmlformats.org/drawingml/2006/main" xmlns:r="http://schemas.openxmlformats.org/officeDocument/2006/relationships" xmlns:p="http://schemas.openxmlformats.org/presentationml/2006/main" type="tx" preserve="1">
   <p:cSld name="Title Slide">
     <p:spTree>
       <p:nvGrpSpPr>
@@ -1212,15 +1368,16 @@
           </a:prstGeom>
         </p:spPr>
         <p:txBody>
-          <a:bodyPr lIns="0" rIns="0" tIns="0" bIns="0" anchor="ctr"/>
-          <a:p>
-            <a:endParaRPr b="0" lang="ru-RU" sz="1800" spc="-1" strike="noStrike">
-              <a:solidFill>
-                <a:srgbClr val="000000"/>
-              </a:solidFill>
-              <a:uFill>
-                <a:solidFill>
-                  <a:srgbClr val="ffffff"/>
+          <a:bodyPr lIns="0" tIns="0" rIns="0" bIns="0" anchor="ctr"/>
+          <a:lstStyle/>
+          <a:p>
+            <a:endParaRPr lang="ru-RU" sz="1800" b="0" strike="noStrike" spc="-1">
+              <a:solidFill>
+                <a:srgbClr val="000000"/>
+              </a:solidFill>
+              <a:uFill>
+                <a:solidFill>
+                  <a:srgbClr val="FFFFFF"/>
                 </a:solidFill>
               </a:uFill>
               <a:latin typeface="Arial"/>
@@ -1248,16 +1405,17 @@
           </a:prstGeom>
         </p:spPr>
         <p:txBody>
-          <a:bodyPr lIns="0" rIns="0" tIns="0" bIns="0" anchor="ctr"/>
+          <a:bodyPr lIns="0" tIns="0" rIns="0" bIns="0" anchor="ctr"/>
+          <a:lstStyle/>
           <a:p>
             <a:pPr algn="ctr"/>
-            <a:endParaRPr b="0" lang="ru-RU" sz="3200" spc="-1" strike="noStrike">
-              <a:solidFill>
-                <a:srgbClr val="000000"/>
-              </a:solidFill>
-              <a:uFill>
-                <a:solidFill>
-                  <a:srgbClr val="ffffff"/>
+            <a:endParaRPr lang="ru-RU" sz="3200" b="0" strike="noStrike" spc="-1">
+              <a:solidFill>
+                <a:srgbClr val="000000"/>
+              </a:solidFill>
+              <a:uFill>
+                <a:solidFill>
+                  <a:srgbClr val="FFFFFF"/>
                 </a:solidFill>
               </a:uFill>
               <a:latin typeface="Arial"/>
@@ -1267,11 +1425,14 @@
       </p:sp>
     </p:spTree>
   </p:cSld>
+  <p:clrMapOvr>
+    <a:masterClrMapping/>
+  </p:clrMapOvr>
 </p:sldLayout>
 </file>
 
 <file path=ppt/slideLayouts/slideLayout20.xml><?xml version="1.0" encoding="utf-8"?>
-<p:sldLayout xmlns:a="http://schemas.openxmlformats.org/drawingml/2006/main" xmlns:p="http://schemas.openxmlformats.org/presentationml/2006/main" xmlns:r="http://schemas.openxmlformats.org/officeDocument/2006/relationships" xmlns:p14="http://schemas.microsoft.com/office/powerpoint/2010/main" xmlns:p15="http://schemas.microsoft.com/office/powerpoint/2012/main" xmlns:mc="http://schemas.openxmlformats.org/markup-compatibility/2006" type="objAndTwoObj" preserve="1">
+<p:sldLayout xmlns:a="http://schemas.openxmlformats.org/drawingml/2006/main" xmlns:r="http://schemas.openxmlformats.org/officeDocument/2006/relationships" xmlns:p="http://schemas.openxmlformats.org/presentationml/2006/main" type="objAndTwoObj" preserve="1">
   <p:cSld name="Title Content and 2 Content">
     <p:spTree>
       <p:nvGrpSpPr>
@@ -1307,15 +1468,16 @@
           </a:prstGeom>
         </p:spPr>
         <p:txBody>
-          <a:bodyPr lIns="0" rIns="0" tIns="0" bIns="0" anchor="ctr"/>
-          <a:p>
-            <a:endParaRPr b="0" lang="ru-RU" sz="1800" spc="-1" strike="noStrike">
-              <a:solidFill>
-                <a:srgbClr val="000000"/>
-              </a:solidFill>
-              <a:uFill>
-                <a:solidFill>
-                  <a:srgbClr val="ffffff"/>
+          <a:bodyPr lIns="0" tIns="0" rIns="0" bIns="0" anchor="ctr"/>
+          <a:lstStyle/>
+          <a:p>
+            <a:endParaRPr lang="ru-RU" sz="1800" b="0" strike="noStrike" spc="-1">
+              <a:solidFill>
+                <a:srgbClr val="000000"/>
+              </a:solidFill>
+              <a:uFill>
+                <a:solidFill>
+                  <a:srgbClr val="FFFFFF"/>
                 </a:solidFill>
               </a:uFill>
               <a:latin typeface="Arial"/>
@@ -1343,15 +1505,16 @@
           </a:prstGeom>
         </p:spPr>
         <p:txBody>
-          <a:bodyPr lIns="0" rIns="0" tIns="0" bIns="0"/>
-          <a:p>
-            <a:endParaRPr b="0" lang="ru-RU" sz="2800" spc="-1" strike="noStrike">
-              <a:solidFill>
-                <a:srgbClr val="000000"/>
-              </a:solidFill>
-              <a:uFill>
-                <a:solidFill>
-                  <a:srgbClr val="ffffff"/>
+          <a:bodyPr lIns="0" tIns="0" rIns="0" bIns="0"/>
+          <a:lstStyle/>
+          <a:p>
+            <a:endParaRPr lang="ru-RU" sz="2800" b="0" strike="noStrike" spc="-1">
+              <a:solidFill>
+                <a:srgbClr val="000000"/>
+              </a:solidFill>
+              <a:uFill>
+                <a:solidFill>
+                  <a:srgbClr val="FFFFFF"/>
                 </a:solidFill>
               </a:uFill>
               <a:latin typeface="Arial"/>
@@ -1379,15 +1542,16 @@
           </a:prstGeom>
         </p:spPr>
         <p:txBody>
-          <a:bodyPr lIns="0" rIns="0" tIns="0" bIns="0"/>
-          <a:p>
-            <a:endParaRPr b="0" lang="ru-RU" sz="2800" spc="-1" strike="noStrike">
-              <a:solidFill>
-                <a:srgbClr val="000000"/>
-              </a:solidFill>
-              <a:uFill>
-                <a:solidFill>
-                  <a:srgbClr val="ffffff"/>
+          <a:bodyPr lIns="0" tIns="0" rIns="0" bIns="0"/>
+          <a:lstStyle/>
+          <a:p>
+            <a:endParaRPr lang="ru-RU" sz="2800" b="0" strike="noStrike" spc="-1">
+              <a:solidFill>
+                <a:srgbClr val="000000"/>
+              </a:solidFill>
+              <a:uFill>
+                <a:solidFill>
+                  <a:srgbClr val="FFFFFF"/>
                 </a:solidFill>
               </a:uFill>
               <a:latin typeface="Arial"/>
@@ -1415,15 +1579,16 @@
           </a:prstGeom>
         </p:spPr>
         <p:txBody>
-          <a:bodyPr lIns="0" rIns="0" tIns="0" bIns="0"/>
-          <a:p>
-            <a:endParaRPr b="0" lang="ru-RU" sz="2800" spc="-1" strike="noStrike">
-              <a:solidFill>
-                <a:srgbClr val="000000"/>
-              </a:solidFill>
-              <a:uFill>
-                <a:solidFill>
-                  <a:srgbClr val="ffffff"/>
+          <a:bodyPr lIns="0" tIns="0" rIns="0" bIns="0"/>
+          <a:lstStyle/>
+          <a:p>
+            <a:endParaRPr lang="ru-RU" sz="2800" b="0" strike="noStrike" spc="-1">
+              <a:solidFill>
+                <a:srgbClr val="000000"/>
+              </a:solidFill>
+              <a:uFill>
+                <a:solidFill>
+                  <a:srgbClr val="FFFFFF"/>
                 </a:solidFill>
               </a:uFill>
               <a:latin typeface="Arial"/>
@@ -1433,11 +1598,14 @@
       </p:sp>
     </p:spTree>
   </p:cSld>
+  <p:clrMapOvr>
+    <a:masterClrMapping/>
+  </p:clrMapOvr>
 </p:sldLayout>
 </file>
 
 <file path=ppt/slideLayouts/slideLayout21.xml><?xml version="1.0" encoding="utf-8"?>
-<p:sldLayout xmlns:a="http://schemas.openxmlformats.org/drawingml/2006/main" xmlns:p="http://schemas.openxmlformats.org/presentationml/2006/main" xmlns:r="http://schemas.openxmlformats.org/officeDocument/2006/relationships" xmlns:p14="http://schemas.microsoft.com/office/powerpoint/2010/main" xmlns:p15="http://schemas.microsoft.com/office/powerpoint/2012/main" xmlns:mc="http://schemas.openxmlformats.org/markup-compatibility/2006" type="twoObjOverTx" preserve="1">
+<p:sldLayout xmlns:a="http://schemas.openxmlformats.org/drawingml/2006/main" xmlns:r="http://schemas.openxmlformats.org/officeDocument/2006/relationships" xmlns:p="http://schemas.openxmlformats.org/presentationml/2006/main" type="twoObjOverTx" preserve="1">
   <p:cSld name="Title, 2 Content over Content">
     <p:spTree>
       <p:nvGrpSpPr>
@@ -1473,15 +1641,16 @@
           </a:prstGeom>
         </p:spPr>
         <p:txBody>
-          <a:bodyPr lIns="0" rIns="0" tIns="0" bIns="0" anchor="ctr"/>
-          <a:p>
-            <a:endParaRPr b="0" lang="ru-RU" sz="1800" spc="-1" strike="noStrike">
-              <a:solidFill>
-                <a:srgbClr val="000000"/>
-              </a:solidFill>
-              <a:uFill>
-                <a:solidFill>
-                  <a:srgbClr val="ffffff"/>
+          <a:bodyPr lIns="0" tIns="0" rIns="0" bIns="0" anchor="ctr"/>
+          <a:lstStyle/>
+          <a:p>
+            <a:endParaRPr lang="ru-RU" sz="1800" b="0" strike="noStrike" spc="-1">
+              <a:solidFill>
+                <a:srgbClr val="000000"/>
+              </a:solidFill>
+              <a:uFill>
+                <a:solidFill>
+                  <a:srgbClr val="FFFFFF"/>
                 </a:solidFill>
               </a:uFill>
               <a:latin typeface="Arial"/>
@@ -1509,15 +1678,16 @@
           </a:prstGeom>
         </p:spPr>
         <p:txBody>
-          <a:bodyPr lIns="0" rIns="0" tIns="0" bIns="0"/>
-          <a:p>
-            <a:endParaRPr b="0" lang="ru-RU" sz="2800" spc="-1" strike="noStrike">
-              <a:solidFill>
-                <a:srgbClr val="000000"/>
-              </a:solidFill>
-              <a:uFill>
-                <a:solidFill>
-                  <a:srgbClr val="ffffff"/>
+          <a:bodyPr lIns="0" tIns="0" rIns="0" bIns="0"/>
+          <a:lstStyle/>
+          <a:p>
+            <a:endParaRPr lang="ru-RU" sz="2800" b="0" strike="noStrike" spc="-1">
+              <a:solidFill>
+                <a:srgbClr val="000000"/>
+              </a:solidFill>
+              <a:uFill>
+                <a:solidFill>
+                  <a:srgbClr val="FFFFFF"/>
                 </a:solidFill>
               </a:uFill>
               <a:latin typeface="Arial"/>
@@ -1545,15 +1715,16 @@
           </a:prstGeom>
         </p:spPr>
         <p:txBody>
-          <a:bodyPr lIns="0" rIns="0" tIns="0" bIns="0"/>
-          <a:p>
-            <a:endParaRPr b="0" lang="ru-RU" sz="2800" spc="-1" strike="noStrike">
-              <a:solidFill>
-                <a:srgbClr val="000000"/>
-              </a:solidFill>
-              <a:uFill>
-                <a:solidFill>
-                  <a:srgbClr val="ffffff"/>
+          <a:bodyPr lIns="0" tIns="0" rIns="0" bIns="0"/>
+          <a:lstStyle/>
+          <a:p>
+            <a:endParaRPr lang="ru-RU" sz="2800" b="0" strike="noStrike" spc="-1">
+              <a:solidFill>
+                <a:srgbClr val="000000"/>
+              </a:solidFill>
+              <a:uFill>
+                <a:solidFill>
+                  <a:srgbClr val="FFFFFF"/>
                 </a:solidFill>
               </a:uFill>
               <a:latin typeface="Arial"/>
@@ -1581,15 +1752,16 @@
           </a:prstGeom>
         </p:spPr>
         <p:txBody>
-          <a:bodyPr lIns="0" rIns="0" tIns="0" bIns="0"/>
-          <a:p>
-            <a:endParaRPr b="0" lang="ru-RU" sz="2800" spc="-1" strike="noStrike">
-              <a:solidFill>
-                <a:srgbClr val="000000"/>
-              </a:solidFill>
-              <a:uFill>
-                <a:solidFill>
-                  <a:srgbClr val="ffffff"/>
+          <a:bodyPr lIns="0" tIns="0" rIns="0" bIns="0"/>
+          <a:lstStyle/>
+          <a:p>
+            <a:endParaRPr lang="ru-RU" sz="2800" b="0" strike="noStrike" spc="-1">
+              <a:solidFill>
+                <a:srgbClr val="000000"/>
+              </a:solidFill>
+              <a:uFill>
+                <a:solidFill>
+                  <a:srgbClr val="FFFFFF"/>
                 </a:solidFill>
               </a:uFill>
               <a:latin typeface="Arial"/>
@@ -1599,11 +1771,14 @@
       </p:sp>
     </p:spTree>
   </p:cSld>
+  <p:clrMapOvr>
+    <a:masterClrMapping/>
+  </p:clrMapOvr>
 </p:sldLayout>
 </file>
 
 <file path=ppt/slideLayouts/slideLayout22.xml><?xml version="1.0" encoding="utf-8"?>
-<p:sldLayout xmlns:a="http://schemas.openxmlformats.org/drawingml/2006/main" xmlns:p="http://schemas.openxmlformats.org/presentationml/2006/main" xmlns:r="http://schemas.openxmlformats.org/officeDocument/2006/relationships" xmlns:p14="http://schemas.microsoft.com/office/powerpoint/2010/main" xmlns:p15="http://schemas.microsoft.com/office/powerpoint/2012/main" xmlns:mc="http://schemas.openxmlformats.org/markup-compatibility/2006" type="objOverTx" preserve="1">
+<p:sldLayout xmlns:a="http://schemas.openxmlformats.org/drawingml/2006/main" xmlns:r="http://schemas.openxmlformats.org/officeDocument/2006/relationships" xmlns:p="http://schemas.openxmlformats.org/presentationml/2006/main" type="objOverTx" preserve="1">
   <p:cSld name="Title, Content over Content">
     <p:spTree>
       <p:nvGrpSpPr>
@@ -1639,15 +1814,16 @@
           </a:prstGeom>
         </p:spPr>
         <p:txBody>
-          <a:bodyPr lIns="0" rIns="0" tIns="0" bIns="0" anchor="ctr"/>
-          <a:p>
-            <a:endParaRPr b="0" lang="ru-RU" sz="1800" spc="-1" strike="noStrike">
-              <a:solidFill>
-                <a:srgbClr val="000000"/>
-              </a:solidFill>
-              <a:uFill>
-                <a:solidFill>
-                  <a:srgbClr val="ffffff"/>
+          <a:bodyPr lIns="0" tIns="0" rIns="0" bIns="0" anchor="ctr"/>
+          <a:lstStyle/>
+          <a:p>
+            <a:endParaRPr lang="ru-RU" sz="1800" b="0" strike="noStrike" spc="-1">
+              <a:solidFill>
+                <a:srgbClr val="000000"/>
+              </a:solidFill>
+              <a:uFill>
+                <a:solidFill>
+                  <a:srgbClr val="FFFFFF"/>
                 </a:solidFill>
               </a:uFill>
               <a:latin typeface="Arial"/>
@@ -1675,15 +1851,16 @@
           </a:prstGeom>
         </p:spPr>
         <p:txBody>
-          <a:bodyPr lIns="0" rIns="0" tIns="0" bIns="0"/>
-          <a:p>
-            <a:endParaRPr b="0" lang="ru-RU" sz="2800" spc="-1" strike="noStrike">
-              <a:solidFill>
-                <a:srgbClr val="000000"/>
-              </a:solidFill>
-              <a:uFill>
-                <a:solidFill>
-                  <a:srgbClr val="ffffff"/>
+          <a:bodyPr lIns="0" tIns="0" rIns="0" bIns="0"/>
+          <a:lstStyle/>
+          <a:p>
+            <a:endParaRPr lang="ru-RU" sz="2800" b="0" strike="noStrike" spc="-1">
+              <a:solidFill>
+                <a:srgbClr val="000000"/>
+              </a:solidFill>
+              <a:uFill>
+                <a:solidFill>
+                  <a:srgbClr val="FFFFFF"/>
                 </a:solidFill>
               </a:uFill>
               <a:latin typeface="Arial"/>
@@ -1711,15 +1888,16 @@
           </a:prstGeom>
         </p:spPr>
         <p:txBody>
-          <a:bodyPr lIns="0" rIns="0" tIns="0" bIns="0"/>
-          <a:p>
-            <a:endParaRPr b="0" lang="ru-RU" sz="2800" spc="-1" strike="noStrike">
-              <a:solidFill>
-                <a:srgbClr val="000000"/>
-              </a:solidFill>
-              <a:uFill>
-                <a:solidFill>
-                  <a:srgbClr val="ffffff"/>
+          <a:bodyPr lIns="0" tIns="0" rIns="0" bIns="0"/>
+          <a:lstStyle/>
+          <a:p>
+            <a:endParaRPr lang="ru-RU" sz="2800" b="0" strike="noStrike" spc="-1">
+              <a:solidFill>
+                <a:srgbClr val="000000"/>
+              </a:solidFill>
+              <a:uFill>
+                <a:solidFill>
+                  <a:srgbClr val="FFFFFF"/>
                 </a:solidFill>
               </a:uFill>
               <a:latin typeface="Arial"/>
@@ -1729,11 +1907,14 @@
       </p:sp>
     </p:spTree>
   </p:cSld>
+  <p:clrMapOvr>
+    <a:masterClrMapping/>
+  </p:clrMapOvr>
 </p:sldLayout>
 </file>
 
 <file path=ppt/slideLayouts/slideLayout23.xml><?xml version="1.0" encoding="utf-8"?>
-<p:sldLayout xmlns:a="http://schemas.openxmlformats.org/drawingml/2006/main" xmlns:p="http://schemas.openxmlformats.org/presentationml/2006/main" xmlns:r="http://schemas.openxmlformats.org/officeDocument/2006/relationships" xmlns:p14="http://schemas.microsoft.com/office/powerpoint/2010/main" xmlns:p15="http://schemas.microsoft.com/office/powerpoint/2012/main" xmlns:mc="http://schemas.openxmlformats.org/markup-compatibility/2006" type="fourObj" preserve="1">
+<p:sldLayout xmlns:a="http://schemas.openxmlformats.org/drawingml/2006/main" xmlns:r="http://schemas.openxmlformats.org/officeDocument/2006/relationships" xmlns:p="http://schemas.openxmlformats.org/presentationml/2006/main" type="fourObj" preserve="1">
   <p:cSld name="Title, 4 Content">
     <p:spTree>
       <p:nvGrpSpPr>
@@ -1769,15 +1950,16 @@
           </a:prstGeom>
         </p:spPr>
         <p:txBody>
-          <a:bodyPr lIns="0" rIns="0" tIns="0" bIns="0" anchor="ctr"/>
-          <a:p>
-            <a:endParaRPr b="0" lang="ru-RU" sz="1800" spc="-1" strike="noStrike">
-              <a:solidFill>
-                <a:srgbClr val="000000"/>
-              </a:solidFill>
-              <a:uFill>
-                <a:solidFill>
-                  <a:srgbClr val="ffffff"/>
+          <a:bodyPr lIns="0" tIns="0" rIns="0" bIns="0" anchor="ctr"/>
+          <a:lstStyle/>
+          <a:p>
+            <a:endParaRPr lang="ru-RU" sz="1800" b="0" strike="noStrike" spc="-1">
+              <a:solidFill>
+                <a:srgbClr val="000000"/>
+              </a:solidFill>
+              <a:uFill>
+                <a:solidFill>
+                  <a:srgbClr val="FFFFFF"/>
                 </a:solidFill>
               </a:uFill>
               <a:latin typeface="Arial"/>
@@ -1805,15 +1987,16 @@
           </a:prstGeom>
         </p:spPr>
         <p:txBody>
-          <a:bodyPr lIns="0" rIns="0" tIns="0" bIns="0"/>
-          <a:p>
-            <a:endParaRPr b="0" lang="ru-RU" sz="2800" spc="-1" strike="noStrike">
-              <a:solidFill>
-                <a:srgbClr val="000000"/>
-              </a:solidFill>
-              <a:uFill>
-                <a:solidFill>
-                  <a:srgbClr val="ffffff"/>
+          <a:bodyPr lIns="0" tIns="0" rIns="0" bIns="0"/>
+          <a:lstStyle/>
+          <a:p>
+            <a:endParaRPr lang="ru-RU" sz="2800" b="0" strike="noStrike" spc="-1">
+              <a:solidFill>
+                <a:srgbClr val="000000"/>
+              </a:solidFill>
+              <a:uFill>
+                <a:solidFill>
+                  <a:srgbClr val="FFFFFF"/>
                 </a:solidFill>
               </a:uFill>
               <a:latin typeface="Arial"/>
@@ -1841,15 +2024,16 @@
           </a:prstGeom>
         </p:spPr>
         <p:txBody>
-          <a:bodyPr lIns="0" rIns="0" tIns="0" bIns="0"/>
-          <a:p>
-            <a:endParaRPr b="0" lang="ru-RU" sz="2800" spc="-1" strike="noStrike">
-              <a:solidFill>
-                <a:srgbClr val="000000"/>
-              </a:solidFill>
-              <a:uFill>
-                <a:solidFill>
-                  <a:srgbClr val="ffffff"/>
+          <a:bodyPr lIns="0" tIns="0" rIns="0" bIns="0"/>
+          <a:lstStyle/>
+          <a:p>
+            <a:endParaRPr lang="ru-RU" sz="2800" b="0" strike="noStrike" spc="-1">
+              <a:solidFill>
+                <a:srgbClr val="000000"/>
+              </a:solidFill>
+              <a:uFill>
+                <a:solidFill>
+                  <a:srgbClr val="FFFFFF"/>
                 </a:solidFill>
               </a:uFill>
               <a:latin typeface="Arial"/>
@@ -1877,15 +2061,16 @@
           </a:prstGeom>
         </p:spPr>
         <p:txBody>
-          <a:bodyPr lIns="0" rIns="0" tIns="0" bIns="0"/>
-          <a:p>
-            <a:endParaRPr b="0" lang="ru-RU" sz="2800" spc="-1" strike="noStrike">
-              <a:solidFill>
-                <a:srgbClr val="000000"/>
-              </a:solidFill>
-              <a:uFill>
-                <a:solidFill>
-                  <a:srgbClr val="ffffff"/>
+          <a:bodyPr lIns="0" tIns="0" rIns="0" bIns="0"/>
+          <a:lstStyle/>
+          <a:p>
+            <a:endParaRPr lang="ru-RU" sz="2800" b="0" strike="noStrike" spc="-1">
+              <a:solidFill>
+                <a:srgbClr val="000000"/>
+              </a:solidFill>
+              <a:uFill>
+                <a:solidFill>
+                  <a:srgbClr val="FFFFFF"/>
                 </a:solidFill>
               </a:uFill>
               <a:latin typeface="Arial"/>
@@ -1913,15 +2098,16 @@
           </a:prstGeom>
         </p:spPr>
         <p:txBody>
-          <a:bodyPr lIns="0" rIns="0" tIns="0" bIns="0"/>
-          <a:p>
-            <a:endParaRPr b="0" lang="ru-RU" sz="2800" spc="-1" strike="noStrike">
-              <a:solidFill>
-                <a:srgbClr val="000000"/>
-              </a:solidFill>
-              <a:uFill>
-                <a:solidFill>
-                  <a:srgbClr val="ffffff"/>
+          <a:bodyPr lIns="0" tIns="0" rIns="0" bIns="0"/>
+          <a:lstStyle/>
+          <a:p>
+            <a:endParaRPr lang="ru-RU" sz="2800" b="0" strike="noStrike" spc="-1">
+              <a:solidFill>
+                <a:srgbClr val="000000"/>
+              </a:solidFill>
+              <a:uFill>
+                <a:solidFill>
+                  <a:srgbClr val="FFFFFF"/>
                 </a:solidFill>
               </a:uFill>
               <a:latin typeface="Arial"/>
@@ -1931,11 +2117,14 @@
       </p:sp>
     </p:spTree>
   </p:cSld>
+  <p:clrMapOvr>
+    <a:masterClrMapping/>
+  </p:clrMapOvr>
 </p:sldLayout>
 </file>
 
 <file path=ppt/slideLayouts/slideLayout24.xml><?xml version="1.0" encoding="utf-8"?>
-<p:sldLayout xmlns:a="http://schemas.openxmlformats.org/drawingml/2006/main" xmlns:p="http://schemas.openxmlformats.org/presentationml/2006/main" xmlns:r="http://schemas.openxmlformats.org/officeDocument/2006/relationships" xmlns:p14="http://schemas.microsoft.com/office/powerpoint/2010/main" xmlns:p15="http://schemas.microsoft.com/office/powerpoint/2012/main" xmlns:mc="http://schemas.openxmlformats.org/markup-compatibility/2006" type="blank" preserve="1">
+<p:sldLayout xmlns:a="http://schemas.openxmlformats.org/drawingml/2006/main" xmlns:r="http://schemas.openxmlformats.org/officeDocument/2006/relationships" xmlns:p="http://schemas.openxmlformats.org/presentationml/2006/main" type="blank" preserve="1">
   <p:cSld name="Title, 6 Content">
     <p:spTree>
       <p:nvGrpSpPr>
@@ -1971,15 +2160,16 @@
           </a:prstGeom>
         </p:spPr>
         <p:txBody>
-          <a:bodyPr lIns="0" rIns="0" tIns="0" bIns="0" anchor="ctr"/>
-          <a:p>
-            <a:endParaRPr b="0" lang="ru-RU" sz="1800" spc="-1" strike="noStrike">
-              <a:solidFill>
-                <a:srgbClr val="000000"/>
-              </a:solidFill>
-              <a:uFill>
-                <a:solidFill>
-                  <a:srgbClr val="ffffff"/>
+          <a:bodyPr lIns="0" tIns="0" rIns="0" bIns="0" anchor="ctr"/>
+          <a:lstStyle/>
+          <a:p>
+            <a:endParaRPr lang="ru-RU" sz="1800" b="0" strike="noStrike" spc="-1">
+              <a:solidFill>
+                <a:srgbClr val="000000"/>
+              </a:solidFill>
+              <a:uFill>
+                <a:solidFill>
+                  <a:srgbClr val="FFFFFF"/>
                 </a:solidFill>
               </a:uFill>
               <a:latin typeface="Arial"/>
@@ -2007,15 +2197,16 @@
           </a:prstGeom>
         </p:spPr>
         <p:txBody>
-          <a:bodyPr lIns="0" rIns="0" tIns="0" bIns="0"/>
-          <a:p>
-            <a:endParaRPr b="0" lang="ru-RU" sz="2800" spc="-1" strike="noStrike">
-              <a:solidFill>
-                <a:srgbClr val="000000"/>
-              </a:solidFill>
-              <a:uFill>
-                <a:solidFill>
-                  <a:srgbClr val="ffffff"/>
+          <a:bodyPr lIns="0" tIns="0" rIns="0" bIns="0"/>
+          <a:lstStyle/>
+          <a:p>
+            <a:endParaRPr lang="ru-RU" sz="2800" b="0" strike="noStrike" spc="-1">
+              <a:solidFill>
+                <a:srgbClr val="000000"/>
+              </a:solidFill>
+              <a:uFill>
+                <a:solidFill>
+                  <a:srgbClr val="FFFFFF"/>
                 </a:solidFill>
               </a:uFill>
               <a:latin typeface="Arial"/>
@@ -2043,15 +2234,16 @@
           </a:prstGeom>
         </p:spPr>
         <p:txBody>
-          <a:bodyPr lIns="0" rIns="0" tIns="0" bIns="0"/>
-          <a:p>
-            <a:endParaRPr b="0" lang="ru-RU" sz="2800" spc="-1" strike="noStrike">
-              <a:solidFill>
-                <a:srgbClr val="000000"/>
-              </a:solidFill>
-              <a:uFill>
-                <a:solidFill>
-                  <a:srgbClr val="ffffff"/>
+          <a:bodyPr lIns="0" tIns="0" rIns="0" bIns="0"/>
+          <a:lstStyle/>
+          <a:p>
+            <a:endParaRPr lang="ru-RU" sz="2800" b="0" strike="noStrike" spc="-1">
+              <a:solidFill>
+                <a:srgbClr val="000000"/>
+              </a:solidFill>
+              <a:uFill>
+                <a:solidFill>
+                  <a:srgbClr val="FFFFFF"/>
                 </a:solidFill>
               </a:uFill>
               <a:latin typeface="Arial"/>
@@ -2061,7 +2253,7 @@
       </p:sp>
       <p:pic>
         <p:nvPicPr>
-          <p:cNvPr id="70" name="" descr=""/>
+          <p:cNvPr id="70" name="Рисунок 69"/>
           <p:cNvPicPr/>
           <p:nvPr/>
         </p:nvPicPr>
@@ -2084,12 +2276,12 @@
       </p:pic>
       <p:pic>
         <p:nvPicPr>
-          <p:cNvPr id="71" name="" descr=""/>
+          <p:cNvPr id="71" name="Рисунок 70"/>
           <p:cNvPicPr/>
           <p:nvPr/>
         </p:nvPicPr>
         <p:blipFill>
-          <a:blip r:embed="rId3"/>
+          <a:blip r:embed="rId2"/>
           <a:stretch/>
         </p:blipFill>
         <p:spPr>
@@ -2107,11 +2299,14 @@
       </p:pic>
     </p:spTree>
   </p:cSld>
+  <p:clrMapOvr>
+    <a:masterClrMapping/>
+  </p:clrMapOvr>
 </p:sldLayout>
 </file>
 
 <file path=ppt/slideLayouts/slideLayout25.xml><?xml version="1.0" encoding="utf-8"?>
-<p:sldLayout xmlns:a="http://schemas.openxmlformats.org/drawingml/2006/main" xmlns:p="http://schemas.openxmlformats.org/presentationml/2006/main" xmlns:r="http://schemas.openxmlformats.org/officeDocument/2006/relationships" xmlns:p14="http://schemas.microsoft.com/office/powerpoint/2010/main" xmlns:p15="http://schemas.microsoft.com/office/powerpoint/2012/main" xmlns:mc="http://schemas.openxmlformats.org/markup-compatibility/2006" type="blank" preserve="1">
+<p:sldLayout xmlns:a="http://schemas.openxmlformats.org/drawingml/2006/main" xmlns:r="http://schemas.openxmlformats.org/officeDocument/2006/relationships" xmlns:p="http://schemas.openxmlformats.org/presentationml/2006/main" type="blank" preserve="1">
   <p:cSld name="Blank Slide">
     <p:spTree>
       <p:nvGrpSpPr>
@@ -2129,11 +2324,14 @@
       </p:grpSpPr>
     </p:spTree>
   </p:cSld>
+  <p:clrMapOvr>
+    <a:masterClrMapping/>
+  </p:clrMapOvr>
 </p:sldLayout>
 </file>
 
 <file path=ppt/slideLayouts/slideLayout26.xml><?xml version="1.0" encoding="utf-8"?>
-<p:sldLayout xmlns:a="http://schemas.openxmlformats.org/drawingml/2006/main" xmlns:p="http://schemas.openxmlformats.org/presentationml/2006/main" xmlns:r="http://schemas.openxmlformats.org/officeDocument/2006/relationships" xmlns:p14="http://schemas.microsoft.com/office/powerpoint/2010/main" xmlns:p15="http://schemas.microsoft.com/office/powerpoint/2012/main" xmlns:mc="http://schemas.openxmlformats.org/markup-compatibility/2006" type="tx" preserve="1">
+<p:sldLayout xmlns:a="http://schemas.openxmlformats.org/drawingml/2006/main" xmlns:r="http://schemas.openxmlformats.org/officeDocument/2006/relationships" xmlns:p="http://schemas.openxmlformats.org/presentationml/2006/main" type="tx" preserve="1">
   <p:cSld name="Title Slide">
     <p:spTree>
       <p:nvGrpSpPr>
@@ -2169,15 +2367,16 @@
           </a:prstGeom>
         </p:spPr>
         <p:txBody>
-          <a:bodyPr lIns="0" rIns="0" tIns="0" bIns="0" anchor="ctr"/>
-          <a:p>
-            <a:endParaRPr b="0" lang="ru-RU" sz="1800" spc="-1" strike="noStrike">
-              <a:solidFill>
-                <a:srgbClr val="000000"/>
-              </a:solidFill>
-              <a:uFill>
-                <a:solidFill>
-                  <a:srgbClr val="ffffff"/>
+          <a:bodyPr lIns="0" tIns="0" rIns="0" bIns="0" anchor="ctr"/>
+          <a:lstStyle/>
+          <a:p>
+            <a:endParaRPr lang="ru-RU" sz="1800" b="0" strike="noStrike" spc="-1">
+              <a:solidFill>
+                <a:srgbClr val="000000"/>
+              </a:solidFill>
+              <a:uFill>
+                <a:solidFill>
+                  <a:srgbClr val="FFFFFF"/>
                 </a:solidFill>
               </a:uFill>
               <a:latin typeface="Arial"/>
@@ -2205,16 +2404,17 @@
           </a:prstGeom>
         </p:spPr>
         <p:txBody>
-          <a:bodyPr lIns="0" rIns="0" tIns="0" bIns="0" anchor="ctr"/>
+          <a:bodyPr lIns="0" tIns="0" rIns="0" bIns="0" anchor="ctr"/>
+          <a:lstStyle/>
           <a:p>
             <a:pPr algn="ctr"/>
-            <a:endParaRPr b="0" lang="ru-RU" sz="3200" spc="-1" strike="noStrike">
-              <a:solidFill>
-                <a:srgbClr val="000000"/>
-              </a:solidFill>
-              <a:uFill>
-                <a:solidFill>
-                  <a:srgbClr val="ffffff"/>
+            <a:endParaRPr lang="ru-RU" sz="3200" b="0" strike="noStrike" spc="-1">
+              <a:solidFill>
+                <a:srgbClr val="000000"/>
+              </a:solidFill>
+              <a:uFill>
+                <a:solidFill>
+                  <a:srgbClr val="FFFFFF"/>
                 </a:solidFill>
               </a:uFill>
               <a:latin typeface="Arial"/>
@@ -2224,11 +2424,14 @@
       </p:sp>
     </p:spTree>
   </p:cSld>
+  <p:clrMapOvr>
+    <a:masterClrMapping/>
+  </p:clrMapOvr>
 </p:sldLayout>
 </file>
 
 <file path=ppt/slideLayouts/slideLayout27.xml><?xml version="1.0" encoding="utf-8"?>
-<p:sldLayout xmlns:a="http://schemas.openxmlformats.org/drawingml/2006/main" xmlns:p="http://schemas.openxmlformats.org/presentationml/2006/main" xmlns:r="http://schemas.openxmlformats.org/officeDocument/2006/relationships" xmlns:p14="http://schemas.microsoft.com/office/powerpoint/2010/main" xmlns:p15="http://schemas.microsoft.com/office/powerpoint/2012/main" xmlns:mc="http://schemas.openxmlformats.org/markup-compatibility/2006" type="obj" preserve="1">
+<p:sldLayout xmlns:a="http://schemas.openxmlformats.org/drawingml/2006/main" xmlns:r="http://schemas.openxmlformats.org/officeDocument/2006/relationships" xmlns:p="http://schemas.openxmlformats.org/presentationml/2006/main" type="obj" preserve="1">
   <p:cSld name="Title, Content">
     <p:spTree>
       <p:nvGrpSpPr>
@@ -2264,15 +2467,16 @@
           </a:prstGeom>
         </p:spPr>
         <p:txBody>
-          <a:bodyPr lIns="0" rIns="0" tIns="0" bIns="0" anchor="ctr"/>
-          <a:p>
-            <a:endParaRPr b="0" lang="ru-RU" sz="1800" spc="-1" strike="noStrike">
-              <a:solidFill>
-                <a:srgbClr val="000000"/>
-              </a:solidFill>
-              <a:uFill>
-                <a:solidFill>
-                  <a:srgbClr val="ffffff"/>
+          <a:bodyPr lIns="0" tIns="0" rIns="0" bIns="0" anchor="ctr"/>
+          <a:lstStyle/>
+          <a:p>
+            <a:endParaRPr lang="ru-RU" sz="1800" b="0" strike="noStrike" spc="-1">
+              <a:solidFill>
+                <a:srgbClr val="000000"/>
+              </a:solidFill>
+              <a:uFill>
+                <a:solidFill>
+                  <a:srgbClr val="FFFFFF"/>
                 </a:solidFill>
               </a:uFill>
               <a:latin typeface="Arial"/>
@@ -2300,15 +2504,16 @@
           </a:prstGeom>
         </p:spPr>
         <p:txBody>
-          <a:bodyPr lIns="0" rIns="0" tIns="0" bIns="0"/>
-          <a:p>
-            <a:endParaRPr b="0" lang="ru-RU" sz="2800" spc="-1" strike="noStrike">
-              <a:solidFill>
-                <a:srgbClr val="000000"/>
-              </a:solidFill>
-              <a:uFill>
-                <a:solidFill>
-                  <a:srgbClr val="ffffff"/>
+          <a:bodyPr lIns="0" tIns="0" rIns="0" bIns="0"/>
+          <a:lstStyle/>
+          <a:p>
+            <a:endParaRPr lang="ru-RU" sz="2800" b="0" strike="noStrike" spc="-1">
+              <a:solidFill>
+                <a:srgbClr val="000000"/>
+              </a:solidFill>
+              <a:uFill>
+                <a:solidFill>
+                  <a:srgbClr val="FFFFFF"/>
                 </a:solidFill>
               </a:uFill>
               <a:latin typeface="Arial"/>
@@ -2318,11 +2523,14 @@
       </p:sp>
     </p:spTree>
   </p:cSld>
+  <p:clrMapOvr>
+    <a:masterClrMapping/>
+  </p:clrMapOvr>
 </p:sldLayout>
 </file>
 
 <file path=ppt/slideLayouts/slideLayout28.xml><?xml version="1.0" encoding="utf-8"?>
-<p:sldLayout xmlns:a="http://schemas.openxmlformats.org/drawingml/2006/main" xmlns:p="http://schemas.openxmlformats.org/presentationml/2006/main" xmlns:r="http://schemas.openxmlformats.org/officeDocument/2006/relationships" xmlns:p14="http://schemas.microsoft.com/office/powerpoint/2010/main" xmlns:p15="http://schemas.microsoft.com/office/powerpoint/2012/main" xmlns:mc="http://schemas.openxmlformats.org/markup-compatibility/2006" type="twoObj" preserve="1">
+<p:sldLayout xmlns:a="http://schemas.openxmlformats.org/drawingml/2006/main" xmlns:r="http://schemas.openxmlformats.org/officeDocument/2006/relationships" xmlns:p="http://schemas.openxmlformats.org/presentationml/2006/main" type="twoObj" preserve="1">
   <p:cSld name="Title, 2 Content">
     <p:spTree>
       <p:nvGrpSpPr>
@@ -2358,15 +2566,16 @@
           </a:prstGeom>
         </p:spPr>
         <p:txBody>
-          <a:bodyPr lIns="0" rIns="0" tIns="0" bIns="0" anchor="ctr"/>
-          <a:p>
-            <a:endParaRPr b="0" lang="ru-RU" sz="1800" spc="-1" strike="noStrike">
-              <a:solidFill>
-                <a:srgbClr val="000000"/>
-              </a:solidFill>
-              <a:uFill>
-                <a:solidFill>
-                  <a:srgbClr val="ffffff"/>
+          <a:bodyPr lIns="0" tIns="0" rIns="0" bIns="0" anchor="ctr"/>
+          <a:lstStyle/>
+          <a:p>
+            <a:endParaRPr lang="ru-RU" sz="1800" b="0" strike="noStrike" spc="-1">
+              <a:solidFill>
+                <a:srgbClr val="000000"/>
+              </a:solidFill>
+              <a:uFill>
+                <a:solidFill>
+                  <a:srgbClr val="FFFFFF"/>
                 </a:solidFill>
               </a:uFill>
               <a:latin typeface="Arial"/>
@@ -2394,15 +2603,16 @@
           </a:prstGeom>
         </p:spPr>
         <p:txBody>
-          <a:bodyPr lIns="0" rIns="0" tIns="0" bIns="0"/>
-          <a:p>
-            <a:endParaRPr b="0" lang="ru-RU" sz="2800" spc="-1" strike="noStrike">
-              <a:solidFill>
-                <a:srgbClr val="000000"/>
-              </a:solidFill>
-              <a:uFill>
-                <a:solidFill>
-                  <a:srgbClr val="ffffff"/>
+          <a:bodyPr lIns="0" tIns="0" rIns="0" bIns="0"/>
+          <a:lstStyle/>
+          <a:p>
+            <a:endParaRPr lang="ru-RU" sz="2800" b="0" strike="noStrike" spc="-1">
+              <a:solidFill>
+                <a:srgbClr val="000000"/>
+              </a:solidFill>
+              <a:uFill>
+                <a:solidFill>
+                  <a:srgbClr val="FFFFFF"/>
                 </a:solidFill>
               </a:uFill>
               <a:latin typeface="Arial"/>
@@ -2430,15 +2640,16 @@
           </a:prstGeom>
         </p:spPr>
         <p:txBody>
-          <a:bodyPr lIns="0" rIns="0" tIns="0" bIns="0"/>
-          <a:p>
-            <a:endParaRPr b="0" lang="ru-RU" sz="2800" spc="-1" strike="noStrike">
-              <a:solidFill>
-                <a:srgbClr val="000000"/>
-              </a:solidFill>
-              <a:uFill>
-                <a:solidFill>
-                  <a:srgbClr val="ffffff"/>
+          <a:bodyPr lIns="0" tIns="0" rIns="0" bIns="0"/>
+          <a:lstStyle/>
+          <a:p>
+            <a:endParaRPr lang="ru-RU" sz="2800" b="0" strike="noStrike" spc="-1">
+              <a:solidFill>
+                <a:srgbClr val="000000"/>
+              </a:solidFill>
+              <a:uFill>
+                <a:solidFill>
+                  <a:srgbClr val="FFFFFF"/>
                 </a:solidFill>
               </a:uFill>
               <a:latin typeface="Arial"/>
@@ -2448,11 +2659,14 @@
       </p:sp>
     </p:spTree>
   </p:cSld>
+  <p:clrMapOvr>
+    <a:masterClrMapping/>
+  </p:clrMapOvr>
 </p:sldLayout>
 </file>
 
 <file path=ppt/slideLayouts/slideLayout29.xml><?xml version="1.0" encoding="utf-8"?>
-<p:sldLayout xmlns:a="http://schemas.openxmlformats.org/drawingml/2006/main" xmlns:p="http://schemas.openxmlformats.org/presentationml/2006/main" xmlns:r="http://schemas.openxmlformats.org/officeDocument/2006/relationships" xmlns:p14="http://schemas.microsoft.com/office/powerpoint/2010/main" xmlns:p15="http://schemas.microsoft.com/office/powerpoint/2012/main" xmlns:mc="http://schemas.openxmlformats.org/markup-compatibility/2006" type="titleOnly" preserve="1">
+<p:sldLayout xmlns:a="http://schemas.openxmlformats.org/drawingml/2006/main" xmlns:r="http://schemas.openxmlformats.org/officeDocument/2006/relationships" xmlns:p="http://schemas.openxmlformats.org/presentationml/2006/main" type="titleOnly" preserve="1">
   <p:cSld name="Title Only">
     <p:spTree>
       <p:nvGrpSpPr>
@@ -2488,15 +2702,16 @@
           </a:prstGeom>
         </p:spPr>
         <p:txBody>
-          <a:bodyPr lIns="0" rIns="0" tIns="0" bIns="0" anchor="ctr"/>
-          <a:p>
-            <a:endParaRPr b="0" lang="ru-RU" sz="1800" spc="-1" strike="noStrike">
-              <a:solidFill>
-                <a:srgbClr val="000000"/>
-              </a:solidFill>
-              <a:uFill>
-                <a:solidFill>
-                  <a:srgbClr val="ffffff"/>
+          <a:bodyPr lIns="0" tIns="0" rIns="0" bIns="0" anchor="ctr"/>
+          <a:lstStyle/>
+          <a:p>
+            <a:endParaRPr lang="ru-RU" sz="1800" b="0" strike="noStrike" spc="-1">
+              <a:solidFill>
+                <a:srgbClr val="000000"/>
+              </a:solidFill>
+              <a:uFill>
+                <a:solidFill>
+                  <a:srgbClr val="FFFFFF"/>
                 </a:solidFill>
               </a:uFill>
               <a:latin typeface="Arial"/>
@@ -2506,11 +2721,14 @@
       </p:sp>
     </p:spTree>
   </p:cSld>
+  <p:clrMapOvr>
+    <a:masterClrMapping/>
+  </p:clrMapOvr>
 </p:sldLayout>
 </file>
 
 <file path=ppt/slideLayouts/slideLayout3.xml><?xml version="1.0" encoding="utf-8"?>
-<p:sldLayout xmlns:a="http://schemas.openxmlformats.org/drawingml/2006/main" xmlns:p="http://schemas.openxmlformats.org/presentationml/2006/main" xmlns:r="http://schemas.openxmlformats.org/officeDocument/2006/relationships" xmlns:p14="http://schemas.microsoft.com/office/powerpoint/2010/main" xmlns:p15="http://schemas.microsoft.com/office/powerpoint/2012/main" xmlns:mc="http://schemas.openxmlformats.org/markup-compatibility/2006" type="obj" preserve="1">
+<p:sldLayout xmlns:a="http://schemas.openxmlformats.org/drawingml/2006/main" xmlns:r="http://schemas.openxmlformats.org/officeDocument/2006/relationships" xmlns:p="http://schemas.openxmlformats.org/presentationml/2006/main" type="obj" preserve="1">
   <p:cSld name="Title, Content">
     <p:spTree>
       <p:nvGrpSpPr>
@@ -2546,15 +2764,16 @@
           </a:prstGeom>
         </p:spPr>
         <p:txBody>
-          <a:bodyPr lIns="0" rIns="0" tIns="0" bIns="0" anchor="ctr"/>
-          <a:p>
-            <a:endParaRPr b="0" lang="ru-RU" sz="1800" spc="-1" strike="noStrike">
-              <a:solidFill>
-                <a:srgbClr val="000000"/>
-              </a:solidFill>
-              <a:uFill>
-                <a:solidFill>
-                  <a:srgbClr val="ffffff"/>
+          <a:bodyPr lIns="0" tIns="0" rIns="0" bIns="0" anchor="ctr"/>
+          <a:lstStyle/>
+          <a:p>
+            <a:endParaRPr lang="ru-RU" sz="1800" b="0" strike="noStrike" spc="-1">
+              <a:solidFill>
+                <a:srgbClr val="000000"/>
+              </a:solidFill>
+              <a:uFill>
+                <a:solidFill>
+                  <a:srgbClr val="FFFFFF"/>
                 </a:solidFill>
               </a:uFill>
               <a:latin typeface="Arial"/>
@@ -2582,15 +2801,16 @@
           </a:prstGeom>
         </p:spPr>
         <p:txBody>
-          <a:bodyPr lIns="0" rIns="0" tIns="0" bIns="0"/>
-          <a:p>
-            <a:endParaRPr b="0" lang="ru-RU" sz="2800" spc="-1" strike="noStrike">
-              <a:solidFill>
-                <a:srgbClr val="000000"/>
-              </a:solidFill>
-              <a:uFill>
-                <a:solidFill>
-                  <a:srgbClr val="ffffff"/>
+          <a:bodyPr lIns="0" tIns="0" rIns="0" bIns="0"/>
+          <a:lstStyle/>
+          <a:p>
+            <a:endParaRPr lang="ru-RU" sz="2800" b="0" strike="noStrike" spc="-1">
+              <a:solidFill>
+                <a:srgbClr val="000000"/>
+              </a:solidFill>
+              <a:uFill>
+                <a:solidFill>
+                  <a:srgbClr val="FFFFFF"/>
                 </a:solidFill>
               </a:uFill>
               <a:latin typeface="Arial"/>
@@ -2600,11 +2820,14 @@
       </p:sp>
     </p:spTree>
   </p:cSld>
+  <p:clrMapOvr>
+    <a:masterClrMapping/>
+  </p:clrMapOvr>
 </p:sldLayout>
 </file>
 
 <file path=ppt/slideLayouts/slideLayout30.xml><?xml version="1.0" encoding="utf-8"?>
-<p:sldLayout xmlns:a="http://schemas.openxmlformats.org/drawingml/2006/main" xmlns:p="http://schemas.openxmlformats.org/presentationml/2006/main" xmlns:r="http://schemas.openxmlformats.org/officeDocument/2006/relationships" xmlns:p14="http://schemas.microsoft.com/office/powerpoint/2010/main" xmlns:p15="http://schemas.microsoft.com/office/powerpoint/2012/main" xmlns:mc="http://schemas.openxmlformats.org/markup-compatibility/2006" type="objOnly" preserve="1">
+<p:sldLayout xmlns:a="http://schemas.openxmlformats.org/drawingml/2006/main" xmlns:r="http://schemas.openxmlformats.org/officeDocument/2006/relationships" xmlns:p="http://schemas.openxmlformats.org/presentationml/2006/main" type="objOnly" preserve="1">
   <p:cSld name="Centered Text">
     <p:spTree>
       <p:nvGrpSpPr>
@@ -2640,16 +2863,17 @@
           </a:prstGeom>
         </p:spPr>
         <p:txBody>
-          <a:bodyPr lIns="0" rIns="0" tIns="0" bIns="0" anchor="ctr"/>
+          <a:bodyPr lIns="0" tIns="0" rIns="0" bIns="0" anchor="ctr"/>
+          <a:lstStyle/>
           <a:p>
             <a:pPr algn="ctr"/>
-            <a:endParaRPr b="0" lang="ru-RU" sz="3200" spc="-1" strike="noStrike">
-              <a:solidFill>
-                <a:srgbClr val="000000"/>
-              </a:solidFill>
-              <a:uFill>
-                <a:solidFill>
-                  <a:srgbClr val="ffffff"/>
+            <a:endParaRPr lang="ru-RU" sz="3200" b="0" strike="noStrike" spc="-1">
+              <a:solidFill>
+                <a:srgbClr val="000000"/>
+              </a:solidFill>
+              <a:uFill>
+                <a:solidFill>
+                  <a:srgbClr val="FFFFFF"/>
                 </a:solidFill>
               </a:uFill>
               <a:latin typeface="Arial"/>
@@ -2659,11 +2883,14 @@
       </p:sp>
     </p:spTree>
   </p:cSld>
+  <p:clrMapOvr>
+    <a:masterClrMapping/>
+  </p:clrMapOvr>
 </p:sldLayout>
 </file>
 
 <file path=ppt/slideLayouts/slideLayout31.xml><?xml version="1.0" encoding="utf-8"?>
-<p:sldLayout xmlns:a="http://schemas.openxmlformats.org/drawingml/2006/main" xmlns:p="http://schemas.openxmlformats.org/presentationml/2006/main" xmlns:r="http://schemas.openxmlformats.org/officeDocument/2006/relationships" xmlns:p14="http://schemas.microsoft.com/office/powerpoint/2010/main" xmlns:p15="http://schemas.microsoft.com/office/powerpoint/2012/main" xmlns:mc="http://schemas.openxmlformats.org/markup-compatibility/2006" type="twoObjAndObj" preserve="1">
+<p:sldLayout xmlns:a="http://schemas.openxmlformats.org/drawingml/2006/main" xmlns:r="http://schemas.openxmlformats.org/officeDocument/2006/relationships" xmlns:p="http://schemas.openxmlformats.org/presentationml/2006/main" type="twoObjAndObj" preserve="1">
   <p:cSld name="Title, 2 Content and Content">
     <p:spTree>
       <p:nvGrpSpPr>
@@ -2699,15 +2926,16 @@
           </a:prstGeom>
         </p:spPr>
         <p:txBody>
-          <a:bodyPr lIns="0" rIns="0" tIns="0" bIns="0" anchor="ctr"/>
-          <a:p>
-            <a:endParaRPr b="0" lang="ru-RU" sz="1800" spc="-1" strike="noStrike">
-              <a:solidFill>
-                <a:srgbClr val="000000"/>
-              </a:solidFill>
-              <a:uFill>
-                <a:solidFill>
-                  <a:srgbClr val="ffffff"/>
+          <a:bodyPr lIns="0" tIns="0" rIns="0" bIns="0" anchor="ctr"/>
+          <a:lstStyle/>
+          <a:p>
+            <a:endParaRPr lang="ru-RU" sz="1800" b="0" strike="noStrike" spc="-1">
+              <a:solidFill>
+                <a:srgbClr val="000000"/>
+              </a:solidFill>
+              <a:uFill>
+                <a:solidFill>
+                  <a:srgbClr val="FFFFFF"/>
                 </a:solidFill>
               </a:uFill>
               <a:latin typeface="Arial"/>
@@ -2735,15 +2963,16 @@
           </a:prstGeom>
         </p:spPr>
         <p:txBody>
-          <a:bodyPr lIns="0" rIns="0" tIns="0" bIns="0"/>
-          <a:p>
-            <a:endParaRPr b="0" lang="ru-RU" sz="2800" spc="-1" strike="noStrike">
-              <a:solidFill>
-                <a:srgbClr val="000000"/>
-              </a:solidFill>
-              <a:uFill>
-                <a:solidFill>
-                  <a:srgbClr val="ffffff"/>
+          <a:bodyPr lIns="0" tIns="0" rIns="0" bIns="0"/>
+          <a:lstStyle/>
+          <a:p>
+            <a:endParaRPr lang="ru-RU" sz="2800" b="0" strike="noStrike" spc="-1">
+              <a:solidFill>
+                <a:srgbClr val="000000"/>
+              </a:solidFill>
+              <a:uFill>
+                <a:solidFill>
+                  <a:srgbClr val="FFFFFF"/>
                 </a:solidFill>
               </a:uFill>
               <a:latin typeface="Arial"/>
@@ -2771,15 +3000,16 @@
           </a:prstGeom>
         </p:spPr>
         <p:txBody>
-          <a:bodyPr lIns="0" rIns="0" tIns="0" bIns="0"/>
-          <a:p>
-            <a:endParaRPr b="0" lang="ru-RU" sz="2800" spc="-1" strike="noStrike">
-              <a:solidFill>
-                <a:srgbClr val="000000"/>
-              </a:solidFill>
-              <a:uFill>
-                <a:solidFill>
-                  <a:srgbClr val="ffffff"/>
+          <a:bodyPr lIns="0" tIns="0" rIns="0" bIns="0"/>
+          <a:lstStyle/>
+          <a:p>
+            <a:endParaRPr lang="ru-RU" sz="2800" b="0" strike="noStrike" spc="-1">
+              <a:solidFill>
+                <a:srgbClr val="000000"/>
+              </a:solidFill>
+              <a:uFill>
+                <a:solidFill>
+                  <a:srgbClr val="FFFFFF"/>
                 </a:solidFill>
               </a:uFill>
               <a:latin typeface="Arial"/>
@@ -2807,15 +3037,16 @@
           </a:prstGeom>
         </p:spPr>
         <p:txBody>
-          <a:bodyPr lIns="0" rIns="0" tIns="0" bIns="0"/>
-          <a:p>
-            <a:endParaRPr b="0" lang="ru-RU" sz="2800" spc="-1" strike="noStrike">
-              <a:solidFill>
-                <a:srgbClr val="000000"/>
-              </a:solidFill>
-              <a:uFill>
-                <a:solidFill>
-                  <a:srgbClr val="ffffff"/>
+          <a:bodyPr lIns="0" tIns="0" rIns="0" bIns="0"/>
+          <a:lstStyle/>
+          <a:p>
+            <a:endParaRPr lang="ru-RU" sz="2800" b="0" strike="noStrike" spc="-1">
+              <a:solidFill>
+                <a:srgbClr val="000000"/>
+              </a:solidFill>
+              <a:uFill>
+                <a:solidFill>
+                  <a:srgbClr val="FFFFFF"/>
                 </a:solidFill>
               </a:uFill>
               <a:latin typeface="Arial"/>
@@ -2825,11 +3056,14 @@
       </p:sp>
     </p:spTree>
   </p:cSld>
+  <p:clrMapOvr>
+    <a:masterClrMapping/>
+  </p:clrMapOvr>
 </p:sldLayout>
 </file>
 
 <file path=ppt/slideLayouts/slideLayout32.xml><?xml version="1.0" encoding="utf-8"?>
-<p:sldLayout xmlns:a="http://schemas.openxmlformats.org/drawingml/2006/main" xmlns:p="http://schemas.openxmlformats.org/presentationml/2006/main" xmlns:r="http://schemas.openxmlformats.org/officeDocument/2006/relationships" xmlns:p14="http://schemas.microsoft.com/office/powerpoint/2010/main" xmlns:p15="http://schemas.microsoft.com/office/powerpoint/2012/main" xmlns:mc="http://schemas.openxmlformats.org/markup-compatibility/2006" type="objAndTwoObj" preserve="1">
+<p:sldLayout xmlns:a="http://schemas.openxmlformats.org/drawingml/2006/main" xmlns:r="http://schemas.openxmlformats.org/officeDocument/2006/relationships" xmlns:p="http://schemas.openxmlformats.org/presentationml/2006/main" type="objAndTwoObj" preserve="1">
   <p:cSld name="Title Content and 2 Content">
     <p:spTree>
       <p:nvGrpSpPr>
@@ -2865,15 +3099,16 @@
           </a:prstGeom>
         </p:spPr>
         <p:txBody>
-          <a:bodyPr lIns="0" rIns="0" tIns="0" bIns="0" anchor="ctr"/>
-          <a:p>
-            <a:endParaRPr b="0" lang="ru-RU" sz="1800" spc="-1" strike="noStrike">
-              <a:solidFill>
-                <a:srgbClr val="000000"/>
-              </a:solidFill>
-              <a:uFill>
-                <a:solidFill>
-                  <a:srgbClr val="ffffff"/>
+          <a:bodyPr lIns="0" tIns="0" rIns="0" bIns="0" anchor="ctr"/>
+          <a:lstStyle/>
+          <a:p>
+            <a:endParaRPr lang="ru-RU" sz="1800" b="0" strike="noStrike" spc="-1">
+              <a:solidFill>
+                <a:srgbClr val="000000"/>
+              </a:solidFill>
+              <a:uFill>
+                <a:solidFill>
+                  <a:srgbClr val="FFFFFF"/>
                 </a:solidFill>
               </a:uFill>
               <a:latin typeface="Arial"/>
@@ -2901,15 +3136,16 @@
           </a:prstGeom>
         </p:spPr>
         <p:txBody>
-          <a:bodyPr lIns="0" rIns="0" tIns="0" bIns="0"/>
-          <a:p>
-            <a:endParaRPr b="0" lang="ru-RU" sz="2800" spc="-1" strike="noStrike">
-              <a:solidFill>
-                <a:srgbClr val="000000"/>
-              </a:solidFill>
-              <a:uFill>
-                <a:solidFill>
-                  <a:srgbClr val="ffffff"/>
+          <a:bodyPr lIns="0" tIns="0" rIns="0" bIns="0"/>
+          <a:lstStyle/>
+          <a:p>
+            <a:endParaRPr lang="ru-RU" sz="2800" b="0" strike="noStrike" spc="-1">
+              <a:solidFill>
+                <a:srgbClr val="000000"/>
+              </a:solidFill>
+              <a:uFill>
+                <a:solidFill>
+                  <a:srgbClr val="FFFFFF"/>
                 </a:solidFill>
               </a:uFill>
               <a:latin typeface="Arial"/>
@@ -2937,15 +3173,16 @@
           </a:prstGeom>
         </p:spPr>
         <p:txBody>
-          <a:bodyPr lIns="0" rIns="0" tIns="0" bIns="0"/>
-          <a:p>
-            <a:endParaRPr b="0" lang="ru-RU" sz="2800" spc="-1" strike="noStrike">
-              <a:solidFill>
-                <a:srgbClr val="000000"/>
-              </a:solidFill>
-              <a:uFill>
-                <a:solidFill>
-                  <a:srgbClr val="ffffff"/>
+          <a:bodyPr lIns="0" tIns="0" rIns="0" bIns="0"/>
+          <a:lstStyle/>
+          <a:p>
+            <a:endParaRPr lang="ru-RU" sz="2800" b="0" strike="noStrike" spc="-1">
+              <a:solidFill>
+                <a:srgbClr val="000000"/>
+              </a:solidFill>
+              <a:uFill>
+                <a:solidFill>
+                  <a:srgbClr val="FFFFFF"/>
                 </a:solidFill>
               </a:uFill>
               <a:latin typeface="Arial"/>
@@ -2973,15 +3210,16 @@
           </a:prstGeom>
         </p:spPr>
         <p:txBody>
-          <a:bodyPr lIns="0" rIns="0" tIns="0" bIns="0"/>
-          <a:p>
-            <a:endParaRPr b="0" lang="ru-RU" sz="2800" spc="-1" strike="noStrike">
-              <a:solidFill>
-                <a:srgbClr val="000000"/>
-              </a:solidFill>
-              <a:uFill>
-                <a:solidFill>
-                  <a:srgbClr val="ffffff"/>
+          <a:bodyPr lIns="0" tIns="0" rIns="0" bIns="0"/>
+          <a:lstStyle/>
+          <a:p>
+            <a:endParaRPr lang="ru-RU" sz="2800" b="0" strike="noStrike" spc="-1">
+              <a:solidFill>
+                <a:srgbClr val="000000"/>
+              </a:solidFill>
+              <a:uFill>
+                <a:solidFill>
+                  <a:srgbClr val="FFFFFF"/>
                 </a:solidFill>
               </a:uFill>
               <a:latin typeface="Arial"/>
@@ -2991,11 +3229,14 @@
       </p:sp>
     </p:spTree>
   </p:cSld>
+  <p:clrMapOvr>
+    <a:masterClrMapping/>
+  </p:clrMapOvr>
 </p:sldLayout>
 </file>
 
 <file path=ppt/slideLayouts/slideLayout33.xml><?xml version="1.0" encoding="utf-8"?>
-<p:sldLayout xmlns:a="http://schemas.openxmlformats.org/drawingml/2006/main" xmlns:p="http://schemas.openxmlformats.org/presentationml/2006/main" xmlns:r="http://schemas.openxmlformats.org/officeDocument/2006/relationships" xmlns:p14="http://schemas.microsoft.com/office/powerpoint/2010/main" xmlns:p15="http://schemas.microsoft.com/office/powerpoint/2012/main" xmlns:mc="http://schemas.openxmlformats.org/markup-compatibility/2006" type="twoObjOverTx" preserve="1">
+<p:sldLayout xmlns:a="http://schemas.openxmlformats.org/drawingml/2006/main" xmlns:r="http://schemas.openxmlformats.org/officeDocument/2006/relationships" xmlns:p="http://schemas.openxmlformats.org/presentationml/2006/main" type="twoObjOverTx" preserve="1">
   <p:cSld name="Title, 2 Content over Content">
     <p:spTree>
       <p:nvGrpSpPr>
@@ -3031,15 +3272,16 @@
           </a:prstGeom>
         </p:spPr>
         <p:txBody>
-          <a:bodyPr lIns="0" rIns="0" tIns="0" bIns="0" anchor="ctr"/>
-          <a:p>
-            <a:endParaRPr b="0" lang="ru-RU" sz="1800" spc="-1" strike="noStrike">
-              <a:solidFill>
-                <a:srgbClr val="000000"/>
-              </a:solidFill>
-              <a:uFill>
-                <a:solidFill>
-                  <a:srgbClr val="ffffff"/>
+          <a:bodyPr lIns="0" tIns="0" rIns="0" bIns="0" anchor="ctr"/>
+          <a:lstStyle/>
+          <a:p>
+            <a:endParaRPr lang="ru-RU" sz="1800" b="0" strike="noStrike" spc="-1">
+              <a:solidFill>
+                <a:srgbClr val="000000"/>
+              </a:solidFill>
+              <a:uFill>
+                <a:solidFill>
+                  <a:srgbClr val="FFFFFF"/>
                 </a:solidFill>
               </a:uFill>
               <a:latin typeface="Arial"/>
@@ -3067,15 +3309,16 @@
           </a:prstGeom>
         </p:spPr>
         <p:txBody>
-          <a:bodyPr lIns="0" rIns="0" tIns="0" bIns="0"/>
-          <a:p>
-            <a:endParaRPr b="0" lang="ru-RU" sz="2800" spc="-1" strike="noStrike">
-              <a:solidFill>
-                <a:srgbClr val="000000"/>
-              </a:solidFill>
-              <a:uFill>
-                <a:solidFill>
-                  <a:srgbClr val="ffffff"/>
+          <a:bodyPr lIns="0" tIns="0" rIns="0" bIns="0"/>
+          <a:lstStyle/>
+          <a:p>
+            <a:endParaRPr lang="ru-RU" sz="2800" b="0" strike="noStrike" spc="-1">
+              <a:solidFill>
+                <a:srgbClr val="000000"/>
+              </a:solidFill>
+              <a:uFill>
+                <a:solidFill>
+                  <a:srgbClr val="FFFFFF"/>
                 </a:solidFill>
               </a:uFill>
               <a:latin typeface="Arial"/>
@@ -3103,15 +3346,16 @@
           </a:prstGeom>
         </p:spPr>
         <p:txBody>
-          <a:bodyPr lIns="0" rIns="0" tIns="0" bIns="0"/>
-          <a:p>
-            <a:endParaRPr b="0" lang="ru-RU" sz="2800" spc="-1" strike="noStrike">
-              <a:solidFill>
-                <a:srgbClr val="000000"/>
-              </a:solidFill>
-              <a:uFill>
-                <a:solidFill>
-                  <a:srgbClr val="ffffff"/>
+          <a:bodyPr lIns="0" tIns="0" rIns="0" bIns="0"/>
+          <a:lstStyle/>
+          <a:p>
+            <a:endParaRPr lang="ru-RU" sz="2800" b="0" strike="noStrike" spc="-1">
+              <a:solidFill>
+                <a:srgbClr val="000000"/>
+              </a:solidFill>
+              <a:uFill>
+                <a:solidFill>
+                  <a:srgbClr val="FFFFFF"/>
                 </a:solidFill>
               </a:uFill>
               <a:latin typeface="Arial"/>
@@ -3139,15 +3383,16 @@
           </a:prstGeom>
         </p:spPr>
         <p:txBody>
-          <a:bodyPr lIns="0" rIns="0" tIns="0" bIns="0"/>
-          <a:p>
-            <a:endParaRPr b="0" lang="ru-RU" sz="2800" spc="-1" strike="noStrike">
-              <a:solidFill>
-                <a:srgbClr val="000000"/>
-              </a:solidFill>
-              <a:uFill>
-                <a:solidFill>
-                  <a:srgbClr val="ffffff"/>
+          <a:bodyPr lIns="0" tIns="0" rIns="0" bIns="0"/>
+          <a:lstStyle/>
+          <a:p>
+            <a:endParaRPr lang="ru-RU" sz="2800" b="0" strike="noStrike" spc="-1">
+              <a:solidFill>
+                <a:srgbClr val="000000"/>
+              </a:solidFill>
+              <a:uFill>
+                <a:solidFill>
+                  <a:srgbClr val="FFFFFF"/>
                 </a:solidFill>
               </a:uFill>
               <a:latin typeface="Arial"/>
@@ -3157,11 +3402,14 @@
       </p:sp>
     </p:spTree>
   </p:cSld>
+  <p:clrMapOvr>
+    <a:masterClrMapping/>
+  </p:clrMapOvr>
 </p:sldLayout>
 </file>
 
 <file path=ppt/slideLayouts/slideLayout34.xml><?xml version="1.0" encoding="utf-8"?>
-<p:sldLayout xmlns:a="http://schemas.openxmlformats.org/drawingml/2006/main" xmlns:p="http://schemas.openxmlformats.org/presentationml/2006/main" xmlns:r="http://schemas.openxmlformats.org/officeDocument/2006/relationships" xmlns:p14="http://schemas.microsoft.com/office/powerpoint/2010/main" xmlns:p15="http://schemas.microsoft.com/office/powerpoint/2012/main" xmlns:mc="http://schemas.openxmlformats.org/markup-compatibility/2006" type="objOverTx" preserve="1">
+<p:sldLayout xmlns:a="http://schemas.openxmlformats.org/drawingml/2006/main" xmlns:r="http://schemas.openxmlformats.org/officeDocument/2006/relationships" xmlns:p="http://schemas.openxmlformats.org/presentationml/2006/main" type="objOverTx" preserve="1">
   <p:cSld name="Title, Content over Content">
     <p:spTree>
       <p:nvGrpSpPr>
@@ -3197,15 +3445,16 @@
           </a:prstGeom>
         </p:spPr>
         <p:txBody>
-          <a:bodyPr lIns="0" rIns="0" tIns="0" bIns="0" anchor="ctr"/>
-          <a:p>
-            <a:endParaRPr b="0" lang="ru-RU" sz="1800" spc="-1" strike="noStrike">
-              <a:solidFill>
-                <a:srgbClr val="000000"/>
-              </a:solidFill>
-              <a:uFill>
-                <a:solidFill>
-                  <a:srgbClr val="ffffff"/>
+          <a:bodyPr lIns="0" tIns="0" rIns="0" bIns="0" anchor="ctr"/>
+          <a:lstStyle/>
+          <a:p>
+            <a:endParaRPr lang="ru-RU" sz="1800" b="0" strike="noStrike" spc="-1">
+              <a:solidFill>
+                <a:srgbClr val="000000"/>
+              </a:solidFill>
+              <a:uFill>
+                <a:solidFill>
+                  <a:srgbClr val="FFFFFF"/>
                 </a:solidFill>
               </a:uFill>
               <a:latin typeface="Arial"/>
@@ -3233,15 +3482,16 @@
           </a:prstGeom>
         </p:spPr>
         <p:txBody>
-          <a:bodyPr lIns="0" rIns="0" tIns="0" bIns="0"/>
-          <a:p>
-            <a:endParaRPr b="0" lang="ru-RU" sz="2800" spc="-1" strike="noStrike">
-              <a:solidFill>
-                <a:srgbClr val="000000"/>
-              </a:solidFill>
-              <a:uFill>
-                <a:solidFill>
-                  <a:srgbClr val="ffffff"/>
+          <a:bodyPr lIns="0" tIns="0" rIns="0" bIns="0"/>
+          <a:lstStyle/>
+          <a:p>
+            <a:endParaRPr lang="ru-RU" sz="2800" b="0" strike="noStrike" spc="-1">
+              <a:solidFill>
+                <a:srgbClr val="000000"/>
+              </a:solidFill>
+              <a:uFill>
+                <a:solidFill>
+                  <a:srgbClr val="FFFFFF"/>
                 </a:solidFill>
               </a:uFill>
               <a:latin typeface="Arial"/>
@@ -3269,15 +3519,16 @@
           </a:prstGeom>
         </p:spPr>
         <p:txBody>
-          <a:bodyPr lIns="0" rIns="0" tIns="0" bIns="0"/>
-          <a:p>
-            <a:endParaRPr b="0" lang="ru-RU" sz="2800" spc="-1" strike="noStrike">
-              <a:solidFill>
-                <a:srgbClr val="000000"/>
-              </a:solidFill>
-              <a:uFill>
-                <a:solidFill>
-                  <a:srgbClr val="ffffff"/>
+          <a:bodyPr lIns="0" tIns="0" rIns="0" bIns="0"/>
+          <a:lstStyle/>
+          <a:p>
+            <a:endParaRPr lang="ru-RU" sz="2800" b="0" strike="noStrike" spc="-1">
+              <a:solidFill>
+                <a:srgbClr val="000000"/>
+              </a:solidFill>
+              <a:uFill>
+                <a:solidFill>
+                  <a:srgbClr val="FFFFFF"/>
                 </a:solidFill>
               </a:uFill>
               <a:latin typeface="Arial"/>
@@ -3287,11 +3538,14 @@
       </p:sp>
     </p:spTree>
   </p:cSld>
+  <p:clrMapOvr>
+    <a:masterClrMapping/>
+  </p:clrMapOvr>
 </p:sldLayout>
 </file>
 
 <file path=ppt/slideLayouts/slideLayout35.xml><?xml version="1.0" encoding="utf-8"?>
-<p:sldLayout xmlns:a="http://schemas.openxmlformats.org/drawingml/2006/main" xmlns:p="http://schemas.openxmlformats.org/presentationml/2006/main" xmlns:r="http://schemas.openxmlformats.org/officeDocument/2006/relationships" xmlns:p14="http://schemas.microsoft.com/office/powerpoint/2010/main" xmlns:p15="http://schemas.microsoft.com/office/powerpoint/2012/main" xmlns:mc="http://schemas.openxmlformats.org/markup-compatibility/2006" type="fourObj" preserve="1">
+<p:sldLayout xmlns:a="http://schemas.openxmlformats.org/drawingml/2006/main" xmlns:r="http://schemas.openxmlformats.org/officeDocument/2006/relationships" xmlns:p="http://schemas.openxmlformats.org/presentationml/2006/main" type="fourObj" preserve="1">
   <p:cSld name="Title, 4 Content">
     <p:spTree>
       <p:nvGrpSpPr>
@@ -3327,15 +3581,16 @@
           </a:prstGeom>
         </p:spPr>
         <p:txBody>
-          <a:bodyPr lIns="0" rIns="0" tIns="0" bIns="0" anchor="ctr"/>
-          <a:p>
-            <a:endParaRPr b="0" lang="ru-RU" sz="1800" spc="-1" strike="noStrike">
-              <a:solidFill>
-                <a:srgbClr val="000000"/>
-              </a:solidFill>
-              <a:uFill>
-                <a:solidFill>
-                  <a:srgbClr val="ffffff"/>
+          <a:bodyPr lIns="0" tIns="0" rIns="0" bIns="0" anchor="ctr"/>
+          <a:lstStyle/>
+          <a:p>
+            <a:endParaRPr lang="ru-RU" sz="1800" b="0" strike="noStrike" spc="-1">
+              <a:solidFill>
+                <a:srgbClr val="000000"/>
+              </a:solidFill>
+              <a:uFill>
+                <a:solidFill>
+                  <a:srgbClr val="FFFFFF"/>
                 </a:solidFill>
               </a:uFill>
               <a:latin typeface="Arial"/>
@@ -3363,15 +3618,16 @@
           </a:prstGeom>
         </p:spPr>
         <p:txBody>
-          <a:bodyPr lIns="0" rIns="0" tIns="0" bIns="0"/>
-          <a:p>
-            <a:endParaRPr b="0" lang="ru-RU" sz="2800" spc="-1" strike="noStrike">
-              <a:solidFill>
-                <a:srgbClr val="000000"/>
-              </a:solidFill>
-              <a:uFill>
-                <a:solidFill>
-                  <a:srgbClr val="ffffff"/>
+          <a:bodyPr lIns="0" tIns="0" rIns="0" bIns="0"/>
+          <a:lstStyle/>
+          <a:p>
+            <a:endParaRPr lang="ru-RU" sz="2800" b="0" strike="noStrike" spc="-1">
+              <a:solidFill>
+                <a:srgbClr val="000000"/>
+              </a:solidFill>
+              <a:uFill>
+                <a:solidFill>
+                  <a:srgbClr val="FFFFFF"/>
                 </a:solidFill>
               </a:uFill>
               <a:latin typeface="Arial"/>
@@ -3399,15 +3655,16 @@
           </a:prstGeom>
         </p:spPr>
         <p:txBody>
-          <a:bodyPr lIns="0" rIns="0" tIns="0" bIns="0"/>
-          <a:p>
-            <a:endParaRPr b="0" lang="ru-RU" sz="2800" spc="-1" strike="noStrike">
-              <a:solidFill>
-                <a:srgbClr val="000000"/>
-              </a:solidFill>
-              <a:uFill>
-                <a:solidFill>
-                  <a:srgbClr val="ffffff"/>
+          <a:bodyPr lIns="0" tIns="0" rIns="0" bIns="0"/>
+          <a:lstStyle/>
+          <a:p>
+            <a:endParaRPr lang="ru-RU" sz="2800" b="0" strike="noStrike" spc="-1">
+              <a:solidFill>
+                <a:srgbClr val="000000"/>
+              </a:solidFill>
+              <a:uFill>
+                <a:solidFill>
+                  <a:srgbClr val="FFFFFF"/>
                 </a:solidFill>
               </a:uFill>
               <a:latin typeface="Arial"/>
@@ -3435,15 +3692,16 @@
           </a:prstGeom>
         </p:spPr>
         <p:txBody>
-          <a:bodyPr lIns="0" rIns="0" tIns="0" bIns="0"/>
-          <a:p>
-            <a:endParaRPr b="0" lang="ru-RU" sz="2800" spc="-1" strike="noStrike">
-              <a:solidFill>
-                <a:srgbClr val="000000"/>
-              </a:solidFill>
-              <a:uFill>
-                <a:solidFill>
-                  <a:srgbClr val="ffffff"/>
+          <a:bodyPr lIns="0" tIns="0" rIns="0" bIns="0"/>
+          <a:lstStyle/>
+          <a:p>
+            <a:endParaRPr lang="ru-RU" sz="2800" b="0" strike="noStrike" spc="-1">
+              <a:solidFill>
+                <a:srgbClr val="000000"/>
+              </a:solidFill>
+              <a:uFill>
+                <a:solidFill>
+                  <a:srgbClr val="FFFFFF"/>
                 </a:solidFill>
               </a:uFill>
               <a:latin typeface="Arial"/>
@@ -3471,15 +3729,16 @@
           </a:prstGeom>
         </p:spPr>
         <p:txBody>
-          <a:bodyPr lIns="0" rIns="0" tIns="0" bIns="0"/>
-          <a:p>
-            <a:endParaRPr b="0" lang="ru-RU" sz="2800" spc="-1" strike="noStrike">
-              <a:solidFill>
-                <a:srgbClr val="000000"/>
-              </a:solidFill>
-              <a:uFill>
-                <a:solidFill>
-                  <a:srgbClr val="ffffff"/>
+          <a:bodyPr lIns="0" tIns="0" rIns="0" bIns="0"/>
+          <a:lstStyle/>
+          <a:p>
+            <a:endParaRPr lang="ru-RU" sz="2800" b="0" strike="noStrike" spc="-1">
+              <a:solidFill>
+                <a:srgbClr val="000000"/>
+              </a:solidFill>
+              <a:uFill>
+                <a:solidFill>
+                  <a:srgbClr val="FFFFFF"/>
                 </a:solidFill>
               </a:uFill>
               <a:latin typeface="Arial"/>
@@ -3489,11 +3748,14 @@
       </p:sp>
     </p:spTree>
   </p:cSld>
+  <p:clrMapOvr>
+    <a:masterClrMapping/>
+  </p:clrMapOvr>
 </p:sldLayout>
 </file>
 
 <file path=ppt/slideLayouts/slideLayout36.xml><?xml version="1.0" encoding="utf-8"?>
-<p:sldLayout xmlns:a="http://schemas.openxmlformats.org/drawingml/2006/main" xmlns:p="http://schemas.openxmlformats.org/presentationml/2006/main" xmlns:r="http://schemas.openxmlformats.org/officeDocument/2006/relationships" xmlns:p14="http://schemas.microsoft.com/office/powerpoint/2010/main" xmlns:p15="http://schemas.microsoft.com/office/powerpoint/2012/main" xmlns:mc="http://schemas.openxmlformats.org/markup-compatibility/2006" type="blank" preserve="1">
+<p:sldLayout xmlns:a="http://schemas.openxmlformats.org/drawingml/2006/main" xmlns:r="http://schemas.openxmlformats.org/officeDocument/2006/relationships" xmlns:p="http://schemas.openxmlformats.org/presentationml/2006/main" type="blank" preserve="1">
   <p:cSld name="Title, 6 Content">
     <p:spTree>
       <p:nvGrpSpPr>
@@ -3529,15 +3791,16 @@
           </a:prstGeom>
         </p:spPr>
         <p:txBody>
-          <a:bodyPr lIns="0" rIns="0" tIns="0" bIns="0" anchor="ctr"/>
-          <a:p>
-            <a:endParaRPr b="0" lang="ru-RU" sz="1800" spc="-1" strike="noStrike">
-              <a:solidFill>
-                <a:srgbClr val="000000"/>
-              </a:solidFill>
-              <a:uFill>
-                <a:solidFill>
-                  <a:srgbClr val="ffffff"/>
+          <a:bodyPr lIns="0" tIns="0" rIns="0" bIns="0" anchor="ctr"/>
+          <a:lstStyle/>
+          <a:p>
+            <a:endParaRPr lang="ru-RU" sz="1800" b="0" strike="noStrike" spc="-1">
+              <a:solidFill>
+                <a:srgbClr val="000000"/>
+              </a:solidFill>
+              <a:uFill>
+                <a:solidFill>
+                  <a:srgbClr val="FFFFFF"/>
                 </a:solidFill>
               </a:uFill>
               <a:latin typeface="Arial"/>
@@ -3565,15 +3828,16 @@
           </a:prstGeom>
         </p:spPr>
         <p:txBody>
-          <a:bodyPr lIns="0" rIns="0" tIns="0" bIns="0"/>
-          <a:p>
-            <a:endParaRPr b="0" lang="ru-RU" sz="2800" spc="-1" strike="noStrike">
-              <a:solidFill>
-                <a:srgbClr val="000000"/>
-              </a:solidFill>
-              <a:uFill>
-                <a:solidFill>
-                  <a:srgbClr val="ffffff"/>
+          <a:bodyPr lIns="0" tIns="0" rIns="0" bIns="0"/>
+          <a:lstStyle/>
+          <a:p>
+            <a:endParaRPr lang="ru-RU" sz="2800" b="0" strike="noStrike" spc="-1">
+              <a:solidFill>
+                <a:srgbClr val="000000"/>
+              </a:solidFill>
+              <a:uFill>
+                <a:solidFill>
+                  <a:srgbClr val="FFFFFF"/>
                 </a:solidFill>
               </a:uFill>
               <a:latin typeface="Arial"/>
@@ -3601,15 +3865,16 @@
           </a:prstGeom>
         </p:spPr>
         <p:txBody>
-          <a:bodyPr lIns="0" rIns="0" tIns="0" bIns="0"/>
-          <a:p>
-            <a:endParaRPr b="0" lang="ru-RU" sz="2800" spc="-1" strike="noStrike">
-              <a:solidFill>
-                <a:srgbClr val="000000"/>
-              </a:solidFill>
-              <a:uFill>
-                <a:solidFill>
-                  <a:srgbClr val="ffffff"/>
+          <a:bodyPr lIns="0" tIns="0" rIns="0" bIns="0"/>
+          <a:lstStyle/>
+          <a:p>
+            <a:endParaRPr lang="ru-RU" sz="2800" b="0" strike="noStrike" spc="-1">
+              <a:solidFill>
+                <a:srgbClr val="000000"/>
+              </a:solidFill>
+              <a:uFill>
+                <a:solidFill>
+                  <a:srgbClr val="FFFFFF"/>
                 </a:solidFill>
               </a:uFill>
               <a:latin typeface="Arial"/>
@@ -3619,7 +3884,7 @@
       </p:sp>
       <p:pic>
         <p:nvPicPr>
-          <p:cNvPr id="106" name="" descr=""/>
+          <p:cNvPr id="106" name="Рисунок 105"/>
           <p:cNvPicPr/>
           <p:nvPr/>
         </p:nvPicPr>
@@ -3642,12 +3907,12 @@
       </p:pic>
       <p:pic>
         <p:nvPicPr>
-          <p:cNvPr id="107" name="" descr=""/>
+          <p:cNvPr id="107" name="Рисунок 106"/>
           <p:cNvPicPr/>
           <p:nvPr/>
         </p:nvPicPr>
         <p:blipFill>
-          <a:blip r:embed="rId3"/>
+          <a:blip r:embed="rId2"/>
           <a:stretch/>
         </p:blipFill>
         <p:spPr>
@@ -3665,11 +3930,14 @@
       </p:pic>
     </p:spTree>
   </p:cSld>
+  <p:clrMapOvr>
+    <a:masterClrMapping/>
+  </p:clrMapOvr>
 </p:sldLayout>
 </file>
 
 <file path=ppt/slideLayouts/slideLayout4.xml><?xml version="1.0" encoding="utf-8"?>
-<p:sldLayout xmlns:a="http://schemas.openxmlformats.org/drawingml/2006/main" xmlns:p="http://schemas.openxmlformats.org/presentationml/2006/main" xmlns:r="http://schemas.openxmlformats.org/officeDocument/2006/relationships" xmlns:p14="http://schemas.microsoft.com/office/powerpoint/2010/main" xmlns:p15="http://schemas.microsoft.com/office/powerpoint/2012/main" xmlns:mc="http://schemas.openxmlformats.org/markup-compatibility/2006" type="twoObj" preserve="1">
+<p:sldLayout xmlns:a="http://schemas.openxmlformats.org/drawingml/2006/main" xmlns:r="http://schemas.openxmlformats.org/officeDocument/2006/relationships" xmlns:p="http://schemas.openxmlformats.org/presentationml/2006/main" type="twoObj" preserve="1">
   <p:cSld name="Title, 2 Content">
     <p:spTree>
       <p:nvGrpSpPr>
@@ -3705,15 +3973,16 @@
           </a:prstGeom>
         </p:spPr>
         <p:txBody>
-          <a:bodyPr lIns="0" rIns="0" tIns="0" bIns="0" anchor="ctr"/>
-          <a:p>
-            <a:endParaRPr b="0" lang="ru-RU" sz="1800" spc="-1" strike="noStrike">
-              <a:solidFill>
-                <a:srgbClr val="000000"/>
-              </a:solidFill>
-              <a:uFill>
-                <a:solidFill>
-                  <a:srgbClr val="ffffff"/>
+          <a:bodyPr lIns="0" tIns="0" rIns="0" bIns="0" anchor="ctr"/>
+          <a:lstStyle/>
+          <a:p>
+            <a:endParaRPr lang="ru-RU" sz="1800" b="0" strike="noStrike" spc="-1">
+              <a:solidFill>
+                <a:srgbClr val="000000"/>
+              </a:solidFill>
+              <a:uFill>
+                <a:solidFill>
+                  <a:srgbClr val="FFFFFF"/>
                 </a:solidFill>
               </a:uFill>
               <a:latin typeface="Arial"/>
@@ -3741,15 +4010,16 @@
           </a:prstGeom>
         </p:spPr>
         <p:txBody>
-          <a:bodyPr lIns="0" rIns="0" tIns="0" bIns="0"/>
-          <a:p>
-            <a:endParaRPr b="0" lang="ru-RU" sz="2800" spc="-1" strike="noStrike">
-              <a:solidFill>
-                <a:srgbClr val="000000"/>
-              </a:solidFill>
-              <a:uFill>
-                <a:solidFill>
-                  <a:srgbClr val="ffffff"/>
+          <a:bodyPr lIns="0" tIns="0" rIns="0" bIns="0"/>
+          <a:lstStyle/>
+          <a:p>
+            <a:endParaRPr lang="ru-RU" sz="2800" b="0" strike="noStrike" spc="-1">
+              <a:solidFill>
+                <a:srgbClr val="000000"/>
+              </a:solidFill>
+              <a:uFill>
+                <a:solidFill>
+                  <a:srgbClr val="FFFFFF"/>
                 </a:solidFill>
               </a:uFill>
               <a:latin typeface="Arial"/>
@@ -3777,15 +4047,16 @@
           </a:prstGeom>
         </p:spPr>
         <p:txBody>
-          <a:bodyPr lIns="0" rIns="0" tIns="0" bIns="0"/>
-          <a:p>
-            <a:endParaRPr b="0" lang="ru-RU" sz="2800" spc="-1" strike="noStrike">
-              <a:solidFill>
-                <a:srgbClr val="000000"/>
-              </a:solidFill>
-              <a:uFill>
-                <a:solidFill>
-                  <a:srgbClr val="ffffff"/>
+          <a:bodyPr lIns="0" tIns="0" rIns="0" bIns="0"/>
+          <a:lstStyle/>
+          <a:p>
+            <a:endParaRPr lang="ru-RU" sz="2800" b="0" strike="noStrike" spc="-1">
+              <a:solidFill>
+                <a:srgbClr val="000000"/>
+              </a:solidFill>
+              <a:uFill>
+                <a:solidFill>
+                  <a:srgbClr val="FFFFFF"/>
                 </a:solidFill>
               </a:uFill>
               <a:latin typeface="Arial"/>
@@ -3795,11 +4066,14 @@
       </p:sp>
     </p:spTree>
   </p:cSld>
+  <p:clrMapOvr>
+    <a:masterClrMapping/>
+  </p:clrMapOvr>
 </p:sldLayout>
 </file>
 
 <file path=ppt/slideLayouts/slideLayout5.xml><?xml version="1.0" encoding="utf-8"?>
-<p:sldLayout xmlns:a="http://schemas.openxmlformats.org/drawingml/2006/main" xmlns:p="http://schemas.openxmlformats.org/presentationml/2006/main" xmlns:r="http://schemas.openxmlformats.org/officeDocument/2006/relationships" xmlns:p14="http://schemas.microsoft.com/office/powerpoint/2010/main" xmlns:p15="http://schemas.microsoft.com/office/powerpoint/2012/main" xmlns:mc="http://schemas.openxmlformats.org/markup-compatibility/2006" type="titleOnly" preserve="1">
+<p:sldLayout xmlns:a="http://schemas.openxmlformats.org/drawingml/2006/main" xmlns:r="http://schemas.openxmlformats.org/officeDocument/2006/relationships" xmlns:p="http://schemas.openxmlformats.org/presentationml/2006/main" type="titleOnly" preserve="1">
   <p:cSld name="Title Only">
     <p:spTree>
       <p:nvGrpSpPr>
@@ -3835,15 +4109,16 @@
           </a:prstGeom>
         </p:spPr>
         <p:txBody>
-          <a:bodyPr lIns="0" rIns="0" tIns="0" bIns="0" anchor="ctr"/>
-          <a:p>
-            <a:endParaRPr b="0" lang="ru-RU" sz="1800" spc="-1" strike="noStrike">
-              <a:solidFill>
-                <a:srgbClr val="000000"/>
-              </a:solidFill>
-              <a:uFill>
-                <a:solidFill>
-                  <a:srgbClr val="ffffff"/>
+          <a:bodyPr lIns="0" tIns="0" rIns="0" bIns="0" anchor="ctr"/>
+          <a:lstStyle/>
+          <a:p>
+            <a:endParaRPr lang="ru-RU" sz="1800" b="0" strike="noStrike" spc="-1">
+              <a:solidFill>
+                <a:srgbClr val="000000"/>
+              </a:solidFill>
+              <a:uFill>
+                <a:solidFill>
+                  <a:srgbClr val="FFFFFF"/>
                 </a:solidFill>
               </a:uFill>
               <a:latin typeface="Arial"/>
@@ -3853,11 +4128,14 @@
       </p:sp>
     </p:spTree>
   </p:cSld>
+  <p:clrMapOvr>
+    <a:masterClrMapping/>
+  </p:clrMapOvr>
 </p:sldLayout>
 </file>
 
 <file path=ppt/slideLayouts/slideLayout6.xml><?xml version="1.0" encoding="utf-8"?>
-<p:sldLayout xmlns:a="http://schemas.openxmlformats.org/drawingml/2006/main" xmlns:p="http://schemas.openxmlformats.org/presentationml/2006/main" xmlns:r="http://schemas.openxmlformats.org/officeDocument/2006/relationships" xmlns:p14="http://schemas.microsoft.com/office/powerpoint/2010/main" xmlns:p15="http://schemas.microsoft.com/office/powerpoint/2012/main" xmlns:mc="http://schemas.openxmlformats.org/markup-compatibility/2006" type="objOnly" preserve="1">
+<p:sldLayout xmlns:a="http://schemas.openxmlformats.org/drawingml/2006/main" xmlns:r="http://schemas.openxmlformats.org/officeDocument/2006/relationships" xmlns:p="http://schemas.openxmlformats.org/presentationml/2006/main" type="objOnly" preserve="1">
   <p:cSld name="Centered Text">
     <p:spTree>
       <p:nvGrpSpPr>
@@ -3893,16 +4171,17 @@
           </a:prstGeom>
         </p:spPr>
         <p:txBody>
-          <a:bodyPr lIns="0" rIns="0" tIns="0" bIns="0" anchor="ctr"/>
+          <a:bodyPr lIns="0" tIns="0" rIns="0" bIns="0" anchor="ctr"/>
+          <a:lstStyle/>
           <a:p>
             <a:pPr algn="ctr"/>
-            <a:endParaRPr b="0" lang="ru-RU" sz="3200" spc="-1" strike="noStrike">
-              <a:solidFill>
-                <a:srgbClr val="000000"/>
-              </a:solidFill>
-              <a:uFill>
-                <a:solidFill>
-                  <a:srgbClr val="ffffff"/>
+            <a:endParaRPr lang="ru-RU" sz="3200" b="0" strike="noStrike" spc="-1">
+              <a:solidFill>
+                <a:srgbClr val="000000"/>
+              </a:solidFill>
+              <a:uFill>
+                <a:solidFill>
+                  <a:srgbClr val="FFFFFF"/>
                 </a:solidFill>
               </a:uFill>
               <a:latin typeface="Arial"/>
@@ -3912,11 +4191,14 @@
       </p:sp>
     </p:spTree>
   </p:cSld>
+  <p:clrMapOvr>
+    <a:masterClrMapping/>
+  </p:clrMapOvr>
 </p:sldLayout>
 </file>
 
 <file path=ppt/slideLayouts/slideLayout7.xml><?xml version="1.0" encoding="utf-8"?>
-<p:sldLayout xmlns:a="http://schemas.openxmlformats.org/drawingml/2006/main" xmlns:p="http://schemas.openxmlformats.org/presentationml/2006/main" xmlns:r="http://schemas.openxmlformats.org/officeDocument/2006/relationships" xmlns:p14="http://schemas.microsoft.com/office/powerpoint/2010/main" xmlns:p15="http://schemas.microsoft.com/office/powerpoint/2012/main" xmlns:mc="http://schemas.openxmlformats.org/markup-compatibility/2006" type="twoObjAndObj" preserve="1">
+<p:sldLayout xmlns:a="http://schemas.openxmlformats.org/drawingml/2006/main" xmlns:r="http://schemas.openxmlformats.org/officeDocument/2006/relationships" xmlns:p="http://schemas.openxmlformats.org/presentationml/2006/main" type="twoObjAndObj" preserve="1">
   <p:cSld name="Title, 2 Content and Content">
     <p:spTree>
       <p:nvGrpSpPr>
@@ -3952,15 +4234,16 @@
           </a:prstGeom>
         </p:spPr>
         <p:txBody>
-          <a:bodyPr lIns="0" rIns="0" tIns="0" bIns="0" anchor="ctr"/>
-          <a:p>
-            <a:endParaRPr b="0" lang="ru-RU" sz="1800" spc="-1" strike="noStrike">
-              <a:solidFill>
-                <a:srgbClr val="000000"/>
-              </a:solidFill>
-              <a:uFill>
-                <a:solidFill>
-                  <a:srgbClr val="ffffff"/>
+          <a:bodyPr lIns="0" tIns="0" rIns="0" bIns="0" anchor="ctr"/>
+          <a:lstStyle/>
+          <a:p>
+            <a:endParaRPr lang="ru-RU" sz="1800" b="0" strike="noStrike" spc="-1">
+              <a:solidFill>
+                <a:srgbClr val="000000"/>
+              </a:solidFill>
+              <a:uFill>
+                <a:solidFill>
+                  <a:srgbClr val="FFFFFF"/>
                 </a:solidFill>
               </a:uFill>
               <a:latin typeface="Arial"/>
@@ -3988,15 +4271,16 @@
           </a:prstGeom>
         </p:spPr>
         <p:txBody>
-          <a:bodyPr lIns="0" rIns="0" tIns="0" bIns="0"/>
-          <a:p>
-            <a:endParaRPr b="0" lang="ru-RU" sz="2800" spc="-1" strike="noStrike">
-              <a:solidFill>
-                <a:srgbClr val="000000"/>
-              </a:solidFill>
-              <a:uFill>
-                <a:solidFill>
-                  <a:srgbClr val="ffffff"/>
+          <a:bodyPr lIns="0" tIns="0" rIns="0" bIns="0"/>
+          <a:lstStyle/>
+          <a:p>
+            <a:endParaRPr lang="ru-RU" sz="2800" b="0" strike="noStrike" spc="-1">
+              <a:solidFill>
+                <a:srgbClr val="000000"/>
+              </a:solidFill>
+              <a:uFill>
+                <a:solidFill>
+                  <a:srgbClr val="FFFFFF"/>
                 </a:solidFill>
               </a:uFill>
               <a:latin typeface="Arial"/>
@@ -4024,15 +4308,16 @@
           </a:prstGeom>
         </p:spPr>
         <p:txBody>
-          <a:bodyPr lIns="0" rIns="0" tIns="0" bIns="0"/>
-          <a:p>
-            <a:endParaRPr b="0" lang="ru-RU" sz="2800" spc="-1" strike="noStrike">
-              <a:solidFill>
-                <a:srgbClr val="000000"/>
-              </a:solidFill>
-              <a:uFill>
-                <a:solidFill>
-                  <a:srgbClr val="ffffff"/>
+          <a:bodyPr lIns="0" tIns="0" rIns="0" bIns="0"/>
+          <a:lstStyle/>
+          <a:p>
+            <a:endParaRPr lang="ru-RU" sz="2800" b="0" strike="noStrike" spc="-1">
+              <a:solidFill>
+                <a:srgbClr val="000000"/>
+              </a:solidFill>
+              <a:uFill>
+                <a:solidFill>
+                  <a:srgbClr val="FFFFFF"/>
                 </a:solidFill>
               </a:uFill>
               <a:latin typeface="Arial"/>
@@ -4060,15 +4345,16 @@
           </a:prstGeom>
         </p:spPr>
         <p:txBody>
-          <a:bodyPr lIns="0" rIns="0" tIns="0" bIns="0"/>
-          <a:p>
-            <a:endParaRPr b="0" lang="ru-RU" sz="2800" spc="-1" strike="noStrike">
-              <a:solidFill>
-                <a:srgbClr val="000000"/>
-              </a:solidFill>
-              <a:uFill>
-                <a:solidFill>
-                  <a:srgbClr val="ffffff"/>
+          <a:bodyPr lIns="0" tIns="0" rIns="0" bIns="0"/>
+          <a:lstStyle/>
+          <a:p>
+            <a:endParaRPr lang="ru-RU" sz="2800" b="0" strike="noStrike" spc="-1">
+              <a:solidFill>
+                <a:srgbClr val="000000"/>
+              </a:solidFill>
+              <a:uFill>
+                <a:solidFill>
+                  <a:srgbClr val="FFFFFF"/>
                 </a:solidFill>
               </a:uFill>
               <a:latin typeface="Arial"/>
@@ -4078,11 +4364,14 @@
       </p:sp>
     </p:spTree>
   </p:cSld>
+  <p:clrMapOvr>
+    <a:masterClrMapping/>
+  </p:clrMapOvr>
 </p:sldLayout>
 </file>
 
 <file path=ppt/slideLayouts/slideLayout8.xml><?xml version="1.0" encoding="utf-8"?>
-<p:sldLayout xmlns:a="http://schemas.openxmlformats.org/drawingml/2006/main" xmlns:p="http://schemas.openxmlformats.org/presentationml/2006/main" xmlns:r="http://schemas.openxmlformats.org/officeDocument/2006/relationships" xmlns:p14="http://schemas.microsoft.com/office/powerpoint/2010/main" xmlns:p15="http://schemas.microsoft.com/office/powerpoint/2012/main" xmlns:mc="http://schemas.openxmlformats.org/markup-compatibility/2006" type="objAndTwoObj" preserve="1">
+<p:sldLayout xmlns:a="http://schemas.openxmlformats.org/drawingml/2006/main" xmlns:r="http://schemas.openxmlformats.org/officeDocument/2006/relationships" xmlns:p="http://schemas.openxmlformats.org/presentationml/2006/main" type="objAndTwoObj" preserve="1">
   <p:cSld name="Title Content and 2 Content">
     <p:spTree>
       <p:nvGrpSpPr>
@@ -4118,15 +4407,16 @@
           </a:prstGeom>
         </p:spPr>
         <p:txBody>
-          <a:bodyPr lIns="0" rIns="0" tIns="0" bIns="0" anchor="ctr"/>
-          <a:p>
-            <a:endParaRPr b="0" lang="ru-RU" sz="1800" spc="-1" strike="noStrike">
-              <a:solidFill>
-                <a:srgbClr val="000000"/>
-              </a:solidFill>
-              <a:uFill>
-                <a:solidFill>
-                  <a:srgbClr val="ffffff"/>
+          <a:bodyPr lIns="0" tIns="0" rIns="0" bIns="0" anchor="ctr"/>
+          <a:lstStyle/>
+          <a:p>
+            <a:endParaRPr lang="ru-RU" sz="1800" b="0" strike="noStrike" spc="-1">
+              <a:solidFill>
+                <a:srgbClr val="000000"/>
+              </a:solidFill>
+              <a:uFill>
+                <a:solidFill>
+                  <a:srgbClr val="FFFFFF"/>
                 </a:solidFill>
               </a:uFill>
               <a:latin typeface="Arial"/>
@@ -4154,15 +4444,16 @@
           </a:prstGeom>
         </p:spPr>
         <p:txBody>
-          <a:bodyPr lIns="0" rIns="0" tIns="0" bIns="0"/>
-          <a:p>
-            <a:endParaRPr b="0" lang="ru-RU" sz="2800" spc="-1" strike="noStrike">
-              <a:solidFill>
-                <a:srgbClr val="000000"/>
-              </a:solidFill>
-              <a:uFill>
-                <a:solidFill>
-                  <a:srgbClr val="ffffff"/>
+          <a:bodyPr lIns="0" tIns="0" rIns="0" bIns="0"/>
+          <a:lstStyle/>
+          <a:p>
+            <a:endParaRPr lang="ru-RU" sz="2800" b="0" strike="noStrike" spc="-1">
+              <a:solidFill>
+                <a:srgbClr val="000000"/>
+              </a:solidFill>
+              <a:uFill>
+                <a:solidFill>
+                  <a:srgbClr val="FFFFFF"/>
                 </a:solidFill>
               </a:uFill>
               <a:latin typeface="Arial"/>
@@ -4190,15 +4481,16 @@
           </a:prstGeom>
         </p:spPr>
         <p:txBody>
-          <a:bodyPr lIns="0" rIns="0" tIns="0" bIns="0"/>
-          <a:p>
-            <a:endParaRPr b="0" lang="ru-RU" sz="2800" spc="-1" strike="noStrike">
-              <a:solidFill>
-                <a:srgbClr val="000000"/>
-              </a:solidFill>
-              <a:uFill>
-                <a:solidFill>
-                  <a:srgbClr val="ffffff"/>
+          <a:bodyPr lIns="0" tIns="0" rIns="0" bIns="0"/>
+          <a:lstStyle/>
+          <a:p>
+            <a:endParaRPr lang="ru-RU" sz="2800" b="0" strike="noStrike" spc="-1">
+              <a:solidFill>
+                <a:srgbClr val="000000"/>
+              </a:solidFill>
+              <a:uFill>
+                <a:solidFill>
+                  <a:srgbClr val="FFFFFF"/>
                 </a:solidFill>
               </a:uFill>
               <a:latin typeface="Arial"/>
@@ -4226,15 +4518,16 @@
           </a:prstGeom>
         </p:spPr>
         <p:txBody>
-          <a:bodyPr lIns="0" rIns="0" tIns="0" bIns="0"/>
-          <a:p>
-            <a:endParaRPr b="0" lang="ru-RU" sz="2800" spc="-1" strike="noStrike">
-              <a:solidFill>
-                <a:srgbClr val="000000"/>
-              </a:solidFill>
-              <a:uFill>
-                <a:solidFill>
-                  <a:srgbClr val="ffffff"/>
+          <a:bodyPr lIns="0" tIns="0" rIns="0" bIns="0"/>
+          <a:lstStyle/>
+          <a:p>
+            <a:endParaRPr lang="ru-RU" sz="2800" b="0" strike="noStrike" spc="-1">
+              <a:solidFill>
+                <a:srgbClr val="000000"/>
+              </a:solidFill>
+              <a:uFill>
+                <a:solidFill>
+                  <a:srgbClr val="FFFFFF"/>
                 </a:solidFill>
               </a:uFill>
               <a:latin typeface="Arial"/>
@@ -4244,11 +4537,14 @@
       </p:sp>
     </p:spTree>
   </p:cSld>
+  <p:clrMapOvr>
+    <a:masterClrMapping/>
+  </p:clrMapOvr>
 </p:sldLayout>
 </file>
 
 <file path=ppt/slideLayouts/slideLayout9.xml><?xml version="1.0" encoding="utf-8"?>
-<p:sldLayout xmlns:a="http://schemas.openxmlformats.org/drawingml/2006/main" xmlns:p="http://schemas.openxmlformats.org/presentationml/2006/main" xmlns:r="http://schemas.openxmlformats.org/officeDocument/2006/relationships" xmlns:p14="http://schemas.microsoft.com/office/powerpoint/2010/main" xmlns:p15="http://schemas.microsoft.com/office/powerpoint/2012/main" xmlns:mc="http://schemas.openxmlformats.org/markup-compatibility/2006" type="twoObjOverTx" preserve="1">
+<p:sldLayout xmlns:a="http://schemas.openxmlformats.org/drawingml/2006/main" xmlns:r="http://schemas.openxmlformats.org/officeDocument/2006/relationships" xmlns:p="http://schemas.openxmlformats.org/presentationml/2006/main" type="twoObjOverTx" preserve="1">
   <p:cSld name="Title, 2 Content over Content">
     <p:spTree>
       <p:nvGrpSpPr>
@@ -4284,15 +4580,16 @@
           </a:prstGeom>
         </p:spPr>
         <p:txBody>
-          <a:bodyPr lIns="0" rIns="0" tIns="0" bIns="0" anchor="ctr"/>
-          <a:p>
-            <a:endParaRPr b="0" lang="ru-RU" sz="1800" spc="-1" strike="noStrike">
-              <a:solidFill>
-                <a:srgbClr val="000000"/>
-              </a:solidFill>
-              <a:uFill>
-                <a:solidFill>
-                  <a:srgbClr val="ffffff"/>
+          <a:bodyPr lIns="0" tIns="0" rIns="0" bIns="0" anchor="ctr"/>
+          <a:lstStyle/>
+          <a:p>
+            <a:endParaRPr lang="ru-RU" sz="1800" b="0" strike="noStrike" spc="-1">
+              <a:solidFill>
+                <a:srgbClr val="000000"/>
+              </a:solidFill>
+              <a:uFill>
+                <a:solidFill>
+                  <a:srgbClr val="FFFFFF"/>
                 </a:solidFill>
               </a:uFill>
               <a:latin typeface="Arial"/>
@@ -4320,15 +4617,16 @@
           </a:prstGeom>
         </p:spPr>
         <p:txBody>
-          <a:bodyPr lIns="0" rIns="0" tIns="0" bIns="0"/>
-          <a:p>
-            <a:endParaRPr b="0" lang="ru-RU" sz="2800" spc="-1" strike="noStrike">
-              <a:solidFill>
-                <a:srgbClr val="000000"/>
-              </a:solidFill>
-              <a:uFill>
-                <a:solidFill>
-                  <a:srgbClr val="ffffff"/>
+          <a:bodyPr lIns="0" tIns="0" rIns="0" bIns="0"/>
+          <a:lstStyle/>
+          <a:p>
+            <a:endParaRPr lang="ru-RU" sz="2800" b="0" strike="noStrike" spc="-1">
+              <a:solidFill>
+                <a:srgbClr val="000000"/>
+              </a:solidFill>
+              <a:uFill>
+                <a:solidFill>
+                  <a:srgbClr val="FFFFFF"/>
                 </a:solidFill>
               </a:uFill>
               <a:latin typeface="Arial"/>
@@ -4356,15 +4654,16 @@
           </a:prstGeom>
         </p:spPr>
         <p:txBody>
-          <a:bodyPr lIns="0" rIns="0" tIns="0" bIns="0"/>
-          <a:p>
-            <a:endParaRPr b="0" lang="ru-RU" sz="2800" spc="-1" strike="noStrike">
-              <a:solidFill>
-                <a:srgbClr val="000000"/>
-              </a:solidFill>
-              <a:uFill>
-                <a:solidFill>
-                  <a:srgbClr val="ffffff"/>
+          <a:bodyPr lIns="0" tIns="0" rIns="0" bIns="0"/>
+          <a:lstStyle/>
+          <a:p>
+            <a:endParaRPr lang="ru-RU" sz="2800" b="0" strike="noStrike" spc="-1">
+              <a:solidFill>
+                <a:srgbClr val="000000"/>
+              </a:solidFill>
+              <a:uFill>
+                <a:solidFill>
+                  <a:srgbClr val="FFFFFF"/>
                 </a:solidFill>
               </a:uFill>
               <a:latin typeface="Arial"/>
@@ -4392,15 +4691,16 @@
           </a:prstGeom>
         </p:spPr>
         <p:txBody>
-          <a:bodyPr lIns="0" rIns="0" tIns="0" bIns="0"/>
-          <a:p>
-            <a:endParaRPr b="0" lang="ru-RU" sz="2800" spc="-1" strike="noStrike">
-              <a:solidFill>
-                <a:srgbClr val="000000"/>
-              </a:solidFill>
-              <a:uFill>
-                <a:solidFill>
-                  <a:srgbClr val="ffffff"/>
+          <a:bodyPr lIns="0" tIns="0" rIns="0" bIns="0"/>
+          <a:lstStyle/>
+          <a:p>
+            <a:endParaRPr lang="ru-RU" sz="2800" b="0" strike="noStrike" spc="-1">
+              <a:solidFill>
+                <a:srgbClr val="000000"/>
+              </a:solidFill>
+              <a:uFill>
+                <a:solidFill>
+                  <a:srgbClr val="FFFFFF"/>
                 </a:solidFill>
               </a:uFill>
               <a:latin typeface="Arial"/>
@@ -4410,17 +4710,21 @@
       </p:sp>
     </p:spTree>
   </p:cSld>
+  <p:clrMapOvr>
+    <a:masterClrMapping/>
+  </p:clrMapOvr>
 </p:sldLayout>
 </file>
 
 <file path=ppt/slideMasters/slideMaster1.xml><?xml version="1.0" encoding="utf-8"?>
-<p:sldMaster xmlns:a="http://schemas.openxmlformats.org/drawingml/2006/main" xmlns:p="http://schemas.openxmlformats.org/presentationml/2006/main" xmlns:r="http://schemas.openxmlformats.org/officeDocument/2006/relationships" xmlns:p14="http://schemas.microsoft.com/office/powerpoint/2010/main" xmlns:p15="http://schemas.microsoft.com/office/powerpoint/2012/main" xmlns:mc="http://schemas.openxmlformats.org/markup-compatibility/2006">
+<p:sldMaster xmlns:a="http://schemas.openxmlformats.org/drawingml/2006/main" xmlns:r="http://schemas.openxmlformats.org/officeDocument/2006/relationships" xmlns:p="http://schemas.openxmlformats.org/presentationml/2006/main">
   <p:cSld>
     <p:bg>
       <p:bgPr>
         <a:solidFill>
-          <a:srgbClr val="ffffff"/>
+          <a:srgbClr val="FFFFFF"/>
         </a:solidFill>
+        <a:effectLst/>
       </p:bgPr>
     </p:bg>
     <p:spTree>
@@ -4439,7 +4743,7 @@
       </p:grpSpPr>
       <p:sp>
         <p:nvSpPr>
-          <p:cNvPr id="0" name="PlaceHolder 1"/>
+          <p:cNvPr id="2" name="PlaceHolder 1"/>
           <p:cNvSpPr>
             <a:spLocks noGrp="1"/>
           </p:cNvSpPr>
@@ -4457,39 +4761,29 @@
           </a:prstGeom>
         </p:spPr>
         <p:txBody>
-          <a:bodyPr lIns="0" rIns="0" tIns="0" bIns="0" anchor="ctr"/>
+          <a:bodyPr lIns="0" tIns="0" rIns="0" bIns="0" anchor="ctr"/>
+          <a:lstStyle/>
           <a:p>
             <a:r>
-              <a:rPr b="0" lang="ru-RU" sz="1800" spc="-1" strike="noStrike">
+              <a:rPr lang="ru-RU" sz="1800" b="0" strike="noStrike" spc="-1">
                 <a:solidFill>
                   <a:srgbClr val="000000"/>
                 </a:solidFill>
                 <a:uFill>
                   <a:solidFill>
-                    <a:srgbClr val="ffffff"/>
+                    <a:srgbClr val="FFFFFF"/>
                   </a:solidFill>
                 </a:uFill>
                 <a:latin typeface="Arial"/>
               </a:rPr>
               <a:t>Для правки текста заголовка щёлкните мышью</a:t>
             </a:r>
-            <a:endParaRPr b="0" lang="ru-RU" sz="1800" spc="-1" strike="noStrike">
-              <a:solidFill>
-                <a:srgbClr val="000000"/>
-              </a:solidFill>
-              <a:uFill>
-                <a:solidFill>
-                  <a:srgbClr val="ffffff"/>
-                </a:solidFill>
-              </a:uFill>
-              <a:latin typeface="Arial"/>
-            </a:endParaRPr>
-          </a:p>
-        </p:txBody>
-      </p:sp>
-      <p:sp>
-        <p:nvSpPr>
-          <p:cNvPr id="1" name="PlaceHolder 2"/>
+          </a:p>
+        </p:txBody>
+      </p:sp>
+      <p:sp>
+        <p:nvSpPr>
+          <p:cNvPr id="3" name="PlaceHolder 2"/>
           <p:cNvSpPr>
             <a:spLocks noGrp="1"/>
           </p:cNvSpPr>
@@ -4507,7 +4801,8 @@
           </a:prstGeom>
         </p:spPr>
         <p:txBody>
-          <a:bodyPr lIns="0" rIns="0" tIns="0" bIns="0"/>
+          <a:bodyPr lIns="0" tIns="0" rIns="0" bIns="0"/>
+          <a:lstStyle/>
           <a:p>
             <a:pPr marL="432000" indent="-324000">
               <a:buClr>
@@ -4518,33 +4813,22 @@
               <a:buChar char=""/>
             </a:pPr>
             <a:r>
-              <a:rPr b="0" lang="ru-RU" sz="2800" spc="-1" strike="noStrike">
+              <a:rPr lang="ru-RU" sz="2800" b="0" strike="noStrike" spc="-1">
                 <a:solidFill>
                   <a:srgbClr val="000000"/>
                 </a:solidFill>
                 <a:uFill>
                   <a:solidFill>
-                    <a:srgbClr val="ffffff"/>
+                    <a:srgbClr val="FFFFFF"/>
                   </a:solidFill>
                 </a:uFill>
                 <a:latin typeface="Arial"/>
               </a:rPr>
               <a:t>Для правки структуры щёлкните мышью</a:t>
             </a:r>
-            <a:endParaRPr b="0" lang="ru-RU" sz="2800" spc="-1" strike="noStrike">
-              <a:solidFill>
-                <a:srgbClr val="000000"/>
-              </a:solidFill>
-              <a:uFill>
-                <a:solidFill>
-                  <a:srgbClr val="ffffff"/>
-                </a:solidFill>
-              </a:uFill>
-              <a:latin typeface="Arial"/>
-            </a:endParaRPr>
-          </a:p>
-          <a:p>
-            <a:pPr lvl="1" marL="864000" indent="-324000">
+          </a:p>
+          <a:p>
+            <a:pPr marL="864000" lvl="1" indent="-324000">
               <a:buClr>
                 <a:srgbClr val="000000"/>
               </a:buClr>
@@ -4553,33 +4837,22 @@
               <a:buChar char=""/>
             </a:pPr>
             <a:r>
-              <a:rPr b="0" lang="ru-RU" sz="2000" spc="-1" strike="noStrike">
+              <a:rPr lang="ru-RU" sz="2000" b="0" strike="noStrike" spc="-1">
                 <a:solidFill>
                   <a:srgbClr val="000000"/>
                 </a:solidFill>
                 <a:uFill>
                   <a:solidFill>
-                    <a:srgbClr val="ffffff"/>
+                    <a:srgbClr val="FFFFFF"/>
                   </a:solidFill>
                 </a:uFill>
                 <a:latin typeface="Arial"/>
               </a:rPr>
               <a:t>Второй уровень структуры</a:t>
             </a:r>
-            <a:endParaRPr b="0" lang="ru-RU" sz="2000" spc="-1" strike="noStrike">
-              <a:solidFill>
-                <a:srgbClr val="000000"/>
-              </a:solidFill>
-              <a:uFill>
-                <a:solidFill>
-                  <a:srgbClr val="ffffff"/>
-                </a:solidFill>
-              </a:uFill>
-              <a:latin typeface="Arial"/>
-            </a:endParaRPr>
-          </a:p>
-          <a:p>
-            <a:pPr lvl="2" marL="1296000" indent="-288000">
+          </a:p>
+          <a:p>
+            <a:pPr marL="1296000" lvl="2" indent="-288000">
               <a:buClr>
                 <a:srgbClr val="000000"/>
               </a:buClr>
@@ -4588,33 +4861,22 @@
               <a:buChar char=""/>
             </a:pPr>
             <a:r>
-              <a:rPr b="0" lang="ru-RU" sz="1800" spc="-1" strike="noStrike">
+              <a:rPr lang="ru-RU" sz="1800" b="0" strike="noStrike" spc="-1">
                 <a:solidFill>
                   <a:srgbClr val="000000"/>
                 </a:solidFill>
                 <a:uFill>
                   <a:solidFill>
-                    <a:srgbClr val="ffffff"/>
+                    <a:srgbClr val="FFFFFF"/>
                   </a:solidFill>
                 </a:uFill>
                 <a:latin typeface="Arial"/>
               </a:rPr>
               <a:t>Третий уровень структуры</a:t>
             </a:r>
-            <a:endParaRPr b="0" lang="ru-RU" sz="1800" spc="-1" strike="noStrike">
-              <a:solidFill>
-                <a:srgbClr val="000000"/>
-              </a:solidFill>
-              <a:uFill>
-                <a:solidFill>
-                  <a:srgbClr val="ffffff"/>
-                </a:solidFill>
-              </a:uFill>
-              <a:latin typeface="Arial"/>
-            </a:endParaRPr>
-          </a:p>
-          <a:p>
-            <a:pPr lvl="3" marL="1728000" indent="-216000">
+          </a:p>
+          <a:p>
+            <a:pPr marL="1728000" lvl="3" indent="-216000">
               <a:buClr>
                 <a:srgbClr val="000000"/>
               </a:buClr>
@@ -4623,33 +4885,22 @@
               <a:buChar char=""/>
             </a:pPr>
             <a:r>
-              <a:rPr b="0" lang="ru-RU" sz="1800" spc="-1" strike="noStrike">
+              <a:rPr lang="ru-RU" sz="1800" b="0" strike="noStrike" spc="-1">
                 <a:solidFill>
                   <a:srgbClr val="000000"/>
                 </a:solidFill>
                 <a:uFill>
                   <a:solidFill>
-                    <a:srgbClr val="ffffff"/>
+                    <a:srgbClr val="FFFFFF"/>
                   </a:solidFill>
                 </a:uFill>
                 <a:latin typeface="Arial"/>
               </a:rPr>
               <a:t>Четвёртый уровень структуры</a:t>
             </a:r>
-            <a:endParaRPr b="0" lang="ru-RU" sz="1800" spc="-1" strike="noStrike">
-              <a:solidFill>
-                <a:srgbClr val="000000"/>
-              </a:solidFill>
-              <a:uFill>
-                <a:solidFill>
-                  <a:srgbClr val="ffffff"/>
-                </a:solidFill>
-              </a:uFill>
-              <a:latin typeface="Arial"/>
-            </a:endParaRPr>
-          </a:p>
-          <a:p>
-            <a:pPr lvl="4" marL="2160000" indent="-216000">
+          </a:p>
+          <a:p>
+            <a:pPr marL="2160000" lvl="4" indent="-216000">
               <a:buClr>
                 <a:srgbClr val="000000"/>
               </a:buClr>
@@ -4658,33 +4909,22 @@
               <a:buChar char=""/>
             </a:pPr>
             <a:r>
-              <a:rPr b="0" lang="ru-RU" sz="2000" spc="-1" strike="noStrike">
+              <a:rPr lang="ru-RU" sz="2000" b="0" strike="noStrike" spc="-1">
                 <a:solidFill>
                   <a:srgbClr val="000000"/>
                 </a:solidFill>
                 <a:uFill>
                   <a:solidFill>
-                    <a:srgbClr val="ffffff"/>
+                    <a:srgbClr val="FFFFFF"/>
                   </a:solidFill>
                 </a:uFill>
                 <a:latin typeface="Arial"/>
               </a:rPr>
               <a:t>Пятый уровень структуры</a:t>
             </a:r>
-            <a:endParaRPr b="0" lang="ru-RU" sz="2000" spc="-1" strike="noStrike">
-              <a:solidFill>
-                <a:srgbClr val="000000"/>
-              </a:solidFill>
-              <a:uFill>
-                <a:solidFill>
-                  <a:srgbClr val="ffffff"/>
-                </a:solidFill>
-              </a:uFill>
-              <a:latin typeface="Arial"/>
-            </a:endParaRPr>
-          </a:p>
-          <a:p>
-            <a:pPr lvl="5" marL="2592000" indent="-216000">
+          </a:p>
+          <a:p>
+            <a:pPr marL="2592000" lvl="5" indent="-216000">
               <a:buClr>
                 <a:srgbClr val="000000"/>
               </a:buClr>
@@ -4693,33 +4933,22 @@
               <a:buChar char=""/>
             </a:pPr>
             <a:r>
-              <a:rPr b="0" lang="ru-RU" sz="2000" spc="-1" strike="noStrike">
+              <a:rPr lang="ru-RU" sz="2000" b="0" strike="noStrike" spc="-1">
                 <a:solidFill>
                   <a:srgbClr val="000000"/>
                 </a:solidFill>
                 <a:uFill>
                   <a:solidFill>
-                    <a:srgbClr val="ffffff"/>
+                    <a:srgbClr val="FFFFFF"/>
                   </a:solidFill>
                 </a:uFill>
                 <a:latin typeface="Arial"/>
               </a:rPr>
               <a:t>Шестой уровень структуры</a:t>
             </a:r>
-            <a:endParaRPr b="0" lang="ru-RU" sz="2000" spc="-1" strike="noStrike">
-              <a:solidFill>
-                <a:srgbClr val="000000"/>
-              </a:solidFill>
-              <a:uFill>
-                <a:solidFill>
-                  <a:srgbClr val="ffffff"/>
-                </a:solidFill>
-              </a:uFill>
-              <a:latin typeface="Arial"/>
-            </a:endParaRPr>
-          </a:p>
-          <a:p>
-            <a:pPr lvl="6" marL="3024000" indent="-216000">
+          </a:p>
+          <a:p>
+            <a:pPr marL="3024000" lvl="6" indent="-216000">
               <a:buClr>
                 <a:srgbClr val="000000"/>
               </a:buClr>
@@ -4728,61 +4957,331 @@
               <a:buChar char=""/>
             </a:pPr>
             <a:r>
-              <a:rPr b="0" lang="ru-RU" sz="2000" spc="-1" strike="noStrike">
+              <a:rPr lang="ru-RU" sz="2000" b="0" strike="noStrike" spc="-1">
                 <a:solidFill>
                   <a:srgbClr val="000000"/>
                 </a:solidFill>
                 <a:uFill>
                   <a:solidFill>
-                    <a:srgbClr val="ffffff"/>
+                    <a:srgbClr val="FFFFFF"/>
                   </a:solidFill>
                 </a:uFill>
                 <a:latin typeface="Arial"/>
               </a:rPr>
               <a:t>Седьмой уровень структуры</a:t>
             </a:r>
-            <a:endParaRPr b="0" lang="ru-RU" sz="2000" spc="-1" strike="noStrike">
-              <a:solidFill>
-                <a:srgbClr val="000000"/>
-              </a:solidFill>
-              <a:uFill>
-                <a:solidFill>
-                  <a:srgbClr val="ffffff"/>
-                </a:solidFill>
-              </a:uFill>
-              <a:latin typeface="Arial"/>
-            </a:endParaRPr>
           </a:p>
         </p:txBody>
       </p:sp>
     </p:spTree>
   </p:cSld>
-  <p:clrMap bg1="lt1" bg2="lt2" tx1="dk1" tx2="dk2" accent1="accent1" accent2="accent2" accent3="accent3" accent4="accent4" accent5="accent5" accent6="accent6" hlink="hlink" folHlink="folHlink"/>
+  <p:clrMap bg1="lt1" tx1="dk1" bg2="lt2" tx2="dk2" accent1="accent1" accent2="accent2" accent3="accent3" accent4="accent4" accent5="accent5" accent6="accent6" hlink="hlink" folHlink="folHlink"/>
   <p:sldLayoutIdLst>
-    <p:sldLayoutId id="2147483649" r:id="rId2"/>
-    <p:sldLayoutId id="2147483650" r:id="rId3"/>
-    <p:sldLayoutId id="2147483651" r:id="rId4"/>
-    <p:sldLayoutId id="2147483652" r:id="rId5"/>
-    <p:sldLayoutId id="2147483653" r:id="rId6"/>
-    <p:sldLayoutId id="2147483654" r:id="rId7"/>
-    <p:sldLayoutId id="2147483655" r:id="rId8"/>
-    <p:sldLayoutId id="2147483656" r:id="rId9"/>
-    <p:sldLayoutId id="2147483657" r:id="rId10"/>
-    <p:sldLayoutId id="2147483658" r:id="rId11"/>
-    <p:sldLayoutId id="2147483659" r:id="rId12"/>
-    <p:sldLayoutId id="2147483660" r:id="rId13"/>
+    <p:sldLayoutId id="2147483649" r:id="rId1"/>
+    <p:sldLayoutId id="2147483650" r:id="rId2"/>
+    <p:sldLayoutId id="2147483651" r:id="rId3"/>
+    <p:sldLayoutId id="2147483652" r:id="rId4"/>
+    <p:sldLayoutId id="2147483653" r:id="rId5"/>
+    <p:sldLayoutId id="2147483654" r:id="rId6"/>
+    <p:sldLayoutId id="2147483655" r:id="rId7"/>
+    <p:sldLayoutId id="2147483656" r:id="rId8"/>
+    <p:sldLayoutId id="2147483657" r:id="rId9"/>
+    <p:sldLayoutId id="2147483658" r:id="rId10"/>
+    <p:sldLayoutId id="2147483659" r:id="rId11"/>
+    <p:sldLayoutId id="2147483660" r:id="rId12"/>
   </p:sldLayoutIdLst>
+  <p:txStyles>
+    <p:titleStyle>
+      <a:lvl1pPr algn="l" defTabSz="914400" rtl="0" eaLnBrk="1" latinLnBrk="0" hangingPunct="1">
+        <a:lnSpc>
+          <a:spcPct val="90000"/>
+        </a:lnSpc>
+        <a:spcBef>
+          <a:spcPct val="0"/>
+        </a:spcBef>
+        <a:buNone/>
+        <a:defRPr sz="4400" kern="1200">
+          <a:solidFill>
+            <a:schemeClr val="tx1"/>
+          </a:solidFill>
+          <a:latin typeface="+mj-lt"/>
+          <a:ea typeface="+mj-ea"/>
+          <a:cs typeface="+mj-cs"/>
+        </a:defRPr>
+      </a:lvl1pPr>
+    </p:titleStyle>
+    <p:bodyStyle>
+      <a:lvl1pPr marL="228600" indent="-228600" algn="l" defTabSz="914400" rtl="0" eaLnBrk="1" latinLnBrk="0" hangingPunct="1">
+        <a:lnSpc>
+          <a:spcPct val="90000"/>
+        </a:lnSpc>
+        <a:spcBef>
+          <a:spcPts val="1000"/>
+        </a:spcBef>
+        <a:buFont typeface="Arial" panose="020B0604020202020204" pitchFamily="34" charset="0"/>
+        <a:buChar char="•"/>
+        <a:defRPr sz="2800" kern="1200">
+          <a:solidFill>
+            <a:schemeClr val="tx1"/>
+          </a:solidFill>
+          <a:latin typeface="+mn-lt"/>
+          <a:ea typeface="+mn-ea"/>
+          <a:cs typeface="+mn-cs"/>
+        </a:defRPr>
+      </a:lvl1pPr>
+      <a:lvl2pPr marL="685800" indent="-228600" algn="l" defTabSz="914400" rtl="0" eaLnBrk="1" latinLnBrk="0" hangingPunct="1">
+        <a:lnSpc>
+          <a:spcPct val="90000"/>
+        </a:lnSpc>
+        <a:spcBef>
+          <a:spcPts val="500"/>
+        </a:spcBef>
+        <a:buFont typeface="Arial" panose="020B0604020202020204" pitchFamily="34" charset="0"/>
+        <a:buChar char="•"/>
+        <a:defRPr sz="2400" kern="1200">
+          <a:solidFill>
+            <a:schemeClr val="tx1"/>
+          </a:solidFill>
+          <a:latin typeface="+mn-lt"/>
+          <a:ea typeface="+mn-ea"/>
+          <a:cs typeface="+mn-cs"/>
+        </a:defRPr>
+      </a:lvl2pPr>
+      <a:lvl3pPr marL="1143000" indent="-228600" algn="l" defTabSz="914400" rtl="0" eaLnBrk="1" latinLnBrk="0" hangingPunct="1">
+        <a:lnSpc>
+          <a:spcPct val="90000"/>
+        </a:lnSpc>
+        <a:spcBef>
+          <a:spcPts val="500"/>
+        </a:spcBef>
+        <a:buFont typeface="Arial" panose="020B0604020202020204" pitchFamily="34" charset="0"/>
+        <a:buChar char="•"/>
+        <a:defRPr sz="2000" kern="1200">
+          <a:solidFill>
+            <a:schemeClr val="tx1"/>
+          </a:solidFill>
+          <a:latin typeface="+mn-lt"/>
+          <a:ea typeface="+mn-ea"/>
+          <a:cs typeface="+mn-cs"/>
+        </a:defRPr>
+      </a:lvl3pPr>
+      <a:lvl4pPr marL="1600200" indent="-228600" algn="l" defTabSz="914400" rtl="0" eaLnBrk="1" latinLnBrk="0" hangingPunct="1">
+        <a:lnSpc>
+          <a:spcPct val="90000"/>
+        </a:lnSpc>
+        <a:spcBef>
+          <a:spcPts val="500"/>
+        </a:spcBef>
+        <a:buFont typeface="Arial" panose="020B0604020202020204" pitchFamily="34" charset="0"/>
+        <a:buChar char="•"/>
+        <a:defRPr sz="1800" kern="1200">
+          <a:solidFill>
+            <a:schemeClr val="tx1"/>
+          </a:solidFill>
+          <a:latin typeface="+mn-lt"/>
+          <a:ea typeface="+mn-ea"/>
+          <a:cs typeface="+mn-cs"/>
+        </a:defRPr>
+      </a:lvl4pPr>
+      <a:lvl5pPr marL="2057400" indent="-228600" algn="l" defTabSz="914400" rtl="0" eaLnBrk="1" latinLnBrk="0" hangingPunct="1">
+        <a:lnSpc>
+          <a:spcPct val="90000"/>
+        </a:lnSpc>
+        <a:spcBef>
+          <a:spcPts val="500"/>
+        </a:spcBef>
+        <a:buFont typeface="Arial" panose="020B0604020202020204" pitchFamily="34" charset="0"/>
+        <a:buChar char="•"/>
+        <a:defRPr sz="1800" kern="1200">
+          <a:solidFill>
+            <a:schemeClr val="tx1"/>
+          </a:solidFill>
+          <a:latin typeface="+mn-lt"/>
+          <a:ea typeface="+mn-ea"/>
+          <a:cs typeface="+mn-cs"/>
+        </a:defRPr>
+      </a:lvl5pPr>
+      <a:lvl6pPr marL="2514600" indent="-228600" algn="l" defTabSz="914400" rtl="0" eaLnBrk="1" latinLnBrk="0" hangingPunct="1">
+        <a:lnSpc>
+          <a:spcPct val="90000"/>
+        </a:lnSpc>
+        <a:spcBef>
+          <a:spcPts val="500"/>
+        </a:spcBef>
+        <a:buFont typeface="Arial" panose="020B0604020202020204" pitchFamily="34" charset="0"/>
+        <a:buChar char="•"/>
+        <a:defRPr sz="1800" kern="1200">
+          <a:solidFill>
+            <a:schemeClr val="tx1"/>
+          </a:solidFill>
+          <a:latin typeface="+mn-lt"/>
+          <a:ea typeface="+mn-ea"/>
+          <a:cs typeface="+mn-cs"/>
+        </a:defRPr>
+      </a:lvl6pPr>
+      <a:lvl7pPr marL="2971800" indent="-228600" algn="l" defTabSz="914400" rtl="0" eaLnBrk="1" latinLnBrk="0" hangingPunct="1">
+        <a:lnSpc>
+          <a:spcPct val="90000"/>
+        </a:lnSpc>
+        <a:spcBef>
+          <a:spcPts val="500"/>
+        </a:spcBef>
+        <a:buFont typeface="Arial" panose="020B0604020202020204" pitchFamily="34" charset="0"/>
+        <a:buChar char="•"/>
+        <a:defRPr sz="1800" kern="1200">
+          <a:solidFill>
+            <a:schemeClr val="tx1"/>
+          </a:solidFill>
+          <a:latin typeface="+mn-lt"/>
+          <a:ea typeface="+mn-ea"/>
+          <a:cs typeface="+mn-cs"/>
+        </a:defRPr>
+      </a:lvl7pPr>
+      <a:lvl8pPr marL="3429000" indent="-228600" algn="l" defTabSz="914400" rtl="0" eaLnBrk="1" latinLnBrk="0" hangingPunct="1">
+        <a:lnSpc>
+          <a:spcPct val="90000"/>
+        </a:lnSpc>
+        <a:spcBef>
+          <a:spcPts val="500"/>
+        </a:spcBef>
+        <a:buFont typeface="Arial" panose="020B0604020202020204" pitchFamily="34" charset="0"/>
+        <a:buChar char="•"/>
+        <a:defRPr sz="1800" kern="1200">
+          <a:solidFill>
+            <a:schemeClr val="tx1"/>
+          </a:solidFill>
+          <a:latin typeface="+mn-lt"/>
+          <a:ea typeface="+mn-ea"/>
+          <a:cs typeface="+mn-cs"/>
+        </a:defRPr>
+      </a:lvl8pPr>
+      <a:lvl9pPr marL="3886200" indent="-228600" algn="l" defTabSz="914400" rtl="0" eaLnBrk="1" latinLnBrk="0" hangingPunct="1">
+        <a:lnSpc>
+          <a:spcPct val="90000"/>
+        </a:lnSpc>
+        <a:spcBef>
+          <a:spcPts val="500"/>
+        </a:spcBef>
+        <a:buFont typeface="Arial" panose="020B0604020202020204" pitchFamily="34" charset="0"/>
+        <a:buChar char="•"/>
+        <a:defRPr sz="1800" kern="1200">
+          <a:solidFill>
+            <a:schemeClr val="tx1"/>
+          </a:solidFill>
+          <a:latin typeface="+mn-lt"/>
+          <a:ea typeface="+mn-ea"/>
+          <a:cs typeface="+mn-cs"/>
+        </a:defRPr>
+      </a:lvl9pPr>
+    </p:bodyStyle>
+    <p:otherStyle>
+      <a:defPPr>
+        <a:defRPr lang="ru-RU"/>
+      </a:defPPr>
+      <a:lvl1pPr marL="0" algn="l" defTabSz="914400" rtl="0" eaLnBrk="1" latinLnBrk="0" hangingPunct="1">
+        <a:defRPr sz="1800" kern="1200">
+          <a:solidFill>
+            <a:schemeClr val="tx1"/>
+          </a:solidFill>
+          <a:latin typeface="+mn-lt"/>
+          <a:ea typeface="+mn-ea"/>
+          <a:cs typeface="+mn-cs"/>
+        </a:defRPr>
+      </a:lvl1pPr>
+      <a:lvl2pPr marL="457200" algn="l" defTabSz="914400" rtl="0" eaLnBrk="1" latinLnBrk="0" hangingPunct="1">
+        <a:defRPr sz="1800" kern="1200">
+          <a:solidFill>
+            <a:schemeClr val="tx1"/>
+          </a:solidFill>
+          <a:latin typeface="+mn-lt"/>
+          <a:ea typeface="+mn-ea"/>
+          <a:cs typeface="+mn-cs"/>
+        </a:defRPr>
+      </a:lvl2pPr>
+      <a:lvl3pPr marL="914400" algn="l" defTabSz="914400" rtl="0" eaLnBrk="1" latinLnBrk="0" hangingPunct="1">
+        <a:defRPr sz="1800" kern="1200">
+          <a:solidFill>
+            <a:schemeClr val="tx1"/>
+          </a:solidFill>
+          <a:latin typeface="+mn-lt"/>
+          <a:ea typeface="+mn-ea"/>
+          <a:cs typeface="+mn-cs"/>
+        </a:defRPr>
+      </a:lvl3pPr>
+      <a:lvl4pPr marL="1371600" algn="l" defTabSz="914400" rtl="0" eaLnBrk="1" latinLnBrk="0" hangingPunct="1">
+        <a:defRPr sz="1800" kern="1200">
+          <a:solidFill>
+            <a:schemeClr val="tx1"/>
+          </a:solidFill>
+          <a:latin typeface="+mn-lt"/>
+          <a:ea typeface="+mn-ea"/>
+          <a:cs typeface="+mn-cs"/>
+        </a:defRPr>
+      </a:lvl4pPr>
+      <a:lvl5pPr marL="1828800" algn="l" defTabSz="914400" rtl="0" eaLnBrk="1" latinLnBrk="0" hangingPunct="1">
+        <a:defRPr sz="1800" kern="1200">
+          <a:solidFill>
+            <a:schemeClr val="tx1"/>
+          </a:solidFill>
+          <a:latin typeface="+mn-lt"/>
+          <a:ea typeface="+mn-ea"/>
+          <a:cs typeface="+mn-cs"/>
+        </a:defRPr>
+      </a:lvl5pPr>
+      <a:lvl6pPr marL="2286000" algn="l" defTabSz="914400" rtl="0" eaLnBrk="1" latinLnBrk="0" hangingPunct="1">
+        <a:defRPr sz="1800" kern="1200">
+          <a:solidFill>
+            <a:schemeClr val="tx1"/>
+          </a:solidFill>
+          <a:latin typeface="+mn-lt"/>
+          <a:ea typeface="+mn-ea"/>
+          <a:cs typeface="+mn-cs"/>
+        </a:defRPr>
+      </a:lvl6pPr>
+      <a:lvl7pPr marL="2743200" algn="l" defTabSz="914400" rtl="0" eaLnBrk="1" latinLnBrk="0" hangingPunct="1">
+        <a:defRPr sz="1800" kern="1200">
+          <a:solidFill>
+            <a:schemeClr val="tx1"/>
+          </a:solidFill>
+          <a:latin typeface="+mn-lt"/>
+          <a:ea typeface="+mn-ea"/>
+          <a:cs typeface="+mn-cs"/>
+        </a:defRPr>
+      </a:lvl7pPr>
+      <a:lvl8pPr marL="3200400" algn="l" defTabSz="914400" rtl="0" eaLnBrk="1" latinLnBrk="0" hangingPunct="1">
+        <a:defRPr sz="1800" kern="1200">
+          <a:solidFill>
+            <a:schemeClr val="tx1"/>
+          </a:solidFill>
+          <a:latin typeface="+mn-lt"/>
+          <a:ea typeface="+mn-ea"/>
+          <a:cs typeface="+mn-cs"/>
+        </a:defRPr>
+      </a:lvl8pPr>
+      <a:lvl9pPr marL="3657600" algn="l" defTabSz="914400" rtl="0" eaLnBrk="1" latinLnBrk="0" hangingPunct="1">
+        <a:defRPr sz="1800" kern="1200">
+          <a:solidFill>
+            <a:schemeClr val="tx1"/>
+          </a:solidFill>
+          <a:latin typeface="+mn-lt"/>
+          <a:ea typeface="+mn-ea"/>
+          <a:cs typeface="+mn-cs"/>
+        </a:defRPr>
+      </a:lvl9pPr>
+    </p:otherStyle>
+  </p:txStyles>
 </p:sldMaster>
 </file>
 
 <file path=ppt/slideMasters/slideMaster2.xml><?xml version="1.0" encoding="utf-8"?>
-<p:sldMaster xmlns:a="http://schemas.openxmlformats.org/drawingml/2006/main" xmlns:p="http://schemas.openxmlformats.org/presentationml/2006/main" xmlns:r="http://schemas.openxmlformats.org/officeDocument/2006/relationships" xmlns:p14="http://schemas.microsoft.com/office/powerpoint/2010/main" xmlns:p15="http://schemas.microsoft.com/office/powerpoint/2012/main" xmlns:mc="http://schemas.openxmlformats.org/markup-compatibility/2006">
+<p:sldMaster xmlns:a="http://schemas.openxmlformats.org/drawingml/2006/main" xmlns:r="http://schemas.openxmlformats.org/officeDocument/2006/relationships" xmlns:p="http://schemas.openxmlformats.org/presentationml/2006/main">
   <p:cSld>
     <p:bg>
       <p:bgPr>
         <a:solidFill>
-          <a:srgbClr val="ffffff"/>
+          <a:srgbClr val="FFFFFF"/>
         </a:solidFill>
+        <a:effectLst/>
       </p:bgPr>
     </p:bg>
     <p:spTree>
@@ -4819,15 +5318,16 @@
           </a:prstGeom>
         </p:spPr>
         <p:txBody>
-          <a:bodyPr lIns="0" rIns="0" tIns="0" bIns="0" anchor="ctr"/>
-          <a:p>
-            <a:endParaRPr b="0" lang="ru-RU" sz="1800" spc="-1" strike="noStrike">
-              <a:solidFill>
-                <a:srgbClr val="000000"/>
-              </a:solidFill>
-              <a:uFill>
-                <a:solidFill>
-                  <a:srgbClr val="ffffff"/>
+          <a:bodyPr lIns="0" tIns="0" rIns="0" bIns="0" anchor="ctr"/>
+          <a:lstStyle/>
+          <a:p>
+            <a:endParaRPr lang="ru-RU" sz="1800" b="0" strike="noStrike" spc="-1">
+              <a:solidFill>
+                <a:srgbClr val="000000"/>
+              </a:solidFill>
+              <a:uFill>
+                <a:solidFill>
+                  <a:srgbClr val="FFFFFF"/>
                 </a:solidFill>
               </a:uFill>
               <a:latin typeface="Arial"/>
@@ -4855,7 +5355,8 @@
           </a:prstGeom>
         </p:spPr>
         <p:txBody>
-          <a:bodyPr lIns="0" rIns="0" tIns="0" bIns="0"/>
+          <a:bodyPr lIns="0" tIns="0" rIns="0" bIns="0"/>
+          <a:lstStyle/>
           <a:p>
             <a:pPr marL="432000" indent="-324000">
               <a:buClr>
@@ -4866,33 +5367,22 @@
               <a:buChar char=""/>
             </a:pPr>
             <a:r>
-              <a:rPr b="0" lang="ru-RU" sz="2800" spc="-1" strike="noStrike">
+              <a:rPr lang="ru-RU" sz="2800" b="0" strike="noStrike" spc="-1">
                 <a:solidFill>
                   <a:srgbClr val="000000"/>
                 </a:solidFill>
                 <a:uFill>
                   <a:solidFill>
-                    <a:srgbClr val="ffffff"/>
+                    <a:srgbClr val="FFFFFF"/>
                   </a:solidFill>
                 </a:uFill>
                 <a:latin typeface="Arial"/>
               </a:rPr>
               <a:t>Для правки структуры щёлкните мышью</a:t>
             </a:r>
-            <a:endParaRPr b="0" lang="ru-RU" sz="2800" spc="-1" strike="noStrike">
-              <a:solidFill>
-                <a:srgbClr val="000000"/>
-              </a:solidFill>
-              <a:uFill>
-                <a:solidFill>
-                  <a:srgbClr val="ffffff"/>
-                </a:solidFill>
-              </a:uFill>
-              <a:latin typeface="Arial"/>
-            </a:endParaRPr>
-          </a:p>
-          <a:p>
-            <a:pPr lvl="1" marL="864000" indent="-324000">
+          </a:p>
+          <a:p>
+            <a:pPr marL="864000" lvl="1" indent="-324000">
               <a:buClr>
                 <a:srgbClr val="000000"/>
               </a:buClr>
@@ -4901,33 +5391,22 @@
               <a:buChar char=""/>
             </a:pPr>
             <a:r>
-              <a:rPr b="0" lang="ru-RU" sz="2000" spc="-1" strike="noStrike">
+              <a:rPr lang="ru-RU" sz="2000" b="0" strike="noStrike" spc="-1">
                 <a:solidFill>
                   <a:srgbClr val="000000"/>
                 </a:solidFill>
                 <a:uFill>
                   <a:solidFill>
-                    <a:srgbClr val="ffffff"/>
+                    <a:srgbClr val="FFFFFF"/>
                   </a:solidFill>
                 </a:uFill>
                 <a:latin typeface="Arial"/>
               </a:rPr>
               <a:t>Второй уровень структуры</a:t>
             </a:r>
-            <a:endParaRPr b="0" lang="ru-RU" sz="2000" spc="-1" strike="noStrike">
-              <a:solidFill>
-                <a:srgbClr val="000000"/>
-              </a:solidFill>
-              <a:uFill>
-                <a:solidFill>
-                  <a:srgbClr val="ffffff"/>
-                </a:solidFill>
-              </a:uFill>
-              <a:latin typeface="Arial"/>
-            </a:endParaRPr>
-          </a:p>
-          <a:p>
-            <a:pPr lvl="2" marL="1296000" indent="-288000">
+          </a:p>
+          <a:p>
+            <a:pPr marL="1296000" lvl="2" indent="-288000">
               <a:buClr>
                 <a:srgbClr val="000000"/>
               </a:buClr>
@@ -4936,33 +5415,22 @@
               <a:buChar char=""/>
             </a:pPr>
             <a:r>
-              <a:rPr b="0" lang="ru-RU" sz="1800" spc="-1" strike="noStrike">
+              <a:rPr lang="ru-RU" sz="1800" b="0" strike="noStrike" spc="-1">
                 <a:solidFill>
                   <a:srgbClr val="000000"/>
                 </a:solidFill>
                 <a:uFill>
                   <a:solidFill>
-                    <a:srgbClr val="ffffff"/>
+                    <a:srgbClr val="FFFFFF"/>
                   </a:solidFill>
                 </a:uFill>
                 <a:latin typeface="Arial"/>
               </a:rPr>
               <a:t>Третий уровень структуры</a:t>
             </a:r>
-            <a:endParaRPr b="0" lang="ru-RU" sz="1800" spc="-1" strike="noStrike">
-              <a:solidFill>
-                <a:srgbClr val="000000"/>
-              </a:solidFill>
-              <a:uFill>
-                <a:solidFill>
-                  <a:srgbClr val="ffffff"/>
-                </a:solidFill>
-              </a:uFill>
-              <a:latin typeface="Arial"/>
-            </a:endParaRPr>
-          </a:p>
-          <a:p>
-            <a:pPr lvl="3" marL="1728000" indent="-216000">
+          </a:p>
+          <a:p>
+            <a:pPr marL="1728000" lvl="3" indent="-216000">
               <a:buClr>
                 <a:srgbClr val="000000"/>
               </a:buClr>
@@ -4971,33 +5439,22 @@
               <a:buChar char=""/>
             </a:pPr>
             <a:r>
-              <a:rPr b="0" lang="ru-RU" sz="1800" spc="-1" strike="noStrike">
+              <a:rPr lang="ru-RU" sz="1800" b="0" strike="noStrike" spc="-1">
                 <a:solidFill>
                   <a:srgbClr val="000000"/>
                 </a:solidFill>
                 <a:uFill>
                   <a:solidFill>
-                    <a:srgbClr val="ffffff"/>
+                    <a:srgbClr val="FFFFFF"/>
                   </a:solidFill>
                 </a:uFill>
                 <a:latin typeface="Arial"/>
               </a:rPr>
               <a:t>Четвёртый уровень структуры</a:t>
             </a:r>
-            <a:endParaRPr b="0" lang="ru-RU" sz="1800" spc="-1" strike="noStrike">
-              <a:solidFill>
-                <a:srgbClr val="000000"/>
-              </a:solidFill>
-              <a:uFill>
-                <a:solidFill>
-                  <a:srgbClr val="ffffff"/>
-                </a:solidFill>
-              </a:uFill>
-              <a:latin typeface="Arial"/>
-            </a:endParaRPr>
-          </a:p>
-          <a:p>
-            <a:pPr lvl="4" marL="2160000" indent="-216000">
+          </a:p>
+          <a:p>
+            <a:pPr marL="2160000" lvl="4" indent="-216000">
               <a:buClr>
                 <a:srgbClr val="000000"/>
               </a:buClr>
@@ -5006,33 +5463,22 @@
               <a:buChar char=""/>
             </a:pPr>
             <a:r>
-              <a:rPr b="0" lang="ru-RU" sz="2000" spc="-1" strike="noStrike">
+              <a:rPr lang="ru-RU" sz="2000" b="0" strike="noStrike" spc="-1">
                 <a:solidFill>
                   <a:srgbClr val="000000"/>
                 </a:solidFill>
                 <a:uFill>
                   <a:solidFill>
-                    <a:srgbClr val="ffffff"/>
+                    <a:srgbClr val="FFFFFF"/>
                   </a:solidFill>
                 </a:uFill>
                 <a:latin typeface="Arial"/>
               </a:rPr>
               <a:t>Пятый уровень структуры</a:t>
             </a:r>
-            <a:endParaRPr b="0" lang="ru-RU" sz="2000" spc="-1" strike="noStrike">
-              <a:solidFill>
-                <a:srgbClr val="000000"/>
-              </a:solidFill>
-              <a:uFill>
-                <a:solidFill>
-                  <a:srgbClr val="ffffff"/>
-                </a:solidFill>
-              </a:uFill>
-              <a:latin typeface="Arial"/>
-            </a:endParaRPr>
-          </a:p>
-          <a:p>
-            <a:pPr lvl="5" marL="2592000" indent="-216000">
+          </a:p>
+          <a:p>
+            <a:pPr marL="2592000" lvl="5" indent="-216000">
               <a:buClr>
                 <a:srgbClr val="000000"/>
               </a:buClr>
@@ -5041,33 +5487,22 @@
               <a:buChar char=""/>
             </a:pPr>
             <a:r>
-              <a:rPr b="0" lang="ru-RU" sz="2000" spc="-1" strike="noStrike">
+              <a:rPr lang="ru-RU" sz="2000" b="0" strike="noStrike" spc="-1">
                 <a:solidFill>
                   <a:srgbClr val="000000"/>
                 </a:solidFill>
                 <a:uFill>
                   <a:solidFill>
-                    <a:srgbClr val="ffffff"/>
+                    <a:srgbClr val="FFFFFF"/>
                   </a:solidFill>
                 </a:uFill>
                 <a:latin typeface="Arial"/>
               </a:rPr>
               <a:t>Шестой уровень структуры</a:t>
             </a:r>
-            <a:endParaRPr b="0" lang="ru-RU" sz="2000" spc="-1" strike="noStrike">
-              <a:solidFill>
-                <a:srgbClr val="000000"/>
-              </a:solidFill>
-              <a:uFill>
-                <a:solidFill>
-                  <a:srgbClr val="ffffff"/>
-                </a:solidFill>
-              </a:uFill>
-              <a:latin typeface="Arial"/>
-            </a:endParaRPr>
-          </a:p>
-          <a:p>
-            <a:pPr lvl="6" marL="3024000" indent="-216000">
+          </a:p>
+          <a:p>
+            <a:pPr marL="3024000" lvl="6" indent="-216000">
               <a:buClr>
                 <a:srgbClr val="000000"/>
               </a:buClr>
@@ -5076,61 +5511,331 @@
               <a:buChar char=""/>
             </a:pPr>
             <a:r>
-              <a:rPr b="0" lang="ru-RU" sz="2000" spc="-1" strike="noStrike">
+              <a:rPr lang="ru-RU" sz="2000" b="0" strike="noStrike" spc="-1">
                 <a:solidFill>
                   <a:srgbClr val="000000"/>
                 </a:solidFill>
                 <a:uFill>
                   <a:solidFill>
-                    <a:srgbClr val="ffffff"/>
+                    <a:srgbClr val="FFFFFF"/>
                   </a:solidFill>
                 </a:uFill>
                 <a:latin typeface="Arial"/>
               </a:rPr>
               <a:t>Седьмой уровень структуры</a:t>
             </a:r>
-            <a:endParaRPr b="0" lang="ru-RU" sz="2000" spc="-1" strike="noStrike">
-              <a:solidFill>
-                <a:srgbClr val="000000"/>
-              </a:solidFill>
-              <a:uFill>
-                <a:solidFill>
-                  <a:srgbClr val="ffffff"/>
-                </a:solidFill>
-              </a:uFill>
-              <a:latin typeface="Arial"/>
-            </a:endParaRPr>
           </a:p>
         </p:txBody>
       </p:sp>
     </p:spTree>
   </p:cSld>
-  <p:clrMap bg1="lt1" bg2="lt2" tx1="dk1" tx2="dk2" accent1="accent1" accent2="accent2" accent3="accent3" accent4="accent4" accent5="accent5" accent6="accent6" hlink="hlink" folHlink="folHlink"/>
+  <p:clrMap bg1="lt1" tx1="dk1" bg2="lt2" tx2="dk2" accent1="accent1" accent2="accent2" accent3="accent3" accent4="accent4" accent5="accent5" accent6="accent6" hlink="hlink" folHlink="folHlink"/>
   <p:sldLayoutIdLst>
-    <p:sldLayoutId id="2147483662" r:id="rId2"/>
-    <p:sldLayoutId id="2147483663" r:id="rId3"/>
-    <p:sldLayoutId id="2147483664" r:id="rId4"/>
-    <p:sldLayoutId id="2147483665" r:id="rId5"/>
-    <p:sldLayoutId id="2147483666" r:id="rId6"/>
-    <p:sldLayoutId id="2147483667" r:id="rId7"/>
-    <p:sldLayoutId id="2147483668" r:id="rId8"/>
-    <p:sldLayoutId id="2147483669" r:id="rId9"/>
-    <p:sldLayoutId id="2147483670" r:id="rId10"/>
-    <p:sldLayoutId id="2147483671" r:id="rId11"/>
-    <p:sldLayoutId id="2147483672" r:id="rId12"/>
-    <p:sldLayoutId id="2147483673" r:id="rId13"/>
+    <p:sldLayoutId id="2147483662" r:id="rId1"/>
+    <p:sldLayoutId id="2147483663" r:id="rId2"/>
+    <p:sldLayoutId id="2147483664" r:id="rId3"/>
+    <p:sldLayoutId id="2147483665" r:id="rId4"/>
+    <p:sldLayoutId id="2147483666" r:id="rId5"/>
+    <p:sldLayoutId id="2147483667" r:id="rId6"/>
+    <p:sldLayoutId id="2147483668" r:id="rId7"/>
+    <p:sldLayoutId id="2147483669" r:id="rId8"/>
+    <p:sldLayoutId id="2147483670" r:id="rId9"/>
+    <p:sldLayoutId id="2147483671" r:id="rId10"/>
+    <p:sldLayoutId id="2147483672" r:id="rId11"/>
+    <p:sldLayoutId id="2147483673" r:id="rId12"/>
   </p:sldLayoutIdLst>
+  <p:txStyles>
+    <p:titleStyle>
+      <a:lvl1pPr algn="l" defTabSz="914400" rtl="0" eaLnBrk="1" latinLnBrk="0" hangingPunct="1">
+        <a:lnSpc>
+          <a:spcPct val="90000"/>
+        </a:lnSpc>
+        <a:spcBef>
+          <a:spcPct val="0"/>
+        </a:spcBef>
+        <a:buNone/>
+        <a:defRPr sz="4400" kern="1200">
+          <a:solidFill>
+            <a:schemeClr val="tx1"/>
+          </a:solidFill>
+          <a:latin typeface="+mj-lt"/>
+          <a:ea typeface="+mj-ea"/>
+          <a:cs typeface="+mj-cs"/>
+        </a:defRPr>
+      </a:lvl1pPr>
+    </p:titleStyle>
+    <p:bodyStyle>
+      <a:lvl1pPr marL="228600" indent="-228600" algn="l" defTabSz="914400" rtl="0" eaLnBrk="1" latinLnBrk="0" hangingPunct="1">
+        <a:lnSpc>
+          <a:spcPct val="90000"/>
+        </a:lnSpc>
+        <a:spcBef>
+          <a:spcPts val="1000"/>
+        </a:spcBef>
+        <a:buFont typeface="Arial" panose="020B0604020202020204" pitchFamily="34" charset="0"/>
+        <a:buChar char="•"/>
+        <a:defRPr sz="2800" kern="1200">
+          <a:solidFill>
+            <a:schemeClr val="tx1"/>
+          </a:solidFill>
+          <a:latin typeface="+mn-lt"/>
+          <a:ea typeface="+mn-ea"/>
+          <a:cs typeface="+mn-cs"/>
+        </a:defRPr>
+      </a:lvl1pPr>
+      <a:lvl2pPr marL="685800" indent="-228600" algn="l" defTabSz="914400" rtl="0" eaLnBrk="1" latinLnBrk="0" hangingPunct="1">
+        <a:lnSpc>
+          <a:spcPct val="90000"/>
+        </a:lnSpc>
+        <a:spcBef>
+          <a:spcPts val="500"/>
+        </a:spcBef>
+        <a:buFont typeface="Arial" panose="020B0604020202020204" pitchFamily="34" charset="0"/>
+        <a:buChar char="•"/>
+        <a:defRPr sz="2400" kern="1200">
+          <a:solidFill>
+            <a:schemeClr val="tx1"/>
+          </a:solidFill>
+          <a:latin typeface="+mn-lt"/>
+          <a:ea typeface="+mn-ea"/>
+          <a:cs typeface="+mn-cs"/>
+        </a:defRPr>
+      </a:lvl2pPr>
+      <a:lvl3pPr marL="1143000" indent="-228600" algn="l" defTabSz="914400" rtl="0" eaLnBrk="1" latinLnBrk="0" hangingPunct="1">
+        <a:lnSpc>
+          <a:spcPct val="90000"/>
+        </a:lnSpc>
+        <a:spcBef>
+          <a:spcPts val="500"/>
+        </a:spcBef>
+        <a:buFont typeface="Arial" panose="020B0604020202020204" pitchFamily="34" charset="0"/>
+        <a:buChar char="•"/>
+        <a:defRPr sz="2000" kern="1200">
+          <a:solidFill>
+            <a:schemeClr val="tx1"/>
+          </a:solidFill>
+          <a:latin typeface="+mn-lt"/>
+          <a:ea typeface="+mn-ea"/>
+          <a:cs typeface="+mn-cs"/>
+        </a:defRPr>
+      </a:lvl3pPr>
+      <a:lvl4pPr marL="1600200" indent="-228600" algn="l" defTabSz="914400" rtl="0" eaLnBrk="1" latinLnBrk="0" hangingPunct="1">
+        <a:lnSpc>
+          <a:spcPct val="90000"/>
+        </a:lnSpc>
+        <a:spcBef>
+          <a:spcPts val="500"/>
+        </a:spcBef>
+        <a:buFont typeface="Arial" panose="020B0604020202020204" pitchFamily="34" charset="0"/>
+        <a:buChar char="•"/>
+        <a:defRPr sz="1800" kern="1200">
+          <a:solidFill>
+            <a:schemeClr val="tx1"/>
+          </a:solidFill>
+          <a:latin typeface="+mn-lt"/>
+          <a:ea typeface="+mn-ea"/>
+          <a:cs typeface="+mn-cs"/>
+        </a:defRPr>
+      </a:lvl4pPr>
+      <a:lvl5pPr marL="2057400" indent="-228600" algn="l" defTabSz="914400" rtl="0" eaLnBrk="1" latinLnBrk="0" hangingPunct="1">
+        <a:lnSpc>
+          <a:spcPct val="90000"/>
+        </a:lnSpc>
+        <a:spcBef>
+          <a:spcPts val="500"/>
+        </a:spcBef>
+        <a:buFont typeface="Arial" panose="020B0604020202020204" pitchFamily="34" charset="0"/>
+        <a:buChar char="•"/>
+        <a:defRPr sz="1800" kern="1200">
+          <a:solidFill>
+            <a:schemeClr val="tx1"/>
+          </a:solidFill>
+          <a:latin typeface="+mn-lt"/>
+          <a:ea typeface="+mn-ea"/>
+          <a:cs typeface="+mn-cs"/>
+        </a:defRPr>
+      </a:lvl5pPr>
+      <a:lvl6pPr marL="2514600" indent="-228600" algn="l" defTabSz="914400" rtl="0" eaLnBrk="1" latinLnBrk="0" hangingPunct="1">
+        <a:lnSpc>
+          <a:spcPct val="90000"/>
+        </a:lnSpc>
+        <a:spcBef>
+          <a:spcPts val="500"/>
+        </a:spcBef>
+        <a:buFont typeface="Arial" panose="020B0604020202020204" pitchFamily="34" charset="0"/>
+        <a:buChar char="•"/>
+        <a:defRPr sz="1800" kern="1200">
+          <a:solidFill>
+            <a:schemeClr val="tx1"/>
+          </a:solidFill>
+          <a:latin typeface="+mn-lt"/>
+          <a:ea typeface="+mn-ea"/>
+          <a:cs typeface="+mn-cs"/>
+        </a:defRPr>
+      </a:lvl6pPr>
+      <a:lvl7pPr marL="2971800" indent="-228600" algn="l" defTabSz="914400" rtl="0" eaLnBrk="1" latinLnBrk="0" hangingPunct="1">
+        <a:lnSpc>
+          <a:spcPct val="90000"/>
+        </a:lnSpc>
+        <a:spcBef>
+          <a:spcPts val="500"/>
+        </a:spcBef>
+        <a:buFont typeface="Arial" panose="020B0604020202020204" pitchFamily="34" charset="0"/>
+        <a:buChar char="•"/>
+        <a:defRPr sz="1800" kern="1200">
+          <a:solidFill>
+            <a:schemeClr val="tx1"/>
+          </a:solidFill>
+          <a:latin typeface="+mn-lt"/>
+          <a:ea typeface="+mn-ea"/>
+          <a:cs typeface="+mn-cs"/>
+        </a:defRPr>
+      </a:lvl7pPr>
+      <a:lvl8pPr marL="3429000" indent="-228600" algn="l" defTabSz="914400" rtl="0" eaLnBrk="1" latinLnBrk="0" hangingPunct="1">
+        <a:lnSpc>
+          <a:spcPct val="90000"/>
+        </a:lnSpc>
+        <a:spcBef>
+          <a:spcPts val="500"/>
+        </a:spcBef>
+        <a:buFont typeface="Arial" panose="020B0604020202020204" pitchFamily="34" charset="0"/>
+        <a:buChar char="•"/>
+        <a:defRPr sz="1800" kern="1200">
+          <a:solidFill>
+            <a:schemeClr val="tx1"/>
+          </a:solidFill>
+          <a:latin typeface="+mn-lt"/>
+          <a:ea typeface="+mn-ea"/>
+          <a:cs typeface="+mn-cs"/>
+        </a:defRPr>
+      </a:lvl8pPr>
+      <a:lvl9pPr marL="3886200" indent="-228600" algn="l" defTabSz="914400" rtl="0" eaLnBrk="1" latinLnBrk="0" hangingPunct="1">
+        <a:lnSpc>
+          <a:spcPct val="90000"/>
+        </a:lnSpc>
+        <a:spcBef>
+          <a:spcPts val="500"/>
+        </a:spcBef>
+        <a:buFont typeface="Arial" panose="020B0604020202020204" pitchFamily="34" charset="0"/>
+        <a:buChar char="•"/>
+        <a:defRPr sz="1800" kern="1200">
+          <a:solidFill>
+            <a:schemeClr val="tx1"/>
+          </a:solidFill>
+          <a:latin typeface="+mn-lt"/>
+          <a:ea typeface="+mn-ea"/>
+          <a:cs typeface="+mn-cs"/>
+        </a:defRPr>
+      </a:lvl9pPr>
+    </p:bodyStyle>
+    <p:otherStyle>
+      <a:defPPr>
+        <a:defRPr lang="ru-RU"/>
+      </a:defPPr>
+      <a:lvl1pPr marL="0" algn="l" defTabSz="914400" rtl="0" eaLnBrk="1" latinLnBrk="0" hangingPunct="1">
+        <a:defRPr sz="1800" kern="1200">
+          <a:solidFill>
+            <a:schemeClr val="tx1"/>
+          </a:solidFill>
+          <a:latin typeface="+mn-lt"/>
+          <a:ea typeface="+mn-ea"/>
+          <a:cs typeface="+mn-cs"/>
+        </a:defRPr>
+      </a:lvl1pPr>
+      <a:lvl2pPr marL="457200" algn="l" defTabSz="914400" rtl="0" eaLnBrk="1" latinLnBrk="0" hangingPunct="1">
+        <a:defRPr sz="1800" kern="1200">
+          <a:solidFill>
+            <a:schemeClr val="tx1"/>
+          </a:solidFill>
+          <a:latin typeface="+mn-lt"/>
+          <a:ea typeface="+mn-ea"/>
+          <a:cs typeface="+mn-cs"/>
+        </a:defRPr>
+      </a:lvl2pPr>
+      <a:lvl3pPr marL="914400" algn="l" defTabSz="914400" rtl="0" eaLnBrk="1" latinLnBrk="0" hangingPunct="1">
+        <a:defRPr sz="1800" kern="1200">
+          <a:solidFill>
+            <a:schemeClr val="tx1"/>
+          </a:solidFill>
+          <a:latin typeface="+mn-lt"/>
+          <a:ea typeface="+mn-ea"/>
+          <a:cs typeface="+mn-cs"/>
+        </a:defRPr>
+      </a:lvl3pPr>
+      <a:lvl4pPr marL="1371600" algn="l" defTabSz="914400" rtl="0" eaLnBrk="1" latinLnBrk="0" hangingPunct="1">
+        <a:defRPr sz="1800" kern="1200">
+          <a:solidFill>
+            <a:schemeClr val="tx1"/>
+          </a:solidFill>
+          <a:latin typeface="+mn-lt"/>
+          <a:ea typeface="+mn-ea"/>
+          <a:cs typeface="+mn-cs"/>
+        </a:defRPr>
+      </a:lvl4pPr>
+      <a:lvl5pPr marL="1828800" algn="l" defTabSz="914400" rtl="0" eaLnBrk="1" latinLnBrk="0" hangingPunct="1">
+        <a:defRPr sz="1800" kern="1200">
+          <a:solidFill>
+            <a:schemeClr val="tx1"/>
+          </a:solidFill>
+          <a:latin typeface="+mn-lt"/>
+          <a:ea typeface="+mn-ea"/>
+          <a:cs typeface="+mn-cs"/>
+        </a:defRPr>
+      </a:lvl5pPr>
+      <a:lvl6pPr marL="2286000" algn="l" defTabSz="914400" rtl="0" eaLnBrk="1" latinLnBrk="0" hangingPunct="1">
+        <a:defRPr sz="1800" kern="1200">
+          <a:solidFill>
+            <a:schemeClr val="tx1"/>
+          </a:solidFill>
+          <a:latin typeface="+mn-lt"/>
+          <a:ea typeface="+mn-ea"/>
+          <a:cs typeface="+mn-cs"/>
+        </a:defRPr>
+      </a:lvl6pPr>
+      <a:lvl7pPr marL="2743200" algn="l" defTabSz="914400" rtl="0" eaLnBrk="1" latinLnBrk="0" hangingPunct="1">
+        <a:defRPr sz="1800" kern="1200">
+          <a:solidFill>
+            <a:schemeClr val="tx1"/>
+          </a:solidFill>
+          <a:latin typeface="+mn-lt"/>
+          <a:ea typeface="+mn-ea"/>
+          <a:cs typeface="+mn-cs"/>
+        </a:defRPr>
+      </a:lvl7pPr>
+      <a:lvl8pPr marL="3200400" algn="l" defTabSz="914400" rtl="0" eaLnBrk="1" latinLnBrk="0" hangingPunct="1">
+        <a:defRPr sz="1800" kern="1200">
+          <a:solidFill>
+            <a:schemeClr val="tx1"/>
+          </a:solidFill>
+          <a:latin typeface="+mn-lt"/>
+          <a:ea typeface="+mn-ea"/>
+          <a:cs typeface="+mn-cs"/>
+        </a:defRPr>
+      </a:lvl8pPr>
+      <a:lvl9pPr marL="3657600" algn="l" defTabSz="914400" rtl="0" eaLnBrk="1" latinLnBrk="0" hangingPunct="1">
+        <a:defRPr sz="1800" kern="1200">
+          <a:solidFill>
+            <a:schemeClr val="tx1"/>
+          </a:solidFill>
+          <a:latin typeface="+mn-lt"/>
+          <a:ea typeface="+mn-ea"/>
+          <a:cs typeface="+mn-cs"/>
+        </a:defRPr>
+      </a:lvl9pPr>
+    </p:otherStyle>
+  </p:txStyles>
 </p:sldMaster>
 </file>
 
 <file path=ppt/slideMasters/slideMaster3.xml><?xml version="1.0" encoding="utf-8"?>
-<p:sldMaster xmlns:a="http://schemas.openxmlformats.org/drawingml/2006/main" xmlns:p="http://schemas.openxmlformats.org/presentationml/2006/main" xmlns:r="http://schemas.openxmlformats.org/officeDocument/2006/relationships" xmlns:p14="http://schemas.microsoft.com/office/powerpoint/2010/main" xmlns:p15="http://schemas.microsoft.com/office/powerpoint/2012/main" xmlns:mc="http://schemas.openxmlformats.org/markup-compatibility/2006">
+<p:sldMaster xmlns:a="http://schemas.openxmlformats.org/drawingml/2006/main" xmlns:r="http://schemas.openxmlformats.org/officeDocument/2006/relationships" xmlns:p="http://schemas.openxmlformats.org/presentationml/2006/main">
   <p:cSld>
     <p:bg>
       <p:bgPr>
         <a:solidFill>
-          <a:srgbClr val="ffffff"/>
+          <a:srgbClr val="FFFFFF"/>
         </a:solidFill>
+        <a:effectLst/>
       </p:bgPr>
     </p:bg>
     <p:spTree>
@@ -5167,15 +5872,16 @@
           </a:prstGeom>
         </p:spPr>
         <p:txBody>
-          <a:bodyPr lIns="0" rIns="0" tIns="0" bIns="0" anchor="ctr"/>
-          <a:p>
-            <a:endParaRPr b="0" lang="ru-RU" sz="1800" spc="-1" strike="noStrike">
-              <a:solidFill>
-                <a:srgbClr val="000000"/>
-              </a:solidFill>
-              <a:uFill>
-                <a:solidFill>
-                  <a:srgbClr val="ffffff"/>
+          <a:bodyPr lIns="0" tIns="0" rIns="0" bIns="0" anchor="ctr"/>
+          <a:lstStyle/>
+          <a:p>
+            <a:endParaRPr lang="ru-RU" sz="1800" b="0" strike="noStrike" spc="-1">
+              <a:solidFill>
+                <a:srgbClr val="000000"/>
+              </a:solidFill>
+              <a:uFill>
+                <a:solidFill>
+                  <a:srgbClr val="FFFFFF"/>
                 </a:solidFill>
               </a:uFill>
               <a:latin typeface="Arial"/>
@@ -5203,7 +5909,8 @@
           </a:prstGeom>
         </p:spPr>
         <p:txBody>
-          <a:bodyPr lIns="0" rIns="0" tIns="0" bIns="0"/>
+          <a:bodyPr lIns="0" tIns="0" rIns="0" bIns="0"/>
+          <a:lstStyle/>
           <a:p>
             <a:pPr marL="432000" indent="-324000">
               <a:buClr>
@@ -5214,33 +5921,22 @@
               <a:buChar char=""/>
             </a:pPr>
             <a:r>
-              <a:rPr b="0" lang="ru-RU" sz="2800" spc="-1" strike="noStrike">
+              <a:rPr lang="ru-RU" sz="2800" b="0" strike="noStrike" spc="-1">
                 <a:solidFill>
                   <a:srgbClr val="000000"/>
                 </a:solidFill>
                 <a:uFill>
                   <a:solidFill>
-                    <a:srgbClr val="ffffff"/>
+                    <a:srgbClr val="FFFFFF"/>
                   </a:solidFill>
                 </a:uFill>
                 <a:latin typeface="Arial"/>
               </a:rPr>
               <a:t>Для правки структуры щёлкните мышью</a:t>
             </a:r>
-            <a:endParaRPr b="0" lang="ru-RU" sz="2800" spc="-1" strike="noStrike">
-              <a:solidFill>
-                <a:srgbClr val="000000"/>
-              </a:solidFill>
-              <a:uFill>
-                <a:solidFill>
-                  <a:srgbClr val="ffffff"/>
-                </a:solidFill>
-              </a:uFill>
-              <a:latin typeface="Arial"/>
-            </a:endParaRPr>
-          </a:p>
-          <a:p>
-            <a:pPr lvl="1" marL="864000" indent="-324000">
+          </a:p>
+          <a:p>
+            <a:pPr marL="864000" lvl="1" indent="-324000">
               <a:buClr>
                 <a:srgbClr val="000000"/>
               </a:buClr>
@@ -5249,33 +5945,22 @@
               <a:buChar char=""/>
             </a:pPr>
             <a:r>
-              <a:rPr b="0" lang="ru-RU" sz="2800" spc="-1" strike="noStrike">
+              <a:rPr lang="ru-RU" sz="2800" b="0" strike="noStrike" spc="-1">
                 <a:solidFill>
                   <a:srgbClr val="000000"/>
                 </a:solidFill>
                 <a:uFill>
                   <a:solidFill>
-                    <a:srgbClr val="ffffff"/>
+                    <a:srgbClr val="FFFFFF"/>
                   </a:solidFill>
                 </a:uFill>
                 <a:latin typeface="Arial"/>
               </a:rPr>
               <a:t>Второй уровень структуры</a:t>
             </a:r>
-            <a:endParaRPr b="0" lang="ru-RU" sz="2800" spc="-1" strike="noStrike">
-              <a:solidFill>
-                <a:srgbClr val="000000"/>
-              </a:solidFill>
-              <a:uFill>
-                <a:solidFill>
-                  <a:srgbClr val="ffffff"/>
-                </a:solidFill>
-              </a:uFill>
-              <a:latin typeface="Arial"/>
-            </a:endParaRPr>
-          </a:p>
-          <a:p>
-            <a:pPr lvl="2" marL="1296000" indent="-288000">
+          </a:p>
+          <a:p>
+            <a:pPr marL="1296000" lvl="2" indent="-288000">
               <a:buClr>
                 <a:srgbClr val="000000"/>
               </a:buClr>
@@ -5284,33 +5969,22 @@
               <a:buChar char=""/>
             </a:pPr>
             <a:r>
-              <a:rPr b="0" lang="ru-RU" sz="2800" spc="-1" strike="noStrike">
+              <a:rPr lang="ru-RU" sz="2800" b="0" strike="noStrike" spc="-1">
                 <a:solidFill>
                   <a:srgbClr val="000000"/>
                 </a:solidFill>
                 <a:uFill>
                   <a:solidFill>
-                    <a:srgbClr val="ffffff"/>
+                    <a:srgbClr val="FFFFFF"/>
                   </a:solidFill>
                 </a:uFill>
                 <a:latin typeface="Arial"/>
               </a:rPr>
               <a:t>Третий уровень структуры</a:t>
             </a:r>
-            <a:endParaRPr b="0" lang="ru-RU" sz="2800" spc="-1" strike="noStrike">
-              <a:solidFill>
-                <a:srgbClr val="000000"/>
-              </a:solidFill>
-              <a:uFill>
-                <a:solidFill>
-                  <a:srgbClr val="ffffff"/>
-                </a:solidFill>
-              </a:uFill>
-              <a:latin typeface="Arial"/>
-            </a:endParaRPr>
-          </a:p>
-          <a:p>
-            <a:pPr lvl="3" marL="1728000" indent="-216000">
+          </a:p>
+          <a:p>
+            <a:pPr marL="1728000" lvl="3" indent="-216000">
               <a:buClr>
                 <a:srgbClr val="000000"/>
               </a:buClr>
@@ -5319,33 +5993,22 @@
               <a:buChar char=""/>
             </a:pPr>
             <a:r>
-              <a:rPr b="0" lang="ru-RU" sz="2800" spc="-1" strike="noStrike">
+              <a:rPr lang="ru-RU" sz="2800" b="0" strike="noStrike" spc="-1">
                 <a:solidFill>
                   <a:srgbClr val="000000"/>
                 </a:solidFill>
                 <a:uFill>
                   <a:solidFill>
-                    <a:srgbClr val="ffffff"/>
+                    <a:srgbClr val="FFFFFF"/>
                   </a:solidFill>
                 </a:uFill>
                 <a:latin typeface="Arial"/>
               </a:rPr>
               <a:t>Четвёртый уровень структуры</a:t>
             </a:r>
-            <a:endParaRPr b="0" lang="ru-RU" sz="2800" spc="-1" strike="noStrike">
-              <a:solidFill>
-                <a:srgbClr val="000000"/>
-              </a:solidFill>
-              <a:uFill>
-                <a:solidFill>
-                  <a:srgbClr val="ffffff"/>
-                </a:solidFill>
-              </a:uFill>
-              <a:latin typeface="Arial"/>
-            </a:endParaRPr>
-          </a:p>
-          <a:p>
-            <a:pPr lvl="4" marL="2160000" indent="-216000">
+          </a:p>
+          <a:p>
+            <a:pPr marL="2160000" lvl="4" indent="-216000">
               <a:buClr>
                 <a:srgbClr val="000000"/>
               </a:buClr>
@@ -5354,33 +6017,22 @@
               <a:buChar char=""/>
             </a:pPr>
             <a:r>
-              <a:rPr b="0" lang="ru-RU" sz="2800" spc="-1" strike="noStrike">
+              <a:rPr lang="ru-RU" sz="2800" b="0" strike="noStrike" spc="-1">
                 <a:solidFill>
                   <a:srgbClr val="000000"/>
                 </a:solidFill>
                 <a:uFill>
                   <a:solidFill>
-                    <a:srgbClr val="ffffff"/>
+                    <a:srgbClr val="FFFFFF"/>
                   </a:solidFill>
                 </a:uFill>
                 <a:latin typeface="Arial"/>
               </a:rPr>
               <a:t>Пятый уровень структуры</a:t>
             </a:r>
-            <a:endParaRPr b="0" lang="ru-RU" sz="2800" spc="-1" strike="noStrike">
-              <a:solidFill>
-                <a:srgbClr val="000000"/>
-              </a:solidFill>
-              <a:uFill>
-                <a:solidFill>
-                  <a:srgbClr val="ffffff"/>
-                </a:solidFill>
-              </a:uFill>
-              <a:latin typeface="Arial"/>
-            </a:endParaRPr>
-          </a:p>
-          <a:p>
-            <a:pPr lvl="5" marL="2592000" indent="-216000">
+          </a:p>
+          <a:p>
+            <a:pPr marL="2592000" lvl="5" indent="-216000">
               <a:buClr>
                 <a:srgbClr val="000000"/>
               </a:buClr>
@@ -5389,33 +6041,22 @@
               <a:buChar char=""/>
             </a:pPr>
             <a:r>
-              <a:rPr b="0" lang="ru-RU" sz="2800" spc="-1" strike="noStrike">
+              <a:rPr lang="ru-RU" sz="2800" b="0" strike="noStrike" spc="-1">
                 <a:solidFill>
                   <a:srgbClr val="000000"/>
                 </a:solidFill>
                 <a:uFill>
                   <a:solidFill>
-                    <a:srgbClr val="ffffff"/>
+                    <a:srgbClr val="FFFFFF"/>
                   </a:solidFill>
                 </a:uFill>
                 <a:latin typeface="Arial"/>
               </a:rPr>
               <a:t>Шестой уровень структуры</a:t>
             </a:r>
-            <a:endParaRPr b="0" lang="ru-RU" sz="2800" spc="-1" strike="noStrike">
-              <a:solidFill>
-                <a:srgbClr val="000000"/>
-              </a:solidFill>
-              <a:uFill>
-                <a:solidFill>
-                  <a:srgbClr val="ffffff"/>
-                </a:solidFill>
-              </a:uFill>
-              <a:latin typeface="Arial"/>
-            </a:endParaRPr>
-          </a:p>
-          <a:p>
-            <a:pPr lvl="6" marL="3024000" indent="-216000">
+          </a:p>
+          <a:p>
+            <a:pPr marL="3024000" lvl="6" indent="-216000">
               <a:buClr>
                 <a:srgbClr val="000000"/>
               </a:buClr>
@@ -5424,55 +6065,324 @@
               <a:buChar char=""/>
             </a:pPr>
             <a:r>
-              <a:rPr b="0" lang="ru-RU" sz="2800" spc="-1" strike="noStrike">
+              <a:rPr lang="ru-RU" sz="2800" b="0" strike="noStrike" spc="-1">
                 <a:solidFill>
                   <a:srgbClr val="000000"/>
                 </a:solidFill>
                 <a:uFill>
                   <a:solidFill>
-                    <a:srgbClr val="ffffff"/>
+                    <a:srgbClr val="FFFFFF"/>
                   </a:solidFill>
                 </a:uFill>
                 <a:latin typeface="Arial"/>
               </a:rPr>
               <a:t>Седьмой уровень структуры</a:t>
             </a:r>
-            <a:endParaRPr b="0" lang="ru-RU" sz="2800" spc="-1" strike="noStrike">
-              <a:solidFill>
-                <a:srgbClr val="000000"/>
-              </a:solidFill>
-              <a:uFill>
-                <a:solidFill>
-                  <a:srgbClr val="ffffff"/>
-                </a:solidFill>
-              </a:uFill>
-              <a:latin typeface="Arial"/>
-            </a:endParaRPr>
           </a:p>
         </p:txBody>
       </p:sp>
     </p:spTree>
   </p:cSld>
-  <p:clrMap bg1="lt1" bg2="lt2" tx1="dk1" tx2="dk2" accent1="accent1" accent2="accent2" accent3="accent3" accent4="accent4" accent5="accent5" accent6="accent6" hlink="hlink" folHlink="folHlink"/>
+  <p:clrMap bg1="lt1" tx1="dk1" bg2="lt2" tx2="dk2" accent1="accent1" accent2="accent2" accent3="accent3" accent4="accent4" accent5="accent5" accent6="accent6" hlink="hlink" folHlink="folHlink"/>
   <p:sldLayoutIdLst>
-    <p:sldLayoutId id="2147483675" r:id="rId2"/>
-    <p:sldLayoutId id="2147483676" r:id="rId3"/>
-    <p:sldLayoutId id="2147483677" r:id="rId4"/>
-    <p:sldLayoutId id="2147483678" r:id="rId5"/>
-    <p:sldLayoutId id="2147483679" r:id="rId6"/>
-    <p:sldLayoutId id="2147483680" r:id="rId7"/>
-    <p:sldLayoutId id="2147483681" r:id="rId8"/>
-    <p:sldLayoutId id="2147483682" r:id="rId9"/>
-    <p:sldLayoutId id="2147483683" r:id="rId10"/>
-    <p:sldLayoutId id="2147483684" r:id="rId11"/>
-    <p:sldLayoutId id="2147483685" r:id="rId12"/>
-    <p:sldLayoutId id="2147483686" r:id="rId13"/>
+    <p:sldLayoutId id="2147483675" r:id="rId1"/>
+    <p:sldLayoutId id="2147483676" r:id="rId2"/>
+    <p:sldLayoutId id="2147483677" r:id="rId3"/>
+    <p:sldLayoutId id="2147483678" r:id="rId4"/>
+    <p:sldLayoutId id="2147483679" r:id="rId5"/>
+    <p:sldLayoutId id="2147483680" r:id="rId6"/>
+    <p:sldLayoutId id="2147483681" r:id="rId7"/>
+    <p:sldLayoutId id="2147483682" r:id="rId8"/>
+    <p:sldLayoutId id="2147483683" r:id="rId9"/>
+    <p:sldLayoutId id="2147483684" r:id="rId10"/>
+    <p:sldLayoutId id="2147483685" r:id="rId11"/>
+    <p:sldLayoutId id="2147483686" r:id="rId12"/>
   </p:sldLayoutIdLst>
+  <p:txStyles>
+    <p:titleStyle>
+      <a:lvl1pPr algn="l" defTabSz="914400" rtl="0" eaLnBrk="1" latinLnBrk="0" hangingPunct="1">
+        <a:lnSpc>
+          <a:spcPct val="90000"/>
+        </a:lnSpc>
+        <a:spcBef>
+          <a:spcPct val="0"/>
+        </a:spcBef>
+        <a:buNone/>
+        <a:defRPr sz="4400" kern="1200">
+          <a:solidFill>
+            <a:schemeClr val="tx1"/>
+          </a:solidFill>
+          <a:latin typeface="+mj-lt"/>
+          <a:ea typeface="+mj-ea"/>
+          <a:cs typeface="+mj-cs"/>
+        </a:defRPr>
+      </a:lvl1pPr>
+    </p:titleStyle>
+    <p:bodyStyle>
+      <a:lvl1pPr marL="228600" indent="-228600" algn="l" defTabSz="914400" rtl="0" eaLnBrk="1" latinLnBrk="0" hangingPunct="1">
+        <a:lnSpc>
+          <a:spcPct val="90000"/>
+        </a:lnSpc>
+        <a:spcBef>
+          <a:spcPts val="1000"/>
+        </a:spcBef>
+        <a:buFont typeface="Arial" panose="020B0604020202020204" pitchFamily="34" charset="0"/>
+        <a:buChar char="•"/>
+        <a:defRPr sz="2800" kern="1200">
+          <a:solidFill>
+            <a:schemeClr val="tx1"/>
+          </a:solidFill>
+          <a:latin typeface="+mn-lt"/>
+          <a:ea typeface="+mn-ea"/>
+          <a:cs typeface="+mn-cs"/>
+        </a:defRPr>
+      </a:lvl1pPr>
+      <a:lvl2pPr marL="685800" indent="-228600" algn="l" defTabSz="914400" rtl="0" eaLnBrk="1" latinLnBrk="0" hangingPunct="1">
+        <a:lnSpc>
+          <a:spcPct val="90000"/>
+        </a:lnSpc>
+        <a:spcBef>
+          <a:spcPts val="500"/>
+        </a:spcBef>
+        <a:buFont typeface="Arial" panose="020B0604020202020204" pitchFamily="34" charset="0"/>
+        <a:buChar char="•"/>
+        <a:defRPr sz="2400" kern="1200">
+          <a:solidFill>
+            <a:schemeClr val="tx1"/>
+          </a:solidFill>
+          <a:latin typeface="+mn-lt"/>
+          <a:ea typeface="+mn-ea"/>
+          <a:cs typeface="+mn-cs"/>
+        </a:defRPr>
+      </a:lvl2pPr>
+      <a:lvl3pPr marL="1143000" indent="-228600" algn="l" defTabSz="914400" rtl="0" eaLnBrk="1" latinLnBrk="0" hangingPunct="1">
+        <a:lnSpc>
+          <a:spcPct val="90000"/>
+        </a:lnSpc>
+        <a:spcBef>
+          <a:spcPts val="500"/>
+        </a:spcBef>
+        <a:buFont typeface="Arial" panose="020B0604020202020204" pitchFamily="34" charset="0"/>
+        <a:buChar char="•"/>
+        <a:defRPr sz="2000" kern="1200">
+          <a:solidFill>
+            <a:schemeClr val="tx1"/>
+          </a:solidFill>
+          <a:latin typeface="+mn-lt"/>
+          <a:ea typeface="+mn-ea"/>
+          <a:cs typeface="+mn-cs"/>
+        </a:defRPr>
+      </a:lvl3pPr>
+      <a:lvl4pPr marL="1600200" indent="-228600" algn="l" defTabSz="914400" rtl="0" eaLnBrk="1" latinLnBrk="0" hangingPunct="1">
+        <a:lnSpc>
+          <a:spcPct val="90000"/>
+        </a:lnSpc>
+        <a:spcBef>
+          <a:spcPts val="500"/>
+        </a:spcBef>
+        <a:buFont typeface="Arial" panose="020B0604020202020204" pitchFamily="34" charset="0"/>
+        <a:buChar char="•"/>
+        <a:defRPr sz="1800" kern="1200">
+          <a:solidFill>
+            <a:schemeClr val="tx1"/>
+          </a:solidFill>
+          <a:latin typeface="+mn-lt"/>
+          <a:ea typeface="+mn-ea"/>
+          <a:cs typeface="+mn-cs"/>
+        </a:defRPr>
+      </a:lvl4pPr>
+      <a:lvl5pPr marL="2057400" indent="-228600" algn="l" defTabSz="914400" rtl="0" eaLnBrk="1" latinLnBrk="0" hangingPunct="1">
+        <a:lnSpc>
+          <a:spcPct val="90000"/>
+        </a:lnSpc>
+        <a:spcBef>
+          <a:spcPts val="500"/>
+        </a:spcBef>
+        <a:buFont typeface="Arial" panose="020B0604020202020204" pitchFamily="34" charset="0"/>
+        <a:buChar char="•"/>
+        <a:defRPr sz="1800" kern="1200">
+          <a:solidFill>
+            <a:schemeClr val="tx1"/>
+          </a:solidFill>
+          <a:latin typeface="+mn-lt"/>
+          <a:ea typeface="+mn-ea"/>
+          <a:cs typeface="+mn-cs"/>
+        </a:defRPr>
+      </a:lvl5pPr>
+      <a:lvl6pPr marL="2514600" indent="-228600" algn="l" defTabSz="914400" rtl="0" eaLnBrk="1" latinLnBrk="0" hangingPunct="1">
+        <a:lnSpc>
+          <a:spcPct val="90000"/>
+        </a:lnSpc>
+        <a:spcBef>
+          <a:spcPts val="500"/>
+        </a:spcBef>
+        <a:buFont typeface="Arial" panose="020B0604020202020204" pitchFamily="34" charset="0"/>
+        <a:buChar char="•"/>
+        <a:defRPr sz="1800" kern="1200">
+          <a:solidFill>
+            <a:schemeClr val="tx1"/>
+          </a:solidFill>
+          <a:latin typeface="+mn-lt"/>
+          <a:ea typeface="+mn-ea"/>
+          <a:cs typeface="+mn-cs"/>
+        </a:defRPr>
+      </a:lvl6pPr>
+      <a:lvl7pPr marL="2971800" indent="-228600" algn="l" defTabSz="914400" rtl="0" eaLnBrk="1" latinLnBrk="0" hangingPunct="1">
+        <a:lnSpc>
+          <a:spcPct val="90000"/>
+        </a:lnSpc>
+        <a:spcBef>
+          <a:spcPts val="500"/>
+        </a:spcBef>
+        <a:buFont typeface="Arial" panose="020B0604020202020204" pitchFamily="34" charset="0"/>
+        <a:buChar char="•"/>
+        <a:defRPr sz="1800" kern="1200">
+          <a:solidFill>
+            <a:schemeClr val="tx1"/>
+          </a:solidFill>
+          <a:latin typeface="+mn-lt"/>
+          <a:ea typeface="+mn-ea"/>
+          <a:cs typeface="+mn-cs"/>
+        </a:defRPr>
+      </a:lvl7pPr>
+      <a:lvl8pPr marL="3429000" indent="-228600" algn="l" defTabSz="914400" rtl="0" eaLnBrk="1" latinLnBrk="0" hangingPunct="1">
+        <a:lnSpc>
+          <a:spcPct val="90000"/>
+        </a:lnSpc>
+        <a:spcBef>
+          <a:spcPts val="500"/>
+        </a:spcBef>
+        <a:buFont typeface="Arial" panose="020B0604020202020204" pitchFamily="34" charset="0"/>
+        <a:buChar char="•"/>
+        <a:defRPr sz="1800" kern="1200">
+          <a:solidFill>
+            <a:schemeClr val="tx1"/>
+          </a:solidFill>
+          <a:latin typeface="+mn-lt"/>
+          <a:ea typeface="+mn-ea"/>
+          <a:cs typeface="+mn-cs"/>
+        </a:defRPr>
+      </a:lvl8pPr>
+      <a:lvl9pPr marL="3886200" indent="-228600" algn="l" defTabSz="914400" rtl="0" eaLnBrk="1" latinLnBrk="0" hangingPunct="1">
+        <a:lnSpc>
+          <a:spcPct val="90000"/>
+        </a:lnSpc>
+        <a:spcBef>
+          <a:spcPts val="500"/>
+        </a:spcBef>
+        <a:buFont typeface="Arial" panose="020B0604020202020204" pitchFamily="34" charset="0"/>
+        <a:buChar char="•"/>
+        <a:defRPr sz="1800" kern="1200">
+          <a:solidFill>
+            <a:schemeClr val="tx1"/>
+          </a:solidFill>
+          <a:latin typeface="+mn-lt"/>
+          <a:ea typeface="+mn-ea"/>
+          <a:cs typeface="+mn-cs"/>
+        </a:defRPr>
+      </a:lvl9pPr>
+    </p:bodyStyle>
+    <p:otherStyle>
+      <a:defPPr>
+        <a:defRPr lang="ru-RU"/>
+      </a:defPPr>
+      <a:lvl1pPr marL="0" algn="l" defTabSz="914400" rtl="0" eaLnBrk="1" latinLnBrk="0" hangingPunct="1">
+        <a:defRPr sz="1800" kern="1200">
+          <a:solidFill>
+            <a:schemeClr val="tx1"/>
+          </a:solidFill>
+          <a:latin typeface="+mn-lt"/>
+          <a:ea typeface="+mn-ea"/>
+          <a:cs typeface="+mn-cs"/>
+        </a:defRPr>
+      </a:lvl1pPr>
+      <a:lvl2pPr marL="457200" algn="l" defTabSz="914400" rtl="0" eaLnBrk="1" latinLnBrk="0" hangingPunct="1">
+        <a:defRPr sz="1800" kern="1200">
+          <a:solidFill>
+            <a:schemeClr val="tx1"/>
+          </a:solidFill>
+          <a:latin typeface="+mn-lt"/>
+          <a:ea typeface="+mn-ea"/>
+          <a:cs typeface="+mn-cs"/>
+        </a:defRPr>
+      </a:lvl2pPr>
+      <a:lvl3pPr marL="914400" algn="l" defTabSz="914400" rtl="0" eaLnBrk="1" latinLnBrk="0" hangingPunct="1">
+        <a:defRPr sz="1800" kern="1200">
+          <a:solidFill>
+            <a:schemeClr val="tx1"/>
+          </a:solidFill>
+          <a:latin typeface="+mn-lt"/>
+          <a:ea typeface="+mn-ea"/>
+          <a:cs typeface="+mn-cs"/>
+        </a:defRPr>
+      </a:lvl3pPr>
+      <a:lvl4pPr marL="1371600" algn="l" defTabSz="914400" rtl="0" eaLnBrk="1" latinLnBrk="0" hangingPunct="1">
+        <a:defRPr sz="1800" kern="1200">
+          <a:solidFill>
+            <a:schemeClr val="tx1"/>
+          </a:solidFill>
+          <a:latin typeface="+mn-lt"/>
+          <a:ea typeface="+mn-ea"/>
+          <a:cs typeface="+mn-cs"/>
+        </a:defRPr>
+      </a:lvl4pPr>
+      <a:lvl5pPr marL="1828800" algn="l" defTabSz="914400" rtl="0" eaLnBrk="1" latinLnBrk="0" hangingPunct="1">
+        <a:defRPr sz="1800" kern="1200">
+          <a:solidFill>
+            <a:schemeClr val="tx1"/>
+          </a:solidFill>
+          <a:latin typeface="+mn-lt"/>
+          <a:ea typeface="+mn-ea"/>
+          <a:cs typeface="+mn-cs"/>
+        </a:defRPr>
+      </a:lvl5pPr>
+      <a:lvl6pPr marL="2286000" algn="l" defTabSz="914400" rtl="0" eaLnBrk="1" latinLnBrk="0" hangingPunct="1">
+        <a:defRPr sz="1800" kern="1200">
+          <a:solidFill>
+            <a:schemeClr val="tx1"/>
+          </a:solidFill>
+          <a:latin typeface="+mn-lt"/>
+          <a:ea typeface="+mn-ea"/>
+          <a:cs typeface="+mn-cs"/>
+        </a:defRPr>
+      </a:lvl6pPr>
+      <a:lvl7pPr marL="2743200" algn="l" defTabSz="914400" rtl="0" eaLnBrk="1" latinLnBrk="0" hangingPunct="1">
+        <a:defRPr sz="1800" kern="1200">
+          <a:solidFill>
+            <a:schemeClr val="tx1"/>
+          </a:solidFill>
+          <a:latin typeface="+mn-lt"/>
+          <a:ea typeface="+mn-ea"/>
+          <a:cs typeface="+mn-cs"/>
+        </a:defRPr>
+      </a:lvl7pPr>
+      <a:lvl8pPr marL="3200400" algn="l" defTabSz="914400" rtl="0" eaLnBrk="1" latinLnBrk="0" hangingPunct="1">
+        <a:defRPr sz="1800" kern="1200">
+          <a:solidFill>
+            <a:schemeClr val="tx1"/>
+          </a:solidFill>
+          <a:latin typeface="+mn-lt"/>
+          <a:ea typeface="+mn-ea"/>
+          <a:cs typeface="+mn-cs"/>
+        </a:defRPr>
+      </a:lvl8pPr>
+      <a:lvl9pPr marL="3657600" algn="l" defTabSz="914400" rtl="0" eaLnBrk="1" latinLnBrk="0" hangingPunct="1">
+        <a:defRPr sz="1800" kern="1200">
+          <a:solidFill>
+            <a:schemeClr val="tx1"/>
+          </a:solidFill>
+          <a:latin typeface="+mn-lt"/>
+          <a:ea typeface="+mn-ea"/>
+          <a:cs typeface="+mn-cs"/>
+        </a:defRPr>
+      </a:lvl9pPr>
+    </p:otherStyle>
+  </p:txStyles>
 </p:sldMaster>
 </file>
 
 <file path=ppt/slides/slide1.xml><?xml version="1.0" encoding="utf-8"?>
-<p:sld xmlns:a="http://schemas.openxmlformats.org/drawingml/2006/main" xmlns:p="http://schemas.openxmlformats.org/presentationml/2006/main" xmlns:r="http://schemas.openxmlformats.org/officeDocument/2006/relationships" xmlns:p14="http://schemas.microsoft.com/office/powerpoint/2010/main" xmlns:p15="http://schemas.microsoft.com/office/powerpoint/2012/main" xmlns:mc="http://schemas.openxmlformats.org/markup-compatibility/2006">
+<p:sld xmlns:a="http://schemas.openxmlformats.org/drawingml/2006/main" xmlns:r="http://schemas.openxmlformats.org/officeDocument/2006/relationships" xmlns:p="http://schemas.openxmlformats.org/presentationml/2006/main">
   <p:cSld>
     <p:spTree>
       <p:nvGrpSpPr>
@@ -5508,13 +6418,20 @@
           </a:ln>
         </p:spPr>
         <p:style>
-          <a:lnRef idx="0"/>
-          <a:fillRef idx="0"/>
-          <a:effectRef idx="0"/>
+          <a:lnRef idx="0">
+            <a:scrgbClr r="0" g="0" b="0"/>
+          </a:lnRef>
+          <a:fillRef idx="0">
+            <a:scrgbClr r="0" g="0" b="0"/>
+          </a:fillRef>
+          <a:effectRef idx="0">
+            <a:scrgbClr r="0" g="0" b="0"/>
+          </a:effectRef>
           <a:fontRef idx="minor"/>
         </p:style>
         <p:txBody>
-          <a:bodyPr lIns="0" rIns="0" tIns="0" bIns="0" anchor="ctr"/>
+          <a:bodyPr lIns="0" tIns="0" rIns="0" bIns="0" anchor="ctr"/>
+          <a:lstStyle/>
           <a:p>
             <a:pPr algn="ctr">
               <a:lnSpc>
@@ -5522,13 +6439,13 @@
               </a:lnSpc>
             </a:pPr>
             <a:r>
-              <a:rPr b="0" lang="ru-RU" sz="3200" spc="-1" strike="noStrike">
+              <a:rPr lang="ru-RU" sz="3200" b="0" strike="noStrike" spc="-1">
                 <a:solidFill>
                   <a:srgbClr val="000000"/>
                 </a:solidFill>
                 <a:uFill>
                   <a:solidFill>
-                    <a:srgbClr val="ffffff"/>
+                    <a:srgbClr val="FFFFFF"/>
                   </a:solidFill>
                 </a:uFill>
                 <a:latin typeface="Arial"/>
@@ -5536,13 +6453,13 @@
               </a:rPr>
               <a:t>Алгоритм выбора ковариаций Демпстера</a:t>
             </a:r>
-            <a:endParaRPr b="0" lang="ru-RU" sz="1800" spc="-1" strike="noStrike">
-              <a:solidFill>
-                <a:srgbClr val="000000"/>
-              </a:solidFill>
-              <a:uFill>
-                <a:solidFill>
-                  <a:srgbClr val="ffffff"/>
+            <a:endParaRPr lang="ru-RU" sz="1800" b="0" strike="noStrike" spc="-1">
+              <a:solidFill>
+                <a:srgbClr val="000000"/>
+              </a:solidFill>
+              <a:uFill>
+                <a:solidFill>
+                  <a:srgbClr val="FFFFFF"/>
                 </a:solidFill>
               </a:uFill>
               <a:latin typeface="Arial"/>
@@ -5552,6 +6469,9 @@
       </p:sp>
     </p:spTree>
   </p:cSld>
+  <p:clrMapOvr>
+    <a:masterClrMapping/>
+  </p:clrMapOvr>
   <p:timing>
     <p:tnLst>
       <p:par>
@@ -5560,14 +6480,14 @@
             <p:seq>
               <p:cTn id="2" dur="indefinite" nodeType="mainSeq"/>
               <p:prevCondLst>
-                <p:cond delay="0" evt="onPrev">
+                <p:cond evt="onPrev" delay="0">
                   <p:tgtEl>
                     <p:sldTgt/>
                   </p:tgtEl>
                 </p:cond>
               </p:prevCondLst>
               <p:nextCondLst>
-                <p:cond delay="0" evt="onNext">
+                <p:cond evt="onNext" delay="0">
                   <p:tgtEl>
                     <p:sldTgt/>
                   </p:tgtEl>
@@ -5582,8 +6502,8 @@
 </p:sld>
 </file>
 
-<file path=ppt/slides/slide2.xml><?xml version="1.0" encoding="utf-8"?>
-<p:sld xmlns:a="http://schemas.openxmlformats.org/drawingml/2006/main" xmlns:p="http://schemas.openxmlformats.org/presentationml/2006/main" xmlns:r="http://schemas.openxmlformats.org/officeDocument/2006/relationships" xmlns:p14="http://schemas.microsoft.com/office/powerpoint/2010/main" xmlns:p15="http://schemas.microsoft.com/office/powerpoint/2012/main" xmlns:mc="http://schemas.openxmlformats.org/markup-compatibility/2006">
+<file path=ppt/slides/slide10.xml><?xml version="1.0" encoding="utf-8"?>
+<p:sld xmlns:a="http://schemas.openxmlformats.org/drawingml/2006/main" xmlns:r="http://schemas.openxmlformats.org/officeDocument/2006/relationships" xmlns:p="http://schemas.openxmlformats.org/presentationml/2006/main">
   <p:cSld>
     <p:spTree>
       <p:nvGrpSpPr>
@@ -5599,6 +6519,884 @@
           <a:chExt cx="0" cy="0"/>
         </a:xfrm>
       </p:grpSpPr>
+      <p:graphicFrame>
+        <p:nvGraphicFramePr>
+          <p:cNvPr id="5" name="Таблица 4">
+            <a:extLst>
+              <a:ext uri="{FF2B5EF4-FFF2-40B4-BE49-F238E27FC236}">
+                <a16:creationId xmlns:a16="http://schemas.microsoft.com/office/drawing/2014/main" id="{5A284179-213D-4587-8709-78FABDDC0B88}"/>
+              </a:ext>
+            </a:extLst>
+          </p:cNvPr>
+          <p:cNvGraphicFramePr>
+            <a:graphicFrameLocks noGrp="1"/>
+          </p:cNvGraphicFramePr>
+          <p:nvPr>
+            <p:extLst>
+              <p:ext uri="{D42A27DB-BD31-4B8C-83A1-F6EECF244321}">
+                <p14:modId xmlns:p14="http://schemas.microsoft.com/office/powerpoint/2010/main" val="2933587231"/>
+              </p:ext>
+            </p:extLst>
+          </p:nvPr>
+        </p:nvGraphicFramePr>
+        <p:xfrm>
+          <a:off x="394283" y="427839"/>
+          <a:ext cx="8850384" cy="4832058"/>
+        </p:xfrm>
+        <a:graphic>
+          <a:graphicData uri="http://schemas.openxmlformats.org/drawingml/2006/table">
+            <a:tbl>
+              <a:tblPr firstRow="1" bandRow="1">
+                <a:tableStyleId>{5C22544A-7EE6-4342-B048-85BDC9FD1C3A}</a:tableStyleId>
+              </a:tblPr>
+              <a:tblGrid>
+                <a:gridCol w="2212596">
+                  <a:extLst>
+                    <a:ext uri="{9D8B030D-6E8A-4147-A177-3AD203B41FA5}">
+                      <a16:colId xmlns:a16="http://schemas.microsoft.com/office/drawing/2014/main" val="782977602"/>
+                    </a:ext>
+                  </a:extLst>
+                </a:gridCol>
+                <a:gridCol w="2212596">
+                  <a:extLst>
+                    <a:ext uri="{9D8B030D-6E8A-4147-A177-3AD203B41FA5}">
+                      <a16:colId xmlns:a16="http://schemas.microsoft.com/office/drawing/2014/main" val="3525743941"/>
+                    </a:ext>
+                  </a:extLst>
+                </a:gridCol>
+                <a:gridCol w="2212596">
+                  <a:extLst>
+                    <a:ext uri="{9D8B030D-6E8A-4147-A177-3AD203B41FA5}">
+                      <a16:colId xmlns:a16="http://schemas.microsoft.com/office/drawing/2014/main" val="3897268873"/>
+                    </a:ext>
+                  </a:extLst>
+                </a:gridCol>
+                <a:gridCol w="2212596">
+                  <a:extLst>
+                    <a:ext uri="{9D8B030D-6E8A-4147-A177-3AD203B41FA5}">
+                      <a16:colId xmlns:a16="http://schemas.microsoft.com/office/drawing/2014/main" val="2393105982"/>
+                    </a:ext>
+                  </a:extLst>
+                </a:gridCol>
+              </a:tblGrid>
+              <a:tr h="1239998">
+                <a:tc>
+                  <a:txBody>
+                    <a:bodyPr/>
+                    <a:lstStyle/>
+                    <a:p>
+                      <a:pPr algn="ctr"/>
+                      <a:r>
+                        <a:rPr lang="en-US" dirty="0"/>
+                        <a:t>Dempster time (</a:t>
+                      </a:r>
+                      <a:r>
+                        <a:rPr lang="en-US" dirty="0" err="1"/>
+                        <a:t>ms</a:t>
+                      </a:r>
+                      <a:r>
+                        <a:rPr lang="en-US" dirty="0"/>
+                        <a:t>)</a:t>
+                      </a:r>
+                      <a:endParaRPr lang="ru-RU" dirty="0"/>
+                    </a:p>
+                  </a:txBody>
+                  <a:tcPr/>
+                </a:tc>
+                <a:tc>
+                  <a:txBody>
+                    <a:bodyPr/>
+                    <a:lstStyle/>
+                    <a:p>
+                      <a:pPr algn="ctr"/>
+                      <a:r>
+                        <a:rPr lang="en-US" dirty="0"/>
+                        <a:t>Modified time</a:t>
+                      </a:r>
+                    </a:p>
+                    <a:p>
+                      <a:pPr algn="ctr"/>
+                      <a:r>
+                        <a:rPr lang="en-US" dirty="0"/>
+                        <a:t>(</a:t>
+                      </a:r>
+                      <a:r>
+                        <a:rPr lang="en-US" dirty="0" err="1"/>
+                        <a:t>ms</a:t>
+                      </a:r>
+                      <a:r>
+                        <a:rPr lang="en-US" dirty="0"/>
+                        <a:t>)</a:t>
+                      </a:r>
+                      <a:endParaRPr lang="ru-RU" dirty="0"/>
+                    </a:p>
+                  </a:txBody>
+                  <a:tcPr/>
+                </a:tc>
+                <a:tc>
+                  <a:txBody>
+                    <a:bodyPr/>
+                    <a:lstStyle/>
+                    <a:p>
+                      <a:pPr algn="ctr"/>
+                      <a:r>
+                        <a:rPr lang="en-US" dirty="0" err="1"/>
+                        <a:t>Pvalue</a:t>
+                      </a:r>
+                      <a:endParaRPr lang="ru-RU" dirty="0"/>
+                    </a:p>
+                  </a:txBody>
+                  <a:tcPr/>
+                </a:tc>
+                <a:tc>
+                  <a:txBody>
+                    <a:bodyPr/>
+                    <a:lstStyle/>
+                    <a:p>
+                      <a:pPr algn="ctr"/>
+                      <a:r>
+                        <a:rPr lang="en-US" dirty="0"/>
+                        <a:t>Number of variables</a:t>
+                      </a:r>
+                      <a:endParaRPr lang="ru-RU" dirty="0"/>
+                    </a:p>
+                  </a:txBody>
+                  <a:tcPr/>
+                </a:tc>
+                <a:extLst>
+                  <a:ext uri="{0D108BD9-81ED-4DB2-BD59-A6C34878D82A}">
+                    <a16:rowId xmlns:a16="http://schemas.microsoft.com/office/drawing/2014/main" val="2336497639"/>
+                  </a:ext>
+                </a:extLst>
+              </a:tr>
+              <a:tr h="718412">
+                <a:tc>
+                  <a:txBody>
+                    <a:bodyPr/>
+                    <a:lstStyle/>
+                    <a:p>
+                      <a:pPr algn="ctr" fontAlgn="b"/>
+                      <a:r>
+                        <a:rPr lang="ru-RU" sz="3200" b="0" i="0" u="none" strike="noStrike" dirty="0">
+                          <a:solidFill>
+                            <a:srgbClr val="000000"/>
+                          </a:solidFill>
+                          <a:effectLst/>
+                          <a:latin typeface="Calibri" panose="020F0502020204030204" pitchFamily="34" charset="0"/>
+                        </a:rPr>
+                        <a:t>237.38</a:t>
+                      </a:r>
+                    </a:p>
+                  </a:txBody>
+                  <a:tcPr marL="6350" marR="6350" marT="6350" marB="0" anchor="b"/>
+                </a:tc>
+                <a:tc>
+                  <a:txBody>
+                    <a:bodyPr/>
+                    <a:lstStyle/>
+                    <a:p>
+                      <a:pPr algn="ctr" fontAlgn="b"/>
+                      <a:r>
+                        <a:rPr lang="ru-RU" sz="3200" b="0" i="0" u="none" strike="noStrike" dirty="0">
+                          <a:solidFill>
+                            <a:srgbClr val="000000"/>
+                          </a:solidFill>
+                          <a:effectLst/>
+                          <a:latin typeface="Calibri" panose="020F0502020204030204" pitchFamily="34" charset="0"/>
+                        </a:rPr>
+                        <a:t>165.52</a:t>
+                      </a:r>
+                    </a:p>
+                  </a:txBody>
+                  <a:tcPr marL="6350" marR="6350" marT="6350" marB="0" anchor="b"/>
+                </a:tc>
+                <a:tc>
+                  <a:txBody>
+                    <a:bodyPr/>
+                    <a:lstStyle/>
+                    <a:p>
+                      <a:pPr algn="ctr" fontAlgn="b"/>
+                      <a:r>
+                        <a:rPr lang="ru-RU" sz="3200" b="0" i="0" u="none" strike="noStrike">
+                          <a:solidFill>
+                            <a:srgbClr val="000000"/>
+                          </a:solidFill>
+                          <a:effectLst/>
+                          <a:latin typeface="Calibri" panose="020F0502020204030204" pitchFamily="34" charset="0"/>
+                        </a:rPr>
+                        <a:t>0.5</a:t>
+                      </a:r>
+                    </a:p>
+                  </a:txBody>
+                  <a:tcPr marL="6350" marR="6350" marT="6350" marB="0" anchor="b"/>
+                </a:tc>
+                <a:tc>
+                  <a:txBody>
+                    <a:bodyPr/>
+                    <a:lstStyle/>
+                    <a:p>
+                      <a:pPr algn="ctr" fontAlgn="b"/>
+                      <a:r>
+                        <a:rPr lang="ru-RU" sz="3200" b="0" i="0" u="none" strike="noStrike" dirty="0">
+                          <a:solidFill>
+                            <a:srgbClr val="000000"/>
+                          </a:solidFill>
+                          <a:effectLst/>
+                          <a:latin typeface="Calibri" panose="020F0502020204030204" pitchFamily="34" charset="0"/>
+                        </a:rPr>
+                        <a:t>16</a:t>
+                      </a:r>
+                    </a:p>
+                  </a:txBody>
+                  <a:tcPr marL="6350" marR="6350" marT="6350" marB="0" anchor="b"/>
+                </a:tc>
+                <a:extLst>
+                  <a:ext uri="{0D108BD9-81ED-4DB2-BD59-A6C34878D82A}">
+                    <a16:rowId xmlns:a16="http://schemas.microsoft.com/office/drawing/2014/main" val="3087066595"/>
+                  </a:ext>
+                </a:extLst>
+              </a:tr>
+              <a:tr h="718412">
+                <a:tc>
+                  <a:txBody>
+                    <a:bodyPr/>
+                    <a:lstStyle/>
+                    <a:p>
+                      <a:pPr algn="ctr" fontAlgn="b"/>
+                      <a:r>
+                        <a:rPr lang="ru-RU" sz="3200" b="0" i="0" u="none" strike="noStrike" dirty="0">
+                          <a:solidFill>
+                            <a:srgbClr val="000000"/>
+                          </a:solidFill>
+                          <a:effectLst/>
+                          <a:latin typeface="Calibri" panose="020F0502020204030204" pitchFamily="34" charset="0"/>
+                        </a:rPr>
+                        <a:t>220.92</a:t>
+                      </a:r>
+                    </a:p>
+                  </a:txBody>
+                  <a:tcPr marL="6350" marR="6350" marT="6350" marB="0" anchor="b"/>
+                </a:tc>
+                <a:tc>
+                  <a:txBody>
+                    <a:bodyPr/>
+                    <a:lstStyle/>
+                    <a:p>
+                      <a:pPr algn="ctr" fontAlgn="b"/>
+                      <a:r>
+                        <a:rPr lang="ru-RU" sz="3200" b="0" i="0" u="none" strike="noStrike" dirty="0">
+                          <a:solidFill>
+                            <a:srgbClr val="000000"/>
+                          </a:solidFill>
+                          <a:effectLst/>
+                          <a:latin typeface="Calibri" panose="020F0502020204030204" pitchFamily="34" charset="0"/>
+                        </a:rPr>
+                        <a:t>185.00</a:t>
+                      </a:r>
+                    </a:p>
+                  </a:txBody>
+                  <a:tcPr marL="6350" marR="6350" marT="6350" marB="0" anchor="b"/>
+                </a:tc>
+                <a:tc>
+                  <a:txBody>
+                    <a:bodyPr/>
+                    <a:lstStyle/>
+                    <a:p>
+                      <a:pPr algn="ctr" fontAlgn="b"/>
+                      <a:r>
+                        <a:rPr lang="ru-RU" sz="3200" b="0" i="0" u="none" strike="noStrike" dirty="0">
+                          <a:solidFill>
+                            <a:srgbClr val="000000"/>
+                          </a:solidFill>
+                          <a:effectLst/>
+                          <a:latin typeface="Calibri" panose="020F0502020204030204" pitchFamily="34" charset="0"/>
+                        </a:rPr>
+                        <a:t>0.5</a:t>
+                      </a:r>
+                    </a:p>
+                  </a:txBody>
+                  <a:tcPr marL="6350" marR="6350" marT="6350" marB="0" anchor="b"/>
+                </a:tc>
+                <a:tc>
+                  <a:txBody>
+                    <a:bodyPr/>
+                    <a:lstStyle/>
+                    <a:p>
+                      <a:pPr algn="ctr" fontAlgn="b"/>
+                      <a:r>
+                        <a:rPr lang="ru-RU" sz="3200" b="0" i="0" u="none" strike="noStrike" dirty="0">
+                          <a:solidFill>
+                            <a:srgbClr val="000000"/>
+                          </a:solidFill>
+                          <a:effectLst/>
+                          <a:latin typeface="Calibri" panose="020F0502020204030204" pitchFamily="34" charset="0"/>
+                        </a:rPr>
+                        <a:t>15</a:t>
+                      </a:r>
+                    </a:p>
+                  </a:txBody>
+                  <a:tcPr marL="6350" marR="6350" marT="6350" marB="0" anchor="b"/>
+                </a:tc>
+                <a:extLst>
+                  <a:ext uri="{0D108BD9-81ED-4DB2-BD59-A6C34878D82A}">
+                    <a16:rowId xmlns:a16="http://schemas.microsoft.com/office/drawing/2014/main" val="2783968922"/>
+                  </a:ext>
+                </a:extLst>
+              </a:tr>
+              <a:tr h="718412">
+                <a:tc>
+                  <a:txBody>
+                    <a:bodyPr/>
+                    <a:lstStyle/>
+                    <a:p>
+                      <a:pPr algn="ctr" fontAlgn="b"/>
+                      <a:r>
+                        <a:rPr lang="ru-RU" sz="3200" b="0" i="0" u="none" strike="noStrike" dirty="0">
+                          <a:solidFill>
+                            <a:srgbClr val="000000"/>
+                          </a:solidFill>
+                          <a:effectLst/>
+                          <a:latin typeface="Calibri" panose="020F0502020204030204" pitchFamily="34" charset="0"/>
+                        </a:rPr>
+                        <a:t>14.8</a:t>
+                      </a:r>
+                      <a:r>
+                        <a:rPr lang="en-US" sz="3200" b="0" i="0" u="none" strike="noStrike" dirty="0">
+                          <a:solidFill>
+                            <a:srgbClr val="000000"/>
+                          </a:solidFill>
+                          <a:effectLst/>
+                          <a:latin typeface="Calibri" panose="020F0502020204030204" pitchFamily="34" charset="0"/>
+                        </a:rPr>
+                        <a:t>1</a:t>
+                      </a:r>
+                      <a:endParaRPr lang="ru-RU" sz="3200" b="0" i="0" u="none" strike="noStrike" dirty="0">
+                        <a:solidFill>
+                          <a:srgbClr val="000000"/>
+                        </a:solidFill>
+                        <a:effectLst/>
+                        <a:latin typeface="Calibri" panose="020F0502020204030204" pitchFamily="34" charset="0"/>
+                      </a:endParaRPr>
+                    </a:p>
+                  </a:txBody>
+                  <a:tcPr marL="6350" marR="6350" marT="6350" marB="0" anchor="b"/>
+                </a:tc>
+                <a:tc>
+                  <a:txBody>
+                    <a:bodyPr/>
+                    <a:lstStyle/>
+                    <a:p>
+                      <a:pPr algn="ctr" fontAlgn="b"/>
+                      <a:r>
+                        <a:rPr lang="ru-RU" sz="3200" b="0" i="0" u="none" strike="noStrike" dirty="0">
+                          <a:solidFill>
+                            <a:srgbClr val="000000"/>
+                          </a:solidFill>
+                          <a:effectLst/>
+                          <a:latin typeface="Calibri" panose="020F0502020204030204" pitchFamily="34" charset="0"/>
+                        </a:rPr>
+                        <a:t>9.67</a:t>
+                      </a:r>
+                    </a:p>
+                  </a:txBody>
+                  <a:tcPr marL="6350" marR="6350" marT="6350" marB="0" anchor="b"/>
+                </a:tc>
+                <a:tc>
+                  <a:txBody>
+                    <a:bodyPr/>
+                    <a:lstStyle/>
+                    <a:p>
+                      <a:pPr algn="ctr" fontAlgn="b"/>
+                      <a:r>
+                        <a:rPr lang="ru-RU" sz="3200" b="0" i="0" u="none" strike="noStrike">
+                          <a:solidFill>
+                            <a:srgbClr val="000000"/>
+                          </a:solidFill>
+                          <a:effectLst/>
+                          <a:latin typeface="Calibri" panose="020F0502020204030204" pitchFamily="34" charset="0"/>
+                        </a:rPr>
+                        <a:t>0.5</a:t>
+                      </a:r>
+                    </a:p>
+                  </a:txBody>
+                  <a:tcPr marL="6350" marR="6350" marT="6350" marB="0" anchor="b"/>
+                </a:tc>
+                <a:tc>
+                  <a:txBody>
+                    <a:bodyPr/>
+                    <a:lstStyle/>
+                    <a:p>
+                      <a:pPr algn="ctr" fontAlgn="b"/>
+                      <a:r>
+                        <a:rPr lang="ru-RU" sz="3200" b="0" i="0" u="none" strike="noStrike" dirty="0">
+                          <a:solidFill>
+                            <a:srgbClr val="000000"/>
+                          </a:solidFill>
+                          <a:effectLst/>
+                          <a:latin typeface="Calibri" panose="020F0502020204030204" pitchFamily="34" charset="0"/>
+                        </a:rPr>
+                        <a:t>12</a:t>
+                      </a:r>
+                    </a:p>
+                  </a:txBody>
+                  <a:tcPr marL="6350" marR="6350" marT="6350" marB="0" anchor="b"/>
+                </a:tc>
+                <a:extLst>
+                  <a:ext uri="{0D108BD9-81ED-4DB2-BD59-A6C34878D82A}">
+                    <a16:rowId xmlns:a16="http://schemas.microsoft.com/office/drawing/2014/main" val="1106792979"/>
+                  </a:ext>
+                </a:extLst>
+              </a:tr>
+              <a:tr h="718412">
+                <a:tc>
+                  <a:txBody>
+                    <a:bodyPr/>
+                    <a:lstStyle/>
+                    <a:p>
+                      <a:pPr algn="ctr" fontAlgn="b"/>
+                      <a:r>
+                        <a:rPr lang="ru-RU" sz="3200" b="0" i="0" u="none" strike="noStrike" dirty="0">
+                          <a:solidFill>
+                            <a:srgbClr val="000000"/>
+                          </a:solidFill>
+                          <a:effectLst/>
+                          <a:latin typeface="Calibri" panose="020F0502020204030204" pitchFamily="34" charset="0"/>
+                        </a:rPr>
+                        <a:t>27.96</a:t>
+                      </a:r>
+                    </a:p>
+                  </a:txBody>
+                  <a:tcPr marL="6350" marR="6350" marT="6350" marB="0" anchor="b"/>
+                </a:tc>
+                <a:tc>
+                  <a:txBody>
+                    <a:bodyPr/>
+                    <a:lstStyle/>
+                    <a:p>
+                      <a:pPr algn="ctr" fontAlgn="b"/>
+                      <a:r>
+                        <a:rPr lang="ru-RU" sz="3200" b="0" i="0" u="none" strike="noStrike" dirty="0">
+                          <a:solidFill>
+                            <a:srgbClr val="000000"/>
+                          </a:solidFill>
+                          <a:effectLst/>
+                          <a:latin typeface="Calibri" panose="020F0502020204030204" pitchFamily="34" charset="0"/>
+                        </a:rPr>
+                        <a:t>17.18</a:t>
+                      </a:r>
+                    </a:p>
+                  </a:txBody>
+                  <a:tcPr marL="6350" marR="6350" marT="6350" marB="0" anchor="b"/>
+                </a:tc>
+                <a:tc>
+                  <a:txBody>
+                    <a:bodyPr/>
+                    <a:lstStyle/>
+                    <a:p>
+                      <a:pPr algn="ctr" fontAlgn="b"/>
+                      <a:r>
+                        <a:rPr lang="ru-RU" sz="3200" b="0" i="0" u="none" strike="noStrike">
+                          <a:solidFill>
+                            <a:srgbClr val="000000"/>
+                          </a:solidFill>
+                          <a:effectLst/>
+                          <a:latin typeface="Calibri" panose="020F0502020204030204" pitchFamily="34" charset="0"/>
+                        </a:rPr>
+                        <a:t>0.5</a:t>
+                      </a:r>
+                    </a:p>
+                  </a:txBody>
+                  <a:tcPr marL="6350" marR="6350" marT="6350" marB="0" anchor="b"/>
+                </a:tc>
+                <a:tc>
+                  <a:txBody>
+                    <a:bodyPr/>
+                    <a:lstStyle/>
+                    <a:p>
+                      <a:pPr algn="ctr" fontAlgn="b"/>
+                      <a:r>
+                        <a:rPr lang="ru-RU" sz="3200" b="0" i="0" u="none" strike="noStrike" dirty="0">
+                          <a:solidFill>
+                            <a:srgbClr val="000000"/>
+                          </a:solidFill>
+                          <a:effectLst/>
+                          <a:latin typeface="Calibri" panose="020F0502020204030204" pitchFamily="34" charset="0"/>
+                        </a:rPr>
+                        <a:t>13</a:t>
+                      </a:r>
+                    </a:p>
+                  </a:txBody>
+                  <a:tcPr marL="6350" marR="6350" marT="6350" marB="0" anchor="b"/>
+                </a:tc>
+                <a:extLst>
+                  <a:ext uri="{0D108BD9-81ED-4DB2-BD59-A6C34878D82A}">
+                    <a16:rowId xmlns:a16="http://schemas.microsoft.com/office/drawing/2014/main" val="384737051"/>
+                  </a:ext>
+                </a:extLst>
+              </a:tr>
+              <a:tr h="718412">
+                <a:tc>
+                  <a:txBody>
+                    <a:bodyPr/>
+                    <a:lstStyle/>
+                    <a:p>
+                      <a:pPr algn="ctr" fontAlgn="b"/>
+                      <a:r>
+                        <a:rPr lang="ru-RU" sz="3200" b="0" i="0" u="none" strike="noStrike" dirty="0">
+                          <a:solidFill>
+                            <a:srgbClr val="000000"/>
+                          </a:solidFill>
+                          <a:effectLst/>
+                          <a:latin typeface="Calibri" panose="020F0502020204030204" pitchFamily="34" charset="0"/>
+                        </a:rPr>
+                        <a:t>47.2</a:t>
+                      </a:r>
+                      <a:r>
+                        <a:rPr lang="en-US" sz="3200" b="0" i="0" u="none" strike="noStrike" dirty="0">
+                          <a:solidFill>
+                            <a:srgbClr val="000000"/>
+                          </a:solidFill>
+                          <a:effectLst/>
+                          <a:latin typeface="Calibri" panose="020F0502020204030204" pitchFamily="34" charset="0"/>
+                        </a:rPr>
+                        <a:t>5</a:t>
+                      </a:r>
+                      <a:endParaRPr lang="ru-RU" sz="3200" b="0" i="0" u="none" strike="noStrike" dirty="0">
+                        <a:solidFill>
+                          <a:srgbClr val="000000"/>
+                        </a:solidFill>
+                        <a:effectLst/>
+                        <a:latin typeface="Calibri" panose="020F0502020204030204" pitchFamily="34" charset="0"/>
+                      </a:endParaRPr>
+                    </a:p>
+                  </a:txBody>
+                  <a:tcPr marL="6350" marR="6350" marT="6350" marB="0" anchor="b"/>
+                </a:tc>
+                <a:tc>
+                  <a:txBody>
+                    <a:bodyPr/>
+                    <a:lstStyle/>
+                    <a:p>
+                      <a:pPr algn="ctr" fontAlgn="b"/>
+                      <a:r>
+                        <a:rPr lang="ru-RU" sz="3200" b="0" i="0" u="none" strike="noStrike" dirty="0">
+                          <a:solidFill>
+                            <a:srgbClr val="000000"/>
+                          </a:solidFill>
+                          <a:effectLst/>
+                          <a:latin typeface="Calibri" panose="020F0502020204030204" pitchFamily="34" charset="0"/>
+                        </a:rPr>
+                        <a:t>30.8</a:t>
+                      </a:r>
+                      <a:r>
+                        <a:rPr lang="en-US" sz="3200" b="0" i="0" u="none" strike="noStrike" dirty="0">
+                          <a:solidFill>
+                            <a:srgbClr val="000000"/>
+                          </a:solidFill>
+                          <a:effectLst/>
+                          <a:latin typeface="Calibri" panose="020F0502020204030204" pitchFamily="34" charset="0"/>
+                        </a:rPr>
+                        <a:t>4</a:t>
+                      </a:r>
+                      <a:endParaRPr lang="ru-RU" sz="3200" b="0" i="0" u="none" strike="noStrike" dirty="0">
+                        <a:solidFill>
+                          <a:srgbClr val="000000"/>
+                        </a:solidFill>
+                        <a:effectLst/>
+                        <a:latin typeface="Calibri" panose="020F0502020204030204" pitchFamily="34" charset="0"/>
+                      </a:endParaRPr>
+                    </a:p>
+                  </a:txBody>
+                  <a:tcPr marL="6350" marR="6350" marT="6350" marB="0" anchor="b"/>
+                </a:tc>
+                <a:tc>
+                  <a:txBody>
+                    <a:bodyPr/>
+                    <a:lstStyle/>
+                    <a:p>
+                      <a:pPr algn="ctr" fontAlgn="b"/>
+                      <a:r>
+                        <a:rPr lang="ru-RU" sz="3200" b="0" i="0" u="none" strike="noStrike" dirty="0">
+                          <a:solidFill>
+                            <a:srgbClr val="000000"/>
+                          </a:solidFill>
+                          <a:effectLst/>
+                          <a:latin typeface="Calibri" panose="020F0502020204030204" pitchFamily="34" charset="0"/>
+                        </a:rPr>
+                        <a:t>0.5</a:t>
+                      </a:r>
+                    </a:p>
+                  </a:txBody>
+                  <a:tcPr marL="6350" marR="6350" marT="6350" marB="0" anchor="b"/>
+                </a:tc>
+                <a:tc>
+                  <a:txBody>
+                    <a:bodyPr/>
+                    <a:lstStyle/>
+                    <a:p>
+                      <a:pPr algn="ctr" fontAlgn="b"/>
+                      <a:r>
+                        <a:rPr lang="ru-RU" sz="3200" b="0" i="0" u="none" strike="noStrike" dirty="0">
+                          <a:solidFill>
+                            <a:srgbClr val="000000"/>
+                          </a:solidFill>
+                          <a:effectLst/>
+                          <a:latin typeface="Calibri" panose="020F0502020204030204" pitchFamily="34" charset="0"/>
+                        </a:rPr>
+                        <a:t>14</a:t>
+                      </a:r>
+                    </a:p>
+                  </a:txBody>
+                  <a:tcPr marL="6350" marR="6350" marT="6350" marB="0" anchor="b"/>
+                </a:tc>
+                <a:extLst>
+                  <a:ext uri="{0D108BD9-81ED-4DB2-BD59-A6C34878D82A}">
+                    <a16:rowId xmlns:a16="http://schemas.microsoft.com/office/drawing/2014/main" val="2719678827"/>
+                  </a:ext>
+                </a:extLst>
+              </a:tr>
+            </a:tbl>
+          </a:graphicData>
+        </a:graphic>
+      </p:graphicFrame>
+    </p:spTree>
+    <p:extLst>
+      <p:ext uri="{BB962C8B-B14F-4D97-AF65-F5344CB8AC3E}">
+        <p14:creationId xmlns:p14="http://schemas.microsoft.com/office/powerpoint/2010/main" val="2707925439"/>
+      </p:ext>
+    </p:extLst>
+  </p:cSld>
+  <p:clrMapOvr>
+    <a:masterClrMapping/>
+  </p:clrMapOvr>
+</p:sld>
+</file>
+
+<file path=ppt/slides/slide11.xml><?xml version="1.0" encoding="utf-8"?>
+<p:sld xmlns:a="http://schemas.openxmlformats.org/drawingml/2006/main" xmlns:r="http://schemas.openxmlformats.org/officeDocument/2006/relationships" xmlns:p="http://schemas.openxmlformats.org/presentationml/2006/main">
+  <p:cSld>
+    <p:spTree>
+      <p:nvGrpSpPr>
+        <p:cNvPr id="1" name=""/>
+        <p:cNvGrpSpPr/>
+        <p:nvPr/>
+      </p:nvGrpSpPr>
+      <p:grpSpPr>
+        <a:xfrm>
+          <a:off x="0" y="0"/>
+          <a:ext cx="0" cy="0"/>
+          <a:chOff x="0" y="0"/>
+          <a:chExt cx="0" cy="0"/>
+        </a:xfrm>
+      </p:grpSpPr>
+      <p:sp>
+        <p:nvSpPr>
+          <p:cNvPr id="2" name="Заголовок 1">
+            <a:extLst>
+              <a:ext uri="{FF2B5EF4-FFF2-40B4-BE49-F238E27FC236}">
+                <a16:creationId xmlns:a16="http://schemas.microsoft.com/office/drawing/2014/main" id="{58EC7BBF-8890-4FAD-827E-25B47146FBD0}"/>
+              </a:ext>
+            </a:extLst>
+          </p:cNvPr>
+          <p:cNvSpPr>
+            <a:spLocks noGrp="1"/>
+          </p:cNvSpPr>
+          <p:nvPr>
+            <p:ph type="title"/>
+          </p:nvPr>
+        </p:nvSpPr>
+        <p:spPr/>
+        <p:txBody>
+          <a:bodyPr/>
+          <a:lstStyle/>
+          <a:p>
+            <a:pPr algn="ctr"/>
+            <a:r>
+              <a:rPr lang="ru-RU" dirty="0"/>
+              <a:t>Результат</a:t>
+            </a:r>
+          </a:p>
+        </p:txBody>
+      </p:sp>
+      <p:sp>
+        <p:nvSpPr>
+          <p:cNvPr id="3" name="Подзаголовок 2">
+            <a:extLst>
+              <a:ext uri="{FF2B5EF4-FFF2-40B4-BE49-F238E27FC236}">
+                <a16:creationId xmlns:a16="http://schemas.microsoft.com/office/drawing/2014/main" id="{4D48B9B6-BAAF-42A8-950D-F02A3E8722E7}"/>
+              </a:ext>
+            </a:extLst>
+          </p:cNvPr>
+          <p:cNvSpPr>
+            <a:spLocks noGrp="1"/>
+          </p:cNvSpPr>
+          <p:nvPr>
+            <p:ph type="subTitle"/>
+          </p:nvPr>
+        </p:nvSpPr>
+        <p:spPr/>
+        <p:txBody>
+          <a:bodyPr/>
+          <a:lstStyle/>
+          <a:p>
+            <a:pPr marL="0" indent="0" algn="ctr">
+              <a:buNone/>
+            </a:pPr>
+            <a:r>
+              <a:rPr lang="ru-RU" dirty="0"/>
+              <a:t>Модифицированная версия алгоритма находит почти такую же ковариационную матрицу, как оригинальная, но работает в среднем быстрее на </a:t>
+            </a:r>
+            <a:r>
+              <a:rPr lang="en-US" dirty="0"/>
+              <a:t>30%.</a:t>
+            </a:r>
+          </a:p>
+          <a:p>
+            <a:pPr marL="0" indent="0">
+              <a:buNone/>
+            </a:pPr>
+            <a:endParaRPr lang="en-US" dirty="0"/>
+          </a:p>
+          <a:p>
+            <a:pPr marL="0" indent="0">
+              <a:buNone/>
+            </a:pPr>
+            <a:endParaRPr lang="ru-RU" dirty="0"/>
+          </a:p>
+        </p:txBody>
+      </p:sp>
+    </p:spTree>
+    <p:extLst>
+      <p:ext uri="{BB962C8B-B14F-4D97-AF65-F5344CB8AC3E}">
+        <p14:creationId xmlns:p14="http://schemas.microsoft.com/office/powerpoint/2010/main" val="1849692737"/>
+      </p:ext>
+    </p:extLst>
+  </p:cSld>
+  <p:clrMapOvr>
+    <a:masterClrMapping/>
+  </p:clrMapOvr>
+</p:sld>
+</file>
+
+<file path=ppt/slides/slide12.xml><?xml version="1.0" encoding="utf-8"?>
+<p:sld xmlns:a="http://schemas.openxmlformats.org/drawingml/2006/main" xmlns:r="http://schemas.openxmlformats.org/officeDocument/2006/relationships" xmlns:p="http://schemas.openxmlformats.org/presentationml/2006/main">
+  <p:cSld>
+    <p:spTree>
+      <p:nvGrpSpPr>
+        <p:cNvPr id="1" name=""/>
+        <p:cNvGrpSpPr/>
+        <p:nvPr/>
+      </p:nvGrpSpPr>
+      <p:grpSpPr>
+        <a:xfrm>
+          <a:off x="0" y="0"/>
+          <a:ext cx="0" cy="0"/>
+          <a:chOff x="0" y="0"/>
+          <a:chExt cx="0" cy="0"/>
+        </a:xfrm>
+      </p:grpSpPr>
+      <p:sp>
+        <p:nvSpPr>
+          <p:cNvPr id="2" name="Заголовок 1">
+            <a:extLst>
+              <a:ext uri="{FF2B5EF4-FFF2-40B4-BE49-F238E27FC236}">
+                <a16:creationId xmlns:a16="http://schemas.microsoft.com/office/drawing/2014/main" id="{71844B9C-DE97-452A-9B39-6255D59E6561}"/>
+              </a:ext>
+            </a:extLst>
+          </p:cNvPr>
+          <p:cNvSpPr>
+            <a:spLocks noGrp="1"/>
+          </p:cNvSpPr>
+          <p:nvPr>
+            <p:ph type="title"/>
+          </p:nvPr>
+        </p:nvSpPr>
+        <p:spPr/>
+        <p:txBody>
+          <a:bodyPr/>
+          <a:lstStyle/>
+          <a:p>
+            <a:pPr algn="ctr"/>
+            <a:r>
+              <a:rPr lang="ru-RU" dirty="0"/>
+              <a:t>Вклад участников</a:t>
+            </a:r>
+          </a:p>
+        </p:txBody>
+      </p:sp>
+      <p:sp>
+        <p:nvSpPr>
+          <p:cNvPr id="3" name="Подзаголовок 2">
+            <a:extLst>
+              <a:ext uri="{FF2B5EF4-FFF2-40B4-BE49-F238E27FC236}">
+                <a16:creationId xmlns:a16="http://schemas.microsoft.com/office/drawing/2014/main" id="{22C1EBA8-E905-4F75-8E14-B48F1505DEFB}"/>
+              </a:ext>
+            </a:extLst>
+          </p:cNvPr>
+          <p:cNvSpPr>
+            <a:spLocks noGrp="1"/>
+          </p:cNvSpPr>
+          <p:nvPr>
+            <p:ph type="subTitle"/>
+          </p:nvPr>
+        </p:nvSpPr>
+        <p:spPr/>
+        <p:txBody>
+          <a:bodyPr/>
+          <a:lstStyle/>
+          <a:p>
+            <a:pPr algn="ctr"/>
+            <a:r>
+              <a:rPr lang="ru-RU" dirty="0"/>
+              <a:t>Николай Пермяков. Написание алгоритма</a:t>
+            </a:r>
+          </a:p>
+          <a:p>
+            <a:pPr algn="ctr"/>
+            <a:r>
+              <a:rPr lang="ru-RU" dirty="0"/>
+              <a:t>Сергей Власов. Тестирование</a:t>
+            </a:r>
+          </a:p>
+          <a:p>
+            <a:pPr algn="ctr"/>
+            <a:r>
+              <a:rPr lang="ru-RU" dirty="0"/>
+              <a:t>Рокеах Роман. Написание алгоритма</a:t>
+            </a:r>
+          </a:p>
+        </p:txBody>
+      </p:sp>
+    </p:spTree>
+    <p:extLst>
+      <p:ext uri="{BB962C8B-B14F-4D97-AF65-F5344CB8AC3E}">
+        <p14:creationId xmlns:p14="http://schemas.microsoft.com/office/powerpoint/2010/main" val="3112425363"/>
+      </p:ext>
+    </p:extLst>
+  </p:cSld>
+  <p:clrMapOvr>
+    <a:masterClrMapping/>
+  </p:clrMapOvr>
+</p:sld>
+</file>
+
+<file path=ppt/slides/slide2.xml><?xml version="1.0" encoding="utf-8"?>
+<p:sld xmlns:a="http://schemas.openxmlformats.org/drawingml/2006/main" xmlns:r="http://schemas.openxmlformats.org/officeDocument/2006/relationships" xmlns:p="http://schemas.openxmlformats.org/presentationml/2006/main">
+  <p:cSld>
+    <p:spTree>
+      <p:nvGrpSpPr>
+        <p:cNvPr id="1" name=""/>
+        <p:cNvGrpSpPr/>
+        <p:nvPr/>
+      </p:nvGrpSpPr>
+      <p:grpSpPr>
+        <a:xfrm>
+          <a:off x="0" y="0"/>
+          <a:ext cx="0" cy="0"/>
+          <a:chOff x="0" y="0"/>
+          <a:chExt cx="0" cy="0"/>
+        </a:xfrm>
+      </p:grpSpPr>
       <p:sp>
         <p:nvSpPr>
           <p:cNvPr id="109" name="TextShape 1"/>
@@ -5619,7 +7417,8 @@
           </a:ln>
         </p:spPr>
         <p:txBody>
-          <a:bodyPr lIns="0" rIns="0" tIns="0" bIns="0" anchor="ctr"/>
+          <a:bodyPr lIns="0" tIns="0" rIns="0" bIns="0" anchor="ctr"/>
+          <a:lstStyle/>
           <a:p>
             <a:pPr algn="ctr">
               <a:lnSpc>
@@ -5627,13 +7426,13 @@
               </a:lnSpc>
             </a:pPr>
             <a:r>
-              <a:rPr b="0" lang="ru-RU" sz="2800" spc="-1" strike="noStrike">
+              <a:rPr lang="ru-RU" sz="2800" b="0" strike="noStrike" spc="-1">
                 <a:solidFill>
                   <a:srgbClr val="000000"/>
                 </a:solidFill>
                 <a:uFill>
                   <a:solidFill>
-                    <a:srgbClr val="ffffff"/>
+                    <a:srgbClr val="FFFFFF"/>
                   </a:solidFill>
                 </a:uFill>
                 <a:latin typeface="Arial"/>
@@ -5641,13 +7440,13 @@
               </a:rPr>
               <a:t>Написать библиотеку на языке Python, реализующую алгоритм выбора ковариаций Демпстера с модификацией, предложенной Вайнберг (2008)</a:t>
             </a:r>
-            <a:endParaRPr b="0" lang="ru-RU" sz="3200" spc="-1" strike="noStrike">
-              <a:solidFill>
-                <a:srgbClr val="000000"/>
-              </a:solidFill>
-              <a:uFill>
-                <a:solidFill>
-                  <a:srgbClr val="ffffff"/>
+            <a:endParaRPr lang="ru-RU" sz="3200" b="0" strike="noStrike" spc="-1">
+              <a:solidFill>
+                <a:srgbClr val="000000"/>
+              </a:solidFill>
+              <a:uFill>
+                <a:solidFill>
+                  <a:srgbClr val="FFFFFF"/>
                 </a:solidFill>
               </a:uFill>
               <a:latin typeface="Arial"/>
@@ -5675,7 +7474,8 @@
           </a:ln>
         </p:spPr>
         <p:txBody>
-          <a:bodyPr lIns="0" rIns="0" tIns="0" bIns="0" anchor="ctr"/>
+          <a:bodyPr lIns="0" tIns="0" rIns="0" bIns="0" anchor="ctr"/>
+          <a:lstStyle/>
           <a:p>
             <a:pPr algn="ctr">
               <a:lnSpc>
@@ -5683,13 +7483,13 @@
               </a:lnSpc>
             </a:pPr>
             <a:r>
-              <a:rPr b="0" lang="ru-RU" sz="4400" spc="-1" strike="noStrike">
+              <a:rPr lang="ru-RU" sz="4400" b="0" strike="noStrike" spc="-1">
                 <a:solidFill>
                   <a:srgbClr val="000000"/>
                 </a:solidFill>
                 <a:uFill>
                   <a:solidFill>
-                    <a:srgbClr val="ffffff"/>
+                    <a:srgbClr val="FFFFFF"/>
                   </a:solidFill>
                 </a:uFill>
                 <a:latin typeface="Arial"/>
@@ -5697,13 +7497,13 @@
               </a:rPr>
               <a:t>Цель</a:t>
             </a:r>
-            <a:endParaRPr b="0" lang="ru-RU" sz="1800" spc="-1" strike="noStrike">
-              <a:solidFill>
-                <a:srgbClr val="000000"/>
-              </a:solidFill>
-              <a:uFill>
-                <a:solidFill>
-                  <a:srgbClr val="ffffff"/>
+            <a:endParaRPr lang="ru-RU" sz="1800" b="0" strike="noStrike" spc="-1">
+              <a:solidFill>
+                <a:srgbClr val="000000"/>
+              </a:solidFill>
+              <a:uFill>
+                <a:solidFill>
+                  <a:srgbClr val="FFFFFF"/>
                 </a:solidFill>
               </a:uFill>
               <a:latin typeface="Arial"/>
@@ -5713,22 +7513,25 @@
       </p:sp>
     </p:spTree>
   </p:cSld>
+  <p:clrMapOvr>
+    <a:masterClrMapping/>
+  </p:clrMapOvr>
   <p:timing>
     <p:tnLst>
       <p:par>
-        <p:cTn id="3" dur="indefinite" restart="never" nodeType="tmRoot">
+        <p:cTn id="1" dur="indefinite" restart="never" nodeType="tmRoot">
           <p:childTnLst>
             <p:seq>
-              <p:cTn id="4" nodeType="mainSeq"/>
+              <p:cTn id="2" nodeType="mainSeq"/>
               <p:prevCondLst>
-                <p:cond delay="0" evt="onPrev">
+                <p:cond evt="onPrev" delay="0">
                   <p:tgtEl>
                     <p:sldTgt/>
                   </p:tgtEl>
                 </p:cond>
               </p:prevCondLst>
               <p:nextCondLst>
-                <p:cond delay="0" evt="onNext">
+                <p:cond evt="onNext" delay="0">
                   <p:tgtEl>
                     <p:sldTgt/>
                   </p:tgtEl>
@@ -5744,7 +7547,7 @@
 </file>
 
 <file path=ppt/slides/slide3.xml><?xml version="1.0" encoding="utf-8"?>
-<p:sld xmlns:a="http://schemas.openxmlformats.org/drawingml/2006/main" xmlns:p="http://schemas.openxmlformats.org/presentationml/2006/main" xmlns:r="http://schemas.openxmlformats.org/officeDocument/2006/relationships" xmlns:p14="http://schemas.microsoft.com/office/powerpoint/2010/main" xmlns:p15="http://schemas.microsoft.com/office/powerpoint/2012/main" xmlns:mc="http://schemas.openxmlformats.org/markup-compatibility/2006">
+<p:sld xmlns:a="http://schemas.openxmlformats.org/drawingml/2006/main" xmlns:r="http://schemas.openxmlformats.org/officeDocument/2006/relationships" xmlns:p="http://schemas.openxmlformats.org/presentationml/2006/main">
   <p:cSld>
     <p:spTree>
       <p:nvGrpSpPr>
@@ -5780,13 +7583,20 @@
           </a:ln>
         </p:spPr>
         <p:style>
-          <a:lnRef idx="0"/>
-          <a:fillRef idx="0"/>
-          <a:effectRef idx="0"/>
+          <a:lnRef idx="0">
+            <a:scrgbClr r="0" g="0" b="0"/>
+          </a:lnRef>
+          <a:fillRef idx="0">
+            <a:scrgbClr r="0" g="0" b="0"/>
+          </a:fillRef>
+          <a:effectRef idx="0">
+            <a:scrgbClr r="0" g="0" b="0"/>
+          </a:effectRef>
           <a:fontRef idx="minor"/>
         </p:style>
         <p:txBody>
-          <a:bodyPr lIns="0" rIns="0" tIns="0" bIns="0" anchor="ctr"/>
+          <a:bodyPr lIns="0" tIns="0" rIns="0" bIns="0" anchor="ctr"/>
+          <a:lstStyle/>
           <a:p>
             <a:pPr algn="ctr">
               <a:lnSpc>
@@ -5794,13 +7604,13 @@
               </a:lnSpc>
             </a:pPr>
             <a:r>
-              <a:rPr b="0" lang="ru-RU" sz="4400" spc="-1" strike="noStrike">
+              <a:rPr lang="ru-RU" sz="4400" b="0" strike="noStrike" spc="-1">
                 <a:solidFill>
                   <a:srgbClr val="000000"/>
                 </a:solidFill>
                 <a:uFill>
                   <a:solidFill>
-                    <a:srgbClr val="ffffff"/>
+                    <a:srgbClr val="FFFFFF"/>
                   </a:solidFill>
                 </a:uFill>
                 <a:latin typeface="Arial"/>
@@ -5808,13 +7618,13 @@
               </a:rPr>
               <a:t>Задача</a:t>
             </a:r>
-            <a:endParaRPr b="0" lang="ru-RU" sz="1800" spc="-1" strike="noStrike">
-              <a:solidFill>
-                <a:srgbClr val="000000"/>
-              </a:solidFill>
-              <a:uFill>
-                <a:solidFill>
-                  <a:srgbClr val="ffffff"/>
+            <a:endParaRPr lang="ru-RU" sz="1800" b="0" strike="noStrike" spc="-1">
+              <a:solidFill>
+                <a:srgbClr val="000000"/>
+              </a:solidFill>
+              <a:uFill>
+                <a:solidFill>
+                  <a:srgbClr val="FFFFFF"/>
                 </a:solidFill>
               </a:uFill>
               <a:latin typeface="Arial"/>
@@ -5842,13 +7652,20 @@
           </a:ln>
         </p:spPr>
         <p:style>
-          <a:lnRef idx="0"/>
-          <a:fillRef idx="0"/>
-          <a:effectRef idx="0"/>
+          <a:lnRef idx="0">
+            <a:scrgbClr r="0" g="0" b="0"/>
+          </a:lnRef>
+          <a:fillRef idx="0">
+            <a:scrgbClr r="0" g="0" b="0"/>
+          </a:fillRef>
+          <a:effectRef idx="0">
+            <a:scrgbClr r="0" g="0" b="0"/>
+          </a:effectRef>
           <a:fontRef idx="minor"/>
         </p:style>
         <p:txBody>
-          <a:bodyPr lIns="0" rIns="0" tIns="0" bIns="0" anchor="ctr"/>
+          <a:bodyPr lIns="0" tIns="0" rIns="0" bIns="0" anchor="ctr"/>
+          <a:lstStyle/>
           <a:p>
             <a:pPr algn="ctr">
               <a:lnSpc>
@@ -5856,13 +7673,13 @@
               </a:lnSpc>
             </a:pPr>
             <a:r>
-              <a:rPr b="0" lang="ru-RU" sz="3200" spc="-1" strike="noStrike">
+              <a:rPr lang="ru-RU" sz="3200" b="0" strike="noStrike" spc="-1">
                 <a:solidFill>
                   <a:srgbClr val="000000"/>
                 </a:solidFill>
                 <a:uFill>
                   <a:solidFill>
-                    <a:srgbClr val="ffffff"/>
+                    <a:srgbClr val="FFFFFF"/>
                   </a:solidFill>
                 </a:uFill>
                 <a:latin typeface="Arial"/>
@@ -5870,13 +7687,13 @@
               </a:rPr>
               <a:t>По выборочной матрице ковариаций построить приближение истинной матрицы ковариаций с помощью модели выбора ковариаций.</a:t>
             </a:r>
-            <a:endParaRPr b="0" lang="ru-RU" sz="1800" spc="-1" strike="noStrike">
-              <a:solidFill>
-                <a:srgbClr val="000000"/>
-              </a:solidFill>
-              <a:uFill>
-                <a:solidFill>
-                  <a:srgbClr val="ffffff"/>
+            <a:endParaRPr lang="ru-RU" sz="1800" b="0" strike="noStrike" spc="-1">
+              <a:solidFill>
+                <a:srgbClr val="000000"/>
+              </a:solidFill>
+              <a:uFill>
+                <a:solidFill>
+                  <a:srgbClr val="FFFFFF"/>
                 </a:solidFill>
               </a:uFill>
               <a:latin typeface="Arial"/>
@@ -5888,13 +7705,13 @@
                 <a:spcPct val="100000"/>
               </a:lnSpc>
             </a:pPr>
-            <a:endParaRPr b="0" lang="ru-RU" sz="1800" spc="-1" strike="noStrike">
-              <a:solidFill>
-                <a:srgbClr val="000000"/>
-              </a:solidFill>
-              <a:uFill>
-                <a:solidFill>
-                  <a:srgbClr val="ffffff"/>
+            <a:endParaRPr lang="ru-RU" sz="1800" b="0" strike="noStrike" spc="-1">
+              <a:solidFill>
+                <a:srgbClr val="000000"/>
+              </a:solidFill>
+              <a:uFill>
+                <a:solidFill>
+                  <a:srgbClr val="FFFFFF"/>
                 </a:solidFill>
               </a:uFill>
               <a:latin typeface="Arial"/>
@@ -5907,13 +7724,13 @@
               </a:lnSpc>
             </a:pPr>
             <a:r>
-              <a:rPr b="0" lang="ru-RU" sz="3200" spc="-1" strike="noStrike">
+              <a:rPr lang="ru-RU" sz="3200" b="0" strike="noStrike" spc="-1">
                 <a:solidFill>
                   <a:srgbClr val="000000"/>
                 </a:solidFill>
                 <a:uFill>
                   <a:solidFill>
-                    <a:srgbClr val="ffffff"/>
+                    <a:srgbClr val="FFFFFF"/>
                   </a:solidFill>
                 </a:uFill>
                 <a:latin typeface="Arial"/>
@@ -5921,13 +7738,13 @@
               </a:rPr>
               <a:t>В данной модели делается предположение о разреженности обратной ковариационной матрицы, и приближение ищется выбором пар переменных с нулевой частной корреляцией.</a:t>
             </a:r>
-            <a:endParaRPr b="0" lang="ru-RU" sz="1800" spc="-1" strike="noStrike">
-              <a:solidFill>
-                <a:srgbClr val="000000"/>
-              </a:solidFill>
-              <a:uFill>
-                <a:solidFill>
-                  <a:srgbClr val="ffffff"/>
+            <a:endParaRPr lang="ru-RU" sz="1800" b="0" strike="noStrike" spc="-1">
+              <a:solidFill>
+                <a:srgbClr val="000000"/>
+              </a:solidFill>
+              <a:uFill>
+                <a:solidFill>
+                  <a:srgbClr val="FFFFFF"/>
                 </a:solidFill>
               </a:uFill>
               <a:latin typeface="Arial"/>
@@ -5937,22 +7754,25 @@
       </p:sp>
     </p:spTree>
   </p:cSld>
+  <p:clrMapOvr>
+    <a:masterClrMapping/>
+  </p:clrMapOvr>
   <p:timing>
     <p:tnLst>
       <p:par>
-        <p:cTn id="5" dur="indefinite" restart="never" nodeType="tmRoot">
+        <p:cTn id="1" dur="indefinite" restart="never" nodeType="tmRoot">
           <p:childTnLst>
             <p:seq>
-              <p:cTn id="6" dur="indefinite" nodeType="mainSeq"/>
+              <p:cTn id="2" dur="indefinite" nodeType="mainSeq"/>
               <p:prevCondLst>
-                <p:cond delay="0" evt="onPrev">
+                <p:cond evt="onPrev" delay="0">
                   <p:tgtEl>
                     <p:sldTgt/>
                   </p:tgtEl>
                 </p:cond>
               </p:prevCondLst>
               <p:nextCondLst>
-                <p:cond delay="0" evt="onNext">
+                <p:cond evt="onNext" delay="0">
                   <p:tgtEl>
                     <p:sldTgt/>
                   </p:tgtEl>
@@ -5968,7 +7788,7 @@
 </file>
 
 <file path=ppt/slides/slide4.xml><?xml version="1.0" encoding="utf-8"?>
-<p:sld xmlns:a="http://schemas.openxmlformats.org/drawingml/2006/main" xmlns:p="http://schemas.openxmlformats.org/presentationml/2006/main" xmlns:r="http://schemas.openxmlformats.org/officeDocument/2006/relationships" xmlns:p14="http://schemas.microsoft.com/office/powerpoint/2010/main" xmlns:p15="http://schemas.microsoft.com/office/powerpoint/2012/main" xmlns:mc="http://schemas.openxmlformats.org/markup-compatibility/2006">
+<p:sld xmlns:a="http://schemas.openxmlformats.org/drawingml/2006/main" xmlns:r="http://schemas.openxmlformats.org/officeDocument/2006/relationships" xmlns:p="http://schemas.openxmlformats.org/presentationml/2006/main">
   <p:cSld>
     <p:spTree>
       <p:nvGrpSpPr>
@@ -6004,13 +7824,20 @@
           </a:ln>
         </p:spPr>
         <p:style>
-          <a:lnRef idx="0"/>
-          <a:fillRef idx="0"/>
-          <a:effectRef idx="0"/>
+          <a:lnRef idx="0">
+            <a:scrgbClr r="0" g="0" b="0"/>
+          </a:lnRef>
+          <a:fillRef idx="0">
+            <a:scrgbClr r="0" g="0" b="0"/>
+          </a:fillRef>
+          <a:effectRef idx="0">
+            <a:scrgbClr r="0" g="0" b="0"/>
+          </a:effectRef>
           <a:fontRef idx="minor"/>
         </p:style>
         <p:txBody>
-          <a:bodyPr lIns="0" rIns="0" tIns="0" bIns="0" anchor="ctr"/>
+          <a:bodyPr lIns="0" tIns="0" rIns="0" bIns="0" anchor="ctr"/>
+          <a:lstStyle/>
           <a:p>
             <a:pPr algn="ctr">
               <a:lnSpc>
@@ -6018,13 +7845,13 @@
               </a:lnSpc>
             </a:pPr>
             <a:r>
-              <a:rPr b="0" lang="ru-RU" sz="3600" spc="-1" strike="noStrike">
+              <a:rPr lang="ru-RU" sz="3600" b="0" strike="noStrike" spc="-1">
                 <a:solidFill>
                   <a:srgbClr val="000000"/>
                 </a:solidFill>
                 <a:uFill>
                   <a:solidFill>
-                    <a:srgbClr val="ffffff"/>
+                    <a:srgbClr val="FFFFFF"/>
                   </a:solidFill>
                 </a:uFill>
                 <a:latin typeface="Arial"/>
@@ -6032,13 +7859,13 @@
               </a:rPr>
               <a:t>Алгоритм</a:t>
             </a:r>
-            <a:endParaRPr b="0" lang="ru-RU" sz="1800" spc="-1" strike="noStrike">
-              <a:solidFill>
-                <a:srgbClr val="000000"/>
-              </a:solidFill>
-              <a:uFill>
-                <a:solidFill>
-                  <a:srgbClr val="ffffff"/>
+            <a:endParaRPr lang="ru-RU" sz="1800" b="0" strike="noStrike" spc="-1">
+              <a:solidFill>
+                <a:srgbClr val="000000"/>
+              </a:solidFill>
+              <a:uFill>
+                <a:solidFill>
+                  <a:srgbClr val="FFFFFF"/>
                 </a:solidFill>
               </a:uFill>
               <a:latin typeface="Arial"/>
@@ -6066,13 +7893,20 @@
           </a:ln>
         </p:spPr>
         <p:style>
-          <a:lnRef idx="0"/>
-          <a:fillRef idx="0"/>
-          <a:effectRef idx="0"/>
+          <a:lnRef idx="0">
+            <a:scrgbClr r="0" g="0" b="0"/>
+          </a:lnRef>
+          <a:fillRef idx="0">
+            <a:scrgbClr r="0" g="0" b="0"/>
+          </a:fillRef>
+          <a:effectRef idx="0">
+            <a:scrgbClr r="0" g="0" b="0"/>
+          </a:effectRef>
           <a:fontRef idx="minor"/>
         </p:style>
         <p:txBody>
-          <a:bodyPr lIns="0" rIns="0" tIns="0" bIns="0"/>
+          <a:bodyPr lIns="0" tIns="0" rIns="0" bIns="0"/>
+          <a:lstStyle/>
           <a:p>
             <a:pPr algn="ctr">
               <a:lnSpc>
@@ -6080,13 +7914,13 @@
               </a:lnSpc>
             </a:pPr>
             <a:r>
-              <a:rPr b="0" lang="ru-RU" sz="3200" spc="-1" strike="noStrike">
+              <a:rPr lang="ru-RU" sz="3200" b="0" strike="noStrike" spc="-1">
                 <a:solidFill>
                   <a:srgbClr val="000000"/>
                 </a:solidFill>
                 <a:uFill>
                   <a:solidFill>
-                    <a:srgbClr val="ffffff"/>
+                    <a:srgbClr val="FFFFFF"/>
                   </a:solidFill>
                 </a:uFill>
                 <a:latin typeface="Arial"/>
@@ -6094,13 +7928,13 @@
               </a:rPr>
               <a:t>В результате работы алгоритма уменьшается число параметров системы.</a:t>
             </a:r>
-            <a:endParaRPr b="0" lang="ru-RU" sz="1800" spc="-1" strike="noStrike">
-              <a:solidFill>
-                <a:srgbClr val="000000"/>
-              </a:solidFill>
-              <a:uFill>
-                <a:solidFill>
-                  <a:srgbClr val="ffffff"/>
+            <a:endParaRPr lang="ru-RU" sz="1800" b="0" strike="noStrike" spc="-1">
+              <a:solidFill>
+                <a:srgbClr val="000000"/>
+              </a:solidFill>
+              <a:uFill>
+                <a:solidFill>
+                  <a:srgbClr val="FFFFFF"/>
                 </a:solidFill>
               </a:uFill>
               <a:latin typeface="Arial"/>
@@ -6112,13 +7946,13 @@
                 <a:spcPct val="100000"/>
               </a:lnSpc>
             </a:pPr>
-            <a:endParaRPr b="0" lang="ru-RU" sz="1800" spc="-1" strike="noStrike">
-              <a:solidFill>
-                <a:srgbClr val="000000"/>
-              </a:solidFill>
-              <a:uFill>
-                <a:solidFill>
-                  <a:srgbClr val="ffffff"/>
+            <a:endParaRPr lang="ru-RU" sz="1800" b="0" strike="noStrike" spc="-1">
+              <a:solidFill>
+                <a:srgbClr val="000000"/>
+              </a:solidFill>
+              <a:uFill>
+                <a:solidFill>
+                  <a:srgbClr val="FFFFFF"/>
                 </a:solidFill>
               </a:uFill>
               <a:latin typeface="Arial"/>
@@ -6131,13 +7965,13 @@
               </a:lnSpc>
             </a:pPr>
             <a:r>
-              <a:rPr b="0" lang="ru-RU" sz="3200" spc="-1" strike="noStrike">
+              <a:rPr lang="ru-RU" sz="3200" b="0" strike="noStrike" spc="-1">
                 <a:solidFill>
                   <a:srgbClr val="000000"/>
                 </a:solidFill>
                 <a:uFill>
                   <a:solidFill>
-                    <a:srgbClr val="ffffff"/>
+                    <a:srgbClr val="FFFFFF"/>
                   </a:solidFill>
                 </a:uFill>
                 <a:latin typeface="Arial"/>
@@ -6145,13 +7979,13 @@
               </a:rPr>
               <a:t>Полученную обратную матрицу можно представить в виде графа, для визуального анализа взаимосвязи переменных.</a:t>
             </a:r>
-            <a:endParaRPr b="0" lang="ru-RU" sz="1800" spc="-1" strike="noStrike">
-              <a:solidFill>
-                <a:srgbClr val="000000"/>
-              </a:solidFill>
-              <a:uFill>
-                <a:solidFill>
-                  <a:srgbClr val="ffffff"/>
+            <a:endParaRPr lang="ru-RU" sz="1800" b="0" strike="noStrike" spc="-1">
+              <a:solidFill>
+                <a:srgbClr val="000000"/>
+              </a:solidFill>
+              <a:uFill>
+                <a:solidFill>
+                  <a:srgbClr val="FFFFFF"/>
                 </a:solidFill>
               </a:uFill>
               <a:latin typeface="Arial"/>
@@ -6161,22 +7995,25 @@
       </p:sp>
     </p:spTree>
   </p:cSld>
+  <p:clrMapOvr>
+    <a:masterClrMapping/>
+  </p:clrMapOvr>
   <p:timing>
     <p:tnLst>
       <p:par>
-        <p:cTn id="7" dur="indefinite" restart="never" nodeType="tmRoot">
+        <p:cTn id="1" dur="indefinite" restart="never" nodeType="tmRoot">
           <p:childTnLst>
             <p:seq>
-              <p:cTn id="8" nodeType="mainSeq"/>
+              <p:cTn id="2" nodeType="mainSeq"/>
               <p:prevCondLst>
-                <p:cond delay="0" evt="onPrev">
+                <p:cond evt="onPrev" delay="0">
                   <p:tgtEl>
                     <p:sldTgt/>
                   </p:tgtEl>
                 </p:cond>
               </p:prevCondLst>
               <p:nextCondLst>
-                <p:cond delay="0" evt="onNext">
+                <p:cond evt="onNext" delay="0">
                   <p:tgtEl>
                     <p:sldTgt/>
                   </p:tgtEl>
@@ -6192,7 +8029,7 @@
 </file>
 
 <file path=ppt/slides/slide5.xml><?xml version="1.0" encoding="utf-8"?>
-<p:sld xmlns:a="http://schemas.openxmlformats.org/drawingml/2006/main" xmlns:p="http://schemas.openxmlformats.org/presentationml/2006/main" xmlns:r="http://schemas.openxmlformats.org/officeDocument/2006/relationships" xmlns:p14="http://schemas.microsoft.com/office/powerpoint/2010/main" xmlns:p15="http://schemas.microsoft.com/office/powerpoint/2012/main" xmlns:mc="http://schemas.openxmlformats.org/markup-compatibility/2006">
+<p:sld xmlns:a="http://schemas.openxmlformats.org/drawingml/2006/main" xmlns:r="http://schemas.openxmlformats.org/officeDocument/2006/relationships" xmlns:p="http://schemas.openxmlformats.org/presentationml/2006/main">
   <p:cSld>
     <p:spTree>
       <p:nvGrpSpPr>
@@ -6228,7 +8065,8 @@
           </a:ln>
         </p:spPr>
         <p:txBody>
-          <a:bodyPr lIns="0" rIns="0" tIns="0" bIns="0" anchor="ctr"/>
+          <a:bodyPr lIns="0" tIns="0" rIns="0" bIns="0" anchor="ctr"/>
+          <a:lstStyle/>
           <a:p>
             <a:pPr algn="ctr">
               <a:lnSpc>
@@ -6236,13 +8074,13 @@
               </a:lnSpc>
             </a:pPr>
             <a:r>
-              <a:rPr b="0" lang="ru-RU" sz="4400" spc="-1" strike="noStrike">
+              <a:rPr lang="ru-RU" sz="4400" b="0" strike="noStrike" spc="-1">
                 <a:solidFill>
                   <a:srgbClr val="000000"/>
                 </a:solidFill>
                 <a:uFill>
                   <a:solidFill>
-                    <a:srgbClr val="ffffff"/>
+                    <a:srgbClr val="FFFFFF"/>
                   </a:solidFill>
                 </a:uFill>
                 <a:latin typeface="Arial"/>
@@ -6250,13 +8088,13 @@
               </a:rPr>
               <a:t>Условия применения алгоритма</a:t>
             </a:r>
-            <a:endParaRPr b="0" lang="ru-RU" sz="1800" spc="-1" strike="noStrike">
-              <a:solidFill>
-                <a:srgbClr val="000000"/>
-              </a:solidFill>
-              <a:uFill>
-                <a:solidFill>
-                  <a:srgbClr val="ffffff"/>
+            <a:endParaRPr lang="ru-RU" sz="1800" b="0" strike="noStrike" spc="-1">
+              <a:solidFill>
+                <a:srgbClr val="000000"/>
+              </a:solidFill>
+              <a:uFill>
+                <a:solidFill>
+                  <a:srgbClr val="FFFFFF"/>
                 </a:solidFill>
               </a:uFill>
               <a:latin typeface="Arial"/>
@@ -6284,7 +8122,8 @@
           </a:ln>
         </p:spPr>
         <p:txBody>
-          <a:bodyPr lIns="0" rIns="0" tIns="0" bIns="0"/>
+          <a:bodyPr lIns="0" tIns="0" rIns="0" bIns="0"/>
+          <a:lstStyle/>
           <a:p>
             <a:pPr marL="228600" indent="-228240" algn="ctr">
               <a:lnSpc>
@@ -6297,13 +8136,13 @@
               <a:buChar char="•"/>
             </a:pPr>
             <a:r>
-              <a:rPr b="0" lang="ru-RU" sz="2800" spc="-1" strike="noStrike">
+              <a:rPr lang="ru-RU" sz="2800" b="0" strike="noStrike" spc="-1">
                 <a:solidFill>
                   <a:srgbClr val="000000"/>
                 </a:solidFill>
                 <a:uFill>
                   <a:solidFill>
-                    <a:srgbClr val="ffffff"/>
+                    <a:srgbClr val="FFFFFF"/>
                   </a:solidFill>
                 </a:uFill>
                 <a:latin typeface="Arial"/>
@@ -6311,13 +8150,13 @@
               </a:rPr>
               <a:t>Большое число переменных, малое относительно них число наблюдений. Выборочная ковариационная матрица плохо обусловлена, и по ней нельзя построить достоверную обратную матрицу</a:t>
             </a:r>
-            <a:endParaRPr b="0" lang="ru-RU" sz="2800" spc="-1" strike="noStrike">
-              <a:solidFill>
-                <a:srgbClr val="000000"/>
-              </a:solidFill>
-              <a:uFill>
-                <a:solidFill>
-                  <a:srgbClr val="ffffff"/>
+            <a:endParaRPr lang="ru-RU" sz="2800" b="0" strike="noStrike" spc="-1">
+              <a:solidFill>
+                <a:srgbClr val="000000"/>
+              </a:solidFill>
+              <a:uFill>
+                <a:solidFill>
+                  <a:srgbClr val="FFFFFF"/>
                 </a:solidFill>
               </a:uFill>
               <a:latin typeface="Arial"/>
@@ -6335,13 +8174,13 @@
               <a:buChar char="•"/>
             </a:pPr>
             <a:r>
-              <a:rPr b="0" lang="ru-RU" sz="2800" spc="-1" strike="noStrike">
+              <a:rPr lang="ru-RU" sz="2800" b="0" strike="noStrike" spc="-1">
                 <a:solidFill>
                   <a:srgbClr val="000000"/>
                 </a:solidFill>
                 <a:uFill>
                   <a:solidFill>
-                    <a:srgbClr val="ffffff"/>
+                    <a:srgbClr val="FFFFFF"/>
                   </a:solidFill>
                 </a:uFill>
                 <a:latin typeface="Arial"/>
@@ -6349,13 +8188,13 @@
               </a:rPr>
               <a:t>Интересна взаимосвязь переменных с точки зрения условной независимости переменных друг от друга</a:t>
             </a:r>
-            <a:endParaRPr b="0" lang="ru-RU" sz="2800" spc="-1" strike="noStrike">
-              <a:solidFill>
-                <a:srgbClr val="000000"/>
-              </a:solidFill>
-              <a:uFill>
-                <a:solidFill>
-                  <a:srgbClr val="ffffff"/>
+            <a:endParaRPr lang="ru-RU" sz="2800" b="0" strike="noStrike" spc="-1">
+              <a:solidFill>
+                <a:srgbClr val="000000"/>
+              </a:solidFill>
+              <a:uFill>
+                <a:solidFill>
+                  <a:srgbClr val="FFFFFF"/>
                 </a:solidFill>
               </a:uFill>
               <a:latin typeface="Arial"/>
@@ -6373,13 +8212,13 @@
               <a:buChar char="•"/>
             </a:pPr>
             <a:r>
-              <a:rPr b="0" lang="ru-RU" sz="2800" spc="-1" strike="noStrike">
+              <a:rPr lang="ru-RU" sz="2800" b="0" strike="noStrike" spc="-1">
                 <a:solidFill>
                   <a:srgbClr val="000000"/>
                 </a:solidFill>
                 <a:uFill>
                   <a:solidFill>
-                    <a:srgbClr val="ffffff"/>
+                    <a:srgbClr val="FFFFFF"/>
                   </a:solidFill>
                 </a:uFill>
                 <a:latin typeface="Arial"/>
@@ -6387,13 +8226,13 @@
               </a:rPr>
               <a:t>Лучше получить лишние взаимосвязи, чем потерять истинные. (Если в истинной обратной матрице на какой-то позиции стоит ненулевой коэффициент, то алгоритм также найдет там ненулевой коэффициент)</a:t>
             </a:r>
-            <a:endParaRPr b="0" lang="ru-RU" sz="2800" spc="-1" strike="noStrike">
-              <a:solidFill>
-                <a:srgbClr val="000000"/>
-              </a:solidFill>
-              <a:uFill>
-                <a:solidFill>
-                  <a:srgbClr val="ffffff"/>
+            <a:endParaRPr lang="ru-RU" sz="2800" b="0" strike="noStrike" spc="-1">
+              <a:solidFill>
+                <a:srgbClr val="000000"/>
+              </a:solidFill>
+              <a:uFill>
+                <a:solidFill>
+                  <a:srgbClr val="FFFFFF"/>
                 </a:solidFill>
               </a:uFill>
               <a:latin typeface="Arial"/>
@@ -6403,22 +8242,25 @@
       </p:sp>
     </p:spTree>
   </p:cSld>
+  <p:clrMapOvr>
+    <a:masterClrMapping/>
+  </p:clrMapOvr>
   <p:timing>
     <p:tnLst>
       <p:par>
-        <p:cTn id="9" dur="indefinite" restart="never" nodeType="tmRoot">
+        <p:cTn id="1" dur="indefinite" restart="never" nodeType="tmRoot">
           <p:childTnLst>
             <p:seq>
-              <p:cTn id="10" nodeType="mainSeq"/>
+              <p:cTn id="2" nodeType="mainSeq"/>
               <p:prevCondLst>
-                <p:cond delay="0" evt="onPrev">
+                <p:cond evt="onPrev" delay="0">
                   <p:tgtEl>
                     <p:sldTgt/>
                   </p:tgtEl>
                 </p:cond>
               </p:prevCondLst>
               <p:nextCondLst>
-                <p:cond delay="0" evt="onNext">
+                <p:cond evt="onNext" delay="0">
                   <p:tgtEl>
                     <p:sldTgt/>
                   </p:tgtEl>
@@ -6434,7 +8276,7 @@
 </file>
 
 <file path=ppt/slides/slide6.xml><?xml version="1.0" encoding="utf-8"?>
-<p:sld xmlns:a="http://schemas.openxmlformats.org/drawingml/2006/main" xmlns:p="http://schemas.openxmlformats.org/presentationml/2006/main" xmlns:r="http://schemas.openxmlformats.org/officeDocument/2006/relationships" xmlns:p14="http://schemas.microsoft.com/office/powerpoint/2010/main" xmlns:p15="http://schemas.microsoft.com/office/powerpoint/2012/main" xmlns:mc="http://schemas.openxmlformats.org/markup-compatibility/2006">
+<p:sld xmlns:a="http://schemas.openxmlformats.org/drawingml/2006/main" xmlns:r="http://schemas.openxmlformats.org/officeDocument/2006/relationships" xmlns:p="http://schemas.openxmlformats.org/presentationml/2006/main">
   <p:cSld>
     <p:spTree>
       <p:nvGrpSpPr>
@@ -6470,7 +8312,8 @@
           </a:ln>
         </p:spPr>
         <p:txBody>
-          <a:bodyPr lIns="0" rIns="0" tIns="0" bIns="0" anchor="ctr"/>
+          <a:bodyPr lIns="0" tIns="0" rIns="0" bIns="0" anchor="ctr"/>
+          <a:lstStyle/>
           <a:p>
             <a:pPr algn="ctr">
               <a:lnSpc>
@@ -6478,13 +8321,13 @@
               </a:lnSpc>
             </a:pPr>
             <a:r>
-              <a:rPr b="0" lang="ru-RU" sz="4400" spc="-1" strike="noStrike">
+              <a:rPr lang="ru-RU" sz="4400" b="0" strike="noStrike" spc="-1">
                 <a:solidFill>
                   <a:srgbClr val="000000"/>
                 </a:solidFill>
                 <a:uFill>
                   <a:solidFill>
-                    <a:srgbClr val="ffffff"/>
+                    <a:srgbClr val="FFFFFF"/>
                   </a:solidFill>
                 </a:uFill>
                 <a:latin typeface="Arial"/>
@@ -6492,13 +8335,13 @@
               </a:rPr>
               <a:t>Области применения</a:t>
             </a:r>
-            <a:endParaRPr b="0" lang="ru-RU" sz="1800" spc="-1" strike="noStrike">
-              <a:solidFill>
-                <a:srgbClr val="000000"/>
-              </a:solidFill>
-              <a:uFill>
-                <a:solidFill>
-                  <a:srgbClr val="ffffff"/>
+            <a:endParaRPr lang="ru-RU" sz="1800" b="0" strike="noStrike" spc="-1">
+              <a:solidFill>
+                <a:srgbClr val="000000"/>
+              </a:solidFill>
+              <a:uFill>
+                <a:solidFill>
+                  <a:srgbClr val="FFFFFF"/>
                 </a:solidFill>
               </a:uFill>
               <a:latin typeface="Arial"/>
@@ -6526,7 +8369,8 @@
           </a:ln>
         </p:spPr>
         <p:txBody>
-          <a:bodyPr lIns="0" rIns="0" tIns="0" bIns="0"/>
+          <a:bodyPr lIns="0" tIns="0" rIns="0" bIns="0"/>
+          <a:lstStyle/>
           <a:p>
             <a:pPr marL="228600" indent="-228240">
               <a:lnSpc>
@@ -6539,13 +8383,13 @@
               <a:buChar char="•"/>
             </a:pPr>
             <a:r>
-              <a:rPr b="0" lang="ru-RU" sz="2800" spc="-1" strike="noStrike">
+              <a:rPr lang="ru-RU" sz="2800" b="0" strike="noStrike" spc="-1">
                 <a:solidFill>
                   <a:srgbClr val="000000"/>
                 </a:solidFill>
                 <a:uFill>
                   <a:solidFill>
-                    <a:srgbClr val="ffffff"/>
+                    <a:srgbClr val="FFFFFF"/>
                   </a:solidFill>
                 </a:uFill>
                 <a:latin typeface="Arial"/>
@@ -6553,13 +8397,13 @@
               </a:rPr>
               <a:t>Анализ данных экспрессии генов. Bhadra, Malick (2013), Dobra &amp; West (2004)</a:t>
             </a:r>
-            <a:endParaRPr b="0" lang="ru-RU" sz="2800" spc="-1" strike="noStrike">
-              <a:solidFill>
-                <a:srgbClr val="000000"/>
-              </a:solidFill>
-              <a:uFill>
-                <a:solidFill>
-                  <a:srgbClr val="ffffff"/>
+            <a:endParaRPr lang="ru-RU" sz="2800" b="0" strike="noStrike" spc="-1">
+              <a:solidFill>
+                <a:srgbClr val="000000"/>
+              </a:solidFill>
+              <a:uFill>
+                <a:solidFill>
+                  <a:srgbClr val="FFFFFF"/>
                 </a:solidFill>
               </a:uFill>
               <a:latin typeface="Arial"/>
@@ -6577,13 +8421,13 @@
               <a:buChar char="•"/>
             </a:pPr>
             <a:r>
-              <a:rPr b="0" lang="ru-RU" sz="2800" spc="-1" strike="noStrike">
+              <a:rPr lang="ru-RU" sz="2800" b="0" strike="noStrike" spc="-1">
                 <a:solidFill>
                   <a:srgbClr val="000000"/>
                 </a:solidFill>
                 <a:uFill>
                   <a:solidFill>
-                    <a:srgbClr val="ffffff"/>
+                    <a:srgbClr val="FFFFFF"/>
                   </a:solidFill>
                 </a:uFill>
                 <a:latin typeface="Arial"/>
@@ -6591,13 +8435,13 @@
               </a:rPr>
               <a:t>Распознавание речи. Chen &amp; Gopinath (1999)</a:t>
             </a:r>
-            <a:endParaRPr b="0" lang="ru-RU" sz="2800" spc="-1" strike="noStrike">
-              <a:solidFill>
-                <a:srgbClr val="000000"/>
-              </a:solidFill>
-              <a:uFill>
-                <a:solidFill>
-                  <a:srgbClr val="ffffff"/>
+            <a:endParaRPr lang="ru-RU" sz="2800" b="0" strike="noStrike" spc="-1">
+              <a:solidFill>
+                <a:srgbClr val="000000"/>
+              </a:solidFill>
+              <a:uFill>
+                <a:solidFill>
+                  <a:srgbClr val="FFFFFF"/>
                 </a:solidFill>
               </a:uFill>
               <a:latin typeface="Arial"/>
@@ -6615,13 +8459,13 @@
               <a:buChar char="•"/>
             </a:pPr>
             <a:r>
-              <a:rPr b="0" lang="ru-RU" sz="2800" spc="-1" strike="noStrike">
+              <a:rPr lang="ru-RU" sz="2800" b="0" strike="noStrike" spc="-1">
                 <a:solidFill>
                   <a:srgbClr val="000000"/>
                 </a:solidFill>
                 <a:uFill>
                   <a:solidFill>
-                    <a:srgbClr val="ffffff"/>
+                    <a:srgbClr val="FFFFFF"/>
                   </a:solidFill>
                 </a:uFill>
                 <a:latin typeface="Arial"/>
@@ -6629,13 +8473,13 @@
               </a:rPr>
               <a:t>Экономика. Вайнберг (2008)</a:t>
             </a:r>
-            <a:endParaRPr b="0" lang="ru-RU" sz="2800" spc="-1" strike="noStrike">
-              <a:solidFill>
-                <a:srgbClr val="000000"/>
-              </a:solidFill>
-              <a:uFill>
-                <a:solidFill>
-                  <a:srgbClr val="ffffff"/>
+            <a:endParaRPr lang="ru-RU" sz="2800" b="0" strike="noStrike" spc="-1">
+              <a:solidFill>
+                <a:srgbClr val="000000"/>
+              </a:solidFill>
+              <a:uFill>
+                <a:solidFill>
+                  <a:srgbClr val="FFFFFF"/>
                 </a:solidFill>
               </a:uFill>
               <a:latin typeface="Arial"/>
@@ -6645,22 +8489,25 @@
       </p:sp>
     </p:spTree>
   </p:cSld>
+  <p:clrMapOvr>
+    <a:masterClrMapping/>
+  </p:clrMapOvr>
   <p:timing>
     <p:tnLst>
       <p:par>
-        <p:cTn id="11" dur="indefinite" restart="never" nodeType="tmRoot">
+        <p:cTn id="1" dur="indefinite" restart="never" nodeType="tmRoot">
           <p:childTnLst>
             <p:seq>
-              <p:cTn id="12" nodeType="mainSeq"/>
+              <p:cTn id="2" nodeType="mainSeq"/>
               <p:prevCondLst>
-                <p:cond delay="0" evt="onPrev">
+                <p:cond evt="onPrev" delay="0">
                   <p:tgtEl>
                     <p:sldTgt/>
                   </p:tgtEl>
                 </p:cond>
               </p:prevCondLst>
               <p:nextCondLst>
-                <p:cond delay="0" evt="onNext">
+                <p:cond evt="onNext" delay="0">
                   <p:tgtEl>
                     <p:sldTgt/>
                   </p:tgtEl>
@@ -6676,7 +8523,7 @@
 </file>
 
 <file path=ppt/slides/slide7.xml><?xml version="1.0" encoding="utf-8"?>
-<p:sld xmlns:a="http://schemas.openxmlformats.org/drawingml/2006/main" xmlns:p="http://schemas.openxmlformats.org/presentationml/2006/main" xmlns:r="http://schemas.openxmlformats.org/officeDocument/2006/relationships" xmlns:p14="http://schemas.microsoft.com/office/powerpoint/2010/main" xmlns:p15="http://schemas.microsoft.com/office/powerpoint/2012/main" xmlns:mc="http://schemas.openxmlformats.org/markup-compatibility/2006">
+<p:sld xmlns:a="http://schemas.openxmlformats.org/drawingml/2006/main" xmlns:r="http://schemas.openxmlformats.org/officeDocument/2006/relationships" xmlns:p="http://schemas.openxmlformats.org/presentationml/2006/main">
   <p:cSld>
     <p:spTree>
       <p:nvGrpSpPr>
@@ -6712,9 +8559,15 @@
           </a:ln>
         </p:spPr>
         <p:style>
-          <a:lnRef idx="0"/>
-          <a:fillRef idx="0"/>
-          <a:effectRef idx="0"/>
+          <a:lnRef idx="0">
+            <a:scrgbClr r="0" g="0" b="0"/>
+          </a:lnRef>
+          <a:fillRef idx="0">
+            <a:scrgbClr r="0" g="0" b="0"/>
+          </a:fillRef>
+          <a:effectRef idx="0">
+            <a:scrgbClr r="0" g="0" b="0"/>
+          </a:effectRef>
           <a:fontRef idx="minor"/>
         </p:style>
       </p:sp>
@@ -6738,9 +8591,15 @@
           </a:ln>
         </p:spPr>
         <p:style>
-          <a:lnRef idx="0"/>
-          <a:fillRef idx="0"/>
-          <a:effectRef idx="0"/>
+          <a:lnRef idx="0">
+            <a:scrgbClr r="0" g="0" b="0"/>
+          </a:lnRef>
+          <a:fillRef idx="0">
+            <a:scrgbClr r="0" g="0" b="0"/>
+          </a:fillRef>
+          <a:effectRef idx="0">
+            <a:scrgbClr r="0" g="0" b="0"/>
+          </a:effectRef>
           <a:fontRef idx="minor"/>
         </p:style>
       </p:sp>
@@ -6764,34 +8623,24 @@
           </a:ln>
         </p:spPr>
         <p:txBody>
-          <a:bodyPr lIns="0" rIns="0" tIns="0" bIns="0" anchor="ctr"/>
+          <a:bodyPr lIns="0" tIns="0" rIns="0" bIns="0" anchor="ctr"/>
+          <a:lstStyle/>
           <a:p>
             <a:pPr algn="ctr"/>
             <a:r>
-              <a:rPr b="0" lang="ru-RU" sz="3200" spc="-1" strike="noStrike">
+              <a:rPr lang="ru-RU" sz="3200" b="0" strike="noStrike" spc="-1">
                 <a:solidFill>
                   <a:srgbClr val="000000"/>
                 </a:solidFill>
                 <a:uFill>
                   <a:solidFill>
-                    <a:srgbClr val="ffffff"/>
+                    <a:srgbClr val="FFFFFF"/>
                   </a:solidFill>
                 </a:uFill>
                 <a:latin typeface="Arial"/>
               </a:rPr>
               <a:t>Проделанная работа</a:t>
             </a:r>
-            <a:endParaRPr b="0" lang="ru-RU" sz="3200" spc="-1" strike="noStrike">
-              <a:solidFill>
-                <a:srgbClr val="000000"/>
-              </a:solidFill>
-              <a:uFill>
-                <a:solidFill>
-                  <a:srgbClr val="ffffff"/>
-                </a:solidFill>
-              </a:uFill>
-              <a:latin typeface="Arial"/>
-            </a:endParaRPr>
           </a:p>
         </p:txBody>
       </p:sp>
@@ -6815,124 +8664,81 @@
           </a:ln>
         </p:spPr>
         <p:txBody>
-          <a:bodyPr lIns="0" rIns="0" tIns="0" bIns="0"/>
+          <a:bodyPr lIns="0" tIns="0" rIns="0" bIns="0"/>
+          <a:lstStyle/>
           <a:p>
             <a:r>
-              <a:rPr b="0" lang="ru-RU" sz="1800" spc="-1" strike="noStrike">
+              <a:rPr lang="ru-RU" sz="1800" b="0" strike="noStrike" spc="-1">
                 <a:solidFill>
                   <a:srgbClr val="000000"/>
                 </a:solidFill>
                 <a:uFill>
                   <a:solidFill>
-                    <a:srgbClr val="ffffff"/>
+                    <a:srgbClr val="FFFFFF"/>
                   </a:solidFill>
                 </a:uFill>
                 <a:latin typeface="Arial"/>
               </a:rPr>
               <a:t>Команда ознакомилась с материалами по теме работы</a:t>
             </a:r>
-            <a:endParaRPr b="0" lang="ru-RU" sz="1800" spc="-1" strike="noStrike">
-              <a:solidFill>
-                <a:srgbClr val="000000"/>
-              </a:solidFill>
-              <a:uFill>
-                <a:solidFill>
-                  <a:srgbClr val="ffffff"/>
-                </a:solidFill>
-              </a:uFill>
-              <a:latin typeface="Arial"/>
-            </a:endParaRPr>
           </a:p>
           <a:p>
             <a:r>
-              <a:rPr b="0" lang="ru-RU" sz="1800" spc="-1" strike="noStrike">
+              <a:rPr lang="ru-RU" sz="1800" b="0" strike="noStrike" spc="-1">
                 <a:solidFill>
                   <a:srgbClr val="000000"/>
                 </a:solidFill>
                 <a:uFill>
                   <a:solidFill>
-                    <a:srgbClr val="ffffff"/>
+                    <a:srgbClr val="FFFFFF"/>
                   </a:solidFill>
                 </a:uFill>
                 <a:latin typeface="Arial"/>
               </a:rPr>
               <a:t>Реализован алгоритм Демпстера выбора ковариаций</a:t>
             </a:r>
-            <a:endParaRPr b="0" lang="ru-RU" sz="1800" spc="-1" strike="noStrike">
-              <a:solidFill>
-                <a:srgbClr val="000000"/>
-              </a:solidFill>
-              <a:uFill>
-                <a:solidFill>
-                  <a:srgbClr val="ffffff"/>
-                </a:solidFill>
-              </a:uFill>
-              <a:latin typeface="Arial"/>
-            </a:endParaRPr>
           </a:p>
           <a:p>
             <a:r>
-              <a:rPr b="0" lang="ru-RU" sz="1800" spc="-1" strike="noStrike">
+              <a:rPr lang="ru-RU" sz="1800" b="0" strike="noStrike" spc="-1">
                 <a:solidFill>
                   <a:srgbClr val="000000"/>
                 </a:solidFill>
                 <a:uFill>
                   <a:solidFill>
-                    <a:srgbClr val="ffffff"/>
+                    <a:srgbClr val="FFFFFF"/>
                   </a:solidFill>
                 </a:uFill>
                 <a:latin typeface="Arial"/>
               </a:rPr>
               <a:t>Реализована модификация алгоритма Демпстера</a:t>
             </a:r>
-            <a:endParaRPr b="0" lang="ru-RU" sz="1800" spc="-1" strike="noStrike">
-              <a:solidFill>
-                <a:srgbClr val="000000"/>
-              </a:solidFill>
-              <a:uFill>
-                <a:solidFill>
-                  <a:srgbClr val="ffffff"/>
-                </a:solidFill>
-              </a:uFill>
-              <a:latin typeface="Arial"/>
-            </a:endParaRPr>
           </a:p>
           <a:p>
             <a:r>
-              <a:rPr b="0" lang="ru-RU" sz="1800" spc="-1" strike="noStrike">
+              <a:rPr lang="ru-RU" sz="1800" b="0" strike="noStrike" spc="-1">
                 <a:solidFill>
                   <a:srgbClr val="000000"/>
                 </a:solidFill>
                 <a:uFill>
                   <a:solidFill>
-                    <a:srgbClr val="ffffff"/>
+                    <a:srgbClr val="FFFFFF"/>
                   </a:solidFill>
                 </a:uFill>
                 <a:latin typeface="Arial"/>
               </a:rPr>
               <a:t>Проект залит на Github</a:t>
             </a:r>
-            <a:endParaRPr b="0" lang="ru-RU" sz="1800" spc="-1" strike="noStrike">
-              <a:solidFill>
-                <a:srgbClr val="000000"/>
-              </a:solidFill>
-              <a:uFill>
-                <a:solidFill>
-                  <a:srgbClr val="ffffff"/>
-                </a:solidFill>
-              </a:uFill>
-              <a:latin typeface="Arial"/>
-            </a:endParaRPr>
           </a:p>
           <a:p>
             <a:r>
-              <a:rPr b="0" lang="ru-RU" sz="1800" spc="-1" strike="noStrike">
+              <a:rPr lang="ru-RU" sz="1800" b="0" strike="noStrike" spc="-1">
                 <a:solidFill>
                   <a:srgbClr val="000000"/>
                 </a:solidFill>
                 <a:uFill>
                   <a:solidFill>
-                    <a:srgbClr val="ffffff"/>
+                    <a:srgbClr val="FFFFFF"/>
                   </a:solidFill>
                 </a:uFill>
                 <a:latin typeface="Arial"/>
@@ -6940,26 +8746,26 @@
               <a:t>Библиотеку можно поставить привычной командой </a:t>
             </a:r>
             <a:r>
-              <a:rPr b="0" i="1" lang="ru-RU" sz="1800" spc="-1" strike="noStrike">
+              <a:rPr lang="ru-RU" sz="1800" b="0" i="1" strike="noStrike" spc="-1">
                 <a:solidFill>
                   <a:srgbClr val="000000"/>
                 </a:solidFill>
                 <a:uFill>
                   <a:solidFill>
-                    <a:srgbClr val="ffffff"/>
+                    <a:srgbClr val="FFFFFF"/>
                   </a:solidFill>
                 </a:uFill>
                 <a:latin typeface="Arial"/>
               </a:rPr>
               <a:t>pip install dempster_algorithm</a:t>
             </a:r>
-            <a:endParaRPr b="0" lang="ru-RU" sz="1800" spc="-1" strike="noStrike">
-              <a:solidFill>
-                <a:srgbClr val="000000"/>
-              </a:solidFill>
-              <a:uFill>
-                <a:solidFill>
-                  <a:srgbClr val="ffffff"/>
+            <a:endParaRPr lang="ru-RU" sz="1800" b="0" strike="noStrike" spc="-1">
+              <a:solidFill>
+                <a:srgbClr val="000000"/>
+              </a:solidFill>
+              <a:uFill>
+                <a:solidFill>
+                  <a:srgbClr val="FFFFFF"/>
                 </a:solidFill>
               </a:uFill>
               <a:latin typeface="Arial"/>
@@ -6967,66 +8773,44 @@
           </a:p>
           <a:p>
             <a:r>
-              <a:rPr b="0" lang="ru-RU" sz="1800" spc="-1" strike="noStrike">
+              <a:rPr lang="ru-RU" sz="1800" b="0" strike="noStrike" spc="-1">
                 <a:solidFill>
                   <a:srgbClr val="000000"/>
                 </a:solidFill>
                 <a:uFill>
                   <a:solidFill>
-                    <a:srgbClr val="ffffff"/>
+                    <a:srgbClr val="FFFFFF"/>
                   </a:solidFill>
                 </a:uFill>
                 <a:latin typeface="Arial"/>
               </a:rPr>
               <a:t>Проведены тесты на корректность</a:t>
             </a:r>
-            <a:endParaRPr b="0" lang="ru-RU" sz="1800" spc="-1" strike="noStrike">
-              <a:solidFill>
-                <a:srgbClr val="000000"/>
-              </a:solidFill>
-              <a:uFill>
-                <a:solidFill>
-                  <a:srgbClr val="ffffff"/>
-                </a:solidFill>
-              </a:uFill>
-              <a:latin typeface="Arial"/>
-            </a:endParaRPr>
           </a:p>
           <a:p>
             <a:r>
-              <a:rPr b="0" lang="ru-RU" sz="1800" spc="-1" strike="noStrike">
+              <a:rPr lang="ru-RU" sz="1800" b="0" strike="noStrike" spc="-1">
                 <a:solidFill>
                   <a:srgbClr val="000000"/>
                 </a:solidFill>
                 <a:uFill>
                   <a:solidFill>
-                    <a:srgbClr val="ffffff"/>
+                    <a:srgbClr val="FFFFFF"/>
                   </a:solidFill>
                 </a:uFill>
                 <a:latin typeface="Arial"/>
               </a:rPr>
               <a:t>Проведены замеры скорости работы обоих алгоритмов</a:t>
             </a:r>
-            <a:endParaRPr b="0" lang="ru-RU" sz="1800" spc="-1" strike="noStrike">
-              <a:solidFill>
-                <a:srgbClr val="000000"/>
-              </a:solidFill>
-              <a:uFill>
-                <a:solidFill>
-                  <a:srgbClr val="ffffff"/>
-                </a:solidFill>
-              </a:uFill>
-              <a:latin typeface="Arial"/>
-            </a:endParaRPr>
-          </a:p>
-          <a:p>
-            <a:endParaRPr b="0" lang="ru-RU" sz="1800" spc="-1" strike="noStrike">
-              <a:solidFill>
-                <a:srgbClr val="000000"/>
-              </a:solidFill>
-              <a:uFill>
-                <a:solidFill>
-                  <a:srgbClr val="ffffff"/>
+          </a:p>
+          <a:p>
+            <a:endParaRPr lang="ru-RU" sz="1800" b="0" strike="noStrike" spc="-1">
+              <a:solidFill>
+                <a:srgbClr val="000000"/>
+              </a:solidFill>
+              <a:uFill>
+                <a:solidFill>
+                  <a:srgbClr val="FFFFFF"/>
                 </a:solidFill>
               </a:uFill>
               <a:latin typeface="Arial"/>
@@ -7036,22 +8820,25 @@
       </p:sp>
     </p:spTree>
   </p:cSld>
+  <p:clrMapOvr>
+    <a:masterClrMapping/>
+  </p:clrMapOvr>
   <p:timing>
     <p:tnLst>
       <p:par>
-        <p:cTn id="13" dur="indefinite" restart="never" nodeType="tmRoot">
+        <p:cTn id="1" dur="indefinite" restart="never" nodeType="tmRoot">
           <p:childTnLst>
             <p:seq>
-              <p:cTn id="14" nodeType="mainSeq"/>
+              <p:cTn id="2" nodeType="mainSeq"/>
               <p:prevCondLst>
-                <p:cond delay="0" evt="onPrev">
+                <p:cond evt="onPrev" delay="0">
                   <p:tgtEl>
                     <p:sldTgt/>
                   </p:tgtEl>
                 </p:cond>
               </p:prevCondLst>
               <p:nextCondLst>
-                <p:cond delay="0" evt="onNext">
+                <p:cond evt="onNext" delay="0">
                   <p:tgtEl>
                     <p:sldTgt/>
                   </p:tgtEl>
@@ -7067,7 +8854,7 @@
 </file>
 
 <file path=ppt/slides/slide8.xml><?xml version="1.0" encoding="utf-8"?>
-<p:sld xmlns:a="http://schemas.openxmlformats.org/drawingml/2006/main" xmlns:p="http://schemas.openxmlformats.org/presentationml/2006/main" xmlns:r="http://schemas.openxmlformats.org/officeDocument/2006/relationships" xmlns:p14="http://schemas.microsoft.com/office/powerpoint/2010/main" xmlns:p15="http://schemas.microsoft.com/office/powerpoint/2012/main" xmlns:mc="http://schemas.openxmlformats.org/markup-compatibility/2006">
+<p:sld xmlns:a="http://schemas.openxmlformats.org/drawingml/2006/main" xmlns:r="http://schemas.openxmlformats.org/officeDocument/2006/relationships" xmlns:p="http://schemas.openxmlformats.org/presentationml/2006/main">
   <p:cSld>
     <p:spTree>
       <p:nvGrpSpPr>
@@ -7103,7 +8890,8 @@
           </a:ln>
         </p:spPr>
         <p:txBody>
-          <a:bodyPr lIns="0" rIns="0" tIns="0" bIns="0" anchor="ctr"/>
+          <a:bodyPr lIns="0" tIns="0" rIns="0" bIns="0" anchor="ctr"/>
+          <a:lstStyle/>
           <a:p>
             <a:pPr algn="ctr">
               <a:lnSpc>
@@ -7111,13 +8899,13 @@
               </a:lnSpc>
             </a:pPr>
             <a:r>
-              <a:rPr b="0" lang="ru-RU" sz="4400" spc="-1" strike="noStrike">
+              <a:rPr lang="ru-RU" sz="4400" b="0" strike="noStrike" spc="-1">
                 <a:solidFill>
                   <a:srgbClr val="000000"/>
                 </a:solidFill>
                 <a:uFill>
                   <a:solidFill>
-                    <a:srgbClr val="ffffff"/>
+                    <a:srgbClr val="FFFFFF"/>
                   </a:solidFill>
                 </a:uFill>
                 <a:latin typeface="Arial"/>
@@ -7125,13 +8913,13 @@
               </a:rPr>
               <a:t>Виды тестов</a:t>
             </a:r>
-            <a:endParaRPr b="0" lang="ru-RU" sz="1800" spc="-1" strike="noStrike">
-              <a:solidFill>
-                <a:srgbClr val="000000"/>
-              </a:solidFill>
-              <a:uFill>
-                <a:solidFill>
-                  <a:srgbClr val="ffffff"/>
+            <a:endParaRPr lang="ru-RU" sz="1800" b="0" strike="noStrike" spc="-1">
+              <a:solidFill>
+                <a:srgbClr val="000000"/>
+              </a:solidFill>
+              <a:uFill>
+                <a:solidFill>
+                  <a:srgbClr val="FFFFFF"/>
                 </a:solidFill>
               </a:uFill>
               <a:latin typeface="Arial"/>
@@ -7159,7 +8947,8 @@
           </a:ln>
         </p:spPr>
         <p:txBody>
-          <a:bodyPr lIns="0" rIns="0" tIns="0" bIns="0"/>
+          <a:bodyPr lIns="0" tIns="0" rIns="0" bIns="0"/>
+          <a:lstStyle/>
           <a:p>
             <a:pPr marL="228600" indent="-228240">
               <a:lnSpc>
@@ -7172,13 +8961,13 @@
               <a:buChar char="•"/>
             </a:pPr>
             <a:r>
-              <a:rPr b="0" lang="ru-RU" sz="2800" spc="-1" strike="noStrike">
+              <a:rPr lang="ru-RU" sz="2800" b="0" strike="noStrike" spc="-1">
                 <a:solidFill>
                   <a:srgbClr val="000000"/>
                 </a:solidFill>
                 <a:uFill>
                   <a:solidFill>
-                    <a:srgbClr val="ffffff"/>
+                    <a:srgbClr val="FFFFFF"/>
                   </a:solidFill>
                 </a:uFill>
                 <a:latin typeface="Arial"/>
@@ -7186,13 +8975,13 @@
               </a:rPr>
               <a:t>Повторение результатов из оригинальных статей по методу выбора ковариаций</a:t>
             </a:r>
-            <a:endParaRPr b="0" lang="ru-RU" sz="2800" spc="-1" strike="noStrike">
-              <a:solidFill>
-                <a:srgbClr val="000000"/>
-              </a:solidFill>
-              <a:uFill>
-                <a:solidFill>
-                  <a:srgbClr val="ffffff"/>
+            <a:endParaRPr lang="ru-RU" sz="2800" b="0" strike="noStrike" spc="-1">
+              <a:solidFill>
+                <a:srgbClr val="000000"/>
+              </a:solidFill>
+              <a:uFill>
+                <a:solidFill>
+                  <a:srgbClr val="FFFFFF"/>
                 </a:solidFill>
               </a:uFill>
               <a:latin typeface="Arial"/>
@@ -7210,13 +8999,13 @@
               <a:buChar char="•"/>
             </a:pPr>
             <a:r>
-              <a:rPr b="0" lang="ru-RU" sz="2800" spc="-1" strike="noStrike">
+              <a:rPr lang="ru-RU" sz="2800" b="0" strike="noStrike" spc="-1">
                 <a:solidFill>
                   <a:srgbClr val="000000"/>
                 </a:solidFill>
                 <a:uFill>
                   <a:solidFill>
-                    <a:srgbClr val="ffffff"/>
+                    <a:srgbClr val="FFFFFF"/>
                   </a:solidFill>
                 </a:uFill>
                 <a:latin typeface="Arial"/>
@@ -7224,20 +9013,20 @@
               </a:rPr>
               <a:t>Тесты на случайных данных</a:t>
             </a:r>
-            <a:endParaRPr b="0" lang="ru-RU" sz="2800" spc="-1" strike="noStrike">
-              <a:solidFill>
-                <a:srgbClr val="000000"/>
-              </a:solidFill>
-              <a:uFill>
-                <a:solidFill>
-                  <a:srgbClr val="ffffff"/>
-                </a:solidFill>
-              </a:uFill>
-              <a:latin typeface="Arial"/>
-            </a:endParaRPr>
-          </a:p>
-          <a:p>
-            <a:pPr lvl="1" marL="685800" indent="-228240">
+            <a:endParaRPr lang="ru-RU" sz="2800" b="0" strike="noStrike" spc="-1">
+              <a:solidFill>
+                <a:srgbClr val="000000"/>
+              </a:solidFill>
+              <a:uFill>
+                <a:solidFill>
+                  <a:srgbClr val="FFFFFF"/>
+                </a:solidFill>
+              </a:uFill>
+              <a:latin typeface="Arial"/>
+            </a:endParaRPr>
+          </a:p>
+          <a:p>
+            <a:pPr marL="685800" lvl="1" indent="-228240">
               <a:lnSpc>
                 <a:spcPct val="100000"/>
               </a:lnSpc>
@@ -7248,13 +9037,13 @@
               <a:buChar char="•"/>
             </a:pPr>
             <a:r>
-              <a:rPr b="0" lang="ru-RU" sz="2400" spc="-1" strike="noStrike">
+              <a:rPr lang="ru-RU" sz="2400" b="0" strike="noStrike" spc="-1">
                 <a:solidFill>
                   <a:srgbClr val="000000"/>
                 </a:solidFill>
                 <a:uFill>
                   <a:solidFill>
-                    <a:srgbClr val="ffffff"/>
+                    <a:srgbClr val="FFFFFF"/>
                   </a:solidFill>
                 </a:uFill>
                 <a:latin typeface="Arial"/>
@@ -7262,20 +9051,20 @@
               </a:rPr>
               <a:t>Построение ковариационной матрицы по выборочной ковариации из случайного распределения и сравнение на соответствие параметрам распределения</a:t>
             </a:r>
-            <a:endParaRPr b="0" lang="ru-RU" sz="2000" spc="-1" strike="noStrike">
-              <a:solidFill>
-                <a:srgbClr val="000000"/>
-              </a:solidFill>
-              <a:uFill>
-                <a:solidFill>
-                  <a:srgbClr val="ffffff"/>
-                </a:solidFill>
-              </a:uFill>
-              <a:latin typeface="Arial"/>
-            </a:endParaRPr>
-          </a:p>
-          <a:p>
-            <a:pPr lvl="1" marL="685800" indent="-228240">
+            <a:endParaRPr lang="ru-RU" sz="2000" b="0" strike="noStrike" spc="-1">
+              <a:solidFill>
+                <a:srgbClr val="000000"/>
+              </a:solidFill>
+              <a:uFill>
+                <a:solidFill>
+                  <a:srgbClr val="FFFFFF"/>
+                </a:solidFill>
+              </a:uFill>
+              <a:latin typeface="Arial"/>
+            </a:endParaRPr>
+          </a:p>
+          <a:p>
+            <a:pPr marL="685800" lvl="1" indent="-228240">
               <a:lnSpc>
                 <a:spcPct val="100000"/>
               </a:lnSpc>
@@ -7286,13 +9075,13 @@
               <a:buChar char="•"/>
             </a:pPr>
             <a:r>
-              <a:rPr b="0" lang="ru-RU" sz="2400" spc="-1" strike="noStrike">
+              <a:rPr lang="ru-RU" sz="2400" b="0" strike="noStrike" spc="-1">
                 <a:solidFill>
                   <a:srgbClr val="000000"/>
                 </a:solidFill>
                 <a:uFill>
                   <a:solidFill>
-                    <a:srgbClr val="ffffff"/>
+                    <a:srgbClr val="FFFFFF"/>
                   </a:solidFill>
                 </a:uFill>
                 <a:latin typeface="Arial"/>
@@ -7300,13 +9089,13 @@
               </a:rPr>
               <a:t>Построение ковариационной матрицы по зашумленной истинной ковариационной матрице и сравнение на соответствие</a:t>
             </a:r>
-            <a:endParaRPr b="0" lang="ru-RU" sz="2000" spc="-1" strike="noStrike">
-              <a:solidFill>
-                <a:srgbClr val="000000"/>
-              </a:solidFill>
-              <a:uFill>
-                <a:solidFill>
-                  <a:srgbClr val="ffffff"/>
+            <a:endParaRPr lang="ru-RU" sz="2000" b="0" strike="noStrike" spc="-1">
+              <a:solidFill>
+                <a:srgbClr val="000000"/>
+              </a:solidFill>
+              <a:uFill>
+                <a:solidFill>
+                  <a:srgbClr val="FFFFFF"/>
                 </a:solidFill>
               </a:uFill>
               <a:latin typeface="Arial"/>
@@ -7316,22 +9105,25 @@
       </p:sp>
     </p:spTree>
   </p:cSld>
+  <p:clrMapOvr>
+    <a:masterClrMapping/>
+  </p:clrMapOvr>
   <p:timing>
     <p:tnLst>
       <p:par>
-        <p:cTn id="15" dur="indefinite" restart="never" nodeType="tmRoot">
+        <p:cTn id="1" dur="indefinite" restart="never" nodeType="tmRoot">
           <p:childTnLst>
             <p:seq>
-              <p:cTn id="16" nodeType="mainSeq"/>
+              <p:cTn id="2" nodeType="mainSeq"/>
               <p:prevCondLst>
-                <p:cond delay="0" evt="onPrev">
+                <p:cond evt="onPrev" delay="0">
                   <p:tgtEl>
                     <p:sldTgt/>
                   </p:tgtEl>
                 </p:cond>
               </p:prevCondLst>
               <p:nextCondLst>
-                <p:cond delay="0" evt="onNext">
+                <p:cond evt="onNext" delay="0">
                   <p:tgtEl>
                     <p:sldTgt/>
                   </p:tgtEl>
@@ -7343,6 +9135,138 @@
       </p:par>
     </p:tnLst>
   </p:timing>
+</p:sld>
+</file>
+
+<file path=ppt/slides/slide9.xml><?xml version="1.0" encoding="utf-8"?>
+<p:sld xmlns:a="http://schemas.openxmlformats.org/drawingml/2006/main" xmlns:r="http://schemas.openxmlformats.org/officeDocument/2006/relationships" xmlns:p="http://schemas.openxmlformats.org/presentationml/2006/main">
+  <p:cSld>
+    <p:spTree>
+      <p:nvGrpSpPr>
+        <p:cNvPr id="1" name=""/>
+        <p:cNvGrpSpPr/>
+        <p:nvPr/>
+      </p:nvGrpSpPr>
+      <p:grpSpPr>
+        <a:xfrm>
+          <a:off x="0" y="0"/>
+          <a:ext cx="0" cy="0"/>
+          <a:chOff x="0" y="0"/>
+          <a:chExt cx="0" cy="0"/>
+        </a:xfrm>
+      </p:grpSpPr>
+      <p:sp>
+        <p:nvSpPr>
+          <p:cNvPr id="2" name="Заголовок 1">
+            <a:extLst>
+              <a:ext uri="{FF2B5EF4-FFF2-40B4-BE49-F238E27FC236}">
+                <a16:creationId xmlns:a16="http://schemas.microsoft.com/office/drawing/2014/main" id="{97BCAF4A-F89A-4304-A99E-4E022325C46A}"/>
+              </a:ext>
+            </a:extLst>
+          </p:cNvPr>
+          <p:cNvSpPr>
+            <a:spLocks noGrp="1"/>
+          </p:cNvSpPr>
+          <p:nvPr>
+            <p:ph type="title"/>
+          </p:nvPr>
+        </p:nvSpPr>
+        <p:spPr/>
+        <p:txBody>
+          <a:bodyPr/>
+          <a:lstStyle/>
+          <a:p>
+            <a:endParaRPr lang="ru-RU" dirty="0"/>
+          </a:p>
+        </p:txBody>
+      </p:sp>
+      <p:sp>
+        <p:nvSpPr>
+          <p:cNvPr id="3" name="Подзаголовок 2">
+            <a:extLst>
+              <a:ext uri="{FF2B5EF4-FFF2-40B4-BE49-F238E27FC236}">
+                <a16:creationId xmlns:a16="http://schemas.microsoft.com/office/drawing/2014/main" id="{4CD15C44-FF53-4303-B757-41CDE3BFE87C}"/>
+              </a:ext>
+            </a:extLst>
+          </p:cNvPr>
+          <p:cNvSpPr>
+            <a:spLocks noGrp="1"/>
+          </p:cNvSpPr>
+          <p:nvPr>
+            <p:ph type="subTitle"/>
+          </p:nvPr>
+        </p:nvSpPr>
+        <p:spPr/>
+        <p:txBody>
+          <a:bodyPr/>
+          <a:lstStyle/>
+          <a:p>
+            <a:pPr marL="0" indent="0">
+              <a:buNone/>
+            </a:pPr>
+            <a:r>
+              <a:rPr lang="en-US" dirty="0"/>
+              <a:t>N = 60</a:t>
+            </a:r>
+          </a:p>
+          <a:p>
+            <a:pPr marL="0" indent="0">
+              <a:buNone/>
+            </a:pPr>
+            <a:r>
+              <a:rPr lang="en-US" dirty="0"/>
+              <a:t>P = 15</a:t>
+            </a:r>
+            <a:endParaRPr lang="ru-RU" dirty="0"/>
+          </a:p>
+        </p:txBody>
+      </p:sp>
+      <p:pic>
+        <p:nvPicPr>
+          <p:cNvPr id="5" name="Рисунок 4">
+            <a:extLst>
+              <a:ext uri="{FF2B5EF4-FFF2-40B4-BE49-F238E27FC236}">
+                <a16:creationId xmlns:a16="http://schemas.microsoft.com/office/drawing/2014/main" id="{2899FBDC-B81F-4161-AE2E-0790922424C4}"/>
+              </a:ext>
+            </a:extLst>
+          </p:cNvPr>
+          <p:cNvPicPr>
+            <a:picLocks noChangeAspect="1"/>
+          </p:cNvPicPr>
+          <p:nvPr/>
+        </p:nvPicPr>
+        <p:blipFill>
+          <a:blip r:embed="rId2">
+            <a:extLst>
+              <a:ext uri="{28A0092B-C50C-407E-A947-70E740481C1C}">
+                <a14:useLocalDpi xmlns:a14="http://schemas.microsoft.com/office/drawing/2010/main" val="0"/>
+              </a:ext>
+            </a:extLst>
+          </a:blip>
+          <a:stretch>
+            <a:fillRect/>
+          </a:stretch>
+        </p:blipFill>
+        <p:spPr>
+          <a:xfrm>
+            <a:off x="1945336" y="478173"/>
+            <a:ext cx="7285996" cy="4371597"/>
+          </a:xfrm>
+          <a:prstGeom prst="rect">
+            <a:avLst/>
+          </a:prstGeom>
+        </p:spPr>
+      </p:pic>
+    </p:spTree>
+    <p:extLst>
+      <p:ext uri="{BB962C8B-B14F-4D97-AF65-F5344CB8AC3E}">
+        <p14:creationId xmlns:p14="http://schemas.microsoft.com/office/powerpoint/2010/main" val="3923247635"/>
+      </p:ext>
+    </p:extLst>
+  </p:cSld>
+  <p:clrMapOvr>
+    <a:masterClrMapping/>
+  </p:clrMapOvr>
 </p:sld>
 </file>
 
@@ -7566,6 +9490,8 @@
       </a:bgFillStyleLst>
     </a:fmtScheme>
   </a:themeElements>
+  <a:objectDefaults/>
+  <a:extraClrSchemeLst/>
 </a:theme>
 </file>
 
@@ -7789,6 +9715,8 @@
       </a:bgFillStyleLst>
     </a:fmtScheme>
   </a:themeElements>
+  <a:objectDefaults/>
+  <a:extraClrSchemeLst/>
 </a:theme>
 </file>
 
@@ -8012,5 +9940,7 @@
       </a:bgFillStyleLst>
     </a:fmtScheme>
   </a:themeElements>
+  <a:objectDefaults/>
+  <a:extraClrSchemeLst/>
 </a:theme>
 </file>
--- a/Презентация.pptx
+++ b/Презентация.pptx
@@ -117,6 +117,11 @@
       </a:defRPr>
     </a:lvl9pPr>
   </p:defaultTextStyle>
+  <p:extLst>
+    <p:ext uri="{EFAFB233-063F-42B5-8137-9DF3F51BA10A}">
+      <p15:sldGuideLst xmlns:p15="http://schemas.microsoft.com/office/powerpoint/2012/main"/>
+    </p:ext>
+  </p:extLst>
 </p:presentation>
 </file>
 
@@ -7234,7 +7239,12 @@
             <p:ph type="subTitle"/>
           </p:nvPr>
         </p:nvSpPr>
-        <p:spPr/>
+        <p:spPr>
+          <a:xfrm>
+            <a:off x="465497" y="3043862"/>
+            <a:ext cx="9071280" cy="1249920"/>
+          </a:xfrm>
+        </p:spPr>
         <p:txBody>
           <a:bodyPr/>
           <a:lstStyle/>
@@ -7243,11 +7253,11 @@
               <a:buNone/>
             </a:pPr>
             <a:r>
-              <a:rPr lang="ru-RU" dirty="0"/>
+              <a:rPr lang="ru-RU" sz="3200" dirty="0"/>
               <a:t>Модифицированная версия алгоритма находит почти такую же ковариационную матрицу, как оригинальная, но работает в среднем быстрее на </a:t>
             </a:r>
             <a:r>
-              <a:rPr lang="en-US" dirty="0"/>
+              <a:rPr lang="en-US" sz="3200" dirty="0"/>
               <a:t>30%.</a:t>
             </a:r>
           </a:p>
@@ -7255,13 +7265,13 @@
             <a:pPr marL="0" indent="0">
               <a:buNone/>
             </a:pPr>
-            <a:endParaRPr lang="en-US" dirty="0"/>
+            <a:endParaRPr lang="en-US" sz="3200" dirty="0"/>
           </a:p>
           <a:p>
             <a:pPr marL="0" indent="0">
               <a:buNone/>
             </a:pPr>
-            <a:endParaRPr lang="ru-RU" dirty="0"/>
+            <a:endParaRPr lang="ru-RU" sz="3200" dirty="0"/>
           </a:p>
         </p:txBody>
       </p:sp>
@@ -7340,28 +7350,33 @@
             <p:ph type="subTitle"/>
           </p:nvPr>
         </p:nvSpPr>
-        <p:spPr/>
+        <p:spPr>
+          <a:xfrm>
+            <a:off x="504000" y="2699914"/>
+            <a:ext cx="9071280" cy="1249920"/>
+          </a:xfrm>
+        </p:spPr>
         <p:txBody>
           <a:bodyPr/>
           <a:lstStyle/>
           <a:p>
             <a:pPr algn="ctr"/>
             <a:r>
-              <a:rPr lang="ru-RU" dirty="0"/>
+              <a:rPr lang="ru-RU" sz="3200" dirty="0"/>
               <a:t>Николай Пермяков. Написание алгоритма</a:t>
             </a:r>
           </a:p>
           <a:p>
             <a:pPr algn="ctr"/>
             <a:r>
-              <a:rPr lang="ru-RU" dirty="0"/>
+              <a:rPr lang="ru-RU" sz="3200" dirty="0"/>
               <a:t>Сергей Власов. Тестирование</a:t>
             </a:r>
           </a:p>
           <a:p>
             <a:pPr algn="ctr"/>
             <a:r>
-              <a:rPr lang="ru-RU" dirty="0"/>
+              <a:rPr lang="ru-RU" sz="3200" dirty="0"/>
               <a:t>Рокеах Роман. Написание алгоритма</a:t>
             </a:r>
           </a:p>
@@ -9157,31 +9172,6 @@
       </p:grpSpPr>
       <p:sp>
         <p:nvSpPr>
-          <p:cNvPr id="2" name="Заголовок 1">
-            <a:extLst>
-              <a:ext uri="{FF2B5EF4-FFF2-40B4-BE49-F238E27FC236}">
-                <a16:creationId xmlns:a16="http://schemas.microsoft.com/office/drawing/2014/main" id="{97BCAF4A-F89A-4304-A99E-4E022325C46A}"/>
-              </a:ext>
-            </a:extLst>
-          </p:cNvPr>
-          <p:cNvSpPr>
-            <a:spLocks noGrp="1"/>
-          </p:cNvSpPr>
-          <p:nvPr>
-            <p:ph type="title"/>
-          </p:nvPr>
-        </p:nvSpPr>
-        <p:spPr/>
-        <p:txBody>
-          <a:bodyPr/>
-          <a:lstStyle/>
-          <a:p>
-            <a:endParaRPr lang="ru-RU" dirty="0"/>
-          </a:p>
-        </p:txBody>
-      </p:sp>
-      <p:sp>
-        <p:nvSpPr>
           <p:cNvPr id="3" name="Подзаголовок 2">
             <a:extLst>
               <a:ext uri="{FF2B5EF4-FFF2-40B4-BE49-F238E27FC236}">
@@ -9196,7 +9186,12 @@
             <p:ph type="subTitle"/>
           </p:nvPr>
         </p:nvSpPr>
-        <p:spPr/>
+        <p:spPr>
+          <a:xfrm>
+            <a:off x="504672" y="141232"/>
+            <a:ext cx="9071280" cy="1249920"/>
+          </a:xfrm>
+        </p:spPr>
         <p:txBody>
           <a:bodyPr/>
           <a:lstStyle/>
@@ -9205,7 +9200,7 @@
               <a:buNone/>
             </a:pPr>
             <a:r>
-              <a:rPr lang="en-US" dirty="0"/>
+              <a:rPr lang="en-US" sz="3200" dirty="0"/>
               <a:t>N = 60</a:t>
             </a:r>
           </a:p>
@@ -9214,10 +9209,10 @@
               <a:buNone/>
             </a:pPr>
             <a:r>
-              <a:rPr lang="en-US" dirty="0"/>
+              <a:rPr lang="en-US" sz="3200" dirty="0"/>
               <a:t>P = 15</a:t>
             </a:r>
-            <a:endParaRPr lang="ru-RU" dirty="0"/>
+            <a:endParaRPr lang="ru-RU" sz="3200" dirty="0"/>
           </a:p>
         </p:txBody>
       </p:sp>
@@ -9249,8 +9244,8 @@
         </p:blipFill>
         <p:spPr>
           <a:xfrm>
-            <a:off x="1945336" y="478173"/>
-            <a:ext cx="7285996" cy="4371597"/>
+            <a:off x="1904302" y="867432"/>
+            <a:ext cx="7769810" cy="4661886"/>
           </a:xfrm>
           <a:prstGeom prst="rect">
             <a:avLst/>
